--- a/theory_06-representational-state-transfer/theory_06-representational-state-transfer.pptx
+++ b/theory_06-representational-state-transfer/theory_06-representational-state-transfer.pptx
@@ -219,7 +219,7 @@
           <a:p>
             <a:fld id="{251090E0-FB0C-49E9-9864-9F53EABEA96F}" type="datetimeFigureOut">
               <a:rPr lang="en-GB" smtClean="0"/>
-              <a:t>16/02/2024</a:t>
+              <a:t>08/04/2024</a:t>
             </a:fld>
             <a:endParaRPr lang="en-GB"/>
           </a:p>
@@ -4749,7 +4749,7 @@
             </p:spPr>
             <p:txBody>
               <a:bodyPr>
-                <a:normAutofit lnSpcReduction="10000"/>
+                <a:normAutofit/>
               </a:bodyPr>
               <a:lstStyle/>
               <a:p>
@@ -4765,7 +4765,7 @@
               <a:p>
                 <a:r>
                   <a:rPr lang="en-US" sz="2000" dirty="0"/>
-                  <a:t>More precisely, the resource is the conceptual mapping to an entity or a set of entities, it is not the entities that correspond to the mapping in a specific time. </a:t>
+                  <a:t>More precisely, the resource is the conceptual mapping to an entity or a set of entities.</a:t>
                 </a:r>
               </a:p>
               <a:p>
@@ -4962,7 +4962,7 @@
               <a:blipFill>
                 <a:blip r:embed="rId2"/>
                 <a:stretch>
-                  <a:fillRect l="-552" t="-1891" r="-1105"/>
+                  <a:fillRect l="-552" t="-1418" r="-1105"/>
                 </a:stretch>
               </a:blipFill>
             </p:spPr>
@@ -5686,7 +5686,7 @@
             <a:pPr lvl="1"/>
             <a:r>
               <a:rPr lang="en-GB" sz="2400" dirty="0"/>
-              <a:t>late bind specific representations to resources, enabling content negotiation to take place based on characteristics of the request, rather than on the specific content to be requested</a:t>
+              <a:t>late bind specific representations to resources, enabling content negotiation to take place based on characteristics of the request</a:t>
             </a:r>
           </a:p>
         </p:txBody>
@@ -5803,8 +5803,12 @@
           </a:p>
           <a:p>
             <a:r>
+              <a:rPr lang="en-US" b="1" dirty="0"/>
+              <a:t>Note</a:t>
+            </a:r>
+            <a:r>
               <a:rPr lang="en-US" dirty="0"/>
-              <a:t>The representation sent to the client is not necessarily the same used to store the data in the server.  </a:t>
+              <a:t>: The representation sent to the client is not necessarily the same used to store the data in the server.  </a:t>
             </a:r>
           </a:p>
           <a:p>
@@ -7494,178 +7498,6 @@
   <p:clrMapOvr>
     <a:masterClrMapping/>
   </p:clrMapOvr>
-  <p:timing>
-    <p:tnLst>
-      <p:par>
-        <p:cTn id="1" dur="indefinite" restart="never" nodeType="tmRoot">
-          <p:childTnLst>
-            <p:seq concurrent="1" nextAc="seek">
-              <p:cTn id="2" dur="indefinite" nodeType="mainSeq">
-                <p:childTnLst>
-                  <p:par>
-                    <p:cTn id="3" fill="hold">
-                      <p:stCondLst>
-                        <p:cond delay="indefinite"/>
-                      </p:stCondLst>
-                      <p:childTnLst>
-                        <p:par>
-                          <p:cTn id="4" fill="hold">
-                            <p:stCondLst>
-                              <p:cond delay="0"/>
-                            </p:stCondLst>
-                            <p:childTnLst>
-                              <p:par>
-                                <p:cTn id="5" presetID="1" presetClass="entr" presetSubtype="0" fill="hold" nodeType="clickEffect">
-                                  <p:stCondLst>
-                                    <p:cond delay="0"/>
-                                  </p:stCondLst>
-                                  <p:childTnLst>
-                                    <p:set>
-                                      <p:cBhvr>
-                                        <p:cTn id="6" dur="1" fill="hold">
-                                          <p:stCondLst>
-                                            <p:cond delay="0"/>
-                                          </p:stCondLst>
-                                        </p:cTn>
-                                        <p:tgtEl>
-                                          <p:spTgt spid="3">
-                                            <p:txEl>
-                                              <p:pRg st="3" end="3"/>
-                                            </p:txEl>
-                                          </p:spTgt>
-                                        </p:tgtEl>
-                                        <p:attrNameLst>
-                                          <p:attrName>style.visibility</p:attrName>
-                                        </p:attrNameLst>
-                                      </p:cBhvr>
-                                      <p:to>
-                                        <p:strVal val="visible"/>
-                                      </p:to>
-                                    </p:set>
-                                  </p:childTnLst>
-                                </p:cTn>
-                              </p:par>
-                              <p:par>
-                                <p:cTn id="7" presetID="1" presetClass="entr" presetSubtype="0" fill="hold" nodeType="withEffect">
-                                  <p:stCondLst>
-                                    <p:cond delay="0"/>
-                                  </p:stCondLst>
-                                  <p:childTnLst>
-                                    <p:set>
-                                      <p:cBhvr>
-                                        <p:cTn id="8" dur="1" fill="hold">
-                                          <p:stCondLst>
-                                            <p:cond delay="0"/>
-                                          </p:stCondLst>
-                                        </p:cTn>
-                                        <p:tgtEl>
-                                          <p:spTgt spid="3">
-                                            <p:txEl>
-                                              <p:pRg st="4" end="4"/>
-                                            </p:txEl>
-                                          </p:spTgt>
-                                        </p:tgtEl>
-                                        <p:attrNameLst>
-                                          <p:attrName>style.visibility</p:attrName>
-                                        </p:attrNameLst>
-                                      </p:cBhvr>
-                                      <p:to>
-                                        <p:strVal val="visible"/>
-                                      </p:to>
-                                    </p:set>
-                                  </p:childTnLst>
-                                </p:cTn>
-                              </p:par>
-                              <p:par>
-                                <p:cTn id="9" presetID="1" presetClass="entr" presetSubtype="0" fill="hold" nodeType="withEffect">
-                                  <p:stCondLst>
-                                    <p:cond delay="0"/>
-                                  </p:stCondLst>
-                                  <p:childTnLst>
-                                    <p:set>
-                                      <p:cBhvr>
-                                        <p:cTn id="10" dur="1" fill="hold">
-                                          <p:stCondLst>
-                                            <p:cond delay="0"/>
-                                          </p:stCondLst>
-                                        </p:cTn>
-                                        <p:tgtEl>
-                                          <p:spTgt spid="3">
-                                            <p:txEl>
-                                              <p:pRg st="5" end="5"/>
-                                            </p:txEl>
-                                          </p:spTgt>
-                                        </p:tgtEl>
-                                        <p:attrNameLst>
-                                          <p:attrName>style.visibility</p:attrName>
-                                        </p:attrNameLst>
-                                      </p:cBhvr>
-                                      <p:to>
-                                        <p:strVal val="visible"/>
-                                      </p:to>
-                                    </p:set>
-                                  </p:childTnLst>
-                                </p:cTn>
-                              </p:par>
-                              <p:par>
-                                <p:cTn id="11" presetID="1" presetClass="entr" presetSubtype="0" fill="hold" nodeType="withEffect">
-                                  <p:stCondLst>
-                                    <p:cond delay="0"/>
-                                  </p:stCondLst>
-                                  <p:childTnLst>
-                                    <p:set>
-                                      <p:cBhvr>
-                                        <p:cTn id="12" dur="1" fill="hold">
-                                          <p:stCondLst>
-                                            <p:cond delay="0"/>
-                                          </p:stCondLst>
-                                        </p:cTn>
-                                        <p:tgtEl>
-                                          <p:spTgt spid="3">
-                                            <p:txEl>
-                                              <p:pRg st="6" end="6"/>
-                                            </p:txEl>
-                                          </p:spTgt>
-                                        </p:tgtEl>
-                                        <p:attrNameLst>
-                                          <p:attrName>style.visibility</p:attrName>
-                                        </p:attrNameLst>
-                                      </p:cBhvr>
-                                      <p:to>
-                                        <p:strVal val="visible"/>
-                                      </p:to>
-                                    </p:set>
-                                  </p:childTnLst>
-                                </p:cTn>
-                              </p:par>
-                            </p:childTnLst>
-                          </p:cTn>
-                        </p:par>
-                      </p:childTnLst>
-                    </p:cTn>
-                  </p:par>
-                </p:childTnLst>
-              </p:cTn>
-              <p:prevCondLst>
-                <p:cond evt="onPrev" delay="0">
-                  <p:tgtEl>
-                    <p:sldTgt/>
-                  </p:tgtEl>
-                </p:cond>
-              </p:prevCondLst>
-              <p:nextCondLst>
-                <p:cond evt="onNext" delay="0">
-                  <p:tgtEl>
-                    <p:sldTgt/>
-                  </p:tgtEl>
-                </p:cond>
-              </p:nextCondLst>
-            </p:seq>
-          </p:childTnLst>
-        </p:cTn>
-      </p:par>
-    </p:tnLst>
-  </p:timing>
 </p:sld>
 </file>
 
@@ -9710,422 +9542,6 @@
   <p:clrMapOvr>
     <a:masterClrMapping/>
   </p:clrMapOvr>
-  <p:timing>
-    <p:tnLst>
-      <p:par>
-        <p:cTn id="1" dur="indefinite" restart="never" nodeType="tmRoot">
-          <p:childTnLst>
-            <p:seq concurrent="1" nextAc="seek">
-              <p:cTn id="2" dur="indefinite" nodeType="mainSeq">
-                <p:childTnLst>
-                  <p:par>
-                    <p:cTn id="3" fill="hold">
-                      <p:stCondLst>
-                        <p:cond delay="indefinite"/>
-                      </p:stCondLst>
-                      <p:childTnLst>
-                        <p:par>
-                          <p:cTn id="4" fill="hold">
-                            <p:stCondLst>
-                              <p:cond delay="0"/>
-                            </p:stCondLst>
-                            <p:childTnLst>
-                              <p:par>
-                                <p:cTn id="5" presetID="1" presetClass="entr" presetSubtype="0" fill="hold" grpId="0" nodeType="clickEffect">
-                                  <p:stCondLst>
-                                    <p:cond delay="0"/>
-                                  </p:stCondLst>
-                                  <p:childTnLst>
-                                    <p:set>
-                                      <p:cBhvr>
-                                        <p:cTn id="6" dur="1" fill="hold">
-                                          <p:stCondLst>
-                                            <p:cond delay="0"/>
-                                          </p:stCondLst>
-                                        </p:cTn>
-                                        <p:tgtEl>
-                                          <p:spTgt spid="4"/>
-                                        </p:tgtEl>
-                                        <p:attrNameLst>
-                                          <p:attrName>style.visibility</p:attrName>
-                                        </p:attrNameLst>
-                                      </p:cBhvr>
-                                      <p:to>
-                                        <p:strVal val="visible"/>
-                                      </p:to>
-                                    </p:set>
-                                  </p:childTnLst>
-                                </p:cTn>
-                              </p:par>
-                              <p:par>
-                                <p:cTn id="7" presetID="1" presetClass="entr" presetSubtype="0" fill="hold" grpId="0" nodeType="withEffect">
-                                  <p:stCondLst>
-                                    <p:cond delay="0"/>
-                                  </p:stCondLst>
-                                  <p:childTnLst>
-                                    <p:set>
-                                      <p:cBhvr>
-                                        <p:cTn id="8" dur="1" fill="hold">
-                                          <p:stCondLst>
-                                            <p:cond delay="0"/>
-                                          </p:stCondLst>
-                                        </p:cTn>
-                                        <p:tgtEl>
-                                          <p:spTgt spid="5"/>
-                                        </p:tgtEl>
-                                        <p:attrNameLst>
-                                          <p:attrName>style.visibility</p:attrName>
-                                        </p:attrNameLst>
-                                      </p:cBhvr>
-                                      <p:to>
-                                        <p:strVal val="visible"/>
-                                      </p:to>
-                                    </p:set>
-                                  </p:childTnLst>
-                                </p:cTn>
-                              </p:par>
-                            </p:childTnLst>
-                          </p:cTn>
-                        </p:par>
-                      </p:childTnLst>
-                    </p:cTn>
-                  </p:par>
-                  <p:par>
-                    <p:cTn id="9" fill="hold">
-                      <p:stCondLst>
-                        <p:cond delay="indefinite"/>
-                      </p:stCondLst>
-                      <p:childTnLst>
-                        <p:par>
-                          <p:cTn id="10" fill="hold">
-                            <p:stCondLst>
-                              <p:cond delay="0"/>
-                            </p:stCondLst>
-                            <p:childTnLst>
-                              <p:par>
-                                <p:cTn id="11" presetID="1" presetClass="entr" presetSubtype="0" fill="hold" grpId="0" nodeType="clickEffect">
-                                  <p:stCondLst>
-                                    <p:cond delay="0"/>
-                                  </p:stCondLst>
-                                  <p:childTnLst>
-                                    <p:set>
-                                      <p:cBhvr>
-                                        <p:cTn id="12" dur="1" fill="hold">
-                                          <p:stCondLst>
-                                            <p:cond delay="0"/>
-                                          </p:stCondLst>
-                                        </p:cTn>
-                                        <p:tgtEl>
-                                          <p:spTgt spid="3">
-                                            <p:txEl>
-                                              <p:pRg st="0" end="0"/>
-                                            </p:txEl>
-                                          </p:spTgt>
-                                        </p:tgtEl>
-                                        <p:attrNameLst>
-                                          <p:attrName>style.visibility</p:attrName>
-                                        </p:attrNameLst>
-                                      </p:cBhvr>
-                                      <p:to>
-                                        <p:strVal val="visible"/>
-                                      </p:to>
-                                    </p:set>
-                                  </p:childTnLst>
-                                </p:cTn>
-                              </p:par>
-                              <p:par>
-                                <p:cTn id="13" presetID="1" presetClass="entr" presetSubtype="0" fill="hold" grpId="0" nodeType="withEffect">
-                                  <p:stCondLst>
-                                    <p:cond delay="0"/>
-                                  </p:stCondLst>
-                                  <p:childTnLst>
-                                    <p:set>
-                                      <p:cBhvr>
-                                        <p:cTn id="14" dur="1" fill="hold">
-                                          <p:stCondLst>
-                                            <p:cond delay="0"/>
-                                          </p:stCondLst>
-                                        </p:cTn>
-                                        <p:tgtEl>
-                                          <p:spTgt spid="3">
-                                            <p:txEl>
-                                              <p:pRg st="1" end="1"/>
-                                            </p:txEl>
-                                          </p:spTgt>
-                                        </p:tgtEl>
-                                        <p:attrNameLst>
-                                          <p:attrName>style.visibility</p:attrName>
-                                        </p:attrNameLst>
-                                      </p:cBhvr>
-                                      <p:to>
-                                        <p:strVal val="visible"/>
-                                      </p:to>
-                                    </p:set>
-                                  </p:childTnLst>
-                                </p:cTn>
-                              </p:par>
-                              <p:par>
-                                <p:cTn id="15" presetID="1" presetClass="entr" presetSubtype="0" fill="hold" grpId="0" nodeType="withEffect">
-                                  <p:stCondLst>
-                                    <p:cond delay="0"/>
-                                  </p:stCondLst>
-                                  <p:childTnLst>
-                                    <p:set>
-                                      <p:cBhvr>
-                                        <p:cTn id="16" dur="1" fill="hold">
-                                          <p:stCondLst>
-                                            <p:cond delay="0"/>
-                                          </p:stCondLst>
-                                        </p:cTn>
-                                        <p:tgtEl>
-                                          <p:spTgt spid="3">
-                                            <p:txEl>
-                                              <p:pRg st="2" end="2"/>
-                                            </p:txEl>
-                                          </p:spTgt>
-                                        </p:tgtEl>
-                                        <p:attrNameLst>
-                                          <p:attrName>style.visibility</p:attrName>
-                                        </p:attrNameLst>
-                                      </p:cBhvr>
-                                      <p:to>
-                                        <p:strVal val="visible"/>
-                                      </p:to>
-                                    </p:set>
-                                  </p:childTnLst>
-                                </p:cTn>
-                              </p:par>
-                              <p:par>
-                                <p:cTn id="17" presetID="1" presetClass="entr" presetSubtype="0" fill="hold" grpId="0" nodeType="withEffect">
-                                  <p:stCondLst>
-                                    <p:cond delay="0"/>
-                                  </p:stCondLst>
-                                  <p:childTnLst>
-                                    <p:set>
-                                      <p:cBhvr>
-                                        <p:cTn id="18" dur="1" fill="hold">
-                                          <p:stCondLst>
-                                            <p:cond delay="0"/>
-                                          </p:stCondLst>
-                                        </p:cTn>
-                                        <p:tgtEl>
-                                          <p:spTgt spid="3">
-                                            <p:txEl>
-                                              <p:pRg st="3" end="3"/>
-                                            </p:txEl>
-                                          </p:spTgt>
-                                        </p:tgtEl>
-                                        <p:attrNameLst>
-                                          <p:attrName>style.visibility</p:attrName>
-                                        </p:attrNameLst>
-                                      </p:cBhvr>
-                                      <p:to>
-                                        <p:strVal val="visible"/>
-                                      </p:to>
-                                    </p:set>
-                                  </p:childTnLst>
-                                </p:cTn>
-                              </p:par>
-                              <p:par>
-                                <p:cTn id="19" presetID="1" presetClass="entr" presetSubtype="0" fill="hold" grpId="0" nodeType="withEffect">
-                                  <p:stCondLst>
-                                    <p:cond delay="0"/>
-                                  </p:stCondLst>
-                                  <p:childTnLst>
-                                    <p:set>
-                                      <p:cBhvr>
-                                        <p:cTn id="20" dur="1" fill="hold">
-                                          <p:stCondLst>
-                                            <p:cond delay="0"/>
-                                          </p:stCondLst>
-                                        </p:cTn>
-                                        <p:tgtEl>
-                                          <p:spTgt spid="3">
-                                            <p:txEl>
-                                              <p:pRg st="4" end="4"/>
-                                            </p:txEl>
-                                          </p:spTgt>
-                                        </p:tgtEl>
-                                        <p:attrNameLst>
-                                          <p:attrName>style.visibility</p:attrName>
-                                        </p:attrNameLst>
-                                      </p:cBhvr>
-                                      <p:to>
-                                        <p:strVal val="visible"/>
-                                      </p:to>
-                                    </p:set>
-                                  </p:childTnLst>
-                                </p:cTn>
-                              </p:par>
-                              <p:par>
-                                <p:cTn id="21" presetID="1" presetClass="entr" presetSubtype="0" fill="hold" grpId="0" nodeType="withEffect">
-                                  <p:stCondLst>
-                                    <p:cond delay="0"/>
-                                  </p:stCondLst>
-                                  <p:childTnLst>
-                                    <p:set>
-                                      <p:cBhvr>
-                                        <p:cTn id="22" dur="1" fill="hold">
-                                          <p:stCondLst>
-                                            <p:cond delay="0"/>
-                                          </p:stCondLst>
-                                        </p:cTn>
-                                        <p:tgtEl>
-                                          <p:spTgt spid="3">
-                                            <p:txEl>
-                                              <p:pRg st="5" end="5"/>
-                                            </p:txEl>
-                                          </p:spTgt>
-                                        </p:tgtEl>
-                                        <p:attrNameLst>
-                                          <p:attrName>style.visibility</p:attrName>
-                                        </p:attrNameLst>
-                                      </p:cBhvr>
-                                      <p:to>
-                                        <p:strVal val="visible"/>
-                                      </p:to>
-                                    </p:set>
-                                  </p:childTnLst>
-                                </p:cTn>
-                              </p:par>
-                              <p:par>
-                                <p:cTn id="23" presetID="1" presetClass="entr" presetSubtype="0" fill="hold" grpId="0" nodeType="withEffect">
-                                  <p:stCondLst>
-                                    <p:cond delay="0"/>
-                                  </p:stCondLst>
-                                  <p:childTnLst>
-                                    <p:set>
-                                      <p:cBhvr>
-                                        <p:cTn id="24" dur="1" fill="hold">
-                                          <p:stCondLst>
-                                            <p:cond delay="0"/>
-                                          </p:stCondLst>
-                                        </p:cTn>
-                                        <p:tgtEl>
-                                          <p:spTgt spid="3">
-                                            <p:txEl>
-                                              <p:pRg st="6" end="6"/>
-                                            </p:txEl>
-                                          </p:spTgt>
-                                        </p:tgtEl>
-                                        <p:attrNameLst>
-                                          <p:attrName>style.visibility</p:attrName>
-                                        </p:attrNameLst>
-                                      </p:cBhvr>
-                                      <p:to>
-                                        <p:strVal val="visible"/>
-                                      </p:to>
-                                    </p:set>
-                                  </p:childTnLst>
-                                </p:cTn>
-                              </p:par>
-                              <p:par>
-                                <p:cTn id="25" presetID="1" presetClass="entr" presetSubtype="0" fill="hold" grpId="0" nodeType="withEffect">
-                                  <p:stCondLst>
-                                    <p:cond delay="0"/>
-                                  </p:stCondLst>
-                                  <p:childTnLst>
-                                    <p:set>
-                                      <p:cBhvr>
-                                        <p:cTn id="26" dur="1" fill="hold">
-                                          <p:stCondLst>
-                                            <p:cond delay="0"/>
-                                          </p:stCondLst>
-                                        </p:cTn>
-                                        <p:tgtEl>
-                                          <p:spTgt spid="6"/>
-                                        </p:tgtEl>
-                                        <p:attrNameLst>
-                                          <p:attrName>style.visibility</p:attrName>
-                                        </p:attrNameLst>
-                                      </p:cBhvr>
-                                      <p:to>
-                                        <p:strVal val="visible"/>
-                                      </p:to>
-                                    </p:set>
-                                  </p:childTnLst>
-                                </p:cTn>
-                              </p:par>
-                            </p:childTnLst>
-                          </p:cTn>
-                        </p:par>
-                      </p:childTnLst>
-                    </p:cTn>
-                  </p:par>
-                  <p:par>
-                    <p:cTn id="27" fill="hold">
-                      <p:stCondLst>
-                        <p:cond delay="indefinite"/>
-                      </p:stCondLst>
-                      <p:childTnLst>
-                        <p:par>
-                          <p:cTn id="28" fill="hold">
-                            <p:stCondLst>
-                              <p:cond delay="0"/>
-                            </p:stCondLst>
-                            <p:childTnLst>
-                              <p:par>
-                                <p:cTn id="29" presetID="1" presetClass="entr" presetSubtype="0" fill="hold" grpId="0" nodeType="clickEffect">
-                                  <p:stCondLst>
-                                    <p:cond delay="0"/>
-                                  </p:stCondLst>
-                                  <p:childTnLst>
-                                    <p:set>
-                                      <p:cBhvr>
-                                        <p:cTn id="30" dur="1" fill="hold">
-                                          <p:stCondLst>
-                                            <p:cond delay="0"/>
-                                          </p:stCondLst>
-                                        </p:cTn>
-                                        <p:tgtEl>
-                                          <p:spTgt spid="7"/>
-                                        </p:tgtEl>
-                                        <p:attrNameLst>
-                                          <p:attrName>style.visibility</p:attrName>
-                                        </p:attrNameLst>
-                                      </p:cBhvr>
-                                      <p:to>
-                                        <p:strVal val="visible"/>
-                                      </p:to>
-                                    </p:set>
-                                  </p:childTnLst>
-                                </p:cTn>
-                              </p:par>
-                            </p:childTnLst>
-                          </p:cTn>
-                        </p:par>
-                      </p:childTnLst>
-                    </p:cTn>
-                  </p:par>
-                </p:childTnLst>
-              </p:cTn>
-              <p:prevCondLst>
-                <p:cond evt="onPrev" delay="0">
-                  <p:tgtEl>
-                    <p:sldTgt/>
-                  </p:tgtEl>
-                </p:cond>
-              </p:prevCondLst>
-              <p:nextCondLst>
-                <p:cond evt="onNext" delay="0">
-                  <p:tgtEl>
-                    <p:sldTgt/>
-                  </p:tgtEl>
-                </p:cond>
-              </p:nextCondLst>
-            </p:seq>
-          </p:childTnLst>
-        </p:cTn>
-      </p:par>
-    </p:tnLst>
-    <p:bldLst>
-      <p:bldP spid="5" grpId="0" animBg="1"/>
-      <p:bldP spid="3" grpId="0" build="p"/>
-      <p:bldP spid="4" grpId="0"/>
-      <p:bldP spid="6" grpId="0" animBg="1"/>
-      <p:bldP spid="7" grpId="0" animBg="1"/>
-    </p:bldLst>
-  </p:timing>
 </p:sld>
 </file>
 
@@ -10851,178 +10267,6 @@
   <p:clrMapOvr>
     <a:masterClrMapping/>
   </p:clrMapOvr>
-  <p:timing>
-    <p:tnLst>
-      <p:par>
-        <p:cTn id="1" dur="indefinite" restart="never" nodeType="tmRoot">
-          <p:childTnLst>
-            <p:seq concurrent="1" nextAc="seek">
-              <p:cTn id="2" dur="indefinite" nodeType="mainSeq">
-                <p:childTnLst>
-                  <p:par>
-                    <p:cTn id="3" fill="hold">
-                      <p:stCondLst>
-                        <p:cond delay="indefinite"/>
-                      </p:stCondLst>
-                      <p:childTnLst>
-                        <p:par>
-                          <p:cTn id="4" fill="hold">
-                            <p:stCondLst>
-                              <p:cond delay="0"/>
-                            </p:stCondLst>
-                            <p:childTnLst>
-                              <p:par>
-                                <p:cTn id="5" presetID="1" presetClass="entr" presetSubtype="0" fill="hold" nodeType="clickEffect">
-                                  <p:stCondLst>
-                                    <p:cond delay="0"/>
-                                  </p:stCondLst>
-                                  <p:childTnLst>
-                                    <p:set>
-                                      <p:cBhvr>
-                                        <p:cTn id="6" dur="1" fill="hold">
-                                          <p:stCondLst>
-                                            <p:cond delay="0"/>
-                                          </p:stCondLst>
-                                        </p:cTn>
-                                        <p:tgtEl>
-                                          <p:spTgt spid="3">
-                                            <p:txEl>
-                                              <p:pRg st="4" end="4"/>
-                                            </p:txEl>
-                                          </p:spTgt>
-                                        </p:tgtEl>
-                                        <p:attrNameLst>
-                                          <p:attrName>style.visibility</p:attrName>
-                                        </p:attrNameLst>
-                                      </p:cBhvr>
-                                      <p:to>
-                                        <p:strVal val="visible"/>
-                                      </p:to>
-                                    </p:set>
-                                  </p:childTnLst>
-                                </p:cTn>
-                              </p:par>
-                              <p:par>
-                                <p:cTn id="7" presetID="1" presetClass="entr" presetSubtype="0" fill="hold" nodeType="withEffect">
-                                  <p:stCondLst>
-                                    <p:cond delay="0"/>
-                                  </p:stCondLst>
-                                  <p:childTnLst>
-                                    <p:set>
-                                      <p:cBhvr>
-                                        <p:cTn id="8" dur="1" fill="hold">
-                                          <p:stCondLst>
-                                            <p:cond delay="0"/>
-                                          </p:stCondLst>
-                                        </p:cTn>
-                                        <p:tgtEl>
-                                          <p:spTgt spid="3">
-                                            <p:txEl>
-                                              <p:pRg st="5" end="5"/>
-                                            </p:txEl>
-                                          </p:spTgt>
-                                        </p:tgtEl>
-                                        <p:attrNameLst>
-                                          <p:attrName>style.visibility</p:attrName>
-                                        </p:attrNameLst>
-                                      </p:cBhvr>
-                                      <p:to>
-                                        <p:strVal val="visible"/>
-                                      </p:to>
-                                    </p:set>
-                                  </p:childTnLst>
-                                </p:cTn>
-                              </p:par>
-                              <p:par>
-                                <p:cTn id="9" presetID="1" presetClass="entr" presetSubtype="0" fill="hold" nodeType="withEffect">
-                                  <p:stCondLst>
-                                    <p:cond delay="0"/>
-                                  </p:stCondLst>
-                                  <p:childTnLst>
-                                    <p:set>
-                                      <p:cBhvr>
-                                        <p:cTn id="10" dur="1" fill="hold">
-                                          <p:stCondLst>
-                                            <p:cond delay="0"/>
-                                          </p:stCondLst>
-                                        </p:cTn>
-                                        <p:tgtEl>
-                                          <p:spTgt spid="3">
-                                            <p:txEl>
-                                              <p:pRg st="6" end="6"/>
-                                            </p:txEl>
-                                          </p:spTgt>
-                                        </p:tgtEl>
-                                        <p:attrNameLst>
-                                          <p:attrName>style.visibility</p:attrName>
-                                        </p:attrNameLst>
-                                      </p:cBhvr>
-                                      <p:to>
-                                        <p:strVal val="visible"/>
-                                      </p:to>
-                                    </p:set>
-                                  </p:childTnLst>
-                                </p:cTn>
-                              </p:par>
-                              <p:par>
-                                <p:cTn id="11" presetID="1" presetClass="entr" presetSubtype="0" fill="hold" nodeType="withEffect">
-                                  <p:stCondLst>
-                                    <p:cond delay="0"/>
-                                  </p:stCondLst>
-                                  <p:childTnLst>
-                                    <p:set>
-                                      <p:cBhvr>
-                                        <p:cTn id="12" dur="1" fill="hold">
-                                          <p:stCondLst>
-                                            <p:cond delay="0"/>
-                                          </p:stCondLst>
-                                        </p:cTn>
-                                        <p:tgtEl>
-                                          <p:spTgt spid="3">
-                                            <p:txEl>
-                                              <p:pRg st="7" end="7"/>
-                                            </p:txEl>
-                                          </p:spTgt>
-                                        </p:tgtEl>
-                                        <p:attrNameLst>
-                                          <p:attrName>style.visibility</p:attrName>
-                                        </p:attrNameLst>
-                                      </p:cBhvr>
-                                      <p:to>
-                                        <p:strVal val="visible"/>
-                                      </p:to>
-                                    </p:set>
-                                  </p:childTnLst>
-                                </p:cTn>
-                              </p:par>
-                            </p:childTnLst>
-                          </p:cTn>
-                        </p:par>
-                      </p:childTnLst>
-                    </p:cTn>
-                  </p:par>
-                </p:childTnLst>
-              </p:cTn>
-              <p:prevCondLst>
-                <p:cond evt="onPrev" delay="0">
-                  <p:tgtEl>
-                    <p:sldTgt/>
-                  </p:tgtEl>
-                </p:cond>
-              </p:prevCondLst>
-              <p:nextCondLst>
-                <p:cond evt="onNext" delay="0">
-                  <p:tgtEl>
-                    <p:sldTgt/>
-                  </p:tgtEl>
-                </p:cond>
-              </p:nextCondLst>
-            </p:seq>
-          </p:childTnLst>
-        </p:cTn>
-      </p:par>
-    </p:tnLst>
-  </p:timing>
 </p:sld>
 </file>
 
@@ -11295,227 +10539,6 @@
   <p:clrMapOvr>
     <a:masterClrMapping/>
   </p:clrMapOvr>
-  <p:timing>
-    <p:tnLst>
-      <p:par>
-        <p:cTn id="1" dur="indefinite" restart="never" nodeType="tmRoot">
-          <p:childTnLst>
-            <p:seq concurrent="1" nextAc="seek">
-              <p:cTn id="2" dur="indefinite" nodeType="mainSeq">
-                <p:childTnLst>
-                  <p:par>
-                    <p:cTn id="3" fill="hold">
-                      <p:stCondLst>
-                        <p:cond delay="indefinite"/>
-                      </p:stCondLst>
-                      <p:childTnLst>
-                        <p:par>
-                          <p:cTn id="4" fill="hold">
-                            <p:stCondLst>
-                              <p:cond delay="0"/>
-                            </p:stCondLst>
-                            <p:childTnLst>
-                              <p:par>
-                                <p:cTn id="5" presetID="1" presetClass="entr" presetSubtype="0" fill="hold" nodeType="clickEffect">
-                                  <p:stCondLst>
-                                    <p:cond delay="0"/>
-                                  </p:stCondLst>
-                                  <p:childTnLst>
-                                    <p:set>
-                                      <p:cBhvr>
-                                        <p:cTn id="6" dur="1" fill="hold">
-                                          <p:stCondLst>
-                                            <p:cond delay="0"/>
-                                          </p:stCondLst>
-                                        </p:cTn>
-                                        <p:tgtEl>
-                                          <p:spTgt spid="3">
-                                            <p:txEl>
-                                              <p:pRg st="6" end="6"/>
-                                            </p:txEl>
-                                          </p:spTgt>
-                                        </p:tgtEl>
-                                        <p:attrNameLst>
-                                          <p:attrName>style.visibility</p:attrName>
-                                        </p:attrNameLst>
-                                      </p:cBhvr>
-                                      <p:to>
-                                        <p:strVal val="visible"/>
-                                      </p:to>
-                                    </p:set>
-                                  </p:childTnLst>
-                                </p:cTn>
-                              </p:par>
-                              <p:par>
-                                <p:cTn id="7" presetID="1" presetClass="entr" presetSubtype="0" fill="hold" nodeType="withEffect">
-                                  <p:stCondLst>
-                                    <p:cond delay="0"/>
-                                  </p:stCondLst>
-                                  <p:childTnLst>
-                                    <p:set>
-                                      <p:cBhvr>
-                                        <p:cTn id="8" dur="1" fill="hold">
-                                          <p:stCondLst>
-                                            <p:cond delay="0"/>
-                                          </p:stCondLst>
-                                        </p:cTn>
-                                        <p:tgtEl>
-                                          <p:spTgt spid="3">
-                                            <p:txEl>
-                                              <p:pRg st="7" end="7"/>
-                                            </p:txEl>
-                                          </p:spTgt>
-                                        </p:tgtEl>
-                                        <p:attrNameLst>
-                                          <p:attrName>style.visibility</p:attrName>
-                                        </p:attrNameLst>
-                                      </p:cBhvr>
-                                      <p:to>
-                                        <p:strVal val="visible"/>
-                                      </p:to>
-                                    </p:set>
-                                  </p:childTnLst>
-                                </p:cTn>
-                              </p:par>
-                              <p:par>
-                                <p:cTn id="9" presetID="1" presetClass="entr" presetSubtype="0" fill="hold" nodeType="withEffect">
-                                  <p:stCondLst>
-                                    <p:cond delay="0"/>
-                                  </p:stCondLst>
-                                  <p:childTnLst>
-                                    <p:set>
-                                      <p:cBhvr>
-                                        <p:cTn id="10" dur="1" fill="hold">
-                                          <p:stCondLst>
-                                            <p:cond delay="0"/>
-                                          </p:stCondLst>
-                                        </p:cTn>
-                                        <p:tgtEl>
-                                          <p:spTgt spid="3">
-                                            <p:txEl>
-                                              <p:pRg st="8" end="8"/>
-                                            </p:txEl>
-                                          </p:spTgt>
-                                        </p:tgtEl>
-                                        <p:attrNameLst>
-                                          <p:attrName>style.visibility</p:attrName>
-                                        </p:attrNameLst>
-                                      </p:cBhvr>
-                                      <p:to>
-                                        <p:strVal val="visible"/>
-                                      </p:to>
-                                    </p:set>
-                                  </p:childTnLst>
-                                </p:cTn>
-                              </p:par>
-                              <p:par>
-                                <p:cTn id="11" presetID="1" presetClass="entr" presetSubtype="0" fill="hold" nodeType="withEffect">
-                                  <p:stCondLst>
-                                    <p:cond delay="0"/>
-                                  </p:stCondLst>
-                                  <p:childTnLst>
-                                    <p:set>
-                                      <p:cBhvr>
-                                        <p:cTn id="12" dur="1" fill="hold">
-                                          <p:stCondLst>
-                                            <p:cond delay="0"/>
-                                          </p:stCondLst>
-                                        </p:cTn>
-                                        <p:tgtEl>
-                                          <p:spTgt spid="3">
-                                            <p:txEl>
-                                              <p:pRg st="9" end="9"/>
-                                            </p:txEl>
-                                          </p:spTgt>
-                                        </p:tgtEl>
-                                        <p:attrNameLst>
-                                          <p:attrName>style.visibility</p:attrName>
-                                        </p:attrNameLst>
-                                      </p:cBhvr>
-                                      <p:to>
-                                        <p:strVal val="visible"/>
-                                      </p:to>
-                                    </p:set>
-                                  </p:childTnLst>
-                                </p:cTn>
-                              </p:par>
-                            </p:childTnLst>
-                          </p:cTn>
-                        </p:par>
-                      </p:childTnLst>
-                    </p:cTn>
-                  </p:par>
-                  <p:par>
-                    <p:cTn id="13" fill="hold">
-                      <p:stCondLst>
-                        <p:cond delay="indefinite"/>
-                      </p:stCondLst>
-                      <p:childTnLst>
-                        <p:par>
-                          <p:cTn id="14" fill="hold">
-                            <p:stCondLst>
-                              <p:cond delay="0"/>
-                            </p:stCondLst>
-                            <p:childTnLst>
-                              <p:par>
-                                <p:cTn id="15" presetID="1" presetClass="entr" presetSubtype="0" fill="hold" nodeType="clickEffect">
-                                  <p:stCondLst>
-                                    <p:cond delay="0"/>
-                                  </p:stCondLst>
-                                  <p:childTnLst>
-                                    <p:set>
-                                      <p:cBhvr>
-                                        <p:cTn id="16" dur="1" fill="hold">
-                                          <p:stCondLst>
-                                            <p:cond delay="0"/>
-                                          </p:stCondLst>
-                                        </p:cTn>
-                                        <p:tgtEl>
-                                          <p:spTgt spid="3">
-                                            <p:txEl>
-                                              <p:pRg st="10" end="10"/>
-                                            </p:txEl>
-                                          </p:spTgt>
-                                        </p:tgtEl>
-                                        <p:attrNameLst>
-                                          <p:attrName>style.visibility</p:attrName>
-                                        </p:attrNameLst>
-                                      </p:cBhvr>
-                                      <p:to>
-                                        <p:strVal val="visible"/>
-                                      </p:to>
-                                    </p:set>
-                                  </p:childTnLst>
-                                </p:cTn>
-                              </p:par>
-                            </p:childTnLst>
-                          </p:cTn>
-                        </p:par>
-                      </p:childTnLst>
-                    </p:cTn>
-                  </p:par>
-                </p:childTnLst>
-              </p:cTn>
-              <p:prevCondLst>
-                <p:cond evt="onPrev" delay="0">
-                  <p:tgtEl>
-                    <p:sldTgt/>
-                  </p:tgtEl>
-                </p:cond>
-              </p:prevCondLst>
-              <p:nextCondLst>
-                <p:cond evt="onNext" delay="0">
-                  <p:tgtEl>
-                    <p:sldTgt/>
-                  </p:tgtEl>
-                </p:cond>
-              </p:nextCondLst>
-            </p:seq>
-          </p:childTnLst>
-        </p:cTn>
-      </p:par>
-    </p:tnLst>
-  </p:timing>
 </p:sld>
 </file>
 
@@ -11702,116 +10725,6 @@
   <p:clrMapOvr>
     <a:masterClrMapping/>
   </p:clrMapOvr>
-  <p:timing>
-    <p:tnLst>
-      <p:par>
-        <p:cTn id="1" dur="indefinite" restart="never" nodeType="tmRoot">
-          <p:childTnLst>
-            <p:seq concurrent="1" nextAc="seek">
-              <p:cTn id="2" dur="indefinite" nodeType="mainSeq">
-                <p:childTnLst>
-                  <p:par>
-                    <p:cTn id="3" fill="hold">
-                      <p:stCondLst>
-                        <p:cond delay="indefinite"/>
-                      </p:stCondLst>
-                      <p:childTnLst>
-                        <p:par>
-                          <p:cTn id="4" fill="hold">
-                            <p:stCondLst>
-                              <p:cond delay="0"/>
-                            </p:stCondLst>
-                            <p:childTnLst>
-                              <p:par>
-                                <p:cTn id="5" presetID="1" presetClass="entr" presetSubtype="0" fill="hold" nodeType="clickEffect">
-                                  <p:stCondLst>
-                                    <p:cond delay="0"/>
-                                  </p:stCondLst>
-                                  <p:childTnLst>
-                                    <p:set>
-                                      <p:cBhvr>
-                                        <p:cTn id="6" dur="1" fill="hold">
-                                          <p:stCondLst>
-                                            <p:cond delay="0"/>
-                                          </p:stCondLst>
-                                        </p:cTn>
-                                        <p:tgtEl>
-                                          <p:spTgt spid="3">
-                                            <p:txEl>
-                                              <p:pRg st="7" end="7"/>
-                                            </p:txEl>
-                                          </p:spTgt>
-                                        </p:tgtEl>
-                                        <p:attrNameLst>
-                                          <p:attrName>style.visibility</p:attrName>
-                                        </p:attrNameLst>
-                                      </p:cBhvr>
-                                      <p:to>
-                                        <p:strVal val="visible"/>
-                                      </p:to>
-                                    </p:set>
-                                  </p:childTnLst>
-                                </p:cTn>
-                              </p:par>
-                              <p:par>
-                                <p:cTn id="7" presetID="1" presetClass="entr" presetSubtype="0" fill="hold" nodeType="withEffect">
-                                  <p:stCondLst>
-                                    <p:cond delay="0"/>
-                                  </p:stCondLst>
-                                  <p:childTnLst>
-                                    <p:set>
-                                      <p:cBhvr>
-                                        <p:cTn id="8" dur="1" fill="hold">
-                                          <p:stCondLst>
-                                            <p:cond delay="0"/>
-                                          </p:stCondLst>
-                                        </p:cTn>
-                                        <p:tgtEl>
-                                          <p:spTgt spid="3">
-                                            <p:txEl>
-                                              <p:pRg st="8" end="8"/>
-                                            </p:txEl>
-                                          </p:spTgt>
-                                        </p:tgtEl>
-                                        <p:attrNameLst>
-                                          <p:attrName>style.visibility</p:attrName>
-                                        </p:attrNameLst>
-                                      </p:cBhvr>
-                                      <p:to>
-                                        <p:strVal val="visible"/>
-                                      </p:to>
-                                    </p:set>
-                                  </p:childTnLst>
-                                </p:cTn>
-                              </p:par>
-                            </p:childTnLst>
-                          </p:cTn>
-                        </p:par>
-                      </p:childTnLst>
-                    </p:cTn>
-                  </p:par>
-                </p:childTnLst>
-              </p:cTn>
-              <p:prevCondLst>
-                <p:cond evt="onPrev" delay="0">
-                  <p:tgtEl>
-                    <p:sldTgt/>
-                  </p:tgtEl>
-                </p:cond>
-              </p:prevCondLst>
-              <p:nextCondLst>
-                <p:cond evt="onNext" delay="0">
-                  <p:tgtEl>
-                    <p:sldTgt/>
-                  </p:tgtEl>
-                </p:cond>
-              </p:nextCondLst>
-            </p:seq>
-          </p:childTnLst>
-        </p:cTn>
-      </p:par>
-    </p:tnLst>
-  </p:timing>
 </p:sld>
 </file>
 
@@ -11990,196 +10903,6 @@
   <p:clrMapOvr>
     <a:masterClrMapping/>
   </p:clrMapOvr>
-  <p:timing>
-    <p:tnLst>
-      <p:par>
-        <p:cTn id="1" dur="indefinite" restart="never" nodeType="tmRoot">
-          <p:childTnLst>
-            <p:seq concurrent="1" nextAc="seek">
-              <p:cTn id="2" dur="indefinite" nodeType="mainSeq">
-                <p:childTnLst>
-                  <p:par>
-                    <p:cTn id="3" fill="hold">
-                      <p:stCondLst>
-                        <p:cond delay="indefinite"/>
-                      </p:stCondLst>
-                      <p:childTnLst>
-                        <p:par>
-                          <p:cTn id="4" fill="hold">
-                            <p:stCondLst>
-                              <p:cond delay="0"/>
-                            </p:stCondLst>
-                            <p:childTnLst>
-                              <p:par>
-                                <p:cTn id="5" presetID="1" presetClass="entr" presetSubtype="0" fill="hold" nodeType="clickEffect">
-                                  <p:stCondLst>
-                                    <p:cond delay="0"/>
-                                  </p:stCondLst>
-                                  <p:childTnLst>
-                                    <p:set>
-                                      <p:cBhvr>
-                                        <p:cTn id="6" dur="1" fill="hold">
-                                          <p:stCondLst>
-                                            <p:cond delay="0"/>
-                                          </p:stCondLst>
-                                        </p:cTn>
-                                        <p:tgtEl>
-                                          <p:spTgt spid="3">
-                                            <p:txEl>
-                                              <p:pRg st="4" end="4"/>
-                                            </p:txEl>
-                                          </p:spTgt>
-                                        </p:tgtEl>
-                                        <p:attrNameLst>
-                                          <p:attrName>style.visibility</p:attrName>
-                                        </p:attrNameLst>
-                                      </p:cBhvr>
-                                      <p:to>
-                                        <p:strVal val="visible"/>
-                                      </p:to>
-                                    </p:set>
-                                  </p:childTnLst>
-                                </p:cTn>
-                              </p:par>
-                              <p:par>
-                                <p:cTn id="7" presetID="1" presetClass="entr" presetSubtype="0" fill="hold" nodeType="withEffect">
-                                  <p:stCondLst>
-                                    <p:cond delay="0"/>
-                                  </p:stCondLst>
-                                  <p:childTnLst>
-                                    <p:set>
-                                      <p:cBhvr>
-                                        <p:cTn id="8" dur="1" fill="hold">
-                                          <p:stCondLst>
-                                            <p:cond delay="0"/>
-                                          </p:stCondLst>
-                                        </p:cTn>
-                                        <p:tgtEl>
-                                          <p:spTgt spid="3">
-                                            <p:txEl>
-                                              <p:pRg st="5" end="5"/>
-                                            </p:txEl>
-                                          </p:spTgt>
-                                        </p:tgtEl>
-                                        <p:attrNameLst>
-                                          <p:attrName>style.visibility</p:attrName>
-                                        </p:attrNameLst>
-                                      </p:cBhvr>
-                                      <p:to>
-                                        <p:strVal val="visible"/>
-                                      </p:to>
-                                    </p:set>
-                                  </p:childTnLst>
-                                </p:cTn>
-                              </p:par>
-                            </p:childTnLst>
-                          </p:cTn>
-                        </p:par>
-                      </p:childTnLst>
-                    </p:cTn>
-                  </p:par>
-                  <p:par>
-                    <p:cTn id="9" fill="hold">
-                      <p:stCondLst>
-                        <p:cond delay="indefinite"/>
-                      </p:stCondLst>
-                      <p:childTnLst>
-                        <p:par>
-                          <p:cTn id="10" fill="hold">
-                            <p:stCondLst>
-                              <p:cond delay="0"/>
-                            </p:stCondLst>
-                            <p:childTnLst>
-                              <p:par>
-                                <p:cTn id="11" presetID="1" presetClass="entr" presetSubtype="0" fill="hold" nodeType="clickEffect">
-                                  <p:stCondLst>
-                                    <p:cond delay="0"/>
-                                  </p:stCondLst>
-                                  <p:childTnLst>
-                                    <p:set>
-                                      <p:cBhvr>
-                                        <p:cTn id="12" dur="1" fill="hold">
-                                          <p:stCondLst>
-                                            <p:cond delay="0"/>
-                                          </p:stCondLst>
-                                        </p:cTn>
-                                        <p:tgtEl>
-                                          <p:spTgt spid="3">
-                                            <p:txEl>
-                                              <p:pRg st="7" end="7"/>
-                                            </p:txEl>
-                                          </p:spTgt>
-                                        </p:tgtEl>
-                                        <p:attrNameLst>
-                                          <p:attrName>style.visibility</p:attrName>
-                                        </p:attrNameLst>
-                                      </p:cBhvr>
-                                      <p:to>
-                                        <p:strVal val="visible"/>
-                                      </p:to>
-                                    </p:set>
-                                  </p:childTnLst>
-                                </p:cTn>
-                              </p:par>
-                              <p:par>
-                                <p:cTn id="13" presetID="1" presetClass="entr" presetSubtype="0" fill="hold" nodeType="withEffect">
-                                  <p:stCondLst>
-                                    <p:cond delay="0"/>
-                                  </p:stCondLst>
-                                  <p:childTnLst>
-                                    <p:set>
-                                      <p:cBhvr>
-                                        <p:cTn id="14" dur="1" fill="hold">
-                                          <p:stCondLst>
-                                            <p:cond delay="0"/>
-                                          </p:stCondLst>
-                                        </p:cTn>
-                                        <p:tgtEl>
-                                          <p:spTgt spid="3">
-                                            <p:txEl>
-                                              <p:pRg st="8" end="8"/>
-                                            </p:txEl>
-                                          </p:spTgt>
-                                        </p:tgtEl>
-                                        <p:attrNameLst>
-                                          <p:attrName>style.visibility</p:attrName>
-                                        </p:attrNameLst>
-                                      </p:cBhvr>
-                                      <p:to>
-                                        <p:strVal val="visible"/>
-                                      </p:to>
-                                    </p:set>
-                                  </p:childTnLst>
-                                </p:cTn>
-                              </p:par>
-                            </p:childTnLst>
-                          </p:cTn>
-                        </p:par>
-                      </p:childTnLst>
-                    </p:cTn>
-                  </p:par>
-                </p:childTnLst>
-              </p:cTn>
-              <p:prevCondLst>
-                <p:cond evt="onPrev" delay="0">
-                  <p:tgtEl>
-                    <p:sldTgt/>
-                  </p:tgtEl>
-                </p:cond>
-              </p:prevCondLst>
-              <p:nextCondLst>
-                <p:cond evt="onNext" delay="0">
-                  <p:tgtEl>
-                    <p:sldTgt/>
-                  </p:tgtEl>
-                </p:cond>
-              </p:nextCondLst>
-            </p:seq>
-          </p:childTnLst>
-        </p:cTn>
-      </p:par>
-    </p:tnLst>
-  </p:timing>
 </p:sld>
 </file>
 
@@ -13256,134 +11979,6 @@
   <p:clrMapOvr>
     <a:masterClrMapping/>
   </p:clrMapOvr>
-  <p:timing>
-    <p:tnLst>
-      <p:par>
-        <p:cTn id="1" dur="indefinite" restart="never" nodeType="tmRoot">
-          <p:childTnLst>
-            <p:seq concurrent="1" nextAc="seek">
-              <p:cTn id="2" dur="indefinite" nodeType="mainSeq">
-                <p:childTnLst>
-                  <p:par>
-                    <p:cTn id="3" fill="hold">
-                      <p:stCondLst>
-                        <p:cond delay="indefinite"/>
-                      </p:stCondLst>
-                      <p:childTnLst>
-                        <p:par>
-                          <p:cTn id="4" fill="hold">
-                            <p:stCondLst>
-                              <p:cond delay="0"/>
-                            </p:stCondLst>
-                            <p:childTnLst>
-                              <p:par>
-                                <p:cTn id="5" presetID="1" presetClass="entr" presetSubtype="0" fill="hold" nodeType="clickEffect">
-                                  <p:stCondLst>
-                                    <p:cond delay="0"/>
-                                  </p:stCondLst>
-                                  <p:childTnLst>
-                                    <p:set>
-                                      <p:cBhvr>
-                                        <p:cTn id="6" dur="1" fill="hold">
-                                          <p:stCondLst>
-                                            <p:cond delay="0"/>
-                                          </p:stCondLst>
-                                        </p:cTn>
-                                        <p:tgtEl>
-                                          <p:spTgt spid="3">
-                                            <p:txEl>
-                                              <p:pRg st="7" end="7"/>
-                                            </p:txEl>
-                                          </p:spTgt>
-                                        </p:tgtEl>
-                                        <p:attrNameLst>
-                                          <p:attrName>style.visibility</p:attrName>
-                                        </p:attrNameLst>
-                                      </p:cBhvr>
-                                      <p:to>
-                                        <p:strVal val="visible"/>
-                                      </p:to>
-                                    </p:set>
-                                  </p:childTnLst>
-                                </p:cTn>
-                              </p:par>
-                            </p:childTnLst>
-                          </p:cTn>
-                        </p:par>
-                      </p:childTnLst>
-                    </p:cTn>
-                  </p:par>
-                  <p:par>
-                    <p:cTn id="7" fill="hold">
-                      <p:stCondLst>
-                        <p:cond delay="indefinite"/>
-                      </p:stCondLst>
-                      <p:childTnLst>
-                        <p:par>
-                          <p:cTn id="8" fill="hold">
-                            <p:stCondLst>
-                              <p:cond delay="0"/>
-                            </p:stCondLst>
-                            <p:childTnLst>
-                              <p:par>
-                                <p:cTn id="9" presetID="1" presetClass="entr" presetSubtype="0" fill="hold" nodeType="clickEffect">
-                                  <p:stCondLst>
-                                    <p:cond delay="0"/>
-                                  </p:stCondLst>
-                                  <p:childTnLst>
-                                    <p:set>
-                                      <p:cBhvr>
-                                        <p:cTn id="10" dur="1" fill="hold">
-                                          <p:stCondLst>
-                                            <p:cond delay="0"/>
-                                          </p:stCondLst>
-                                        </p:cTn>
-                                        <p:tgtEl>
-                                          <p:spTgt spid="3">
-                                            <p:txEl>
-                                              <p:pRg st="8" end="8"/>
-                                            </p:txEl>
-                                          </p:spTgt>
-                                        </p:tgtEl>
-                                        <p:attrNameLst>
-                                          <p:attrName>style.visibility</p:attrName>
-                                        </p:attrNameLst>
-                                      </p:cBhvr>
-                                      <p:to>
-                                        <p:strVal val="visible"/>
-                                      </p:to>
-                                    </p:set>
-                                  </p:childTnLst>
-                                </p:cTn>
-                              </p:par>
-                            </p:childTnLst>
-                          </p:cTn>
-                        </p:par>
-                      </p:childTnLst>
-                    </p:cTn>
-                  </p:par>
-                </p:childTnLst>
-              </p:cTn>
-              <p:prevCondLst>
-                <p:cond evt="onPrev" delay="0">
-                  <p:tgtEl>
-                    <p:sldTgt/>
-                  </p:tgtEl>
-                </p:cond>
-              </p:prevCondLst>
-              <p:nextCondLst>
-                <p:cond evt="onNext" delay="0">
-                  <p:tgtEl>
-                    <p:sldTgt/>
-                  </p:tgtEl>
-                </p:cond>
-              </p:nextCondLst>
-            </p:seq>
-          </p:childTnLst>
-        </p:cTn>
-      </p:par>
-    </p:tnLst>
-  </p:timing>
 </p:sld>
 </file>
 

--- a/theory_06-representational-state-transfer/theory_06-representational-state-transfer.pptx
+++ b/theory_06-representational-state-transfer/theory_06-representational-state-transfer.pptx
@@ -5,7 +5,7 @@
     <p:sldMasterId id="2147483648" r:id="rId1"/>
   </p:sldMasterIdLst>
   <p:notesMasterIdLst>
-    <p:notesMasterId r:id="rId25"/>
+    <p:notesMasterId r:id="rId26"/>
   </p:notesMasterIdLst>
   <p:sldIdLst>
     <p:sldId id="256" r:id="rId2"/>
@@ -25,12 +25,13 @@
     <p:sldId id="267" r:id="rId16"/>
     <p:sldId id="270" r:id="rId17"/>
     <p:sldId id="271" r:id="rId18"/>
-    <p:sldId id="272" r:id="rId19"/>
-    <p:sldId id="278" r:id="rId20"/>
-    <p:sldId id="275" r:id="rId21"/>
-    <p:sldId id="274" r:id="rId22"/>
-    <p:sldId id="281" r:id="rId23"/>
-    <p:sldId id="273" r:id="rId24"/>
+    <p:sldId id="282" r:id="rId19"/>
+    <p:sldId id="272" r:id="rId20"/>
+    <p:sldId id="278" r:id="rId21"/>
+    <p:sldId id="275" r:id="rId22"/>
+    <p:sldId id="274" r:id="rId23"/>
+    <p:sldId id="281" r:id="rId24"/>
+    <p:sldId id="273" r:id="rId25"/>
   </p:sldIdLst>
   <p:sldSz cx="12192000" cy="6858000"/>
   <p:notesSz cx="6858000" cy="9144000"/>
@@ -4729,8 +4730,8 @@
           </a:p>
         </p:txBody>
       </p:sp>
-      <mc:AlternateContent xmlns:mc="http://schemas.openxmlformats.org/markup-compatibility/2006">
-        <mc:Choice xmlns:a14="http://schemas.microsoft.com/office/drawing/2010/main" Requires="a14">
+      <mc:AlternateContent xmlns:mc="http://schemas.openxmlformats.org/markup-compatibility/2006" xmlns:a14="http://schemas.microsoft.com/office/drawing/2010/main">
+        <mc:Choice Requires="a14">
           <p:sp>
             <p:nvSpPr>
               <p:cNvPr id="3" name="Segnaposto contenuto 2"/>
@@ -4943,7 +4944,7 @@
             </p:txBody>
           </p:sp>
         </mc:Choice>
-        <mc:Fallback>
+        <mc:Fallback xmlns="">
           <p:sp>
             <p:nvSpPr>
               <p:cNvPr id="3" name="Segnaposto contenuto 2"/>
@@ -5761,11 +5762,7 @@
           <a:p>
             <a:r>
               <a:rPr lang="it-IT" dirty="0"/>
-              <a:t>Resource </a:t>
-            </a:r>
-            <a:r>
-              <a:rPr lang="it-IT" dirty="0" err="1"/>
-              <a:t>representations</a:t>
+              <a:t>ADD EXAMPLE</a:t>
             </a:r>
             <a:endParaRPr lang="en-GB" dirty="0"/>
           </a:p>
@@ -5787,616 +5784,16 @@
           <a:lstStyle/>
           <a:p>
             <a:r>
-              <a:rPr lang="en-US" b="1" dirty="0"/>
-              <a:t>Resource representation</a:t>
-            </a:r>
-            <a:r>
-              <a:rPr lang="en-US" dirty="0"/>
-              <a:t>: a view of the current state (or realization) of the resource at the time of the request. </a:t>
-            </a:r>
-          </a:p>
-          <a:p>
-            <a:r>
-              <a:rPr lang="en-US" dirty="0"/>
-              <a:t>In a client-server interaction, the client asks to the server a resource (by the resource identifier), and the server answers by sending the corresponding resource representation. </a:t>
-            </a:r>
-          </a:p>
-          <a:p>
-            <a:r>
-              <a:rPr lang="en-US" b="1" dirty="0"/>
-              <a:t>Note</a:t>
-            </a:r>
-            <a:r>
-              <a:rPr lang="en-US" dirty="0"/>
-              <a:t>: The representation sent to the client is not necessarily the same used to store the data in the server.  </a:t>
-            </a:r>
-          </a:p>
-          <a:p>
-            <a:endParaRPr lang="en-GB" dirty="0"/>
-          </a:p>
-        </p:txBody>
-      </p:sp>
-      <p:sp>
-        <p:nvSpPr>
-          <p:cNvPr id="4" name="Rettangolo 3"/>
-          <p:cNvSpPr/>
-          <p:nvPr/>
-        </p:nvSpPr>
-        <p:spPr>
-          <a:xfrm>
-            <a:off x="1714500" y="4677276"/>
-            <a:ext cx="2225842" cy="1287379"/>
-          </a:xfrm>
-          <a:prstGeom prst="rect">
-            <a:avLst/>
-          </a:prstGeom>
-          <a:ln w="38100">
-            <a:solidFill>
-              <a:srgbClr val="00B050"/>
-            </a:solidFill>
-          </a:ln>
-        </p:spPr>
-        <p:style>
-          <a:lnRef idx="2">
-            <a:schemeClr val="accent6"/>
-          </a:lnRef>
-          <a:fillRef idx="1">
-            <a:schemeClr val="lt1"/>
-          </a:fillRef>
-          <a:effectRef idx="0">
-            <a:schemeClr val="accent6"/>
-          </a:effectRef>
-          <a:fontRef idx="minor">
-            <a:schemeClr val="dk1"/>
-          </a:fontRef>
-        </p:style>
-        <p:txBody>
-          <a:bodyPr rtlCol="0" anchor="ctr"/>
-          <a:lstStyle/>
-          <a:p>
-            <a:pPr algn="ctr"/>
-            <a:r>
-              <a:rPr lang="it-IT" sz="2800" dirty="0">
-                <a:latin typeface="Palatino Linotype" panose="02040502050505030304" pitchFamily="18" charset="0"/>
-              </a:rPr>
-              <a:t>Client</a:t>
-            </a:r>
-            <a:endParaRPr lang="en-GB" sz="2800" dirty="0">
-              <a:latin typeface="Palatino Linotype" panose="02040502050505030304" pitchFamily="18" charset="0"/>
-            </a:endParaRPr>
-          </a:p>
-        </p:txBody>
-      </p:sp>
-      <p:sp>
-        <p:nvSpPr>
-          <p:cNvPr id="5" name="Rettangolo 4"/>
-          <p:cNvSpPr/>
-          <p:nvPr/>
-        </p:nvSpPr>
-        <p:spPr>
-          <a:xfrm>
-            <a:off x="8339890" y="4265195"/>
-            <a:ext cx="2225842" cy="2111542"/>
-          </a:xfrm>
-          <a:prstGeom prst="rect">
-            <a:avLst/>
-          </a:prstGeom>
-          <a:ln w="38100">
-            <a:solidFill>
-              <a:srgbClr val="00B050"/>
-            </a:solidFill>
-          </a:ln>
-        </p:spPr>
-        <p:style>
-          <a:lnRef idx="2">
-            <a:schemeClr val="accent6"/>
-          </a:lnRef>
-          <a:fillRef idx="1">
-            <a:schemeClr val="lt1"/>
-          </a:fillRef>
-          <a:effectRef idx="0">
-            <a:schemeClr val="accent6"/>
-          </a:effectRef>
-          <a:fontRef idx="minor">
-            <a:schemeClr val="dk1"/>
-          </a:fontRef>
-        </p:style>
-        <p:txBody>
-          <a:bodyPr rtlCol="0" anchor="t"/>
-          <a:lstStyle/>
-          <a:p>
-            <a:pPr algn="ctr"/>
-            <a:r>
-              <a:rPr lang="it-IT" sz="2400" dirty="0">
-                <a:latin typeface="Palatino Linotype" panose="02040502050505030304" pitchFamily="18" charset="0"/>
-              </a:rPr>
-              <a:t>Server</a:t>
-            </a:r>
-          </a:p>
-        </p:txBody>
-      </p:sp>
-      <p:cxnSp>
-        <p:nvCxnSpPr>
-          <p:cNvPr id="7" name="Connettore 2 6"/>
-          <p:cNvCxnSpPr/>
-          <p:nvPr/>
-        </p:nvCxnSpPr>
-        <p:spPr>
-          <a:xfrm flipV="1">
-            <a:off x="4421605" y="4746458"/>
-            <a:ext cx="3410953" cy="24063"/>
-          </a:xfrm>
-          <a:prstGeom prst="straightConnector1">
-            <a:avLst/>
-          </a:prstGeom>
-          <a:ln w="28575">
-            <a:solidFill>
-              <a:schemeClr val="tx1"/>
-            </a:solidFill>
-            <a:tailEnd type="triangle"/>
-          </a:ln>
-        </p:spPr>
-        <p:style>
-          <a:lnRef idx="1">
-            <a:schemeClr val="accent1"/>
-          </a:lnRef>
-          <a:fillRef idx="0">
-            <a:schemeClr val="accent1"/>
-          </a:fillRef>
-          <a:effectRef idx="0">
-            <a:schemeClr val="accent1"/>
-          </a:effectRef>
-          <a:fontRef idx="minor">
-            <a:schemeClr val="tx1"/>
-          </a:fontRef>
-        </p:style>
-      </p:cxnSp>
-      <p:sp>
-        <p:nvSpPr>
-          <p:cNvPr id="9" name="CasellaDiTesto 8"/>
-          <p:cNvSpPr txBox="1"/>
-          <p:nvPr/>
-        </p:nvSpPr>
-        <p:spPr>
-          <a:xfrm>
-            <a:off x="5075183" y="4310555"/>
-            <a:ext cx="2358190" cy="369332"/>
-          </a:xfrm>
-          <a:prstGeom prst="rect">
-            <a:avLst/>
-          </a:prstGeom>
-          <a:noFill/>
-        </p:spPr>
-        <p:txBody>
-          <a:bodyPr wrap="square" rtlCol="0">
-            <a:spAutoFit/>
-          </a:bodyPr>
-          <a:lstStyle/>
-          <a:p>
-            <a:r>
-              <a:rPr lang="it-IT" dirty="0">
-                <a:latin typeface="Palatino Linotype" panose="02040502050505030304" pitchFamily="18" charset="0"/>
-              </a:rPr>
-              <a:t>Resource </a:t>
-            </a:r>
-            <a:r>
-              <a:rPr lang="it-IT" dirty="0" err="1">
-                <a:latin typeface="Palatino Linotype" panose="02040502050505030304" pitchFamily="18" charset="0"/>
-              </a:rPr>
-              <a:t>identifier</a:t>
-            </a:r>
-            <a:endParaRPr lang="en-GB" dirty="0">
-              <a:latin typeface="Palatino Linotype" panose="02040502050505030304" pitchFamily="18" charset="0"/>
-            </a:endParaRPr>
-          </a:p>
-        </p:txBody>
-      </p:sp>
-      <p:cxnSp>
-        <p:nvCxnSpPr>
-          <p:cNvPr id="10" name="Connettore 2 9"/>
-          <p:cNvCxnSpPr/>
-          <p:nvPr/>
-        </p:nvCxnSpPr>
-        <p:spPr>
-          <a:xfrm flipH="1">
-            <a:off x="4421605" y="5759639"/>
-            <a:ext cx="3384884" cy="0"/>
-          </a:xfrm>
-          <a:prstGeom prst="straightConnector1">
-            <a:avLst/>
-          </a:prstGeom>
-          <a:ln w="28575">
-            <a:solidFill>
-              <a:schemeClr val="tx1"/>
-            </a:solidFill>
-            <a:tailEnd type="triangle"/>
-          </a:ln>
-        </p:spPr>
-        <p:style>
-          <a:lnRef idx="1">
-            <a:schemeClr val="accent1"/>
-          </a:lnRef>
-          <a:fillRef idx="0">
-            <a:schemeClr val="accent1"/>
-          </a:fillRef>
-          <a:effectRef idx="0">
-            <a:schemeClr val="accent1"/>
-          </a:effectRef>
-          <a:fontRef idx="minor">
-            <a:schemeClr val="tx1"/>
-          </a:fontRef>
-        </p:style>
-      </p:cxnSp>
-      <p:sp>
-        <p:nvSpPr>
-          <p:cNvPr id="14" name="Ovale 13"/>
-          <p:cNvSpPr/>
-          <p:nvPr/>
-        </p:nvSpPr>
-        <p:spPr>
-          <a:xfrm>
-            <a:off x="8844214" y="4882291"/>
-            <a:ext cx="1217194" cy="877348"/>
-          </a:xfrm>
-          <a:prstGeom prst="ellipse">
-            <a:avLst/>
-          </a:prstGeom>
-          <a:solidFill>
-            <a:srgbClr val="00B050"/>
-          </a:solidFill>
-          <a:ln>
-            <a:solidFill>
-              <a:schemeClr val="tx1"/>
-            </a:solidFill>
-          </a:ln>
-        </p:spPr>
-        <p:style>
-          <a:lnRef idx="2">
-            <a:schemeClr val="accent1">
-              <a:shade val="50000"/>
-            </a:schemeClr>
-          </a:lnRef>
-          <a:fillRef idx="1">
-            <a:schemeClr val="accent1"/>
-          </a:fillRef>
-          <a:effectRef idx="0">
-            <a:schemeClr val="accent1"/>
-          </a:effectRef>
-          <a:fontRef idx="minor">
-            <a:schemeClr val="lt1"/>
-          </a:fontRef>
-        </p:style>
-        <p:txBody>
-          <a:bodyPr rtlCol="0" anchor="ctr"/>
-          <a:lstStyle/>
-          <a:p>
-            <a:pPr algn="ctr"/>
-            <a:r>
-              <a:rPr lang="it-IT" dirty="0" err="1">
-                <a:latin typeface="Palatino Linotype" panose="02040502050505030304" pitchFamily="18" charset="0"/>
-              </a:rPr>
-              <a:t>Entity</a:t>
-            </a:r>
-            <a:endParaRPr lang="en-GB" dirty="0">
-              <a:latin typeface="Palatino Linotype" panose="02040502050505030304" pitchFamily="18" charset="0"/>
-            </a:endParaRPr>
-          </a:p>
-          <a:p>
-            <a:pPr algn="ctr"/>
-            <a:endParaRPr lang="it-IT" dirty="0">
-              <a:latin typeface="Palatino Linotype" panose="02040502050505030304" pitchFamily="18" charset="0"/>
-            </a:endParaRPr>
-          </a:p>
-        </p:txBody>
-      </p:sp>
-      <p:sp>
-        <p:nvSpPr>
-          <p:cNvPr id="15" name="Rettangolo 14"/>
-          <p:cNvSpPr/>
-          <p:nvPr/>
-        </p:nvSpPr>
-        <p:spPr>
-          <a:xfrm>
-            <a:off x="8201814" y="4634527"/>
-            <a:ext cx="264695" cy="1330128"/>
-          </a:xfrm>
-          <a:prstGeom prst="rect">
-            <a:avLst/>
-          </a:prstGeom>
-        </p:spPr>
-        <p:style>
-          <a:lnRef idx="2">
-            <a:schemeClr val="dk1">
-              <a:shade val="50000"/>
-            </a:schemeClr>
-          </a:lnRef>
-          <a:fillRef idx="1">
-            <a:schemeClr val="dk1"/>
-          </a:fillRef>
-          <a:effectRef idx="0">
-            <a:schemeClr val="dk1"/>
-          </a:effectRef>
-          <a:fontRef idx="minor">
-            <a:schemeClr val="lt1"/>
-          </a:fontRef>
-        </p:style>
-        <p:txBody>
-          <a:bodyPr rtlCol="0" anchor="ctr"/>
-          <a:lstStyle/>
-          <a:p>
-            <a:pPr algn="ctr"/>
-            <a:endParaRPr lang="en-GB"/>
-          </a:p>
-        </p:txBody>
-      </p:sp>
-      <p:sp>
-        <p:nvSpPr>
-          <p:cNvPr id="16" name="Rettangolo 15"/>
-          <p:cNvSpPr/>
-          <p:nvPr/>
-        </p:nvSpPr>
-        <p:spPr>
-          <a:xfrm>
-            <a:off x="3807994" y="4806569"/>
-            <a:ext cx="264695" cy="986043"/>
-          </a:xfrm>
-          <a:prstGeom prst="rect">
-            <a:avLst/>
-          </a:prstGeom>
-        </p:spPr>
-        <p:style>
-          <a:lnRef idx="2">
-            <a:schemeClr val="dk1">
-              <a:shade val="50000"/>
-            </a:schemeClr>
-          </a:lnRef>
-          <a:fillRef idx="1">
-            <a:schemeClr val="dk1"/>
-          </a:fillRef>
-          <a:effectRef idx="0">
-            <a:schemeClr val="dk1"/>
-          </a:effectRef>
-          <a:fontRef idx="minor">
-            <a:schemeClr val="lt1"/>
-          </a:fontRef>
-        </p:style>
-        <p:txBody>
-          <a:bodyPr rtlCol="0" anchor="ctr"/>
-          <a:lstStyle/>
-          <a:p>
-            <a:pPr algn="ctr"/>
-            <a:endParaRPr lang="en-GB"/>
-          </a:p>
-        </p:txBody>
-      </p:sp>
-      <p:cxnSp>
-        <p:nvCxnSpPr>
-          <p:cNvPr id="19" name="Connettore 2 18"/>
-          <p:cNvCxnSpPr/>
-          <p:nvPr/>
-        </p:nvCxnSpPr>
-        <p:spPr>
-          <a:xfrm>
-            <a:off x="8515784" y="4770521"/>
-            <a:ext cx="475247" cy="186489"/>
-          </a:xfrm>
-          <a:prstGeom prst="straightConnector1">
-            <a:avLst/>
-          </a:prstGeom>
-          <a:ln w="28575">
-            <a:solidFill>
-              <a:schemeClr val="tx1"/>
-            </a:solidFill>
-            <a:prstDash val="sysDash"/>
-            <a:tailEnd type="triangle"/>
-          </a:ln>
-        </p:spPr>
-        <p:style>
-          <a:lnRef idx="1">
-            <a:schemeClr val="accent1"/>
-          </a:lnRef>
-          <a:fillRef idx="0">
-            <a:schemeClr val="accent1"/>
-          </a:fillRef>
-          <a:effectRef idx="0">
-            <a:schemeClr val="accent1"/>
-          </a:effectRef>
-          <a:fontRef idx="minor">
-            <a:schemeClr val="tx1"/>
-          </a:fontRef>
-        </p:style>
-      </p:cxnSp>
-      <p:cxnSp>
-        <p:nvCxnSpPr>
-          <p:cNvPr id="20" name="Connettore 2 19"/>
-          <p:cNvCxnSpPr/>
-          <p:nvPr/>
-        </p:nvCxnSpPr>
-        <p:spPr>
-          <a:xfrm flipH="1">
-            <a:off x="8515784" y="5618747"/>
-            <a:ext cx="423679" cy="232001"/>
-          </a:xfrm>
-          <a:prstGeom prst="straightConnector1">
-            <a:avLst/>
-          </a:prstGeom>
-          <a:ln w="28575">
-            <a:solidFill>
-              <a:schemeClr val="tx1"/>
-            </a:solidFill>
-            <a:prstDash val="sysDash"/>
-            <a:tailEnd type="triangle"/>
-          </a:ln>
-        </p:spPr>
-        <p:style>
-          <a:lnRef idx="1">
-            <a:schemeClr val="accent1"/>
-          </a:lnRef>
-          <a:fillRef idx="0">
-            <a:schemeClr val="accent1"/>
-          </a:fillRef>
-          <a:effectRef idx="0">
-            <a:schemeClr val="accent1"/>
-          </a:effectRef>
-          <a:fontRef idx="minor">
-            <a:schemeClr val="tx1"/>
-          </a:fontRef>
-        </p:style>
-      </p:cxnSp>
-      <p:sp>
-        <p:nvSpPr>
-          <p:cNvPr id="24" name="CasellaDiTesto 23"/>
-          <p:cNvSpPr txBox="1"/>
-          <p:nvPr/>
-        </p:nvSpPr>
-        <p:spPr>
-          <a:xfrm>
-            <a:off x="8835765" y="5269287"/>
-            <a:ext cx="1553076" cy="307777"/>
-          </a:xfrm>
-          <a:prstGeom prst="rect">
-            <a:avLst/>
-          </a:prstGeom>
-          <a:noFill/>
-        </p:spPr>
-        <p:txBody>
-          <a:bodyPr wrap="square" rtlCol="0">
-            <a:spAutoFit/>
-          </a:bodyPr>
-          <a:lstStyle/>
-          <a:p>
-            <a:r>
-              <a:rPr lang="it-IT" sz="1400" dirty="0">
-                <a:solidFill>
-                  <a:schemeClr val="bg1"/>
-                </a:solidFill>
-                <a:latin typeface="Palatino Linotype" panose="02040502050505030304" pitchFamily="18" charset="0"/>
-              </a:rPr>
-              <a:t>(</a:t>
-            </a:r>
-            <a:r>
-              <a:rPr lang="it-IT" sz="1400" dirty="0" err="1">
-                <a:solidFill>
-                  <a:schemeClr val="bg1"/>
-                </a:solidFill>
-                <a:latin typeface="Palatino Linotype" panose="02040502050505030304" pitchFamily="18" charset="0"/>
-              </a:rPr>
-              <a:t>raw</a:t>
-            </a:r>
-            <a:r>
-              <a:rPr lang="it-IT" sz="1400" dirty="0">
-                <a:solidFill>
-                  <a:schemeClr val="bg1"/>
-                </a:solidFill>
-                <a:latin typeface="Palatino Linotype" panose="02040502050505030304" pitchFamily="18" charset="0"/>
-              </a:rPr>
-              <a:t> format)</a:t>
-            </a:r>
-            <a:endParaRPr lang="en-GB" sz="1400" dirty="0">
-              <a:solidFill>
-                <a:schemeClr val="bg1"/>
-              </a:solidFill>
-              <a:latin typeface="Palatino Linotype" panose="02040502050505030304" pitchFamily="18" charset="0"/>
-            </a:endParaRPr>
-          </a:p>
-        </p:txBody>
-      </p:sp>
-      <p:sp>
-        <p:nvSpPr>
-          <p:cNvPr id="25" name="Pentagono regolare 24"/>
-          <p:cNvSpPr/>
-          <p:nvPr/>
-        </p:nvSpPr>
-        <p:spPr>
-          <a:xfrm>
-            <a:off x="5075184" y="5047540"/>
-            <a:ext cx="1957564" cy="876830"/>
-          </a:xfrm>
-          <a:prstGeom prst="pentagon">
-            <a:avLst/>
-          </a:prstGeom>
-          <a:solidFill>
-            <a:srgbClr val="00B050"/>
-          </a:solidFill>
-        </p:spPr>
-        <p:style>
-          <a:lnRef idx="2">
-            <a:schemeClr val="accent1">
-              <a:shade val="50000"/>
-            </a:schemeClr>
-          </a:lnRef>
-          <a:fillRef idx="1">
-            <a:schemeClr val="accent1"/>
-          </a:fillRef>
-          <a:effectRef idx="0">
-            <a:schemeClr val="accent1"/>
-          </a:effectRef>
-          <a:fontRef idx="minor">
-            <a:schemeClr val="lt1"/>
-          </a:fontRef>
-        </p:style>
-        <p:txBody>
-          <a:bodyPr rtlCol="0" anchor="ctr"/>
-          <a:lstStyle/>
-          <a:p>
-            <a:pPr algn="ctr"/>
-            <a:endParaRPr lang="en-GB"/>
-          </a:p>
-        </p:txBody>
-      </p:sp>
-      <p:sp>
-        <p:nvSpPr>
-          <p:cNvPr id="13" name="CasellaDiTesto 12"/>
-          <p:cNvSpPr txBox="1"/>
-          <p:nvPr/>
-        </p:nvSpPr>
-        <p:spPr>
-          <a:xfrm>
-            <a:off x="5075183" y="5180682"/>
-            <a:ext cx="1949116" cy="646331"/>
-          </a:xfrm>
-          <a:prstGeom prst="rect">
-            <a:avLst/>
-          </a:prstGeom>
-          <a:noFill/>
-        </p:spPr>
-        <p:txBody>
-          <a:bodyPr wrap="square" rtlCol="0">
-            <a:spAutoFit/>
-          </a:bodyPr>
-          <a:lstStyle/>
-          <a:p>
-            <a:pPr algn="ctr"/>
-            <a:r>
-              <a:rPr lang="it-IT" dirty="0">
-                <a:solidFill>
-                  <a:schemeClr val="bg1"/>
-                </a:solidFill>
-                <a:latin typeface="Palatino Linotype" panose="02040502050505030304" pitchFamily="18" charset="0"/>
-              </a:rPr>
-              <a:t>Resource </a:t>
-            </a:r>
-            <a:r>
-              <a:rPr lang="it-IT" dirty="0" err="1">
-                <a:solidFill>
-                  <a:schemeClr val="bg1"/>
-                </a:solidFill>
-                <a:latin typeface="Palatino Linotype" panose="02040502050505030304" pitchFamily="18" charset="0"/>
-              </a:rPr>
-              <a:t>representation</a:t>
-            </a:r>
-            <a:endParaRPr lang="en-GB" dirty="0">
-              <a:solidFill>
-                <a:schemeClr val="bg1"/>
-              </a:solidFill>
-              <a:latin typeface="Palatino Linotype" panose="02040502050505030304" pitchFamily="18" charset="0"/>
-            </a:endParaRPr>
-          </a:p>
-        </p:txBody>
-      </p:sp>
-      <p:sp>
-        <p:nvSpPr>
-          <p:cNvPr id="6" name="Segnaposto numero diapositiva 5"/>
+              <a:rPr lang="en-GB" dirty="0"/>
+              <a:t>ADD EXAMPLE</a:t>
+            </a:r>
+            <a:endParaRPr lang="en-GB" sz="2400" dirty="0"/>
+          </a:p>
+        </p:txBody>
+      </p:sp>
+      <p:sp>
+        <p:nvSpPr>
+          <p:cNvPr id="4" name="Segnaposto numero diapositiva 3"/>
           <p:cNvSpPr>
             <a:spLocks noGrp="1"/>
           </p:cNvSpPr>
@@ -6420,7 +5817,7 @@
     </p:spTree>
     <p:extLst>
       <p:ext uri="{BB962C8B-B14F-4D97-AF65-F5344CB8AC3E}">
-        <p14:creationId xmlns:p14="http://schemas.microsoft.com/office/powerpoint/2010/main" val="194815998"/>
+        <p14:creationId xmlns:p14="http://schemas.microsoft.com/office/powerpoint/2010/main" val="3491970060"/>
       </p:ext>
     </p:extLst>
   </p:cSld>
@@ -6463,16 +5860,12 @@
           <a:lstStyle/>
           <a:p>
             <a:r>
+              <a:rPr lang="it-IT" dirty="0"/>
+              <a:t>Resource </a:t>
+            </a:r>
+            <a:r>
               <a:rPr lang="it-IT" dirty="0" err="1"/>
-              <a:t>Representations</a:t>
-            </a:r>
-            <a:r>
-              <a:rPr lang="it-IT" dirty="0"/>
-              <a:t>: </a:t>
-            </a:r>
-            <a:r>
-              <a:rPr lang="it-IT" dirty="0" err="1"/>
-              <a:t>example</a:t>
+              <a:t>representations</a:t>
             </a:r>
             <a:endParaRPr lang="en-GB" dirty="0"/>
           </a:p>
@@ -6480,27 +5873,77 @@
       </p:sp>
       <p:sp>
         <p:nvSpPr>
-          <p:cNvPr id="4" name="Ovale 3"/>
+          <p:cNvPr id="3" name="Segnaposto contenuto 2"/>
+          <p:cNvSpPr>
+            <a:spLocks noGrp="1"/>
+          </p:cNvSpPr>
+          <p:nvPr>
+            <p:ph idx="1"/>
+          </p:nvPr>
+        </p:nvSpPr>
+        <p:spPr/>
+        <p:txBody>
+          <a:bodyPr/>
+          <a:lstStyle/>
+          <a:p>
+            <a:r>
+              <a:rPr lang="en-US" b="1" dirty="0"/>
+              <a:t>Resource representation</a:t>
+            </a:r>
+            <a:r>
+              <a:rPr lang="en-US" dirty="0"/>
+              <a:t>: a view of the current state (or realization) of the resource at the time of the request. </a:t>
+            </a:r>
+          </a:p>
+          <a:p>
+            <a:r>
+              <a:rPr lang="en-US" dirty="0"/>
+              <a:t>In a client-server interaction, the client asks to the server a resource (by the resource identifier), and the server answers by sending the corresponding resource representation. </a:t>
+            </a:r>
+          </a:p>
+          <a:p>
+            <a:r>
+              <a:rPr lang="en-US" b="1" dirty="0"/>
+              <a:t>Note</a:t>
+            </a:r>
+            <a:r>
+              <a:rPr lang="en-US" dirty="0"/>
+              <a:t>: The representation sent to the client is not necessarily the same used to store the data in the server.  </a:t>
+            </a:r>
+          </a:p>
+          <a:p>
+            <a:endParaRPr lang="en-GB" dirty="0"/>
+          </a:p>
+        </p:txBody>
+      </p:sp>
+      <p:sp>
+        <p:nvSpPr>
+          <p:cNvPr id="4" name="Rettangolo 3"/>
           <p:cNvSpPr/>
           <p:nvPr/>
         </p:nvSpPr>
         <p:spPr>
           <a:xfrm>
-            <a:off x="428172" y="3164307"/>
-            <a:ext cx="1800000" cy="1800000"/>
-          </a:xfrm>
-          <a:prstGeom prst="ellipse">
-            <a:avLst/>
-          </a:prstGeom>
+            <a:off x="1714500" y="4677276"/>
+            <a:ext cx="2225842" cy="1287379"/>
+          </a:xfrm>
+          <a:prstGeom prst="rect">
+            <a:avLst/>
+          </a:prstGeom>
+          <a:ln w="38100">
+            <a:solidFill>
+              <a:srgbClr val="00B050"/>
+            </a:solidFill>
+          </a:ln>
         </p:spPr>
         <p:style>
-          <a:lnRef idx="1">
+          <a:lnRef idx="2">
             <a:schemeClr val="accent6"/>
           </a:lnRef>
-          <a:fillRef idx="2">
-            <a:schemeClr val="accent6"/>
+          <a:fillRef idx="1">
+            <a:schemeClr val="lt1"/>
           </a:fillRef>
-          <a:effectRef idx="1">
+          <a:effectRef idx="0">
             <a:schemeClr val="accent6"/>
           </a:effectRef>
           <a:fontRef idx="minor">
@@ -6512,51 +5955,13 @@
           <a:lstStyle/>
           <a:p>
             <a:pPr algn="ctr"/>
-            <a:endParaRPr lang="en-GB"/>
-          </a:p>
-        </p:txBody>
-      </p:sp>
-      <p:sp>
-        <p:nvSpPr>
-          <p:cNvPr id="5" name="CasellaDiTesto 4"/>
-          <p:cNvSpPr txBox="1"/>
-          <p:nvPr/>
-        </p:nvSpPr>
-        <p:spPr>
-          <a:xfrm>
-            <a:off x="220215" y="2524154"/>
-            <a:ext cx="2358190" cy="461665"/>
-          </a:xfrm>
-          <a:prstGeom prst="rect">
-            <a:avLst/>
-          </a:prstGeom>
-          <a:noFill/>
-        </p:spPr>
-        <p:txBody>
-          <a:bodyPr wrap="square" rtlCol="0">
-            <a:spAutoFit/>
-          </a:bodyPr>
-          <a:lstStyle/>
-          <a:p>
-            <a:r>
-              <a:rPr lang="it-IT" sz="2400" b="1" dirty="0">
-                <a:latin typeface="Palatino Linotype" panose="02040502050505030304" pitchFamily="18" charset="0"/>
-              </a:rPr>
-              <a:t>Resource</a:t>
-            </a:r>
-            <a:r>
-              <a:rPr lang="it-IT" sz="2400" dirty="0">
-                <a:latin typeface="Palatino Linotype" panose="02040502050505030304" pitchFamily="18" charset="0"/>
-              </a:rPr>
-              <a:t>: </a:t>
-            </a:r>
-            <a:r>
-              <a:rPr lang="it-IT" sz="2400" dirty="0" err="1">
-                <a:latin typeface="Palatino Linotype" panose="02040502050505030304" pitchFamily="18" charset="0"/>
-              </a:rPr>
-              <a:t>circle</a:t>
-            </a:r>
-            <a:endParaRPr lang="en-GB" sz="2400" dirty="0">
+            <a:r>
+              <a:rPr lang="it-IT" sz="2800" dirty="0">
+                <a:latin typeface="Palatino Linotype" panose="02040502050505030304" pitchFamily="18" charset="0"/>
+              </a:rPr>
+              <a:t>Client</a:t>
+            </a:r>
+            <a:endParaRPr lang="en-GB" sz="2800" dirty="0">
               <a:latin typeface="Palatino Linotype" panose="02040502050505030304" pitchFamily="18" charset="0"/>
             </a:endParaRPr>
           </a:p>
@@ -6564,173 +5969,88 @@
       </p:sp>
       <p:sp>
         <p:nvSpPr>
-          <p:cNvPr id="7" name="CasellaDiTesto 6"/>
-          <p:cNvSpPr txBox="1"/>
-          <p:nvPr/>
-        </p:nvSpPr>
-        <p:spPr>
-          <a:xfrm>
-            <a:off x="6671510" y="1441200"/>
-            <a:ext cx="5077325" cy="1015663"/>
-          </a:xfrm>
-          <a:prstGeom prst="rect">
-            <a:avLst/>
-          </a:prstGeom>
-          <a:noFill/>
-        </p:spPr>
-        <p:txBody>
-          <a:bodyPr wrap="square" rtlCol="0">
-            <a:spAutoFit/>
-          </a:bodyPr>
-          <a:lstStyle/>
-          <a:p>
-            <a:pPr algn="ctr"/>
-            <a:r>
-              <a:rPr lang="it-IT" sz="2000" b="1" dirty="0" err="1">
-                <a:latin typeface="Palatino Linotype" panose="02040502050505030304" pitchFamily="18" charset="0"/>
-              </a:rPr>
-              <a:t>Representation</a:t>
-            </a:r>
-            <a:r>
-              <a:rPr lang="it-IT" sz="2000" b="1" dirty="0">
-                <a:latin typeface="Palatino Linotype" panose="02040502050505030304" pitchFamily="18" charset="0"/>
-              </a:rPr>
-              <a:t> 1:</a:t>
-            </a:r>
-            <a:r>
-              <a:rPr lang="it-IT" sz="2000" dirty="0">
-                <a:latin typeface="Palatino Linotype" panose="02040502050505030304" pitchFamily="18" charset="0"/>
-              </a:rPr>
-              <a:t> </a:t>
-            </a:r>
-            <a:r>
-              <a:rPr lang="it-IT" sz="2000" dirty="0" err="1">
-                <a:latin typeface="Palatino Linotype" panose="02040502050505030304" pitchFamily="18" charset="0"/>
-              </a:rPr>
-              <a:t>one</a:t>
-            </a:r>
-            <a:r>
-              <a:rPr lang="it-IT" sz="2000" dirty="0">
-                <a:latin typeface="Palatino Linotype" panose="02040502050505030304" pitchFamily="18" charset="0"/>
-              </a:rPr>
-              <a:t> </a:t>
-            </a:r>
-            <a:r>
-              <a:rPr lang="it-IT" sz="2000" dirty="0" err="1">
-                <a:latin typeface="Palatino Linotype" panose="02040502050505030304" pitchFamily="18" charset="0"/>
-              </a:rPr>
-              <a:t>point</a:t>
-            </a:r>
-            <a:r>
-              <a:rPr lang="it-IT" sz="2000" dirty="0">
-                <a:latin typeface="Palatino Linotype" panose="02040502050505030304" pitchFamily="18" charset="0"/>
-              </a:rPr>
-              <a:t> for the </a:t>
-            </a:r>
-            <a:r>
-              <a:rPr lang="it-IT" sz="2000" dirty="0" err="1">
-                <a:latin typeface="Palatino Linotype" panose="02040502050505030304" pitchFamily="18" charset="0"/>
-              </a:rPr>
-              <a:t>circle</a:t>
-            </a:r>
-            <a:r>
-              <a:rPr lang="it-IT" sz="2000" dirty="0">
-                <a:latin typeface="Palatino Linotype" panose="02040502050505030304" pitchFamily="18" charset="0"/>
-              </a:rPr>
-              <a:t> center and </a:t>
-            </a:r>
-            <a:r>
-              <a:rPr lang="it-IT" sz="2000" dirty="0" err="1">
-                <a:latin typeface="Palatino Linotype" panose="02040502050505030304" pitchFamily="18" charset="0"/>
-              </a:rPr>
-              <a:t>one</a:t>
-            </a:r>
-            <a:r>
-              <a:rPr lang="it-IT" sz="2000" dirty="0">
-                <a:latin typeface="Palatino Linotype" panose="02040502050505030304" pitchFamily="18" charset="0"/>
-              </a:rPr>
-              <a:t> </a:t>
-            </a:r>
-            <a:r>
-              <a:rPr lang="it-IT" sz="2000" dirty="0" err="1">
-                <a:latin typeface="Palatino Linotype" panose="02040502050505030304" pitchFamily="18" charset="0"/>
-              </a:rPr>
-              <a:t>vector</a:t>
-            </a:r>
-            <a:r>
-              <a:rPr lang="it-IT" sz="2000" dirty="0">
-                <a:latin typeface="Palatino Linotype" panose="02040502050505030304" pitchFamily="18" charset="0"/>
-              </a:rPr>
-              <a:t> for the </a:t>
-            </a:r>
-            <a:r>
-              <a:rPr lang="it-IT" sz="2000" dirty="0" err="1">
-                <a:latin typeface="Palatino Linotype" panose="02040502050505030304" pitchFamily="18" charset="0"/>
-              </a:rPr>
-              <a:t>circle</a:t>
-            </a:r>
-            <a:r>
-              <a:rPr lang="it-IT" sz="2000" dirty="0">
-                <a:latin typeface="Palatino Linotype" panose="02040502050505030304" pitchFamily="18" charset="0"/>
-              </a:rPr>
-              <a:t> </a:t>
-            </a:r>
-            <a:r>
-              <a:rPr lang="it-IT" sz="2000" dirty="0" err="1">
-                <a:latin typeface="Palatino Linotype" panose="02040502050505030304" pitchFamily="18" charset="0"/>
-              </a:rPr>
-              <a:t>radius</a:t>
-            </a:r>
-            <a:r>
-              <a:rPr lang="it-IT" sz="2000" dirty="0">
-                <a:latin typeface="Palatino Linotype" panose="02040502050505030304" pitchFamily="18" charset="0"/>
-              </a:rPr>
-              <a:t> in SVG format</a:t>
-            </a:r>
-            <a:endParaRPr lang="en-GB" sz="2000" dirty="0">
-              <a:latin typeface="Palatino Linotype" panose="02040502050505030304" pitchFamily="18" charset="0"/>
-            </a:endParaRPr>
-          </a:p>
-        </p:txBody>
-      </p:sp>
-      <p:sp>
-        <p:nvSpPr>
-          <p:cNvPr id="8" name="Ovale 7"/>
+          <p:cNvPr id="5" name="Rettangolo 4"/>
           <p:cNvSpPr/>
           <p:nvPr/>
         </p:nvSpPr>
         <p:spPr>
           <a:xfrm>
-            <a:off x="3989763" y="3434307"/>
-            <a:ext cx="1260000" cy="1260000"/>
-          </a:xfrm>
-          <a:prstGeom prst="ellipse">
-            <a:avLst/>
-          </a:prstGeom>
+            <a:off x="8339890" y="4265195"/>
+            <a:ext cx="2225842" cy="2111542"/>
+          </a:xfrm>
+          <a:prstGeom prst="rect">
+            <a:avLst/>
+          </a:prstGeom>
+          <a:ln w="38100">
+            <a:solidFill>
+              <a:srgbClr val="00B050"/>
+            </a:solidFill>
+          </a:ln>
         </p:spPr>
         <p:style>
-          <a:lnRef idx="1">
-            <a:schemeClr val="accent4"/>
+          <a:lnRef idx="2">
+            <a:schemeClr val="accent6"/>
           </a:lnRef>
-          <a:fillRef idx="2">
-            <a:schemeClr val="accent4"/>
+          <a:fillRef idx="1">
+            <a:schemeClr val="lt1"/>
           </a:fillRef>
-          <a:effectRef idx="1">
-            <a:schemeClr val="accent4"/>
+          <a:effectRef idx="0">
+            <a:schemeClr val="accent6"/>
           </a:effectRef>
           <a:fontRef idx="minor">
             <a:schemeClr val="dk1"/>
           </a:fontRef>
         </p:style>
         <p:txBody>
-          <a:bodyPr rtlCol="0" anchor="ctr"/>
+          <a:bodyPr rtlCol="0" anchor="t"/>
           <a:lstStyle/>
           <a:p>
             <a:pPr algn="ctr"/>
-            <a:endParaRPr lang="en-GB"/>
-          </a:p>
-        </p:txBody>
-      </p:sp>
+            <a:r>
+              <a:rPr lang="it-IT" sz="2400" dirty="0">
+                <a:latin typeface="Palatino Linotype" panose="02040502050505030304" pitchFamily="18" charset="0"/>
+              </a:rPr>
+              <a:t>Server</a:t>
+            </a:r>
+          </a:p>
+        </p:txBody>
+      </p:sp>
+      <p:cxnSp>
+        <p:nvCxnSpPr>
+          <p:cNvPr id="7" name="Connettore 2 6"/>
+          <p:cNvCxnSpPr/>
+          <p:nvPr/>
+        </p:nvCxnSpPr>
+        <p:spPr>
+          <a:xfrm flipV="1">
+            <a:off x="4421605" y="4746458"/>
+            <a:ext cx="3410953" cy="24063"/>
+          </a:xfrm>
+          <a:prstGeom prst="straightConnector1">
+            <a:avLst/>
+          </a:prstGeom>
+          <a:ln w="28575">
+            <a:solidFill>
+              <a:schemeClr val="tx1"/>
+            </a:solidFill>
+            <a:tailEnd type="triangle"/>
+          </a:ln>
+        </p:spPr>
+        <p:style>
+          <a:lnRef idx="1">
+            <a:schemeClr val="accent1"/>
+          </a:lnRef>
+          <a:fillRef idx="0">
+            <a:schemeClr val="accent1"/>
+          </a:fillRef>
+          <a:effectRef idx="0">
+            <a:schemeClr val="accent1"/>
+          </a:effectRef>
+          <a:fontRef idx="minor">
+            <a:schemeClr val="tx1"/>
+          </a:fontRef>
+        </p:style>
+      </p:cxnSp>
       <p:sp>
         <p:nvSpPr>
           <p:cNvPr id="9" name="CasellaDiTesto 8"/>
@@ -6739,8 +6059,8 @@
         </p:nvSpPr>
         <p:spPr>
           <a:xfrm>
-            <a:off x="3377684" y="2524154"/>
-            <a:ext cx="2358190" cy="830997"/>
+            <a:off x="5075183" y="4310555"/>
+            <a:ext cx="2358190" cy="369332"/>
           </a:xfrm>
           <a:prstGeom prst="rect">
             <a:avLst/>
@@ -6753,139 +6073,80 @@
           </a:bodyPr>
           <a:lstStyle/>
           <a:p>
-            <a:pPr algn="ctr"/>
-            <a:r>
-              <a:rPr lang="it-IT" sz="2400" b="1" dirty="0" err="1">
-                <a:latin typeface="Palatino Linotype" panose="02040502050505030304" pitchFamily="18" charset="0"/>
-              </a:rPr>
-              <a:t>Entity</a:t>
-            </a:r>
-            <a:r>
-              <a:rPr lang="it-IT" sz="2400" dirty="0">
-                <a:latin typeface="Palatino Linotype" panose="02040502050505030304" pitchFamily="18" charset="0"/>
-              </a:rPr>
-              <a:t>: a </a:t>
-            </a:r>
-            <a:r>
-              <a:rPr lang="it-IT" sz="2400" dirty="0" err="1">
-                <a:latin typeface="Palatino Linotype" panose="02040502050505030304" pitchFamily="18" charset="0"/>
-              </a:rPr>
-              <a:t>circle</a:t>
-            </a:r>
-            <a:r>
-              <a:rPr lang="it-IT" sz="2400" dirty="0">
-                <a:latin typeface="Palatino Linotype" panose="02040502050505030304" pitchFamily="18" charset="0"/>
-              </a:rPr>
-              <a:t> </a:t>
-            </a:r>
-            <a:r>
-              <a:rPr lang="it-IT" sz="2400" dirty="0" err="1">
-                <a:latin typeface="Palatino Linotype" panose="02040502050505030304" pitchFamily="18" charset="0"/>
-              </a:rPr>
-              <a:t>realization</a:t>
-            </a:r>
-            <a:endParaRPr lang="en-GB" sz="2400" dirty="0">
+            <a:r>
+              <a:rPr lang="it-IT" dirty="0">
+                <a:latin typeface="Palatino Linotype" panose="02040502050505030304" pitchFamily="18" charset="0"/>
+              </a:rPr>
+              <a:t>Resource </a:t>
+            </a:r>
+            <a:r>
+              <a:rPr lang="it-IT" dirty="0" err="1">
+                <a:latin typeface="Palatino Linotype" panose="02040502050505030304" pitchFamily="18" charset="0"/>
+              </a:rPr>
+              <a:t>identifier</a:t>
+            </a:r>
+            <a:endParaRPr lang="en-GB" dirty="0">
               <a:latin typeface="Palatino Linotype" panose="02040502050505030304" pitchFamily="18" charset="0"/>
             </a:endParaRPr>
           </a:p>
         </p:txBody>
       </p:sp>
-      <p:sp>
-        <p:nvSpPr>
-          <p:cNvPr id="10" name="Ovale 9"/>
+      <p:cxnSp>
+        <p:nvCxnSpPr>
+          <p:cNvPr id="10" name="Connettore 2 9"/>
+          <p:cNvCxnSpPr/>
+          <p:nvPr/>
+        </p:nvCxnSpPr>
+        <p:spPr>
+          <a:xfrm flipH="1">
+            <a:off x="4421605" y="5759639"/>
+            <a:ext cx="3384884" cy="0"/>
+          </a:xfrm>
+          <a:prstGeom prst="straightConnector1">
+            <a:avLst/>
+          </a:prstGeom>
+          <a:ln w="28575">
+            <a:solidFill>
+              <a:schemeClr val="tx1"/>
+            </a:solidFill>
+            <a:tailEnd type="triangle"/>
+          </a:ln>
+        </p:spPr>
+        <p:style>
+          <a:lnRef idx="1">
+            <a:schemeClr val="accent1"/>
+          </a:lnRef>
+          <a:fillRef idx="0">
+            <a:schemeClr val="accent1"/>
+          </a:fillRef>
+          <a:effectRef idx="0">
+            <a:schemeClr val="accent1"/>
+          </a:effectRef>
+          <a:fontRef idx="minor">
+            <a:schemeClr val="tx1"/>
+          </a:fontRef>
+        </p:style>
+      </p:cxnSp>
+      <p:sp>
+        <p:nvSpPr>
+          <p:cNvPr id="14" name="Ovale 13"/>
           <p:cNvSpPr/>
           <p:nvPr/>
         </p:nvSpPr>
         <p:spPr>
           <a:xfrm>
-            <a:off x="8547038" y="2510291"/>
-            <a:ext cx="1260000" cy="1260000"/>
+            <a:off x="8844214" y="4882291"/>
+            <a:ext cx="1217194" cy="877348"/>
           </a:xfrm>
           <a:prstGeom prst="ellipse">
             <a:avLst/>
           </a:prstGeom>
-        </p:spPr>
-        <p:style>
-          <a:lnRef idx="1">
-            <a:schemeClr val="accent4"/>
-          </a:lnRef>
-          <a:fillRef idx="2">
-            <a:schemeClr val="accent4"/>
-          </a:fillRef>
-          <a:effectRef idx="1">
-            <a:schemeClr val="accent4"/>
-          </a:effectRef>
-          <a:fontRef idx="minor">
-            <a:schemeClr val="dk1"/>
-          </a:fontRef>
-        </p:style>
-        <p:txBody>
-          <a:bodyPr rtlCol="0" anchor="ctr"/>
-          <a:lstStyle/>
-          <a:p>
-            <a:pPr algn="ctr"/>
-            <a:endParaRPr lang="en-GB"/>
-          </a:p>
-        </p:txBody>
-      </p:sp>
-      <p:sp>
-        <p:nvSpPr>
-          <p:cNvPr id="11" name="Ovale 10"/>
-          <p:cNvSpPr/>
-          <p:nvPr/>
-        </p:nvSpPr>
-        <p:spPr>
-          <a:xfrm>
-            <a:off x="8504927" y="4979805"/>
-            <a:ext cx="1260000" cy="1260000"/>
-          </a:xfrm>
-          <a:prstGeom prst="ellipse">
-            <a:avLst/>
-          </a:prstGeom>
-        </p:spPr>
-        <p:style>
-          <a:lnRef idx="1">
-            <a:schemeClr val="accent4"/>
-          </a:lnRef>
-          <a:fillRef idx="2">
-            <a:schemeClr val="accent4"/>
-          </a:fillRef>
-          <a:effectRef idx="1">
-            <a:schemeClr val="accent4"/>
-          </a:effectRef>
-          <a:fontRef idx="minor">
-            <a:schemeClr val="dk1"/>
-          </a:fontRef>
-        </p:style>
-        <p:txBody>
-          <a:bodyPr rtlCol="0" anchor="ctr"/>
-          <a:lstStyle/>
-          <a:p>
-            <a:pPr algn="ctr"/>
-            <a:endParaRPr lang="en-GB"/>
-          </a:p>
-        </p:txBody>
-      </p:sp>
-      <p:sp>
-        <p:nvSpPr>
-          <p:cNvPr id="12" name="Ovale 11"/>
-          <p:cNvSpPr/>
-          <p:nvPr/>
-        </p:nvSpPr>
-        <p:spPr>
-          <a:xfrm>
-            <a:off x="9141038" y="3104291"/>
-            <a:ext cx="72000" cy="72000"/>
-          </a:xfrm>
-          <a:prstGeom prst="ellipse">
-            <a:avLst/>
-          </a:prstGeom>
           <a:solidFill>
-            <a:srgbClr val="C00000"/>
+            <a:srgbClr val="00B050"/>
           </a:solidFill>
           <a:ln>
             <a:solidFill>
-              <a:srgbClr val="C00000"/>
+              <a:schemeClr val="tx1"/>
             </a:solidFill>
           </a:ln>
         </p:spPr>
@@ -6910,83 +6171,50 @@
           <a:lstStyle/>
           <a:p>
             <a:pPr algn="ctr"/>
-            <a:endParaRPr lang="en-GB"/>
-          </a:p>
-        </p:txBody>
-      </p:sp>
-      <p:cxnSp>
-        <p:nvCxnSpPr>
-          <p:cNvPr id="14" name="Connettore diritto 13"/>
-          <p:cNvCxnSpPr>
-            <a:stCxn id="12" idx="7"/>
-            <a:endCxn id="10" idx="7"/>
-          </p:cNvCxnSpPr>
-          <p:nvPr/>
-        </p:nvCxnSpPr>
-        <p:spPr>
-          <a:xfrm flipV="1">
-            <a:off x="9202494" y="2694814"/>
-            <a:ext cx="420021" cy="420021"/>
-          </a:xfrm>
-          <a:prstGeom prst="line">
-            <a:avLst/>
-          </a:prstGeom>
-          <a:ln w="19050">
-            <a:solidFill>
-              <a:srgbClr val="C00000"/>
-            </a:solidFill>
-            <a:prstDash val="dash"/>
-          </a:ln>
-        </p:spPr>
-        <p:style>
-          <a:lnRef idx="1">
-            <a:schemeClr val="accent1"/>
-          </a:lnRef>
-          <a:fillRef idx="0">
-            <a:schemeClr val="accent1"/>
-          </a:fillRef>
-          <a:effectRef idx="0">
-            <a:schemeClr val="accent1"/>
-          </a:effectRef>
-          <a:fontRef idx="minor">
-            <a:schemeClr val="tx1"/>
-          </a:fontRef>
-        </p:style>
-      </p:cxnSp>
-      <p:sp>
-        <p:nvSpPr>
-          <p:cNvPr id="15" name="Ovale 14"/>
+            <a:r>
+              <a:rPr lang="it-IT" dirty="0" err="1">
+                <a:latin typeface="Palatino Linotype" panose="02040502050505030304" pitchFamily="18" charset="0"/>
+              </a:rPr>
+              <a:t>Entity</a:t>
+            </a:r>
+            <a:endParaRPr lang="en-GB" dirty="0">
+              <a:latin typeface="Palatino Linotype" panose="02040502050505030304" pitchFamily="18" charset="0"/>
+            </a:endParaRPr>
+          </a:p>
+          <a:p>
+            <a:pPr algn="ctr"/>
+            <a:endParaRPr lang="it-IT" dirty="0">
+              <a:latin typeface="Palatino Linotype" panose="02040502050505030304" pitchFamily="18" charset="0"/>
+            </a:endParaRPr>
+          </a:p>
+        </p:txBody>
+      </p:sp>
+      <p:sp>
+        <p:nvSpPr>
+          <p:cNvPr id="15" name="Rettangolo 14"/>
           <p:cNvSpPr/>
           <p:nvPr/>
         </p:nvSpPr>
         <p:spPr>
           <a:xfrm>
-            <a:off x="8679827" y="5128637"/>
-            <a:ext cx="72000" cy="72000"/>
-          </a:xfrm>
-          <a:prstGeom prst="ellipse">
-            <a:avLst/>
-          </a:prstGeom>
-          <a:solidFill>
-            <a:srgbClr val="C00000"/>
-          </a:solidFill>
-          <a:ln>
-            <a:solidFill>
-              <a:srgbClr val="C00000"/>
-            </a:solidFill>
-          </a:ln>
+            <a:off x="8201814" y="4634527"/>
+            <a:ext cx="264695" cy="1330128"/>
+          </a:xfrm>
+          <a:prstGeom prst="rect">
+            <a:avLst/>
+          </a:prstGeom>
         </p:spPr>
         <p:style>
           <a:lnRef idx="2">
-            <a:schemeClr val="accent1">
+            <a:schemeClr val="dk1">
               <a:shade val="50000"/>
             </a:schemeClr>
           </a:lnRef>
           <a:fillRef idx="1">
-            <a:schemeClr val="accent1"/>
+            <a:schemeClr val="dk1"/>
           </a:fillRef>
           <a:effectRef idx="0">
-            <a:schemeClr val="accent1"/>
+            <a:schemeClr val="dk1"/>
           </a:effectRef>
           <a:fontRef idx="minor">
             <a:schemeClr val="lt1"/>
@@ -7003,38 +6231,30 @@
       </p:sp>
       <p:sp>
         <p:nvSpPr>
-          <p:cNvPr id="16" name="Ovale 15"/>
+          <p:cNvPr id="16" name="Rettangolo 15"/>
           <p:cNvSpPr/>
           <p:nvPr/>
         </p:nvSpPr>
         <p:spPr>
           <a:xfrm>
-            <a:off x="8848269" y="6149757"/>
-            <a:ext cx="72000" cy="72000"/>
-          </a:xfrm>
-          <a:prstGeom prst="ellipse">
-            <a:avLst/>
-          </a:prstGeom>
-          <a:solidFill>
-            <a:srgbClr val="C00000"/>
-          </a:solidFill>
-          <a:ln>
-            <a:solidFill>
-              <a:srgbClr val="C00000"/>
-            </a:solidFill>
-          </a:ln>
+            <a:off x="3807994" y="4806569"/>
+            <a:ext cx="264695" cy="986043"/>
+          </a:xfrm>
+          <a:prstGeom prst="rect">
+            <a:avLst/>
+          </a:prstGeom>
         </p:spPr>
         <p:style>
           <a:lnRef idx="2">
-            <a:schemeClr val="accent1">
+            <a:schemeClr val="dk1">
               <a:shade val="50000"/>
             </a:schemeClr>
           </a:lnRef>
           <a:fillRef idx="1">
-            <a:schemeClr val="accent1"/>
+            <a:schemeClr val="dk1"/>
           </a:fillRef>
           <a:effectRef idx="0">
-            <a:schemeClr val="accent1"/>
+            <a:schemeClr val="dk1"/>
           </a:effectRef>
           <a:fontRef idx="minor">
             <a:schemeClr val="lt1"/>
@@ -7049,179 +6269,25 @@
           </a:p>
         </p:txBody>
       </p:sp>
-      <p:sp>
-        <p:nvSpPr>
-          <p:cNvPr id="17" name="Ovale 16"/>
-          <p:cNvSpPr/>
-          <p:nvPr/>
-        </p:nvSpPr>
-        <p:spPr>
-          <a:xfrm>
-            <a:off x="9588210" y="5182786"/>
-            <a:ext cx="72000" cy="72000"/>
-          </a:xfrm>
-          <a:prstGeom prst="ellipse">
-            <a:avLst/>
-          </a:prstGeom>
-          <a:solidFill>
-            <a:srgbClr val="C00000"/>
-          </a:solidFill>
-          <a:ln>
-            <a:solidFill>
-              <a:srgbClr val="C00000"/>
-            </a:solidFill>
-          </a:ln>
-        </p:spPr>
-        <p:style>
-          <a:lnRef idx="2">
-            <a:schemeClr val="accent1">
-              <a:shade val="50000"/>
-            </a:schemeClr>
-          </a:lnRef>
-          <a:fillRef idx="1">
-            <a:schemeClr val="accent1"/>
-          </a:fillRef>
-          <a:effectRef idx="0">
-            <a:schemeClr val="accent1"/>
-          </a:effectRef>
-          <a:fontRef idx="minor">
-            <a:schemeClr val="lt1"/>
-          </a:fontRef>
-        </p:style>
-        <p:txBody>
-          <a:bodyPr rtlCol="0" anchor="ctr"/>
-          <a:lstStyle/>
-          <a:p>
-            <a:pPr algn="ctr"/>
-            <a:endParaRPr lang="en-GB"/>
-          </a:p>
-        </p:txBody>
-      </p:sp>
-      <p:sp>
-        <p:nvSpPr>
-          <p:cNvPr id="18" name="CasellaDiTesto 17"/>
-          <p:cNvSpPr txBox="1"/>
-          <p:nvPr/>
-        </p:nvSpPr>
-        <p:spPr>
-          <a:xfrm>
-            <a:off x="6701589" y="4168113"/>
-            <a:ext cx="5017169" cy="707886"/>
-          </a:xfrm>
-          <a:prstGeom prst="rect">
-            <a:avLst/>
-          </a:prstGeom>
-          <a:noFill/>
-        </p:spPr>
-        <p:txBody>
-          <a:bodyPr wrap="square" rtlCol="0">
-            <a:spAutoFit/>
-          </a:bodyPr>
-          <a:lstStyle/>
-          <a:p>
-            <a:pPr algn="ctr"/>
-            <a:r>
-              <a:rPr lang="it-IT" sz="2000" b="1" dirty="0" err="1">
-                <a:latin typeface="Palatino Linotype" panose="02040502050505030304" pitchFamily="18" charset="0"/>
-              </a:rPr>
-              <a:t>Representation</a:t>
-            </a:r>
-            <a:r>
-              <a:rPr lang="it-IT" sz="2000" b="1" dirty="0">
-                <a:latin typeface="Palatino Linotype" panose="02040502050505030304" pitchFamily="18" charset="0"/>
-              </a:rPr>
-              <a:t> 2</a:t>
-            </a:r>
-            <a:r>
-              <a:rPr lang="it-IT" sz="2000" dirty="0">
-                <a:latin typeface="Palatino Linotype" panose="02040502050505030304" pitchFamily="18" charset="0"/>
-              </a:rPr>
-              <a:t>: </a:t>
-            </a:r>
-            <a:r>
-              <a:rPr lang="it-IT" sz="2000" dirty="0" err="1">
-                <a:latin typeface="Palatino Linotype" panose="02040502050505030304" pitchFamily="18" charset="0"/>
-              </a:rPr>
-              <a:t>coordinates</a:t>
-            </a:r>
-            <a:r>
-              <a:rPr lang="it-IT" sz="2000" dirty="0">
-                <a:latin typeface="Palatino Linotype" panose="02040502050505030304" pitchFamily="18" charset="0"/>
-              </a:rPr>
-              <a:t> of </a:t>
-            </a:r>
-            <a:r>
-              <a:rPr lang="it-IT" sz="2000" dirty="0" err="1">
-                <a:latin typeface="Palatino Linotype" panose="02040502050505030304" pitchFamily="18" charset="0"/>
-              </a:rPr>
-              <a:t>three</a:t>
-            </a:r>
-            <a:r>
-              <a:rPr lang="it-IT" sz="2000" dirty="0">
-                <a:latin typeface="Palatino Linotype" panose="02040502050505030304" pitchFamily="18" charset="0"/>
-              </a:rPr>
-              <a:t> </a:t>
-            </a:r>
-            <a:r>
-              <a:rPr lang="it-IT" sz="2000" dirty="0" err="1">
-                <a:latin typeface="Palatino Linotype" panose="02040502050505030304" pitchFamily="18" charset="0"/>
-              </a:rPr>
-              <a:t>points</a:t>
-            </a:r>
-            <a:r>
-              <a:rPr lang="it-IT" sz="2000" dirty="0">
-                <a:latin typeface="Palatino Linotype" panose="02040502050505030304" pitchFamily="18" charset="0"/>
-              </a:rPr>
-              <a:t> of the </a:t>
-            </a:r>
-            <a:r>
-              <a:rPr lang="it-IT" sz="2000" dirty="0" err="1">
-                <a:latin typeface="Palatino Linotype" panose="02040502050505030304" pitchFamily="18" charset="0"/>
-              </a:rPr>
-              <a:t>circumference</a:t>
-            </a:r>
-            <a:r>
-              <a:rPr lang="it-IT" sz="2000" dirty="0">
-                <a:latin typeface="Palatino Linotype" panose="02040502050505030304" pitchFamily="18" charset="0"/>
-              </a:rPr>
-              <a:t> in a </a:t>
-            </a:r>
-            <a:r>
-              <a:rPr lang="it-IT" sz="2000" dirty="0" err="1">
-                <a:latin typeface="Palatino Linotype" panose="02040502050505030304" pitchFamily="18" charset="0"/>
-              </a:rPr>
-              <a:t>csv</a:t>
-            </a:r>
-            <a:r>
-              <a:rPr lang="it-IT" sz="2000" dirty="0">
-                <a:latin typeface="Palatino Linotype" panose="02040502050505030304" pitchFamily="18" charset="0"/>
-              </a:rPr>
-              <a:t> file</a:t>
-            </a:r>
-            <a:endParaRPr lang="en-GB" sz="2000" dirty="0">
-              <a:latin typeface="Palatino Linotype" panose="02040502050505030304" pitchFamily="18" charset="0"/>
-            </a:endParaRPr>
-          </a:p>
-        </p:txBody>
-      </p:sp>
       <p:cxnSp>
         <p:nvCxnSpPr>
-          <p:cNvPr id="20" name="Connettore 2 19"/>
+          <p:cNvPr id="19" name="Connettore 2 18"/>
           <p:cNvCxnSpPr/>
           <p:nvPr/>
         </p:nvCxnSpPr>
         <p:spPr>
-          <a:xfrm flipV="1">
-            <a:off x="5648826" y="2316080"/>
-            <a:ext cx="1052763" cy="848227"/>
+          <a:xfrm>
+            <a:off x="8515784" y="4770521"/>
+            <a:ext cx="475247" cy="186489"/>
           </a:xfrm>
           <a:prstGeom prst="straightConnector1">
             <a:avLst/>
           </a:prstGeom>
-          <a:ln w="57150">
+          <a:ln w="28575">
             <a:solidFill>
               <a:schemeClr val="tx1"/>
             </a:solidFill>
+            <a:prstDash val="sysDash"/>
             <a:tailEnd type="triangle"/>
           </a:ln>
         </p:spPr>
@@ -7242,22 +6308,23 @@
       </p:cxnSp>
       <p:cxnSp>
         <p:nvCxnSpPr>
-          <p:cNvPr id="21" name="Connettore 2 20"/>
+          <p:cNvPr id="20" name="Connettore 2 19"/>
           <p:cNvCxnSpPr/>
           <p:nvPr/>
         </p:nvCxnSpPr>
         <p:spPr>
-          <a:xfrm>
-            <a:off x="5648826" y="4168114"/>
-            <a:ext cx="1221206" cy="353942"/>
+          <a:xfrm flipH="1">
+            <a:off x="8515784" y="5618747"/>
+            <a:ext cx="423679" cy="232001"/>
           </a:xfrm>
           <a:prstGeom prst="straightConnector1">
             <a:avLst/>
           </a:prstGeom>
-          <a:ln w="57150">
+          <a:ln w="28575">
             <a:solidFill>
               <a:schemeClr val="tx1"/>
             </a:solidFill>
+            <a:prstDash val="sysDash"/>
             <a:tailEnd type="triangle"/>
           </a:ln>
         </p:spPr>
@@ -7278,7 +6345,158 @@
       </p:cxnSp>
       <p:sp>
         <p:nvSpPr>
-          <p:cNvPr id="3" name="Segnaposto numero diapositiva 2"/>
+          <p:cNvPr id="24" name="CasellaDiTesto 23"/>
+          <p:cNvSpPr txBox="1"/>
+          <p:nvPr/>
+        </p:nvSpPr>
+        <p:spPr>
+          <a:xfrm>
+            <a:off x="8835765" y="5269287"/>
+            <a:ext cx="1553076" cy="307777"/>
+          </a:xfrm>
+          <a:prstGeom prst="rect">
+            <a:avLst/>
+          </a:prstGeom>
+          <a:noFill/>
+        </p:spPr>
+        <p:txBody>
+          <a:bodyPr wrap="square" rtlCol="0">
+            <a:spAutoFit/>
+          </a:bodyPr>
+          <a:lstStyle/>
+          <a:p>
+            <a:r>
+              <a:rPr lang="it-IT" sz="1400" dirty="0">
+                <a:solidFill>
+                  <a:schemeClr val="bg1"/>
+                </a:solidFill>
+                <a:latin typeface="Palatino Linotype" panose="02040502050505030304" pitchFamily="18" charset="0"/>
+              </a:rPr>
+              <a:t>(</a:t>
+            </a:r>
+            <a:r>
+              <a:rPr lang="it-IT" sz="1400" dirty="0" err="1">
+                <a:solidFill>
+                  <a:schemeClr val="bg1"/>
+                </a:solidFill>
+                <a:latin typeface="Palatino Linotype" panose="02040502050505030304" pitchFamily="18" charset="0"/>
+              </a:rPr>
+              <a:t>raw</a:t>
+            </a:r>
+            <a:r>
+              <a:rPr lang="it-IT" sz="1400" dirty="0">
+                <a:solidFill>
+                  <a:schemeClr val="bg1"/>
+                </a:solidFill>
+                <a:latin typeface="Palatino Linotype" panose="02040502050505030304" pitchFamily="18" charset="0"/>
+              </a:rPr>
+              <a:t> format)</a:t>
+            </a:r>
+            <a:endParaRPr lang="en-GB" sz="1400" dirty="0">
+              <a:solidFill>
+                <a:schemeClr val="bg1"/>
+              </a:solidFill>
+              <a:latin typeface="Palatino Linotype" panose="02040502050505030304" pitchFamily="18" charset="0"/>
+            </a:endParaRPr>
+          </a:p>
+        </p:txBody>
+      </p:sp>
+      <p:sp>
+        <p:nvSpPr>
+          <p:cNvPr id="25" name="Pentagono regolare 24"/>
+          <p:cNvSpPr/>
+          <p:nvPr/>
+        </p:nvSpPr>
+        <p:spPr>
+          <a:xfrm>
+            <a:off x="5075184" y="5047540"/>
+            <a:ext cx="1957564" cy="876830"/>
+          </a:xfrm>
+          <a:prstGeom prst="pentagon">
+            <a:avLst/>
+          </a:prstGeom>
+          <a:solidFill>
+            <a:srgbClr val="00B050"/>
+          </a:solidFill>
+        </p:spPr>
+        <p:style>
+          <a:lnRef idx="2">
+            <a:schemeClr val="accent1">
+              <a:shade val="50000"/>
+            </a:schemeClr>
+          </a:lnRef>
+          <a:fillRef idx="1">
+            <a:schemeClr val="accent1"/>
+          </a:fillRef>
+          <a:effectRef idx="0">
+            <a:schemeClr val="accent1"/>
+          </a:effectRef>
+          <a:fontRef idx="minor">
+            <a:schemeClr val="lt1"/>
+          </a:fontRef>
+        </p:style>
+        <p:txBody>
+          <a:bodyPr rtlCol="0" anchor="ctr"/>
+          <a:lstStyle/>
+          <a:p>
+            <a:pPr algn="ctr"/>
+            <a:endParaRPr lang="en-GB"/>
+          </a:p>
+        </p:txBody>
+      </p:sp>
+      <p:sp>
+        <p:nvSpPr>
+          <p:cNvPr id="13" name="CasellaDiTesto 12"/>
+          <p:cNvSpPr txBox="1"/>
+          <p:nvPr/>
+        </p:nvSpPr>
+        <p:spPr>
+          <a:xfrm>
+            <a:off x="5075183" y="5180682"/>
+            <a:ext cx="1949116" cy="646331"/>
+          </a:xfrm>
+          <a:prstGeom prst="rect">
+            <a:avLst/>
+          </a:prstGeom>
+          <a:noFill/>
+        </p:spPr>
+        <p:txBody>
+          <a:bodyPr wrap="square" rtlCol="0">
+            <a:spAutoFit/>
+          </a:bodyPr>
+          <a:lstStyle/>
+          <a:p>
+            <a:pPr algn="ctr"/>
+            <a:r>
+              <a:rPr lang="it-IT" dirty="0">
+                <a:solidFill>
+                  <a:schemeClr val="bg1"/>
+                </a:solidFill>
+                <a:latin typeface="Palatino Linotype" panose="02040502050505030304" pitchFamily="18" charset="0"/>
+              </a:rPr>
+              <a:t>Resource </a:t>
+            </a:r>
+            <a:r>
+              <a:rPr lang="it-IT" dirty="0" err="1">
+                <a:solidFill>
+                  <a:schemeClr val="bg1"/>
+                </a:solidFill>
+                <a:latin typeface="Palatino Linotype" panose="02040502050505030304" pitchFamily="18" charset="0"/>
+              </a:rPr>
+              <a:t>representation</a:t>
+            </a:r>
+            <a:endParaRPr lang="en-GB" dirty="0">
+              <a:solidFill>
+                <a:schemeClr val="bg1"/>
+              </a:solidFill>
+              <a:latin typeface="Palatino Linotype" panose="02040502050505030304" pitchFamily="18" charset="0"/>
+            </a:endParaRPr>
+          </a:p>
+        </p:txBody>
+      </p:sp>
+      <p:sp>
+        <p:nvSpPr>
+          <p:cNvPr id="6" name="Segnaposto numero diapositiva 5"/>
           <p:cNvSpPr>
             <a:spLocks noGrp="1"/>
           </p:cNvSpPr>
@@ -7302,7 +6520,7 @@
     </p:spTree>
     <p:extLst>
       <p:ext uri="{BB962C8B-B14F-4D97-AF65-F5344CB8AC3E}">
-        <p14:creationId xmlns:p14="http://schemas.microsoft.com/office/powerpoint/2010/main" val="2761484841"/>
+        <p14:creationId xmlns:p14="http://schemas.microsoft.com/office/powerpoint/2010/main" val="194815998"/>
       </p:ext>
     </p:extLst>
   </p:cSld>
@@ -7534,20 +6752,16 @@
           <a:lstStyle/>
           <a:p>
             <a:r>
+              <a:rPr lang="it-IT" dirty="0" err="1"/>
+              <a:t>Representations</a:t>
+            </a:r>
+            <a:r>
               <a:rPr lang="it-IT" dirty="0"/>
-              <a:t>REST self-</a:t>
+              <a:t>: </a:t>
             </a:r>
             <a:r>
               <a:rPr lang="it-IT" dirty="0" err="1"/>
-              <a:t>descriptive</a:t>
-            </a:r>
-            <a:r>
-              <a:rPr lang="it-IT" dirty="0"/>
-              <a:t> </a:t>
-            </a:r>
-            <a:r>
-              <a:rPr lang="it-IT" dirty="0" err="1"/>
-              <a:t>messages</a:t>
+              <a:t>example</a:t>
             </a:r>
             <a:endParaRPr lang="en-GB" dirty="0"/>
           </a:p>
@@ -7555,32 +6769,27 @@
       </p:sp>
       <p:sp>
         <p:nvSpPr>
-          <p:cNvPr id="4" name="Rettangolo 3"/>
+          <p:cNvPr id="4" name="Ovale 3"/>
           <p:cNvSpPr/>
           <p:nvPr/>
         </p:nvSpPr>
         <p:spPr>
           <a:xfrm>
-            <a:off x="473459" y="3308140"/>
-            <a:ext cx="2225842" cy="1287379"/>
-          </a:xfrm>
-          <a:prstGeom prst="rect">
-            <a:avLst/>
-          </a:prstGeom>
-          <a:ln w="38100">
-            <a:solidFill>
-              <a:srgbClr val="00B050"/>
-            </a:solidFill>
-          </a:ln>
+            <a:off x="428172" y="3164307"/>
+            <a:ext cx="1800000" cy="1800000"/>
+          </a:xfrm>
+          <a:prstGeom prst="ellipse">
+            <a:avLst/>
+          </a:prstGeom>
         </p:spPr>
         <p:style>
-          <a:lnRef idx="2">
+          <a:lnRef idx="1">
             <a:schemeClr val="accent6"/>
           </a:lnRef>
-          <a:fillRef idx="1">
-            <a:schemeClr val="lt1"/>
+          <a:fillRef idx="2">
+            <a:schemeClr val="accent6"/>
           </a:fillRef>
-          <a:effectRef idx="0">
+          <a:effectRef idx="1">
             <a:schemeClr val="accent6"/>
           </a:effectRef>
           <a:fontRef idx="minor">
@@ -7592,13 +6801,51 @@
           <a:lstStyle/>
           <a:p>
             <a:pPr algn="ctr"/>
-            <a:r>
-              <a:rPr lang="it-IT" sz="2800" dirty="0">
-                <a:latin typeface="Palatino Linotype" panose="02040502050505030304" pitchFamily="18" charset="0"/>
-              </a:rPr>
-              <a:t>Client</a:t>
-            </a:r>
-            <a:endParaRPr lang="en-GB" sz="2800" dirty="0">
+            <a:endParaRPr lang="en-GB"/>
+          </a:p>
+        </p:txBody>
+      </p:sp>
+      <p:sp>
+        <p:nvSpPr>
+          <p:cNvPr id="5" name="CasellaDiTesto 4"/>
+          <p:cNvSpPr txBox="1"/>
+          <p:nvPr/>
+        </p:nvSpPr>
+        <p:spPr>
+          <a:xfrm>
+            <a:off x="220215" y="2524154"/>
+            <a:ext cx="2358190" cy="461665"/>
+          </a:xfrm>
+          <a:prstGeom prst="rect">
+            <a:avLst/>
+          </a:prstGeom>
+          <a:noFill/>
+        </p:spPr>
+        <p:txBody>
+          <a:bodyPr wrap="square" rtlCol="0">
+            <a:spAutoFit/>
+          </a:bodyPr>
+          <a:lstStyle/>
+          <a:p>
+            <a:r>
+              <a:rPr lang="it-IT" sz="2400" b="1" dirty="0">
+                <a:latin typeface="Palatino Linotype" panose="02040502050505030304" pitchFamily="18" charset="0"/>
+              </a:rPr>
+              <a:t>Resource</a:t>
+            </a:r>
+            <a:r>
+              <a:rPr lang="it-IT" sz="2400" dirty="0">
+                <a:latin typeface="Palatino Linotype" panose="02040502050505030304" pitchFamily="18" charset="0"/>
+              </a:rPr>
+              <a:t>: </a:t>
+            </a:r>
+            <a:r>
+              <a:rPr lang="it-IT" sz="2400" dirty="0" err="1">
+                <a:latin typeface="Palatino Linotype" panose="02040502050505030304" pitchFamily="18" charset="0"/>
+              </a:rPr>
+              <a:t>circle</a:t>
+            </a:r>
+            <a:endParaRPr lang="en-GB" sz="2400" dirty="0">
               <a:latin typeface="Palatino Linotype" panose="02040502050505030304" pitchFamily="18" charset="0"/>
             </a:endParaRPr>
           </a:p>
@@ -7606,67 +6853,661 @@
       </p:sp>
       <p:sp>
         <p:nvSpPr>
-          <p:cNvPr id="5" name="Rettangolo 4"/>
+          <p:cNvPr id="7" name="CasellaDiTesto 6"/>
+          <p:cNvSpPr txBox="1"/>
+          <p:nvPr/>
+        </p:nvSpPr>
+        <p:spPr>
+          <a:xfrm>
+            <a:off x="6671510" y="1441200"/>
+            <a:ext cx="5077325" cy="1015663"/>
+          </a:xfrm>
+          <a:prstGeom prst="rect">
+            <a:avLst/>
+          </a:prstGeom>
+          <a:noFill/>
+        </p:spPr>
+        <p:txBody>
+          <a:bodyPr wrap="square" rtlCol="0">
+            <a:spAutoFit/>
+          </a:bodyPr>
+          <a:lstStyle/>
+          <a:p>
+            <a:pPr algn="ctr"/>
+            <a:r>
+              <a:rPr lang="it-IT" sz="2000" b="1" dirty="0" err="1">
+                <a:latin typeface="Palatino Linotype" panose="02040502050505030304" pitchFamily="18" charset="0"/>
+              </a:rPr>
+              <a:t>Representation</a:t>
+            </a:r>
+            <a:r>
+              <a:rPr lang="it-IT" sz="2000" b="1" dirty="0">
+                <a:latin typeface="Palatino Linotype" panose="02040502050505030304" pitchFamily="18" charset="0"/>
+              </a:rPr>
+              <a:t> 1:</a:t>
+            </a:r>
+            <a:r>
+              <a:rPr lang="it-IT" sz="2000" dirty="0">
+                <a:latin typeface="Palatino Linotype" panose="02040502050505030304" pitchFamily="18" charset="0"/>
+              </a:rPr>
+              <a:t> </a:t>
+            </a:r>
+            <a:r>
+              <a:rPr lang="it-IT" sz="2000" dirty="0" err="1">
+                <a:latin typeface="Palatino Linotype" panose="02040502050505030304" pitchFamily="18" charset="0"/>
+              </a:rPr>
+              <a:t>one</a:t>
+            </a:r>
+            <a:r>
+              <a:rPr lang="it-IT" sz="2000" dirty="0">
+                <a:latin typeface="Palatino Linotype" panose="02040502050505030304" pitchFamily="18" charset="0"/>
+              </a:rPr>
+              <a:t> </a:t>
+            </a:r>
+            <a:r>
+              <a:rPr lang="it-IT" sz="2000" dirty="0" err="1">
+                <a:latin typeface="Palatino Linotype" panose="02040502050505030304" pitchFamily="18" charset="0"/>
+              </a:rPr>
+              <a:t>point</a:t>
+            </a:r>
+            <a:r>
+              <a:rPr lang="it-IT" sz="2000" dirty="0">
+                <a:latin typeface="Palatino Linotype" panose="02040502050505030304" pitchFamily="18" charset="0"/>
+              </a:rPr>
+              <a:t> for the </a:t>
+            </a:r>
+            <a:r>
+              <a:rPr lang="it-IT" sz="2000" dirty="0" err="1">
+                <a:latin typeface="Palatino Linotype" panose="02040502050505030304" pitchFamily="18" charset="0"/>
+              </a:rPr>
+              <a:t>circle</a:t>
+            </a:r>
+            <a:r>
+              <a:rPr lang="it-IT" sz="2000" dirty="0">
+                <a:latin typeface="Palatino Linotype" panose="02040502050505030304" pitchFamily="18" charset="0"/>
+              </a:rPr>
+              <a:t> center and </a:t>
+            </a:r>
+            <a:r>
+              <a:rPr lang="it-IT" sz="2000" dirty="0" err="1">
+                <a:latin typeface="Palatino Linotype" panose="02040502050505030304" pitchFamily="18" charset="0"/>
+              </a:rPr>
+              <a:t>one</a:t>
+            </a:r>
+            <a:r>
+              <a:rPr lang="it-IT" sz="2000" dirty="0">
+                <a:latin typeface="Palatino Linotype" panose="02040502050505030304" pitchFamily="18" charset="0"/>
+              </a:rPr>
+              <a:t> </a:t>
+            </a:r>
+            <a:r>
+              <a:rPr lang="it-IT" sz="2000" dirty="0" err="1">
+                <a:latin typeface="Palatino Linotype" panose="02040502050505030304" pitchFamily="18" charset="0"/>
+              </a:rPr>
+              <a:t>vector</a:t>
+            </a:r>
+            <a:r>
+              <a:rPr lang="it-IT" sz="2000" dirty="0">
+                <a:latin typeface="Palatino Linotype" panose="02040502050505030304" pitchFamily="18" charset="0"/>
+              </a:rPr>
+              <a:t> for the </a:t>
+            </a:r>
+            <a:r>
+              <a:rPr lang="it-IT" sz="2000" dirty="0" err="1">
+                <a:latin typeface="Palatino Linotype" panose="02040502050505030304" pitchFamily="18" charset="0"/>
+              </a:rPr>
+              <a:t>circle</a:t>
+            </a:r>
+            <a:r>
+              <a:rPr lang="it-IT" sz="2000" dirty="0">
+                <a:latin typeface="Palatino Linotype" panose="02040502050505030304" pitchFamily="18" charset="0"/>
+              </a:rPr>
+              <a:t> </a:t>
+            </a:r>
+            <a:r>
+              <a:rPr lang="it-IT" sz="2000" dirty="0" err="1">
+                <a:latin typeface="Palatino Linotype" panose="02040502050505030304" pitchFamily="18" charset="0"/>
+              </a:rPr>
+              <a:t>radius</a:t>
+            </a:r>
+            <a:r>
+              <a:rPr lang="it-IT" sz="2000" dirty="0">
+                <a:latin typeface="Palatino Linotype" panose="02040502050505030304" pitchFamily="18" charset="0"/>
+              </a:rPr>
+              <a:t> in SVG format</a:t>
+            </a:r>
+            <a:endParaRPr lang="en-GB" sz="2000" dirty="0">
+              <a:latin typeface="Palatino Linotype" panose="02040502050505030304" pitchFamily="18" charset="0"/>
+            </a:endParaRPr>
+          </a:p>
+        </p:txBody>
+      </p:sp>
+      <p:sp>
+        <p:nvSpPr>
+          <p:cNvPr id="8" name="Ovale 7"/>
           <p:cNvSpPr/>
           <p:nvPr/>
         </p:nvSpPr>
         <p:spPr>
           <a:xfrm>
-            <a:off x="9035497" y="2971801"/>
-            <a:ext cx="2225842" cy="2111542"/>
-          </a:xfrm>
-          <a:prstGeom prst="rect">
-            <a:avLst/>
-          </a:prstGeom>
-          <a:ln w="38100">
-            <a:solidFill>
-              <a:srgbClr val="00B050"/>
-            </a:solidFill>
-          </a:ln>
+            <a:off x="3989763" y="3434307"/>
+            <a:ext cx="1260000" cy="1260000"/>
+          </a:xfrm>
+          <a:prstGeom prst="ellipse">
+            <a:avLst/>
+          </a:prstGeom>
         </p:spPr>
         <p:style>
-          <a:lnRef idx="2">
-            <a:schemeClr val="accent6"/>
+          <a:lnRef idx="1">
+            <a:schemeClr val="accent4"/>
           </a:lnRef>
-          <a:fillRef idx="1">
-            <a:schemeClr val="lt1"/>
+          <a:fillRef idx="2">
+            <a:schemeClr val="accent4"/>
           </a:fillRef>
-          <a:effectRef idx="0">
-            <a:schemeClr val="accent6"/>
+          <a:effectRef idx="1">
+            <a:schemeClr val="accent4"/>
           </a:effectRef>
           <a:fontRef idx="minor">
             <a:schemeClr val="dk1"/>
           </a:fontRef>
         </p:style>
         <p:txBody>
-          <a:bodyPr rtlCol="0" anchor="t"/>
+          <a:bodyPr rtlCol="0" anchor="ctr"/>
           <a:lstStyle/>
           <a:p>
             <a:pPr algn="ctr"/>
+            <a:endParaRPr lang="en-GB"/>
+          </a:p>
+        </p:txBody>
+      </p:sp>
+      <p:sp>
+        <p:nvSpPr>
+          <p:cNvPr id="9" name="CasellaDiTesto 8"/>
+          <p:cNvSpPr txBox="1"/>
+          <p:nvPr/>
+        </p:nvSpPr>
+        <p:spPr>
+          <a:xfrm>
+            <a:off x="3377684" y="2524154"/>
+            <a:ext cx="2358190" cy="830997"/>
+          </a:xfrm>
+          <a:prstGeom prst="rect">
+            <a:avLst/>
+          </a:prstGeom>
+          <a:noFill/>
+        </p:spPr>
+        <p:txBody>
+          <a:bodyPr wrap="square" rtlCol="0">
+            <a:spAutoFit/>
+          </a:bodyPr>
+          <a:lstStyle/>
+          <a:p>
+            <a:pPr algn="ctr"/>
+            <a:r>
+              <a:rPr lang="it-IT" sz="2400" b="1" dirty="0" err="1">
+                <a:latin typeface="Palatino Linotype" panose="02040502050505030304" pitchFamily="18" charset="0"/>
+              </a:rPr>
+              <a:t>Entity</a:t>
+            </a:r>
             <a:r>
               <a:rPr lang="it-IT" sz="2400" dirty="0">
                 <a:latin typeface="Palatino Linotype" panose="02040502050505030304" pitchFamily="18" charset="0"/>
               </a:rPr>
-              <a:t>Server</a:t>
-            </a:r>
+              <a:t>: a </a:t>
+            </a:r>
+            <a:r>
+              <a:rPr lang="it-IT" sz="2400" dirty="0" err="1">
+                <a:latin typeface="Palatino Linotype" panose="02040502050505030304" pitchFamily="18" charset="0"/>
+              </a:rPr>
+              <a:t>circle</a:t>
+            </a:r>
+            <a:r>
+              <a:rPr lang="it-IT" sz="2400" dirty="0">
+                <a:latin typeface="Palatino Linotype" panose="02040502050505030304" pitchFamily="18" charset="0"/>
+              </a:rPr>
+              <a:t> </a:t>
+            </a:r>
+            <a:r>
+              <a:rPr lang="it-IT" sz="2400" dirty="0" err="1">
+                <a:latin typeface="Palatino Linotype" panose="02040502050505030304" pitchFamily="18" charset="0"/>
+              </a:rPr>
+              <a:t>realization</a:t>
+            </a:r>
+            <a:endParaRPr lang="en-GB" sz="2400" dirty="0">
+              <a:latin typeface="Palatino Linotype" panose="02040502050505030304" pitchFamily="18" charset="0"/>
+            </a:endParaRPr>
+          </a:p>
+        </p:txBody>
+      </p:sp>
+      <p:sp>
+        <p:nvSpPr>
+          <p:cNvPr id="10" name="Ovale 9"/>
+          <p:cNvSpPr/>
+          <p:nvPr/>
+        </p:nvSpPr>
+        <p:spPr>
+          <a:xfrm>
+            <a:off x="8547038" y="2510291"/>
+            <a:ext cx="1260000" cy="1260000"/>
+          </a:xfrm>
+          <a:prstGeom prst="ellipse">
+            <a:avLst/>
+          </a:prstGeom>
+        </p:spPr>
+        <p:style>
+          <a:lnRef idx="1">
+            <a:schemeClr val="accent4"/>
+          </a:lnRef>
+          <a:fillRef idx="2">
+            <a:schemeClr val="accent4"/>
+          </a:fillRef>
+          <a:effectRef idx="1">
+            <a:schemeClr val="accent4"/>
+          </a:effectRef>
+          <a:fontRef idx="minor">
+            <a:schemeClr val="dk1"/>
+          </a:fontRef>
+        </p:style>
+        <p:txBody>
+          <a:bodyPr rtlCol="0" anchor="ctr"/>
+          <a:lstStyle/>
+          <a:p>
+            <a:pPr algn="ctr"/>
+            <a:endParaRPr lang="en-GB"/>
+          </a:p>
+        </p:txBody>
+      </p:sp>
+      <p:sp>
+        <p:nvSpPr>
+          <p:cNvPr id="11" name="Ovale 10"/>
+          <p:cNvSpPr/>
+          <p:nvPr/>
+        </p:nvSpPr>
+        <p:spPr>
+          <a:xfrm>
+            <a:off x="8504927" y="4979805"/>
+            <a:ext cx="1260000" cy="1260000"/>
+          </a:xfrm>
+          <a:prstGeom prst="ellipse">
+            <a:avLst/>
+          </a:prstGeom>
+        </p:spPr>
+        <p:style>
+          <a:lnRef idx="1">
+            <a:schemeClr val="accent4"/>
+          </a:lnRef>
+          <a:fillRef idx="2">
+            <a:schemeClr val="accent4"/>
+          </a:fillRef>
+          <a:effectRef idx="1">
+            <a:schemeClr val="accent4"/>
+          </a:effectRef>
+          <a:fontRef idx="minor">
+            <a:schemeClr val="dk1"/>
+          </a:fontRef>
+        </p:style>
+        <p:txBody>
+          <a:bodyPr rtlCol="0" anchor="ctr"/>
+          <a:lstStyle/>
+          <a:p>
+            <a:pPr algn="ctr"/>
+            <a:endParaRPr lang="en-GB"/>
+          </a:p>
+        </p:txBody>
+      </p:sp>
+      <p:sp>
+        <p:nvSpPr>
+          <p:cNvPr id="12" name="Ovale 11"/>
+          <p:cNvSpPr/>
+          <p:nvPr/>
+        </p:nvSpPr>
+        <p:spPr>
+          <a:xfrm>
+            <a:off x="9141038" y="3104291"/>
+            <a:ext cx="72000" cy="72000"/>
+          </a:xfrm>
+          <a:prstGeom prst="ellipse">
+            <a:avLst/>
+          </a:prstGeom>
+          <a:solidFill>
+            <a:srgbClr val="C00000"/>
+          </a:solidFill>
+          <a:ln>
+            <a:solidFill>
+              <a:srgbClr val="C00000"/>
+            </a:solidFill>
+          </a:ln>
+        </p:spPr>
+        <p:style>
+          <a:lnRef idx="2">
+            <a:schemeClr val="accent1">
+              <a:shade val="50000"/>
+            </a:schemeClr>
+          </a:lnRef>
+          <a:fillRef idx="1">
+            <a:schemeClr val="accent1"/>
+          </a:fillRef>
+          <a:effectRef idx="0">
+            <a:schemeClr val="accent1"/>
+          </a:effectRef>
+          <a:fontRef idx="minor">
+            <a:schemeClr val="lt1"/>
+          </a:fontRef>
+        </p:style>
+        <p:txBody>
+          <a:bodyPr rtlCol="0" anchor="ctr"/>
+          <a:lstStyle/>
+          <a:p>
+            <a:pPr algn="ctr"/>
+            <a:endParaRPr lang="en-GB"/>
           </a:p>
         </p:txBody>
       </p:sp>
       <p:cxnSp>
         <p:nvCxnSpPr>
-          <p:cNvPr id="6" name="Connettore 2 5"/>
+          <p:cNvPr id="14" name="Connettore diritto 13"/>
+          <p:cNvCxnSpPr>
+            <a:stCxn id="12" idx="7"/>
+            <a:endCxn id="10" idx="7"/>
+          </p:cNvCxnSpPr>
+          <p:nvPr/>
+        </p:nvCxnSpPr>
+        <p:spPr>
+          <a:xfrm flipV="1">
+            <a:off x="9202494" y="2694814"/>
+            <a:ext cx="420021" cy="420021"/>
+          </a:xfrm>
+          <a:prstGeom prst="line">
+            <a:avLst/>
+          </a:prstGeom>
+          <a:ln w="19050">
+            <a:solidFill>
+              <a:srgbClr val="C00000"/>
+            </a:solidFill>
+            <a:prstDash val="dash"/>
+          </a:ln>
+        </p:spPr>
+        <p:style>
+          <a:lnRef idx="1">
+            <a:schemeClr val="accent1"/>
+          </a:lnRef>
+          <a:fillRef idx="0">
+            <a:schemeClr val="accent1"/>
+          </a:fillRef>
+          <a:effectRef idx="0">
+            <a:schemeClr val="accent1"/>
+          </a:effectRef>
+          <a:fontRef idx="minor">
+            <a:schemeClr val="tx1"/>
+          </a:fontRef>
+        </p:style>
+      </p:cxnSp>
+      <p:sp>
+        <p:nvSpPr>
+          <p:cNvPr id="15" name="Ovale 14"/>
+          <p:cNvSpPr/>
+          <p:nvPr/>
+        </p:nvSpPr>
+        <p:spPr>
+          <a:xfrm>
+            <a:off x="8679827" y="5128637"/>
+            <a:ext cx="72000" cy="72000"/>
+          </a:xfrm>
+          <a:prstGeom prst="ellipse">
+            <a:avLst/>
+          </a:prstGeom>
+          <a:solidFill>
+            <a:srgbClr val="C00000"/>
+          </a:solidFill>
+          <a:ln>
+            <a:solidFill>
+              <a:srgbClr val="C00000"/>
+            </a:solidFill>
+          </a:ln>
+        </p:spPr>
+        <p:style>
+          <a:lnRef idx="2">
+            <a:schemeClr val="accent1">
+              <a:shade val="50000"/>
+            </a:schemeClr>
+          </a:lnRef>
+          <a:fillRef idx="1">
+            <a:schemeClr val="accent1"/>
+          </a:fillRef>
+          <a:effectRef idx="0">
+            <a:schemeClr val="accent1"/>
+          </a:effectRef>
+          <a:fontRef idx="minor">
+            <a:schemeClr val="lt1"/>
+          </a:fontRef>
+        </p:style>
+        <p:txBody>
+          <a:bodyPr rtlCol="0" anchor="ctr"/>
+          <a:lstStyle/>
+          <a:p>
+            <a:pPr algn="ctr"/>
+            <a:endParaRPr lang="en-GB"/>
+          </a:p>
+        </p:txBody>
+      </p:sp>
+      <p:sp>
+        <p:nvSpPr>
+          <p:cNvPr id="16" name="Ovale 15"/>
+          <p:cNvSpPr/>
+          <p:nvPr/>
+        </p:nvSpPr>
+        <p:spPr>
+          <a:xfrm>
+            <a:off x="8848269" y="6149757"/>
+            <a:ext cx="72000" cy="72000"/>
+          </a:xfrm>
+          <a:prstGeom prst="ellipse">
+            <a:avLst/>
+          </a:prstGeom>
+          <a:solidFill>
+            <a:srgbClr val="C00000"/>
+          </a:solidFill>
+          <a:ln>
+            <a:solidFill>
+              <a:srgbClr val="C00000"/>
+            </a:solidFill>
+          </a:ln>
+        </p:spPr>
+        <p:style>
+          <a:lnRef idx="2">
+            <a:schemeClr val="accent1">
+              <a:shade val="50000"/>
+            </a:schemeClr>
+          </a:lnRef>
+          <a:fillRef idx="1">
+            <a:schemeClr val="accent1"/>
+          </a:fillRef>
+          <a:effectRef idx="0">
+            <a:schemeClr val="accent1"/>
+          </a:effectRef>
+          <a:fontRef idx="minor">
+            <a:schemeClr val="lt1"/>
+          </a:fontRef>
+        </p:style>
+        <p:txBody>
+          <a:bodyPr rtlCol="0" anchor="ctr"/>
+          <a:lstStyle/>
+          <a:p>
+            <a:pPr algn="ctr"/>
+            <a:endParaRPr lang="en-GB"/>
+          </a:p>
+        </p:txBody>
+      </p:sp>
+      <p:sp>
+        <p:nvSpPr>
+          <p:cNvPr id="17" name="Ovale 16"/>
+          <p:cNvSpPr/>
+          <p:nvPr/>
+        </p:nvSpPr>
+        <p:spPr>
+          <a:xfrm>
+            <a:off x="9588210" y="5182786"/>
+            <a:ext cx="72000" cy="72000"/>
+          </a:xfrm>
+          <a:prstGeom prst="ellipse">
+            <a:avLst/>
+          </a:prstGeom>
+          <a:solidFill>
+            <a:srgbClr val="C00000"/>
+          </a:solidFill>
+          <a:ln>
+            <a:solidFill>
+              <a:srgbClr val="C00000"/>
+            </a:solidFill>
+          </a:ln>
+        </p:spPr>
+        <p:style>
+          <a:lnRef idx="2">
+            <a:schemeClr val="accent1">
+              <a:shade val="50000"/>
+            </a:schemeClr>
+          </a:lnRef>
+          <a:fillRef idx="1">
+            <a:schemeClr val="accent1"/>
+          </a:fillRef>
+          <a:effectRef idx="0">
+            <a:schemeClr val="accent1"/>
+          </a:effectRef>
+          <a:fontRef idx="minor">
+            <a:schemeClr val="lt1"/>
+          </a:fontRef>
+        </p:style>
+        <p:txBody>
+          <a:bodyPr rtlCol="0" anchor="ctr"/>
+          <a:lstStyle/>
+          <a:p>
+            <a:pPr algn="ctr"/>
+            <a:endParaRPr lang="en-GB"/>
+          </a:p>
+        </p:txBody>
+      </p:sp>
+      <p:sp>
+        <p:nvSpPr>
+          <p:cNvPr id="18" name="CasellaDiTesto 17"/>
+          <p:cNvSpPr txBox="1"/>
+          <p:nvPr/>
+        </p:nvSpPr>
+        <p:spPr>
+          <a:xfrm>
+            <a:off x="6701589" y="4168113"/>
+            <a:ext cx="5017169" cy="707886"/>
+          </a:xfrm>
+          <a:prstGeom prst="rect">
+            <a:avLst/>
+          </a:prstGeom>
+          <a:noFill/>
+        </p:spPr>
+        <p:txBody>
+          <a:bodyPr wrap="square" rtlCol="0">
+            <a:spAutoFit/>
+          </a:bodyPr>
+          <a:lstStyle/>
+          <a:p>
+            <a:pPr algn="ctr"/>
+            <a:r>
+              <a:rPr lang="it-IT" sz="2000" b="1" dirty="0" err="1">
+                <a:latin typeface="Palatino Linotype" panose="02040502050505030304" pitchFamily="18" charset="0"/>
+              </a:rPr>
+              <a:t>Representation</a:t>
+            </a:r>
+            <a:r>
+              <a:rPr lang="it-IT" sz="2000" b="1" dirty="0">
+                <a:latin typeface="Palatino Linotype" panose="02040502050505030304" pitchFamily="18" charset="0"/>
+              </a:rPr>
+              <a:t> 2</a:t>
+            </a:r>
+            <a:r>
+              <a:rPr lang="it-IT" sz="2000" dirty="0">
+                <a:latin typeface="Palatino Linotype" panose="02040502050505030304" pitchFamily="18" charset="0"/>
+              </a:rPr>
+              <a:t>: </a:t>
+            </a:r>
+            <a:r>
+              <a:rPr lang="it-IT" sz="2000" dirty="0" err="1">
+                <a:latin typeface="Palatino Linotype" panose="02040502050505030304" pitchFamily="18" charset="0"/>
+              </a:rPr>
+              <a:t>coordinates</a:t>
+            </a:r>
+            <a:r>
+              <a:rPr lang="it-IT" sz="2000" dirty="0">
+                <a:latin typeface="Palatino Linotype" panose="02040502050505030304" pitchFamily="18" charset="0"/>
+              </a:rPr>
+              <a:t> of </a:t>
+            </a:r>
+            <a:r>
+              <a:rPr lang="it-IT" sz="2000" dirty="0" err="1">
+                <a:latin typeface="Palatino Linotype" panose="02040502050505030304" pitchFamily="18" charset="0"/>
+              </a:rPr>
+              <a:t>three</a:t>
+            </a:r>
+            <a:r>
+              <a:rPr lang="it-IT" sz="2000" dirty="0">
+                <a:latin typeface="Palatino Linotype" panose="02040502050505030304" pitchFamily="18" charset="0"/>
+              </a:rPr>
+              <a:t> </a:t>
+            </a:r>
+            <a:r>
+              <a:rPr lang="it-IT" sz="2000" dirty="0" err="1">
+                <a:latin typeface="Palatino Linotype" panose="02040502050505030304" pitchFamily="18" charset="0"/>
+              </a:rPr>
+              <a:t>points</a:t>
+            </a:r>
+            <a:r>
+              <a:rPr lang="it-IT" sz="2000" dirty="0">
+                <a:latin typeface="Palatino Linotype" panose="02040502050505030304" pitchFamily="18" charset="0"/>
+              </a:rPr>
+              <a:t> of the </a:t>
+            </a:r>
+            <a:r>
+              <a:rPr lang="it-IT" sz="2000" dirty="0" err="1">
+                <a:latin typeface="Palatino Linotype" panose="02040502050505030304" pitchFamily="18" charset="0"/>
+              </a:rPr>
+              <a:t>circumference</a:t>
+            </a:r>
+            <a:r>
+              <a:rPr lang="it-IT" sz="2000" dirty="0">
+                <a:latin typeface="Palatino Linotype" panose="02040502050505030304" pitchFamily="18" charset="0"/>
+              </a:rPr>
+              <a:t> in a </a:t>
+            </a:r>
+            <a:r>
+              <a:rPr lang="it-IT" sz="2000" dirty="0" err="1">
+                <a:latin typeface="Palatino Linotype" panose="02040502050505030304" pitchFamily="18" charset="0"/>
+              </a:rPr>
+              <a:t>csv</a:t>
+            </a:r>
+            <a:r>
+              <a:rPr lang="it-IT" sz="2000" dirty="0">
+                <a:latin typeface="Palatino Linotype" panose="02040502050505030304" pitchFamily="18" charset="0"/>
+              </a:rPr>
+              <a:t> file</a:t>
+            </a:r>
+            <a:endParaRPr lang="en-GB" sz="2000" dirty="0">
+              <a:latin typeface="Palatino Linotype" panose="02040502050505030304" pitchFamily="18" charset="0"/>
+            </a:endParaRPr>
+          </a:p>
+        </p:txBody>
+      </p:sp>
+      <p:cxnSp>
+        <p:nvCxnSpPr>
+          <p:cNvPr id="20" name="Connettore 2 19"/>
           <p:cNvCxnSpPr/>
           <p:nvPr/>
         </p:nvCxnSpPr>
         <p:spPr>
-          <a:xfrm>
-            <a:off x="3441031" y="3595773"/>
-            <a:ext cx="4866774" cy="0"/>
+          <a:xfrm flipV="1">
+            <a:off x="5648826" y="2316080"/>
+            <a:ext cx="1052763" cy="848227"/>
           </a:xfrm>
           <a:prstGeom prst="straightConnector1">
             <a:avLst/>
           </a:prstGeom>
-          <a:ln w="28575">
+          <a:ln w="57150">
             <a:solidFill>
               <a:schemeClr val="tx1"/>
             </a:solidFill>
@@ -7690,19 +7531,19 @@
       </p:cxnSp>
       <p:cxnSp>
         <p:nvCxnSpPr>
-          <p:cNvPr id="8" name="Connettore 2 7"/>
+          <p:cNvPr id="21" name="Connettore 2 20"/>
           <p:cNvCxnSpPr/>
           <p:nvPr/>
         </p:nvCxnSpPr>
         <p:spPr>
-          <a:xfrm flipH="1">
-            <a:off x="3441031" y="4351945"/>
-            <a:ext cx="4788000" cy="0"/>
+          <a:xfrm>
+            <a:off x="5648826" y="4168114"/>
+            <a:ext cx="1221206" cy="353942"/>
           </a:xfrm>
           <a:prstGeom prst="straightConnector1">
             <a:avLst/>
           </a:prstGeom>
-          <a:ln w="28575">
+          <a:ln w="57150">
             <a:solidFill>
               <a:schemeClr val="tx1"/>
             </a:solidFill>
@@ -7726,878 +7567,6 @@
       </p:cxnSp>
       <p:sp>
         <p:nvSpPr>
-          <p:cNvPr id="9" name="Ovale 8"/>
-          <p:cNvSpPr/>
-          <p:nvPr/>
-        </p:nvSpPr>
-        <p:spPr>
-          <a:xfrm>
-            <a:off x="9539821" y="3588897"/>
-            <a:ext cx="1217194" cy="877348"/>
-          </a:xfrm>
-          <a:prstGeom prst="ellipse">
-            <a:avLst/>
-          </a:prstGeom>
-          <a:solidFill>
-            <a:srgbClr val="00B050"/>
-          </a:solidFill>
-          <a:ln>
-            <a:solidFill>
-              <a:schemeClr val="tx1"/>
-            </a:solidFill>
-          </a:ln>
-        </p:spPr>
-        <p:style>
-          <a:lnRef idx="2">
-            <a:schemeClr val="accent1">
-              <a:shade val="50000"/>
-            </a:schemeClr>
-          </a:lnRef>
-          <a:fillRef idx="1">
-            <a:schemeClr val="accent1"/>
-          </a:fillRef>
-          <a:effectRef idx="0">
-            <a:schemeClr val="accent1"/>
-          </a:effectRef>
-          <a:fontRef idx="minor">
-            <a:schemeClr val="lt1"/>
-          </a:fontRef>
-        </p:style>
-        <p:txBody>
-          <a:bodyPr rtlCol="0" anchor="ctr"/>
-          <a:lstStyle/>
-          <a:p>
-            <a:pPr algn="ctr"/>
-            <a:r>
-              <a:rPr lang="it-IT" dirty="0" err="1">
-                <a:latin typeface="Palatino Linotype" panose="02040502050505030304" pitchFamily="18" charset="0"/>
-              </a:rPr>
-              <a:t>Entity</a:t>
-            </a:r>
-            <a:endParaRPr lang="en-GB" dirty="0">
-              <a:latin typeface="Palatino Linotype" panose="02040502050505030304" pitchFamily="18" charset="0"/>
-            </a:endParaRPr>
-          </a:p>
-          <a:p>
-            <a:pPr algn="ctr"/>
-            <a:endParaRPr lang="it-IT" dirty="0">
-              <a:latin typeface="Palatino Linotype" panose="02040502050505030304" pitchFamily="18" charset="0"/>
-            </a:endParaRPr>
-          </a:p>
-        </p:txBody>
-      </p:sp>
-      <p:sp>
-        <p:nvSpPr>
-          <p:cNvPr id="10" name="Rettangolo 9"/>
-          <p:cNvSpPr/>
-          <p:nvPr/>
-        </p:nvSpPr>
-        <p:spPr>
-          <a:xfrm>
-            <a:off x="8897421" y="3341133"/>
-            <a:ext cx="264695" cy="1330128"/>
-          </a:xfrm>
-          <a:prstGeom prst="rect">
-            <a:avLst/>
-          </a:prstGeom>
-        </p:spPr>
-        <p:style>
-          <a:lnRef idx="2">
-            <a:schemeClr val="dk1">
-              <a:shade val="50000"/>
-            </a:schemeClr>
-          </a:lnRef>
-          <a:fillRef idx="1">
-            <a:schemeClr val="dk1"/>
-          </a:fillRef>
-          <a:effectRef idx="0">
-            <a:schemeClr val="dk1"/>
-          </a:effectRef>
-          <a:fontRef idx="minor">
-            <a:schemeClr val="lt1"/>
-          </a:fontRef>
-        </p:style>
-        <p:txBody>
-          <a:bodyPr rtlCol="0" anchor="ctr"/>
-          <a:lstStyle/>
-          <a:p>
-            <a:pPr algn="ctr"/>
-            <a:endParaRPr lang="en-GB"/>
-          </a:p>
-        </p:txBody>
-      </p:sp>
-      <p:sp>
-        <p:nvSpPr>
-          <p:cNvPr id="11" name="Rettangolo 10"/>
-          <p:cNvSpPr/>
-          <p:nvPr/>
-        </p:nvSpPr>
-        <p:spPr>
-          <a:xfrm>
-            <a:off x="2566953" y="3437433"/>
-            <a:ext cx="264695" cy="986043"/>
-          </a:xfrm>
-          <a:prstGeom prst="rect">
-            <a:avLst/>
-          </a:prstGeom>
-        </p:spPr>
-        <p:style>
-          <a:lnRef idx="2">
-            <a:schemeClr val="dk1">
-              <a:shade val="50000"/>
-            </a:schemeClr>
-          </a:lnRef>
-          <a:fillRef idx="1">
-            <a:schemeClr val="dk1"/>
-          </a:fillRef>
-          <a:effectRef idx="0">
-            <a:schemeClr val="dk1"/>
-          </a:effectRef>
-          <a:fontRef idx="minor">
-            <a:schemeClr val="lt1"/>
-          </a:fontRef>
-        </p:style>
-        <p:txBody>
-          <a:bodyPr rtlCol="0" anchor="ctr"/>
-          <a:lstStyle/>
-          <a:p>
-            <a:pPr algn="ctr"/>
-            <a:endParaRPr lang="en-GB"/>
-          </a:p>
-        </p:txBody>
-      </p:sp>
-      <p:cxnSp>
-        <p:nvCxnSpPr>
-          <p:cNvPr id="12" name="Connettore 2 11"/>
-          <p:cNvCxnSpPr/>
-          <p:nvPr/>
-        </p:nvCxnSpPr>
-        <p:spPr>
-          <a:xfrm>
-            <a:off x="9211391" y="3477127"/>
-            <a:ext cx="475247" cy="186489"/>
-          </a:xfrm>
-          <a:prstGeom prst="straightConnector1">
-            <a:avLst/>
-          </a:prstGeom>
-          <a:ln w="28575">
-            <a:solidFill>
-              <a:schemeClr val="tx1"/>
-            </a:solidFill>
-            <a:prstDash val="sysDash"/>
-            <a:tailEnd type="triangle"/>
-          </a:ln>
-        </p:spPr>
-        <p:style>
-          <a:lnRef idx="1">
-            <a:schemeClr val="accent1"/>
-          </a:lnRef>
-          <a:fillRef idx="0">
-            <a:schemeClr val="accent1"/>
-          </a:fillRef>
-          <a:effectRef idx="0">
-            <a:schemeClr val="accent1"/>
-          </a:effectRef>
-          <a:fontRef idx="minor">
-            <a:schemeClr val="tx1"/>
-          </a:fontRef>
-        </p:style>
-      </p:cxnSp>
-      <p:cxnSp>
-        <p:nvCxnSpPr>
-          <p:cNvPr id="13" name="Connettore 2 12"/>
-          <p:cNvCxnSpPr/>
-          <p:nvPr/>
-        </p:nvCxnSpPr>
-        <p:spPr>
-          <a:xfrm flipH="1">
-            <a:off x="9211391" y="4325353"/>
-            <a:ext cx="423679" cy="232001"/>
-          </a:xfrm>
-          <a:prstGeom prst="straightConnector1">
-            <a:avLst/>
-          </a:prstGeom>
-          <a:ln w="28575">
-            <a:solidFill>
-              <a:schemeClr val="tx1"/>
-            </a:solidFill>
-            <a:prstDash val="sysDash"/>
-            <a:tailEnd type="triangle"/>
-          </a:ln>
-        </p:spPr>
-        <p:style>
-          <a:lnRef idx="1">
-            <a:schemeClr val="accent1"/>
-          </a:lnRef>
-          <a:fillRef idx="0">
-            <a:schemeClr val="accent1"/>
-          </a:fillRef>
-          <a:effectRef idx="0">
-            <a:schemeClr val="accent1"/>
-          </a:effectRef>
-          <a:fontRef idx="minor">
-            <a:schemeClr val="tx1"/>
-          </a:fontRef>
-        </p:style>
-      </p:cxnSp>
-      <p:sp>
-        <p:nvSpPr>
-          <p:cNvPr id="14" name="CasellaDiTesto 13"/>
-          <p:cNvSpPr txBox="1"/>
-          <p:nvPr/>
-        </p:nvSpPr>
-        <p:spPr>
-          <a:xfrm>
-            <a:off x="9531372" y="3975893"/>
-            <a:ext cx="1553076" cy="307777"/>
-          </a:xfrm>
-          <a:prstGeom prst="rect">
-            <a:avLst/>
-          </a:prstGeom>
-          <a:noFill/>
-        </p:spPr>
-        <p:txBody>
-          <a:bodyPr wrap="square" rtlCol="0">
-            <a:spAutoFit/>
-          </a:bodyPr>
-          <a:lstStyle/>
-          <a:p>
-            <a:r>
-              <a:rPr lang="it-IT" sz="1400" dirty="0">
-                <a:solidFill>
-                  <a:schemeClr val="bg1"/>
-                </a:solidFill>
-                <a:latin typeface="Palatino Linotype" panose="02040502050505030304" pitchFamily="18" charset="0"/>
-              </a:rPr>
-              <a:t>(</a:t>
-            </a:r>
-            <a:r>
-              <a:rPr lang="it-IT" sz="1400" dirty="0" err="1">
-                <a:solidFill>
-                  <a:schemeClr val="bg1"/>
-                </a:solidFill>
-                <a:latin typeface="Palatino Linotype" panose="02040502050505030304" pitchFamily="18" charset="0"/>
-              </a:rPr>
-              <a:t>raw</a:t>
-            </a:r>
-            <a:r>
-              <a:rPr lang="it-IT" sz="1400" dirty="0">
-                <a:solidFill>
-                  <a:schemeClr val="bg1"/>
-                </a:solidFill>
-                <a:latin typeface="Palatino Linotype" panose="02040502050505030304" pitchFamily="18" charset="0"/>
-              </a:rPr>
-              <a:t> format)</a:t>
-            </a:r>
-            <a:endParaRPr lang="en-GB" sz="1400" dirty="0">
-              <a:solidFill>
-                <a:schemeClr val="bg1"/>
-              </a:solidFill>
-              <a:latin typeface="Palatino Linotype" panose="02040502050505030304" pitchFamily="18" charset="0"/>
-            </a:endParaRPr>
-          </a:p>
-        </p:txBody>
-      </p:sp>
-      <p:sp>
-        <p:nvSpPr>
-          <p:cNvPr id="17" name="Rettangolo arrotondato 16"/>
-          <p:cNvSpPr/>
-          <p:nvPr/>
-        </p:nvSpPr>
-        <p:spPr>
-          <a:xfrm>
-            <a:off x="3774689" y="4557354"/>
-            <a:ext cx="4138863" cy="2100055"/>
-          </a:xfrm>
-          <a:prstGeom prst="roundRect">
-            <a:avLst/>
-          </a:prstGeom>
-          <a:solidFill>
-            <a:schemeClr val="bg1"/>
-          </a:solidFill>
-          <a:ln w="19050">
-            <a:solidFill>
-              <a:schemeClr val="tx1"/>
-            </a:solidFill>
-          </a:ln>
-        </p:spPr>
-        <p:style>
-          <a:lnRef idx="2">
-            <a:schemeClr val="accent1">
-              <a:shade val="50000"/>
-            </a:schemeClr>
-          </a:lnRef>
-          <a:fillRef idx="1">
-            <a:schemeClr val="accent1"/>
-          </a:fillRef>
-          <a:effectRef idx="0">
-            <a:schemeClr val="accent1"/>
-          </a:effectRef>
-          <a:fontRef idx="minor">
-            <a:schemeClr val="lt1"/>
-          </a:fontRef>
-        </p:style>
-        <p:txBody>
-          <a:bodyPr rtlCol="0" anchor="t"/>
-          <a:lstStyle/>
-          <a:p>
-            <a:pPr algn="ctr"/>
-            <a:r>
-              <a:rPr lang="it-IT" b="1" dirty="0">
-                <a:solidFill>
-                  <a:schemeClr val="tx1"/>
-                </a:solidFill>
-                <a:latin typeface="Palatino Linotype" panose="02040502050505030304" pitchFamily="18" charset="0"/>
-              </a:rPr>
-              <a:t>REST </a:t>
-            </a:r>
-            <a:r>
-              <a:rPr lang="it-IT" b="1" dirty="0" err="1">
-                <a:solidFill>
-                  <a:schemeClr val="tx1"/>
-                </a:solidFill>
-                <a:latin typeface="Palatino Linotype" panose="02040502050505030304" pitchFamily="18" charset="0"/>
-              </a:rPr>
-              <a:t>response</a:t>
-            </a:r>
-            <a:r>
-              <a:rPr lang="it-IT" b="1" dirty="0">
-                <a:solidFill>
-                  <a:schemeClr val="tx1"/>
-                </a:solidFill>
-                <a:latin typeface="Palatino Linotype" panose="02040502050505030304" pitchFamily="18" charset="0"/>
-              </a:rPr>
-              <a:t> </a:t>
-            </a:r>
-            <a:r>
-              <a:rPr lang="it-IT" b="1" dirty="0" err="1">
-                <a:solidFill>
-                  <a:schemeClr val="tx1"/>
-                </a:solidFill>
-                <a:latin typeface="Palatino Linotype" panose="02040502050505030304" pitchFamily="18" charset="0"/>
-              </a:rPr>
-              <a:t>message</a:t>
-            </a:r>
-            <a:endParaRPr lang="en-GB" b="1" dirty="0">
-              <a:solidFill>
-                <a:schemeClr val="tx1"/>
-              </a:solidFill>
-              <a:latin typeface="Palatino Linotype" panose="02040502050505030304" pitchFamily="18" charset="0"/>
-            </a:endParaRPr>
-          </a:p>
-        </p:txBody>
-      </p:sp>
-      <p:sp>
-        <p:nvSpPr>
-          <p:cNvPr id="18" name="Rettangolo arrotondato 17"/>
-          <p:cNvSpPr/>
-          <p:nvPr/>
-        </p:nvSpPr>
-        <p:spPr>
-          <a:xfrm>
-            <a:off x="3949365" y="5691188"/>
-            <a:ext cx="1852863" cy="843206"/>
-          </a:xfrm>
-          <a:prstGeom prst="roundRect">
-            <a:avLst/>
-          </a:prstGeom>
-          <a:solidFill>
-            <a:schemeClr val="accent6">
-              <a:lumMod val="20000"/>
-              <a:lumOff val="80000"/>
-            </a:schemeClr>
-          </a:solidFill>
-        </p:spPr>
-        <p:style>
-          <a:lnRef idx="2">
-            <a:schemeClr val="dk1"/>
-          </a:lnRef>
-          <a:fillRef idx="1">
-            <a:schemeClr val="lt1"/>
-          </a:fillRef>
-          <a:effectRef idx="0">
-            <a:schemeClr val="dk1"/>
-          </a:effectRef>
-          <a:fontRef idx="minor">
-            <a:schemeClr val="dk1"/>
-          </a:fontRef>
-        </p:style>
-        <p:txBody>
-          <a:bodyPr rtlCol="0" anchor="ctr"/>
-          <a:lstStyle/>
-          <a:p>
-            <a:pPr algn="ctr"/>
-            <a:r>
-              <a:rPr lang="it-IT" sz="1600" dirty="0" err="1">
-                <a:latin typeface="Palatino Linotype" panose="02040502050505030304" pitchFamily="18" charset="0"/>
-              </a:rPr>
-              <a:t>Representation</a:t>
-            </a:r>
-            <a:endParaRPr lang="it-IT" sz="1600" dirty="0">
-              <a:latin typeface="Palatino Linotype" panose="02040502050505030304" pitchFamily="18" charset="0"/>
-            </a:endParaRPr>
-          </a:p>
-          <a:p>
-            <a:pPr algn="ctr"/>
-            <a:r>
-              <a:rPr lang="it-IT" sz="1600" dirty="0">
-                <a:latin typeface="Palatino Linotype" panose="02040502050505030304" pitchFamily="18" charset="0"/>
-              </a:rPr>
-              <a:t>(optional)</a:t>
-            </a:r>
-            <a:endParaRPr lang="en-GB" sz="1600" dirty="0">
-              <a:latin typeface="Palatino Linotype" panose="02040502050505030304" pitchFamily="18" charset="0"/>
-            </a:endParaRPr>
-          </a:p>
-        </p:txBody>
-      </p:sp>
-      <p:sp>
-        <p:nvSpPr>
-          <p:cNvPr id="19" name="Rettangolo arrotondato 18"/>
-          <p:cNvSpPr/>
-          <p:nvPr/>
-        </p:nvSpPr>
-        <p:spPr>
-          <a:xfrm>
-            <a:off x="5913521" y="5691187"/>
-            <a:ext cx="1852863" cy="843207"/>
-          </a:xfrm>
-          <a:prstGeom prst="roundRect">
-            <a:avLst/>
-          </a:prstGeom>
-          <a:solidFill>
-            <a:schemeClr val="accent6">
-              <a:lumMod val="20000"/>
-              <a:lumOff val="80000"/>
-            </a:schemeClr>
-          </a:solidFill>
-        </p:spPr>
-        <p:style>
-          <a:lnRef idx="2">
-            <a:schemeClr val="dk1"/>
-          </a:lnRef>
-          <a:fillRef idx="1">
-            <a:schemeClr val="lt1"/>
-          </a:fillRef>
-          <a:effectRef idx="0">
-            <a:schemeClr val="dk1"/>
-          </a:effectRef>
-          <a:fontRef idx="minor">
-            <a:schemeClr val="dk1"/>
-          </a:fontRef>
-        </p:style>
-        <p:txBody>
-          <a:bodyPr rtlCol="0" anchor="ctr"/>
-          <a:lstStyle/>
-          <a:p>
-            <a:pPr algn="ctr"/>
-            <a:r>
-              <a:rPr lang="it-IT" sz="1600" dirty="0">
-                <a:latin typeface="Palatino Linotype" panose="02040502050505030304" pitchFamily="18" charset="0"/>
-              </a:rPr>
-              <a:t>Resource </a:t>
-            </a:r>
-            <a:r>
-              <a:rPr lang="it-IT" sz="1600" dirty="0" err="1">
-                <a:latin typeface="Palatino Linotype" panose="02040502050505030304" pitchFamily="18" charset="0"/>
-              </a:rPr>
-              <a:t>metadata</a:t>
-            </a:r>
-            <a:r>
-              <a:rPr lang="it-IT" sz="1600" dirty="0">
-                <a:latin typeface="Palatino Linotype" panose="02040502050505030304" pitchFamily="18" charset="0"/>
-              </a:rPr>
-              <a:t> (optional)</a:t>
-            </a:r>
-            <a:endParaRPr lang="en-GB" sz="1600" dirty="0">
-              <a:latin typeface="Palatino Linotype" panose="02040502050505030304" pitchFamily="18" charset="0"/>
-            </a:endParaRPr>
-          </a:p>
-        </p:txBody>
-      </p:sp>
-      <p:sp>
-        <p:nvSpPr>
-          <p:cNvPr id="20" name="Rettangolo arrotondato 19"/>
-          <p:cNvSpPr/>
-          <p:nvPr/>
-        </p:nvSpPr>
-        <p:spPr>
-          <a:xfrm>
-            <a:off x="5093366" y="5072180"/>
-            <a:ext cx="1574133" cy="558599"/>
-          </a:xfrm>
-          <a:prstGeom prst="roundRect">
-            <a:avLst/>
-          </a:prstGeom>
-          <a:solidFill>
-            <a:schemeClr val="accent6">
-              <a:lumMod val="20000"/>
-              <a:lumOff val="80000"/>
-            </a:schemeClr>
-          </a:solidFill>
-        </p:spPr>
-        <p:style>
-          <a:lnRef idx="2">
-            <a:schemeClr val="dk1"/>
-          </a:lnRef>
-          <a:fillRef idx="1">
-            <a:schemeClr val="lt1"/>
-          </a:fillRef>
-          <a:effectRef idx="0">
-            <a:schemeClr val="dk1"/>
-          </a:effectRef>
-          <a:fontRef idx="minor">
-            <a:schemeClr val="dk1"/>
-          </a:fontRef>
-        </p:style>
-        <p:txBody>
-          <a:bodyPr rtlCol="0" anchor="ctr"/>
-          <a:lstStyle/>
-          <a:p>
-            <a:pPr algn="ctr"/>
-            <a:r>
-              <a:rPr lang="it-IT" sz="1600" dirty="0">
-                <a:latin typeface="Palatino Linotype" panose="02040502050505030304" pitchFamily="18" charset="0"/>
-              </a:rPr>
-              <a:t>Control data</a:t>
-            </a:r>
-          </a:p>
-          <a:p>
-            <a:pPr algn="ctr"/>
-            <a:r>
-              <a:rPr lang="it-IT" sz="1600" dirty="0">
-                <a:latin typeface="Palatino Linotype" panose="02040502050505030304" pitchFamily="18" charset="0"/>
-              </a:rPr>
-              <a:t>(</a:t>
-            </a:r>
-            <a:r>
-              <a:rPr lang="it-IT" sz="1600" dirty="0" err="1">
-                <a:latin typeface="Palatino Linotype" panose="02040502050505030304" pitchFamily="18" charset="0"/>
-              </a:rPr>
-              <a:t>mandatory</a:t>
-            </a:r>
-            <a:r>
-              <a:rPr lang="it-IT" sz="1600" dirty="0">
-                <a:latin typeface="Palatino Linotype" panose="02040502050505030304" pitchFamily="18" charset="0"/>
-              </a:rPr>
-              <a:t>)</a:t>
-            </a:r>
-            <a:endParaRPr lang="en-GB" sz="1600" dirty="0">
-              <a:latin typeface="Palatino Linotype" panose="02040502050505030304" pitchFamily="18" charset="0"/>
-            </a:endParaRPr>
-          </a:p>
-        </p:txBody>
-      </p:sp>
-      <p:sp>
-        <p:nvSpPr>
-          <p:cNvPr id="21" name="Rettangolo arrotondato 20"/>
-          <p:cNvSpPr/>
-          <p:nvPr/>
-        </p:nvSpPr>
-        <p:spPr>
-          <a:xfrm>
-            <a:off x="3821246" y="1313892"/>
-            <a:ext cx="4138863" cy="2076473"/>
-          </a:xfrm>
-          <a:prstGeom prst="roundRect">
-            <a:avLst/>
-          </a:prstGeom>
-          <a:solidFill>
-            <a:schemeClr val="bg1"/>
-          </a:solidFill>
-          <a:ln w="19050">
-            <a:solidFill>
-              <a:schemeClr val="tx1"/>
-            </a:solidFill>
-          </a:ln>
-        </p:spPr>
-        <p:style>
-          <a:lnRef idx="2">
-            <a:schemeClr val="accent1">
-              <a:shade val="50000"/>
-            </a:schemeClr>
-          </a:lnRef>
-          <a:fillRef idx="1">
-            <a:schemeClr val="accent1"/>
-          </a:fillRef>
-          <a:effectRef idx="0">
-            <a:schemeClr val="accent1"/>
-          </a:effectRef>
-          <a:fontRef idx="minor">
-            <a:schemeClr val="lt1"/>
-          </a:fontRef>
-        </p:style>
-        <p:txBody>
-          <a:bodyPr rtlCol="0" anchor="t"/>
-          <a:lstStyle/>
-          <a:p>
-            <a:pPr algn="ctr"/>
-            <a:r>
-              <a:rPr lang="it-IT" b="1" dirty="0">
-                <a:solidFill>
-                  <a:schemeClr val="tx1"/>
-                </a:solidFill>
-                <a:latin typeface="Palatino Linotype" panose="02040502050505030304" pitchFamily="18" charset="0"/>
-              </a:rPr>
-              <a:t>REST </a:t>
-            </a:r>
-            <a:r>
-              <a:rPr lang="it-IT" b="1" dirty="0" err="1">
-                <a:solidFill>
-                  <a:schemeClr val="tx1"/>
-                </a:solidFill>
-                <a:latin typeface="Palatino Linotype" panose="02040502050505030304" pitchFamily="18" charset="0"/>
-              </a:rPr>
-              <a:t>request</a:t>
-            </a:r>
-            <a:r>
-              <a:rPr lang="it-IT" b="1" dirty="0">
-                <a:solidFill>
-                  <a:schemeClr val="tx1"/>
-                </a:solidFill>
-                <a:latin typeface="Palatino Linotype" panose="02040502050505030304" pitchFamily="18" charset="0"/>
-              </a:rPr>
-              <a:t> </a:t>
-            </a:r>
-            <a:r>
-              <a:rPr lang="it-IT" b="1" dirty="0" err="1">
-                <a:solidFill>
-                  <a:schemeClr val="tx1"/>
-                </a:solidFill>
-                <a:latin typeface="Palatino Linotype" panose="02040502050505030304" pitchFamily="18" charset="0"/>
-              </a:rPr>
-              <a:t>message</a:t>
-            </a:r>
-            <a:endParaRPr lang="en-GB" b="1" dirty="0">
-              <a:solidFill>
-                <a:schemeClr val="tx1"/>
-              </a:solidFill>
-              <a:latin typeface="Palatino Linotype" panose="02040502050505030304" pitchFamily="18" charset="0"/>
-            </a:endParaRPr>
-          </a:p>
-        </p:txBody>
-      </p:sp>
-      <p:sp>
-        <p:nvSpPr>
-          <p:cNvPr id="22" name="Rettangolo arrotondato 21"/>
-          <p:cNvSpPr/>
-          <p:nvPr/>
-        </p:nvSpPr>
-        <p:spPr>
-          <a:xfrm>
-            <a:off x="5029200" y="2720001"/>
-            <a:ext cx="1852863" cy="623972"/>
-          </a:xfrm>
-          <a:prstGeom prst="roundRect">
-            <a:avLst/>
-          </a:prstGeom>
-          <a:solidFill>
-            <a:schemeClr val="accent6">
-              <a:lumMod val="20000"/>
-              <a:lumOff val="80000"/>
-            </a:schemeClr>
-          </a:solidFill>
-        </p:spPr>
-        <p:style>
-          <a:lnRef idx="2">
-            <a:schemeClr val="dk1"/>
-          </a:lnRef>
-          <a:fillRef idx="1">
-            <a:schemeClr val="lt1"/>
-          </a:fillRef>
-          <a:effectRef idx="0">
-            <a:schemeClr val="dk1"/>
-          </a:effectRef>
-          <a:fontRef idx="minor">
-            <a:schemeClr val="dk1"/>
-          </a:fontRef>
-        </p:style>
-        <p:txBody>
-          <a:bodyPr rtlCol="0" anchor="ctr"/>
-          <a:lstStyle/>
-          <a:p>
-            <a:pPr algn="ctr"/>
-            <a:r>
-              <a:rPr lang="it-IT" sz="1600" dirty="0" err="1">
-                <a:latin typeface="Palatino Linotype" panose="02040502050505030304" pitchFamily="18" charset="0"/>
-              </a:rPr>
-              <a:t>Representation</a:t>
-            </a:r>
-            <a:endParaRPr lang="it-IT" sz="1600" dirty="0">
-              <a:latin typeface="Palatino Linotype" panose="02040502050505030304" pitchFamily="18" charset="0"/>
-            </a:endParaRPr>
-          </a:p>
-          <a:p>
-            <a:pPr algn="ctr"/>
-            <a:r>
-              <a:rPr lang="it-IT" sz="1600" dirty="0">
-                <a:latin typeface="Palatino Linotype" panose="02040502050505030304" pitchFamily="18" charset="0"/>
-              </a:rPr>
-              <a:t>(optional)</a:t>
-            </a:r>
-            <a:endParaRPr lang="en-GB" sz="1600" dirty="0">
-              <a:latin typeface="Palatino Linotype" panose="02040502050505030304" pitchFamily="18" charset="0"/>
-            </a:endParaRPr>
-          </a:p>
-        </p:txBody>
-      </p:sp>
-      <p:sp>
-        <p:nvSpPr>
-          <p:cNvPr id="23" name="Rettangolo arrotondato 22"/>
-          <p:cNvSpPr/>
-          <p:nvPr/>
-        </p:nvSpPr>
-        <p:spPr>
-          <a:xfrm>
-            <a:off x="5835031" y="1806657"/>
-            <a:ext cx="2062847" cy="843206"/>
-          </a:xfrm>
-          <a:prstGeom prst="roundRect">
-            <a:avLst/>
-          </a:prstGeom>
-          <a:solidFill>
-            <a:schemeClr val="accent6">
-              <a:lumMod val="20000"/>
-              <a:lumOff val="80000"/>
-            </a:schemeClr>
-          </a:solidFill>
-        </p:spPr>
-        <p:style>
-          <a:lnRef idx="2">
-            <a:schemeClr val="dk1"/>
-          </a:lnRef>
-          <a:fillRef idx="1">
-            <a:schemeClr val="lt1"/>
-          </a:fillRef>
-          <a:effectRef idx="0">
-            <a:schemeClr val="dk1"/>
-          </a:effectRef>
-          <a:fontRef idx="minor">
-            <a:schemeClr val="dk1"/>
-          </a:fontRef>
-        </p:style>
-        <p:txBody>
-          <a:bodyPr rtlCol="0" anchor="ctr"/>
-          <a:lstStyle/>
-          <a:p>
-            <a:pPr algn="ctr"/>
-            <a:r>
-              <a:rPr lang="it-IT" sz="1600" dirty="0">
-                <a:latin typeface="Palatino Linotype" panose="02040502050505030304" pitchFamily="18" charset="0"/>
-              </a:rPr>
-              <a:t>Resource </a:t>
-            </a:r>
-            <a:r>
-              <a:rPr lang="it-IT" sz="1600" dirty="0" err="1">
-                <a:latin typeface="Palatino Linotype" panose="02040502050505030304" pitchFamily="18" charset="0"/>
-              </a:rPr>
-              <a:t>identifier</a:t>
-            </a:r>
-            <a:endParaRPr lang="it-IT" sz="1600" dirty="0">
-              <a:latin typeface="Palatino Linotype" panose="02040502050505030304" pitchFamily="18" charset="0"/>
-            </a:endParaRPr>
-          </a:p>
-          <a:p>
-            <a:pPr algn="ctr"/>
-            <a:r>
-              <a:rPr lang="it-IT" sz="1600" dirty="0">
-                <a:latin typeface="Palatino Linotype" panose="02040502050505030304" pitchFamily="18" charset="0"/>
-              </a:rPr>
-              <a:t>(</a:t>
-            </a:r>
-            <a:r>
-              <a:rPr lang="it-IT" sz="1600" dirty="0" err="1">
-                <a:latin typeface="Palatino Linotype" panose="02040502050505030304" pitchFamily="18" charset="0"/>
-              </a:rPr>
-              <a:t>mandatory</a:t>
-            </a:r>
-            <a:r>
-              <a:rPr lang="it-IT" sz="1600" dirty="0">
-                <a:latin typeface="Palatino Linotype" panose="02040502050505030304" pitchFamily="18" charset="0"/>
-              </a:rPr>
-              <a:t>)</a:t>
-            </a:r>
-            <a:endParaRPr lang="en-GB" sz="1600" dirty="0">
-              <a:latin typeface="Palatino Linotype" panose="02040502050505030304" pitchFamily="18" charset="0"/>
-            </a:endParaRPr>
-          </a:p>
-        </p:txBody>
-      </p:sp>
-      <p:sp>
-        <p:nvSpPr>
-          <p:cNvPr id="24" name="Rettangolo arrotondato 23"/>
-          <p:cNvSpPr/>
-          <p:nvPr/>
-        </p:nvSpPr>
-        <p:spPr>
-          <a:xfrm>
-            <a:off x="3978875" y="1828719"/>
-            <a:ext cx="1574133" cy="821144"/>
-          </a:xfrm>
-          <a:prstGeom prst="roundRect">
-            <a:avLst/>
-          </a:prstGeom>
-          <a:solidFill>
-            <a:schemeClr val="accent6">
-              <a:lumMod val="20000"/>
-              <a:lumOff val="80000"/>
-            </a:schemeClr>
-          </a:solidFill>
-        </p:spPr>
-        <p:style>
-          <a:lnRef idx="2">
-            <a:schemeClr val="dk1"/>
-          </a:lnRef>
-          <a:fillRef idx="1">
-            <a:schemeClr val="lt1"/>
-          </a:fillRef>
-          <a:effectRef idx="0">
-            <a:schemeClr val="dk1"/>
-          </a:effectRef>
-          <a:fontRef idx="minor">
-            <a:schemeClr val="dk1"/>
-          </a:fontRef>
-        </p:style>
-        <p:txBody>
-          <a:bodyPr rtlCol="0" anchor="ctr"/>
-          <a:lstStyle/>
-          <a:p>
-            <a:pPr algn="ctr"/>
-            <a:r>
-              <a:rPr lang="it-IT" sz="1600" dirty="0">
-                <a:latin typeface="Palatino Linotype" panose="02040502050505030304" pitchFamily="18" charset="0"/>
-              </a:rPr>
-              <a:t>Control data</a:t>
-            </a:r>
-          </a:p>
-          <a:p>
-            <a:pPr algn="ctr"/>
-            <a:r>
-              <a:rPr lang="it-IT" sz="1600" dirty="0">
-                <a:latin typeface="Palatino Linotype" panose="02040502050505030304" pitchFamily="18" charset="0"/>
-              </a:rPr>
-              <a:t>(</a:t>
-            </a:r>
-            <a:r>
-              <a:rPr lang="it-IT" sz="1600" dirty="0" err="1">
-                <a:latin typeface="Palatino Linotype" panose="02040502050505030304" pitchFamily="18" charset="0"/>
-              </a:rPr>
-              <a:t>mandatory</a:t>
-            </a:r>
-            <a:r>
-              <a:rPr lang="it-IT" sz="1600" dirty="0">
-                <a:latin typeface="Palatino Linotype" panose="02040502050505030304" pitchFamily="18" charset="0"/>
-              </a:rPr>
-              <a:t>)</a:t>
-            </a:r>
-            <a:endParaRPr lang="en-GB" sz="1600" dirty="0">
-              <a:latin typeface="Palatino Linotype" panose="02040502050505030304" pitchFamily="18" charset="0"/>
-            </a:endParaRPr>
-          </a:p>
-        </p:txBody>
-      </p:sp>
-      <p:sp>
-        <p:nvSpPr>
           <p:cNvPr id="3" name="Segnaposto numero diapositiva 2"/>
           <p:cNvSpPr>
             <a:spLocks noGrp="1"/>
@@ -8622,7 +7591,7 @@
     </p:spTree>
     <p:extLst>
       <p:ext uri="{BB962C8B-B14F-4D97-AF65-F5344CB8AC3E}">
-        <p14:creationId xmlns:p14="http://schemas.microsoft.com/office/powerpoint/2010/main" val="1812340316"/>
+        <p14:creationId xmlns:p14="http://schemas.microsoft.com/office/powerpoint/2010/main" val="2761484841"/>
       </p:ext>
     </p:extLst>
   </p:cSld>
@@ -8666,6 +7635,1137 @@
           <a:p>
             <a:r>
               <a:rPr lang="it-IT" dirty="0"/>
+              <a:t>REST self-</a:t>
+            </a:r>
+            <a:r>
+              <a:rPr lang="it-IT" dirty="0" err="1"/>
+              <a:t>descriptive</a:t>
+            </a:r>
+            <a:r>
+              <a:rPr lang="it-IT" dirty="0"/>
+              <a:t> </a:t>
+            </a:r>
+            <a:r>
+              <a:rPr lang="it-IT" dirty="0" err="1"/>
+              <a:t>messages</a:t>
+            </a:r>
+            <a:endParaRPr lang="en-GB" dirty="0"/>
+          </a:p>
+        </p:txBody>
+      </p:sp>
+      <p:sp>
+        <p:nvSpPr>
+          <p:cNvPr id="4" name="Rettangolo 3"/>
+          <p:cNvSpPr/>
+          <p:nvPr/>
+        </p:nvSpPr>
+        <p:spPr>
+          <a:xfrm>
+            <a:off x="473459" y="3308140"/>
+            <a:ext cx="2225842" cy="1287379"/>
+          </a:xfrm>
+          <a:prstGeom prst="rect">
+            <a:avLst/>
+          </a:prstGeom>
+          <a:ln w="38100">
+            <a:solidFill>
+              <a:srgbClr val="00B050"/>
+            </a:solidFill>
+          </a:ln>
+        </p:spPr>
+        <p:style>
+          <a:lnRef idx="2">
+            <a:schemeClr val="accent6"/>
+          </a:lnRef>
+          <a:fillRef idx="1">
+            <a:schemeClr val="lt1"/>
+          </a:fillRef>
+          <a:effectRef idx="0">
+            <a:schemeClr val="accent6"/>
+          </a:effectRef>
+          <a:fontRef idx="minor">
+            <a:schemeClr val="dk1"/>
+          </a:fontRef>
+        </p:style>
+        <p:txBody>
+          <a:bodyPr rtlCol="0" anchor="ctr"/>
+          <a:lstStyle/>
+          <a:p>
+            <a:pPr algn="ctr"/>
+            <a:r>
+              <a:rPr lang="it-IT" sz="2800" dirty="0">
+                <a:latin typeface="Palatino Linotype" panose="02040502050505030304" pitchFamily="18" charset="0"/>
+              </a:rPr>
+              <a:t>Client</a:t>
+            </a:r>
+            <a:endParaRPr lang="en-GB" sz="2800" dirty="0">
+              <a:latin typeface="Palatino Linotype" panose="02040502050505030304" pitchFamily="18" charset="0"/>
+            </a:endParaRPr>
+          </a:p>
+        </p:txBody>
+      </p:sp>
+      <p:sp>
+        <p:nvSpPr>
+          <p:cNvPr id="5" name="Rettangolo 4"/>
+          <p:cNvSpPr/>
+          <p:nvPr/>
+        </p:nvSpPr>
+        <p:spPr>
+          <a:xfrm>
+            <a:off x="9035497" y="2971801"/>
+            <a:ext cx="2225842" cy="2111542"/>
+          </a:xfrm>
+          <a:prstGeom prst="rect">
+            <a:avLst/>
+          </a:prstGeom>
+          <a:ln w="38100">
+            <a:solidFill>
+              <a:srgbClr val="00B050"/>
+            </a:solidFill>
+          </a:ln>
+        </p:spPr>
+        <p:style>
+          <a:lnRef idx="2">
+            <a:schemeClr val="accent6"/>
+          </a:lnRef>
+          <a:fillRef idx="1">
+            <a:schemeClr val="lt1"/>
+          </a:fillRef>
+          <a:effectRef idx="0">
+            <a:schemeClr val="accent6"/>
+          </a:effectRef>
+          <a:fontRef idx="minor">
+            <a:schemeClr val="dk1"/>
+          </a:fontRef>
+        </p:style>
+        <p:txBody>
+          <a:bodyPr rtlCol="0" anchor="t"/>
+          <a:lstStyle/>
+          <a:p>
+            <a:pPr algn="ctr"/>
+            <a:r>
+              <a:rPr lang="it-IT" sz="2400" dirty="0">
+                <a:latin typeface="Palatino Linotype" panose="02040502050505030304" pitchFamily="18" charset="0"/>
+              </a:rPr>
+              <a:t>Server</a:t>
+            </a:r>
+          </a:p>
+        </p:txBody>
+      </p:sp>
+      <p:cxnSp>
+        <p:nvCxnSpPr>
+          <p:cNvPr id="6" name="Connettore 2 5"/>
+          <p:cNvCxnSpPr/>
+          <p:nvPr/>
+        </p:nvCxnSpPr>
+        <p:spPr>
+          <a:xfrm>
+            <a:off x="3441031" y="3595773"/>
+            <a:ext cx="4866774" cy="0"/>
+          </a:xfrm>
+          <a:prstGeom prst="straightConnector1">
+            <a:avLst/>
+          </a:prstGeom>
+          <a:ln w="28575">
+            <a:solidFill>
+              <a:schemeClr val="tx1"/>
+            </a:solidFill>
+            <a:tailEnd type="triangle"/>
+          </a:ln>
+        </p:spPr>
+        <p:style>
+          <a:lnRef idx="1">
+            <a:schemeClr val="accent1"/>
+          </a:lnRef>
+          <a:fillRef idx="0">
+            <a:schemeClr val="accent1"/>
+          </a:fillRef>
+          <a:effectRef idx="0">
+            <a:schemeClr val="accent1"/>
+          </a:effectRef>
+          <a:fontRef idx="minor">
+            <a:schemeClr val="tx1"/>
+          </a:fontRef>
+        </p:style>
+      </p:cxnSp>
+      <p:cxnSp>
+        <p:nvCxnSpPr>
+          <p:cNvPr id="8" name="Connettore 2 7"/>
+          <p:cNvCxnSpPr/>
+          <p:nvPr/>
+        </p:nvCxnSpPr>
+        <p:spPr>
+          <a:xfrm flipH="1">
+            <a:off x="3441031" y="4351945"/>
+            <a:ext cx="4788000" cy="0"/>
+          </a:xfrm>
+          <a:prstGeom prst="straightConnector1">
+            <a:avLst/>
+          </a:prstGeom>
+          <a:ln w="28575">
+            <a:solidFill>
+              <a:schemeClr val="tx1"/>
+            </a:solidFill>
+            <a:tailEnd type="triangle"/>
+          </a:ln>
+        </p:spPr>
+        <p:style>
+          <a:lnRef idx="1">
+            <a:schemeClr val="accent1"/>
+          </a:lnRef>
+          <a:fillRef idx="0">
+            <a:schemeClr val="accent1"/>
+          </a:fillRef>
+          <a:effectRef idx="0">
+            <a:schemeClr val="accent1"/>
+          </a:effectRef>
+          <a:fontRef idx="minor">
+            <a:schemeClr val="tx1"/>
+          </a:fontRef>
+        </p:style>
+      </p:cxnSp>
+      <p:sp>
+        <p:nvSpPr>
+          <p:cNvPr id="9" name="Ovale 8"/>
+          <p:cNvSpPr/>
+          <p:nvPr/>
+        </p:nvSpPr>
+        <p:spPr>
+          <a:xfrm>
+            <a:off x="9539821" y="3588897"/>
+            <a:ext cx="1217194" cy="877348"/>
+          </a:xfrm>
+          <a:prstGeom prst="ellipse">
+            <a:avLst/>
+          </a:prstGeom>
+          <a:solidFill>
+            <a:srgbClr val="00B050"/>
+          </a:solidFill>
+          <a:ln>
+            <a:solidFill>
+              <a:schemeClr val="tx1"/>
+            </a:solidFill>
+          </a:ln>
+        </p:spPr>
+        <p:style>
+          <a:lnRef idx="2">
+            <a:schemeClr val="accent1">
+              <a:shade val="50000"/>
+            </a:schemeClr>
+          </a:lnRef>
+          <a:fillRef idx="1">
+            <a:schemeClr val="accent1"/>
+          </a:fillRef>
+          <a:effectRef idx="0">
+            <a:schemeClr val="accent1"/>
+          </a:effectRef>
+          <a:fontRef idx="minor">
+            <a:schemeClr val="lt1"/>
+          </a:fontRef>
+        </p:style>
+        <p:txBody>
+          <a:bodyPr rtlCol="0" anchor="ctr"/>
+          <a:lstStyle/>
+          <a:p>
+            <a:pPr algn="ctr"/>
+            <a:r>
+              <a:rPr lang="it-IT" dirty="0" err="1">
+                <a:latin typeface="Palatino Linotype" panose="02040502050505030304" pitchFamily="18" charset="0"/>
+              </a:rPr>
+              <a:t>Entity</a:t>
+            </a:r>
+            <a:endParaRPr lang="en-GB" dirty="0">
+              <a:latin typeface="Palatino Linotype" panose="02040502050505030304" pitchFamily="18" charset="0"/>
+            </a:endParaRPr>
+          </a:p>
+          <a:p>
+            <a:pPr algn="ctr"/>
+            <a:endParaRPr lang="it-IT" dirty="0">
+              <a:latin typeface="Palatino Linotype" panose="02040502050505030304" pitchFamily="18" charset="0"/>
+            </a:endParaRPr>
+          </a:p>
+        </p:txBody>
+      </p:sp>
+      <p:sp>
+        <p:nvSpPr>
+          <p:cNvPr id="10" name="Rettangolo 9"/>
+          <p:cNvSpPr/>
+          <p:nvPr/>
+        </p:nvSpPr>
+        <p:spPr>
+          <a:xfrm>
+            <a:off x="8897421" y="3341133"/>
+            <a:ext cx="264695" cy="1330128"/>
+          </a:xfrm>
+          <a:prstGeom prst="rect">
+            <a:avLst/>
+          </a:prstGeom>
+        </p:spPr>
+        <p:style>
+          <a:lnRef idx="2">
+            <a:schemeClr val="dk1">
+              <a:shade val="50000"/>
+            </a:schemeClr>
+          </a:lnRef>
+          <a:fillRef idx="1">
+            <a:schemeClr val="dk1"/>
+          </a:fillRef>
+          <a:effectRef idx="0">
+            <a:schemeClr val="dk1"/>
+          </a:effectRef>
+          <a:fontRef idx="minor">
+            <a:schemeClr val="lt1"/>
+          </a:fontRef>
+        </p:style>
+        <p:txBody>
+          <a:bodyPr rtlCol="0" anchor="ctr"/>
+          <a:lstStyle/>
+          <a:p>
+            <a:pPr algn="ctr"/>
+            <a:endParaRPr lang="en-GB"/>
+          </a:p>
+        </p:txBody>
+      </p:sp>
+      <p:sp>
+        <p:nvSpPr>
+          <p:cNvPr id="11" name="Rettangolo 10"/>
+          <p:cNvSpPr/>
+          <p:nvPr/>
+        </p:nvSpPr>
+        <p:spPr>
+          <a:xfrm>
+            <a:off x="2566953" y="3437433"/>
+            <a:ext cx="264695" cy="986043"/>
+          </a:xfrm>
+          <a:prstGeom prst="rect">
+            <a:avLst/>
+          </a:prstGeom>
+        </p:spPr>
+        <p:style>
+          <a:lnRef idx="2">
+            <a:schemeClr val="dk1">
+              <a:shade val="50000"/>
+            </a:schemeClr>
+          </a:lnRef>
+          <a:fillRef idx="1">
+            <a:schemeClr val="dk1"/>
+          </a:fillRef>
+          <a:effectRef idx="0">
+            <a:schemeClr val="dk1"/>
+          </a:effectRef>
+          <a:fontRef idx="minor">
+            <a:schemeClr val="lt1"/>
+          </a:fontRef>
+        </p:style>
+        <p:txBody>
+          <a:bodyPr rtlCol="0" anchor="ctr"/>
+          <a:lstStyle/>
+          <a:p>
+            <a:pPr algn="ctr"/>
+            <a:endParaRPr lang="en-GB"/>
+          </a:p>
+        </p:txBody>
+      </p:sp>
+      <p:cxnSp>
+        <p:nvCxnSpPr>
+          <p:cNvPr id="12" name="Connettore 2 11"/>
+          <p:cNvCxnSpPr/>
+          <p:nvPr/>
+        </p:nvCxnSpPr>
+        <p:spPr>
+          <a:xfrm>
+            <a:off x="9211391" y="3477127"/>
+            <a:ext cx="475247" cy="186489"/>
+          </a:xfrm>
+          <a:prstGeom prst="straightConnector1">
+            <a:avLst/>
+          </a:prstGeom>
+          <a:ln w="28575">
+            <a:solidFill>
+              <a:schemeClr val="tx1"/>
+            </a:solidFill>
+            <a:prstDash val="sysDash"/>
+            <a:tailEnd type="triangle"/>
+          </a:ln>
+        </p:spPr>
+        <p:style>
+          <a:lnRef idx="1">
+            <a:schemeClr val="accent1"/>
+          </a:lnRef>
+          <a:fillRef idx="0">
+            <a:schemeClr val="accent1"/>
+          </a:fillRef>
+          <a:effectRef idx="0">
+            <a:schemeClr val="accent1"/>
+          </a:effectRef>
+          <a:fontRef idx="minor">
+            <a:schemeClr val="tx1"/>
+          </a:fontRef>
+        </p:style>
+      </p:cxnSp>
+      <p:cxnSp>
+        <p:nvCxnSpPr>
+          <p:cNvPr id="13" name="Connettore 2 12"/>
+          <p:cNvCxnSpPr/>
+          <p:nvPr/>
+        </p:nvCxnSpPr>
+        <p:spPr>
+          <a:xfrm flipH="1">
+            <a:off x="9211391" y="4325353"/>
+            <a:ext cx="423679" cy="232001"/>
+          </a:xfrm>
+          <a:prstGeom prst="straightConnector1">
+            <a:avLst/>
+          </a:prstGeom>
+          <a:ln w="28575">
+            <a:solidFill>
+              <a:schemeClr val="tx1"/>
+            </a:solidFill>
+            <a:prstDash val="sysDash"/>
+            <a:tailEnd type="triangle"/>
+          </a:ln>
+        </p:spPr>
+        <p:style>
+          <a:lnRef idx="1">
+            <a:schemeClr val="accent1"/>
+          </a:lnRef>
+          <a:fillRef idx="0">
+            <a:schemeClr val="accent1"/>
+          </a:fillRef>
+          <a:effectRef idx="0">
+            <a:schemeClr val="accent1"/>
+          </a:effectRef>
+          <a:fontRef idx="minor">
+            <a:schemeClr val="tx1"/>
+          </a:fontRef>
+        </p:style>
+      </p:cxnSp>
+      <p:sp>
+        <p:nvSpPr>
+          <p:cNvPr id="14" name="CasellaDiTesto 13"/>
+          <p:cNvSpPr txBox="1"/>
+          <p:nvPr/>
+        </p:nvSpPr>
+        <p:spPr>
+          <a:xfrm>
+            <a:off x="9531372" y="3975893"/>
+            <a:ext cx="1553076" cy="307777"/>
+          </a:xfrm>
+          <a:prstGeom prst="rect">
+            <a:avLst/>
+          </a:prstGeom>
+          <a:noFill/>
+        </p:spPr>
+        <p:txBody>
+          <a:bodyPr wrap="square" rtlCol="0">
+            <a:spAutoFit/>
+          </a:bodyPr>
+          <a:lstStyle/>
+          <a:p>
+            <a:r>
+              <a:rPr lang="it-IT" sz="1400" dirty="0">
+                <a:solidFill>
+                  <a:schemeClr val="bg1"/>
+                </a:solidFill>
+                <a:latin typeface="Palatino Linotype" panose="02040502050505030304" pitchFamily="18" charset="0"/>
+              </a:rPr>
+              <a:t>(</a:t>
+            </a:r>
+            <a:r>
+              <a:rPr lang="it-IT" sz="1400" dirty="0" err="1">
+                <a:solidFill>
+                  <a:schemeClr val="bg1"/>
+                </a:solidFill>
+                <a:latin typeface="Palatino Linotype" panose="02040502050505030304" pitchFamily="18" charset="0"/>
+              </a:rPr>
+              <a:t>raw</a:t>
+            </a:r>
+            <a:r>
+              <a:rPr lang="it-IT" sz="1400" dirty="0">
+                <a:solidFill>
+                  <a:schemeClr val="bg1"/>
+                </a:solidFill>
+                <a:latin typeface="Palatino Linotype" panose="02040502050505030304" pitchFamily="18" charset="0"/>
+              </a:rPr>
+              <a:t> format)</a:t>
+            </a:r>
+            <a:endParaRPr lang="en-GB" sz="1400" dirty="0">
+              <a:solidFill>
+                <a:schemeClr val="bg1"/>
+              </a:solidFill>
+              <a:latin typeface="Palatino Linotype" panose="02040502050505030304" pitchFamily="18" charset="0"/>
+            </a:endParaRPr>
+          </a:p>
+        </p:txBody>
+      </p:sp>
+      <p:sp>
+        <p:nvSpPr>
+          <p:cNvPr id="17" name="Rettangolo arrotondato 16"/>
+          <p:cNvSpPr/>
+          <p:nvPr/>
+        </p:nvSpPr>
+        <p:spPr>
+          <a:xfrm>
+            <a:off x="3774689" y="4557354"/>
+            <a:ext cx="4138863" cy="2100055"/>
+          </a:xfrm>
+          <a:prstGeom prst="roundRect">
+            <a:avLst/>
+          </a:prstGeom>
+          <a:solidFill>
+            <a:schemeClr val="bg1"/>
+          </a:solidFill>
+          <a:ln w="19050">
+            <a:solidFill>
+              <a:schemeClr val="tx1"/>
+            </a:solidFill>
+          </a:ln>
+        </p:spPr>
+        <p:style>
+          <a:lnRef idx="2">
+            <a:schemeClr val="accent1">
+              <a:shade val="50000"/>
+            </a:schemeClr>
+          </a:lnRef>
+          <a:fillRef idx="1">
+            <a:schemeClr val="accent1"/>
+          </a:fillRef>
+          <a:effectRef idx="0">
+            <a:schemeClr val="accent1"/>
+          </a:effectRef>
+          <a:fontRef idx="minor">
+            <a:schemeClr val="lt1"/>
+          </a:fontRef>
+        </p:style>
+        <p:txBody>
+          <a:bodyPr rtlCol="0" anchor="t"/>
+          <a:lstStyle/>
+          <a:p>
+            <a:pPr algn="ctr"/>
+            <a:r>
+              <a:rPr lang="it-IT" b="1" dirty="0">
+                <a:solidFill>
+                  <a:schemeClr val="tx1"/>
+                </a:solidFill>
+                <a:latin typeface="Palatino Linotype" panose="02040502050505030304" pitchFamily="18" charset="0"/>
+              </a:rPr>
+              <a:t>REST </a:t>
+            </a:r>
+            <a:r>
+              <a:rPr lang="it-IT" b="1" dirty="0" err="1">
+                <a:solidFill>
+                  <a:schemeClr val="tx1"/>
+                </a:solidFill>
+                <a:latin typeface="Palatino Linotype" panose="02040502050505030304" pitchFamily="18" charset="0"/>
+              </a:rPr>
+              <a:t>response</a:t>
+            </a:r>
+            <a:r>
+              <a:rPr lang="it-IT" b="1" dirty="0">
+                <a:solidFill>
+                  <a:schemeClr val="tx1"/>
+                </a:solidFill>
+                <a:latin typeface="Palatino Linotype" panose="02040502050505030304" pitchFamily="18" charset="0"/>
+              </a:rPr>
+              <a:t> </a:t>
+            </a:r>
+            <a:r>
+              <a:rPr lang="it-IT" b="1" dirty="0" err="1">
+                <a:solidFill>
+                  <a:schemeClr val="tx1"/>
+                </a:solidFill>
+                <a:latin typeface="Palatino Linotype" panose="02040502050505030304" pitchFamily="18" charset="0"/>
+              </a:rPr>
+              <a:t>message</a:t>
+            </a:r>
+            <a:endParaRPr lang="en-GB" b="1" dirty="0">
+              <a:solidFill>
+                <a:schemeClr val="tx1"/>
+              </a:solidFill>
+              <a:latin typeface="Palatino Linotype" panose="02040502050505030304" pitchFamily="18" charset="0"/>
+            </a:endParaRPr>
+          </a:p>
+        </p:txBody>
+      </p:sp>
+      <p:sp>
+        <p:nvSpPr>
+          <p:cNvPr id="18" name="Rettangolo arrotondato 17"/>
+          <p:cNvSpPr/>
+          <p:nvPr/>
+        </p:nvSpPr>
+        <p:spPr>
+          <a:xfrm>
+            <a:off x="3949365" y="5691188"/>
+            <a:ext cx="1852863" cy="843206"/>
+          </a:xfrm>
+          <a:prstGeom prst="roundRect">
+            <a:avLst/>
+          </a:prstGeom>
+          <a:solidFill>
+            <a:schemeClr val="accent6">
+              <a:lumMod val="20000"/>
+              <a:lumOff val="80000"/>
+            </a:schemeClr>
+          </a:solidFill>
+        </p:spPr>
+        <p:style>
+          <a:lnRef idx="2">
+            <a:schemeClr val="dk1"/>
+          </a:lnRef>
+          <a:fillRef idx="1">
+            <a:schemeClr val="lt1"/>
+          </a:fillRef>
+          <a:effectRef idx="0">
+            <a:schemeClr val="dk1"/>
+          </a:effectRef>
+          <a:fontRef idx="minor">
+            <a:schemeClr val="dk1"/>
+          </a:fontRef>
+        </p:style>
+        <p:txBody>
+          <a:bodyPr rtlCol="0" anchor="ctr"/>
+          <a:lstStyle/>
+          <a:p>
+            <a:pPr algn="ctr"/>
+            <a:r>
+              <a:rPr lang="it-IT" sz="1600" dirty="0" err="1">
+                <a:latin typeface="Palatino Linotype" panose="02040502050505030304" pitchFamily="18" charset="0"/>
+              </a:rPr>
+              <a:t>Representation</a:t>
+            </a:r>
+            <a:endParaRPr lang="it-IT" sz="1600" dirty="0">
+              <a:latin typeface="Palatino Linotype" panose="02040502050505030304" pitchFamily="18" charset="0"/>
+            </a:endParaRPr>
+          </a:p>
+          <a:p>
+            <a:pPr algn="ctr"/>
+            <a:r>
+              <a:rPr lang="it-IT" sz="1600" dirty="0">
+                <a:latin typeface="Palatino Linotype" panose="02040502050505030304" pitchFamily="18" charset="0"/>
+              </a:rPr>
+              <a:t>(optional)</a:t>
+            </a:r>
+            <a:endParaRPr lang="en-GB" sz="1600" dirty="0">
+              <a:latin typeface="Palatino Linotype" panose="02040502050505030304" pitchFamily="18" charset="0"/>
+            </a:endParaRPr>
+          </a:p>
+        </p:txBody>
+      </p:sp>
+      <p:sp>
+        <p:nvSpPr>
+          <p:cNvPr id="19" name="Rettangolo arrotondato 18"/>
+          <p:cNvSpPr/>
+          <p:nvPr/>
+        </p:nvSpPr>
+        <p:spPr>
+          <a:xfrm>
+            <a:off x="5913521" y="5691187"/>
+            <a:ext cx="1852863" cy="843207"/>
+          </a:xfrm>
+          <a:prstGeom prst="roundRect">
+            <a:avLst/>
+          </a:prstGeom>
+          <a:solidFill>
+            <a:schemeClr val="accent6">
+              <a:lumMod val="20000"/>
+              <a:lumOff val="80000"/>
+            </a:schemeClr>
+          </a:solidFill>
+        </p:spPr>
+        <p:style>
+          <a:lnRef idx="2">
+            <a:schemeClr val="dk1"/>
+          </a:lnRef>
+          <a:fillRef idx="1">
+            <a:schemeClr val="lt1"/>
+          </a:fillRef>
+          <a:effectRef idx="0">
+            <a:schemeClr val="dk1"/>
+          </a:effectRef>
+          <a:fontRef idx="minor">
+            <a:schemeClr val="dk1"/>
+          </a:fontRef>
+        </p:style>
+        <p:txBody>
+          <a:bodyPr rtlCol="0" anchor="ctr"/>
+          <a:lstStyle/>
+          <a:p>
+            <a:pPr algn="ctr"/>
+            <a:r>
+              <a:rPr lang="it-IT" sz="1600" dirty="0">
+                <a:latin typeface="Palatino Linotype" panose="02040502050505030304" pitchFamily="18" charset="0"/>
+              </a:rPr>
+              <a:t>Resource </a:t>
+            </a:r>
+            <a:r>
+              <a:rPr lang="it-IT" sz="1600" dirty="0" err="1">
+                <a:latin typeface="Palatino Linotype" panose="02040502050505030304" pitchFamily="18" charset="0"/>
+              </a:rPr>
+              <a:t>metadata</a:t>
+            </a:r>
+            <a:r>
+              <a:rPr lang="it-IT" sz="1600" dirty="0">
+                <a:latin typeface="Palatino Linotype" panose="02040502050505030304" pitchFamily="18" charset="0"/>
+              </a:rPr>
+              <a:t> (optional)</a:t>
+            </a:r>
+            <a:endParaRPr lang="en-GB" sz="1600" dirty="0">
+              <a:latin typeface="Palatino Linotype" panose="02040502050505030304" pitchFamily="18" charset="0"/>
+            </a:endParaRPr>
+          </a:p>
+        </p:txBody>
+      </p:sp>
+      <p:sp>
+        <p:nvSpPr>
+          <p:cNvPr id="20" name="Rettangolo arrotondato 19"/>
+          <p:cNvSpPr/>
+          <p:nvPr/>
+        </p:nvSpPr>
+        <p:spPr>
+          <a:xfrm>
+            <a:off x="5093366" y="5072180"/>
+            <a:ext cx="1574133" cy="558599"/>
+          </a:xfrm>
+          <a:prstGeom prst="roundRect">
+            <a:avLst/>
+          </a:prstGeom>
+          <a:solidFill>
+            <a:schemeClr val="accent6">
+              <a:lumMod val="20000"/>
+              <a:lumOff val="80000"/>
+            </a:schemeClr>
+          </a:solidFill>
+        </p:spPr>
+        <p:style>
+          <a:lnRef idx="2">
+            <a:schemeClr val="dk1"/>
+          </a:lnRef>
+          <a:fillRef idx="1">
+            <a:schemeClr val="lt1"/>
+          </a:fillRef>
+          <a:effectRef idx="0">
+            <a:schemeClr val="dk1"/>
+          </a:effectRef>
+          <a:fontRef idx="minor">
+            <a:schemeClr val="dk1"/>
+          </a:fontRef>
+        </p:style>
+        <p:txBody>
+          <a:bodyPr rtlCol="0" anchor="ctr"/>
+          <a:lstStyle/>
+          <a:p>
+            <a:pPr algn="ctr"/>
+            <a:r>
+              <a:rPr lang="it-IT" sz="1600" dirty="0">
+                <a:latin typeface="Palatino Linotype" panose="02040502050505030304" pitchFamily="18" charset="0"/>
+              </a:rPr>
+              <a:t>Control data</a:t>
+            </a:r>
+          </a:p>
+          <a:p>
+            <a:pPr algn="ctr"/>
+            <a:r>
+              <a:rPr lang="it-IT" sz="1600" dirty="0">
+                <a:latin typeface="Palatino Linotype" panose="02040502050505030304" pitchFamily="18" charset="0"/>
+              </a:rPr>
+              <a:t>(</a:t>
+            </a:r>
+            <a:r>
+              <a:rPr lang="it-IT" sz="1600" dirty="0" err="1">
+                <a:latin typeface="Palatino Linotype" panose="02040502050505030304" pitchFamily="18" charset="0"/>
+              </a:rPr>
+              <a:t>mandatory</a:t>
+            </a:r>
+            <a:r>
+              <a:rPr lang="it-IT" sz="1600" dirty="0">
+                <a:latin typeface="Palatino Linotype" panose="02040502050505030304" pitchFamily="18" charset="0"/>
+              </a:rPr>
+              <a:t>)</a:t>
+            </a:r>
+            <a:endParaRPr lang="en-GB" sz="1600" dirty="0">
+              <a:latin typeface="Palatino Linotype" panose="02040502050505030304" pitchFamily="18" charset="0"/>
+            </a:endParaRPr>
+          </a:p>
+        </p:txBody>
+      </p:sp>
+      <p:sp>
+        <p:nvSpPr>
+          <p:cNvPr id="21" name="Rettangolo arrotondato 20"/>
+          <p:cNvSpPr/>
+          <p:nvPr/>
+        </p:nvSpPr>
+        <p:spPr>
+          <a:xfrm>
+            <a:off x="3821246" y="1313892"/>
+            <a:ext cx="4138863" cy="2076473"/>
+          </a:xfrm>
+          <a:prstGeom prst="roundRect">
+            <a:avLst/>
+          </a:prstGeom>
+          <a:solidFill>
+            <a:schemeClr val="bg1"/>
+          </a:solidFill>
+          <a:ln w="19050">
+            <a:solidFill>
+              <a:schemeClr val="tx1"/>
+            </a:solidFill>
+          </a:ln>
+        </p:spPr>
+        <p:style>
+          <a:lnRef idx="2">
+            <a:schemeClr val="accent1">
+              <a:shade val="50000"/>
+            </a:schemeClr>
+          </a:lnRef>
+          <a:fillRef idx="1">
+            <a:schemeClr val="accent1"/>
+          </a:fillRef>
+          <a:effectRef idx="0">
+            <a:schemeClr val="accent1"/>
+          </a:effectRef>
+          <a:fontRef idx="minor">
+            <a:schemeClr val="lt1"/>
+          </a:fontRef>
+        </p:style>
+        <p:txBody>
+          <a:bodyPr rtlCol="0" anchor="t"/>
+          <a:lstStyle/>
+          <a:p>
+            <a:pPr algn="ctr"/>
+            <a:r>
+              <a:rPr lang="it-IT" b="1" dirty="0">
+                <a:solidFill>
+                  <a:schemeClr val="tx1"/>
+                </a:solidFill>
+                <a:latin typeface="Palatino Linotype" panose="02040502050505030304" pitchFamily="18" charset="0"/>
+              </a:rPr>
+              <a:t>REST </a:t>
+            </a:r>
+            <a:r>
+              <a:rPr lang="it-IT" b="1" dirty="0" err="1">
+                <a:solidFill>
+                  <a:schemeClr val="tx1"/>
+                </a:solidFill>
+                <a:latin typeface="Palatino Linotype" panose="02040502050505030304" pitchFamily="18" charset="0"/>
+              </a:rPr>
+              <a:t>request</a:t>
+            </a:r>
+            <a:r>
+              <a:rPr lang="it-IT" b="1" dirty="0">
+                <a:solidFill>
+                  <a:schemeClr val="tx1"/>
+                </a:solidFill>
+                <a:latin typeface="Palatino Linotype" panose="02040502050505030304" pitchFamily="18" charset="0"/>
+              </a:rPr>
+              <a:t> </a:t>
+            </a:r>
+            <a:r>
+              <a:rPr lang="it-IT" b="1" dirty="0" err="1">
+                <a:solidFill>
+                  <a:schemeClr val="tx1"/>
+                </a:solidFill>
+                <a:latin typeface="Palatino Linotype" panose="02040502050505030304" pitchFamily="18" charset="0"/>
+              </a:rPr>
+              <a:t>message</a:t>
+            </a:r>
+            <a:endParaRPr lang="en-GB" b="1" dirty="0">
+              <a:solidFill>
+                <a:schemeClr val="tx1"/>
+              </a:solidFill>
+              <a:latin typeface="Palatino Linotype" panose="02040502050505030304" pitchFamily="18" charset="0"/>
+            </a:endParaRPr>
+          </a:p>
+        </p:txBody>
+      </p:sp>
+      <p:sp>
+        <p:nvSpPr>
+          <p:cNvPr id="22" name="Rettangolo arrotondato 21"/>
+          <p:cNvSpPr/>
+          <p:nvPr/>
+        </p:nvSpPr>
+        <p:spPr>
+          <a:xfrm>
+            <a:off x="5029200" y="2720001"/>
+            <a:ext cx="1852863" cy="623972"/>
+          </a:xfrm>
+          <a:prstGeom prst="roundRect">
+            <a:avLst/>
+          </a:prstGeom>
+          <a:solidFill>
+            <a:schemeClr val="accent6">
+              <a:lumMod val="20000"/>
+              <a:lumOff val="80000"/>
+            </a:schemeClr>
+          </a:solidFill>
+        </p:spPr>
+        <p:style>
+          <a:lnRef idx="2">
+            <a:schemeClr val="dk1"/>
+          </a:lnRef>
+          <a:fillRef idx="1">
+            <a:schemeClr val="lt1"/>
+          </a:fillRef>
+          <a:effectRef idx="0">
+            <a:schemeClr val="dk1"/>
+          </a:effectRef>
+          <a:fontRef idx="minor">
+            <a:schemeClr val="dk1"/>
+          </a:fontRef>
+        </p:style>
+        <p:txBody>
+          <a:bodyPr rtlCol="0" anchor="ctr"/>
+          <a:lstStyle/>
+          <a:p>
+            <a:pPr algn="ctr"/>
+            <a:r>
+              <a:rPr lang="it-IT" sz="1600" dirty="0" err="1">
+                <a:latin typeface="Palatino Linotype" panose="02040502050505030304" pitchFamily="18" charset="0"/>
+              </a:rPr>
+              <a:t>Representation</a:t>
+            </a:r>
+            <a:endParaRPr lang="it-IT" sz="1600" dirty="0">
+              <a:latin typeface="Palatino Linotype" panose="02040502050505030304" pitchFamily="18" charset="0"/>
+            </a:endParaRPr>
+          </a:p>
+          <a:p>
+            <a:pPr algn="ctr"/>
+            <a:r>
+              <a:rPr lang="it-IT" sz="1600" dirty="0">
+                <a:latin typeface="Palatino Linotype" panose="02040502050505030304" pitchFamily="18" charset="0"/>
+              </a:rPr>
+              <a:t>(optional)</a:t>
+            </a:r>
+            <a:endParaRPr lang="en-GB" sz="1600" dirty="0">
+              <a:latin typeface="Palatino Linotype" panose="02040502050505030304" pitchFamily="18" charset="0"/>
+            </a:endParaRPr>
+          </a:p>
+        </p:txBody>
+      </p:sp>
+      <p:sp>
+        <p:nvSpPr>
+          <p:cNvPr id="23" name="Rettangolo arrotondato 22"/>
+          <p:cNvSpPr/>
+          <p:nvPr/>
+        </p:nvSpPr>
+        <p:spPr>
+          <a:xfrm>
+            <a:off x="5835031" y="1806657"/>
+            <a:ext cx="2062847" cy="843206"/>
+          </a:xfrm>
+          <a:prstGeom prst="roundRect">
+            <a:avLst/>
+          </a:prstGeom>
+          <a:solidFill>
+            <a:schemeClr val="accent6">
+              <a:lumMod val="20000"/>
+              <a:lumOff val="80000"/>
+            </a:schemeClr>
+          </a:solidFill>
+        </p:spPr>
+        <p:style>
+          <a:lnRef idx="2">
+            <a:schemeClr val="dk1"/>
+          </a:lnRef>
+          <a:fillRef idx="1">
+            <a:schemeClr val="lt1"/>
+          </a:fillRef>
+          <a:effectRef idx="0">
+            <a:schemeClr val="dk1"/>
+          </a:effectRef>
+          <a:fontRef idx="minor">
+            <a:schemeClr val="dk1"/>
+          </a:fontRef>
+        </p:style>
+        <p:txBody>
+          <a:bodyPr rtlCol="0" anchor="ctr"/>
+          <a:lstStyle/>
+          <a:p>
+            <a:pPr algn="ctr"/>
+            <a:r>
+              <a:rPr lang="it-IT" sz="1600" dirty="0">
+                <a:latin typeface="Palatino Linotype" panose="02040502050505030304" pitchFamily="18" charset="0"/>
+              </a:rPr>
+              <a:t>Resource </a:t>
+            </a:r>
+            <a:r>
+              <a:rPr lang="it-IT" sz="1600" dirty="0" err="1">
+                <a:latin typeface="Palatino Linotype" panose="02040502050505030304" pitchFamily="18" charset="0"/>
+              </a:rPr>
+              <a:t>identifier</a:t>
+            </a:r>
+            <a:endParaRPr lang="it-IT" sz="1600" dirty="0">
+              <a:latin typeface="Palatino Linotype" panose="02040502050505030304" pitchFamily="18" charset="0"/>
+            </a:endParaRPr>
+          </a:p>
+          <a:p>
+            <a:pPr algn="ctr"/>
+            <a:r>
+              <a:rPr lang="it-IT" sz="1600" dirty="0">
+                <a:latin typeface="Palatino Linotype" panose="02040502050505030304" pitchFamily="18" charset="0"/>
+              </a:rPr>
+              <a:t>(</a:t>
+            </a:r>
+            <a:r>
+              <a:rPr lang="it-IT" sz="1600" dirty="0" err="1">
+                <a:latin typeface="Palatino Linotype" panose="02040502050505030304" pitchFamily="18" charset="0"/>
+              </a:rPr>
+              <a:t>mandatory</a:t>
+            </a:r>
+            <a:r>
+              <a:rPr lang="it-IT" sz="1600" dirty="0">
+                <a:latin typeface="Palatino Linotype" panose="02040502050505030304" pitchFamily="18" charset="0"/>
+              </a:rPr>
+              <a:t>)</a:t>
+            </a:r>
+            <a:endParaRPr lang="en-GB" sz="1600" dirty="0">
+              <a:latin typeface="Palatino Linotype" panose="02040502050505030304" pitchFamily="18" charset="0"/>
+            </a:endParaRPr>
+          </a:p>
+        </p:txBody>
+      </p:sp>
+      <p:sp>
+        <p:nvSpPr>
+          <p:cNvPr id="24" name="Rettangolo arrotondato 23"/>
+          <p:cNvSpPr/>
+          <p:nvPr/>
+        </p:nvSpPr>
+        <p:spPr>
+          <a:xfrm>
+            <a:off x="3978875" y="1828719"/>
+            <a:ext cx="1574133" cy="821144"/>
+          </a:xfrm>
+          <a:prstGeom prst="roundRect">
+            <a:avLst/>
+          </a:prstGeom>
+          <a:solidFill>
+            <a:schemeClr val="accent6">
+              <a:lumMod val="20000"/>
+              <a:lumOff val="80000"/>
+            </a:schemeClr>
+          </a:solidFill>
+        </p:spPr>
+        <p:style>
+          <a:lnRef idx="2">
+            <a:schemeClr val="dk1"/>
+          </a:lnRef>
+          <a:fillRef idx="1">
+            <a:schemeClr val="lt1"/>
+          </a:fillRef>
+          <a:effectRef idx="0">
+            <a:schemeClr val="dk1"/>
+          </a:effectRef>
+          <a:fontRef idx="minor">
+            <a:schemeClr val="dk1"/>
+          </a:fontRef>
+        </p:style>
+        <p:txBody>
+          <a:bodyPr rtlCol="0" anchor="ctr"/>
+          <a:lstStyle/>
+          <a:p>
+            <a:pPr algn="ctr"/>
+            <a:r>
+              <a:rPr lang="it-IT" sz="1600" dirty="0">
+                <a:latin typeface="Palatino Linotype" panose="02040502050505030304" pitchFamily="18" charset="0"/>
+              </a:rPr>
+              <a:t>Control data</a:t>
+            </a:r>
+          </a:p>
+          <a:p>
+            <a:pPr algn="ctr"/>
+            <a:r>
+              <a:rPr lang="it-IT" sz="1600" dirty="0">
+                <a:latin typeface="Palatino Linotype" panose="02040502050505030304" pitchFamily="18" charset="0"/>
+              </a:rPr>
+              <a:t>(</a:t>
+            </a:r>
+            <a:r>
+              <a:rPr lang="it-IT" sz="1600" dirty="0" err="1">
+                <a:latin typeface="Palatino Linotype" panose="02040502050505030304" pitchFamily="18" charset="0"/>
+              </a:rPr>
+              <a:t>mandatory</a:t>
+            </a:r>
+            <a:r>
+              <a:rPr lang="it-IT" sz="1600" dirty="0">
+                <a:latin typeface="Palatino Linotype" panose="02040502050505030304" pitchFamily="18" charset="0"/>
+              </a:rPr>
+              <a:t>)</a:t>
+            </a:r>
+            <a:endParaRPr lang="en-GB" sz="1600" dirty="0">
+              <a:latin typeface="Palatino Linotype" panose="02040502050505030304" pitchFamily="18" charset="0"/>
+            </a:endParaRPr>
+          </a:p>
+        </p:txBody>
+      </p:sp>
+      <p:sp>
+        <p:nvSpPr>
+          <p:cNvPr id="3" name="Segnaposto numero diapositiva 2"/>
+          <p:cNvSpPr>
+            <a:spLocks noGrp="1"/>
+          </p:cNvSpPr>
+          <p:nvPr>
+            <p:ph type="sldNum" sz="quarter" idx="12"/>
+          </p:nvPr>
+        </p:nvSpPr>
+        <p:spPr/>
+        <p:txBody>
+          <a:bodyPr/>
+          <a:lstStyle/>
+          <a:p>
+            <a:fld id="{31DE2C5B-556E-47B8-A792-024C2FCA4ACC}" type="slidenum">
+              <a:rPr lang="en-GB" smtClean="0"/>
+              <a:t>21</a:t>
+            </a:fld>
+            <a:endParaRPr lang="en-GB"/>
+          </a:p>
+        </p:txBody>
+      </p:sp>
+    </p:spTree>
+    <p:extLst>
+      <p:ext uri="{BB962C8B-B14F-4D97-AF65-F5344CB8AC3E}">
+        <p14:creationId xmlns:p14="http://schemas.microsoft.com/office/powerpoint/2010/main" val="1812340316"/>
+      </p:ext>
+    </p:extLst>
+  </p:cSld>
+  <p:clrMapOvr>
+    <a:masterClrMapping/>
+  </p:clrMapOvr>
+</p:sld>
+</file>
+
+<file path=ppt/slides/slide22.xml><?xml version="1.0" encoding="utf-8"?>
+<p:sld xmlns:a="http://schemas.openxmlformats.org/drawingml/2006/main" xmlns:r="http://schemas.openxmlformats.org/officeDocument/2006/relationships" xmlns:p="http://schemas.openxmlformats.org/presentationml/2006/main">
+  <p:cSld>
+    <p:spTree>
+      <p:nvGrpSpPr>
+        <p:cNvPr id="1" name=""/>
+        <p:cNvGrpSpPr/>
+        <p:nvPr/>
+      </p:nvGrpSpPr>
+      <p:grpSpPr>
+        <a:xfrm>
+          <a:off x="0" y="0"/>
+          <a:ext cx="0" cy="0"/>
+          <a:chOff x="0" y="0"/>
+          <a:chExt cx="0" cy="0"/>
+        </a:xfrm>
+      </p:grpSpPr>
+      <p:sp>
+        <p:nvSpPr>
+          <p:cNvPr id="2" name="Titolo 1"/>
+          <p:cNvSpPr>
+            <a:spLocks noGrp="1"/>
+          </p:cNvSpPr>
+          <p:nvPr>
+            <p:ph type="title"/>
+          </p:nvPr>
+        </p:nvSpPr>
+        <p:spPr/>
+        <p:txBody>
+          <a:bodyPr/>
+          <a:lstStyle/>
+          <a:p>
+            <a:r>
+              <a:rPr lang="it-IT" dirty="0"/>
               <a:t>Resource </a:t>
             </a:r>
             <a:r>
@@ -8845,7 +8945,7 @@
           <a:p>
             <a:fld id="{31DE2C5B-556E-47B8-A792-024C2FCA4ACC}" type="slidenum">
               <a:rPr lang="en-GB" smtClean="0"/>
-              <a:t>21</a:t>
+              <a:t>22</a:t>
             </a:fld>
             <a:endParaRPr lang="en-GB"/>
           </a:p>
@@ -8864,7 +8964,7 @@
 </p:sld>
 </file>
 
-<file path=ppt/slides/slide22.xml><?xml version="1.0" encoding="utf-8"?>
+<file path=ppt/slides/slide23.xml><?xml version="1.0" encoding="utf-8"?>
 <p:sld xmlns:a="http://schemas.openxmlformats.org/drawingml/2006/main" xmlns:r="http://schemas.openxmlformats.org/officeDocument/2006/relationships" xmlns:p="http://schemas.openxmlformats.org/presentationml/2006/main">
   <p:cSld>
     <p:spTree>
@@ -9526,7 +9626,7 @@
           <a:p>
             <a:fld id="{31DE2C5B-556E-47B8-A792-024C2FCA4ACC}" type="slidenum">
               <a:rPr lang="en-GB" smtClean="0"/>
-              <a:t>22</a:t>
+              <a:t>23</a:t>
             </a:fld>
             <a:endParaRPr lang="en-GB"/>
           </a:p>
@@ -9545,7 +9645,7 @@
 </p:sld>
 </file>
 
-<file path=ppt/slides/slide23.xml><?xml version="1.0" encoding="utf-8"?>
+<file path=ppt/slides/slide24.xml><?xml version="1.0" encoding="utf-8"?>
 <p:sld xmlns:a="http://schemas.openxmlformats.org/drawingml/2006/main" xmlns:r="http://schemas.openxmlformats.org/officeDocument/2006/relationships" xmlns:p="http://schemas.openxmlformats.org/presentationml/2006/main">
   <p:cSld>
     <p:spTree>
@@ -9634,7 +9734,7 @@
           <a:p>
             <a:fld id="{31DE2C5B-556E-47B8-A792-024C2FCA4ACC}" type="slidenum">
               <a:rPr lang="en-GB" smtClean="0"/>
-              <a:t>23</a:t>
+              <a:t>24</a:t>
             </a:fld>
             <a:endParaRPr lang="en-GB"/>
           </a:p>

--- a/theory_06-representational-state-transfer/theory_06-representational-state-transfer.pptx
+++ b/theory_06-representational-state-transfer/theory_06-representational-state-transfer.pptx
@@ -5,7 +5,7 @@
     <p:sldMasterId id="2147483648" r:id="rId1"/>
   </p:sldMasterIdLst>
   <p:notesMasterIdLst>
-    <p:notesMasterId r:id="rId26"/>
+    <p:notesMasterId r:id="rId27"/>
   </p:notesMasterIdLst>
   <p:sldIdLst>
     <p:sldId id="256" r:id="rId2"/>
@@ -24,14 +24,15 @@
     <p:sldId id="266" r:id="rId15"/>
     <p:sldId id="267" r:id="rId16"/>
     <p:sldId id="270" r:id="rId17"/>
-    <p:sldId id="271" r:id="rId18"/>
-    <p:sldId id="282" r:id="rId19"/>
-    <p:sldId id="272" r:id="rId20"/>
-    <p:sldId id="278" r:id="rId21"/>
-    <p:sldId id="275" r:id="rId22"/>
-    <p:sldId id="274" r:id="rId23"/>
-    <p:sldId id="281" r:id="rId24"/>
-    <p:sldId id="273" r:id="rId25"/>
+    <p:sldId id="282" r:id="rId18"/>
+    <p:sldId id="284" r:id="rId19"/>
+    <p:sldId id="283" r:id="rId20"/>
+    <p:sldId id="272" r:id="rId21"/>
+    <p:sldId id="278" r:id="rId22"/>
+    <p:sldId id="275" r:id="rId23"/>
+    <p:sldId id="274" r:id="rId24"/>
+    <p:sldId id="281" r:id="rId25"/>
+    <p:sldId id="273" r:id="rId26"/>
   </p:sldIdLst>
   <p:sldSz cx="12192000" cy="6858000"/>
   <p:notesSz cx="6858000" cy="9144000"/>
@@ -220,7 +221,7 @@
           <a:p>
             <a:fld id="{251090E0-FB0C-49E9-9864-9F53EABEA96F}" type="datetimeFigureOut">
               <a:rPr lang="en-GB" smtClean="0"/>
-              <a:t>08/04/2024</a:t>
+              <a:t>14/04/2024</a:t>
             </a:fld>
             <a:endParaRPr lang="en-GB"/>
           </a:p>
@@ -5640,54 +5641,54 @@
         </p:nvSpPr>
         <p:spPr/>
         <p:txBody>
-          <a:bodyPr/>
-          <a:lstStyle/>
-          <a:p>
+          <a:bodyPr>
+            <a:normAutofit/>
+          </a:bodyPr>
+          <a:lstStyle/>
+          <a:p>
+            <a:pPr marL="0" indent="0">
+              <a:buNone/>
+            </a:pPr>
             <a:r>
               <a:rPr lang="en-GB" dirty="0"/>
-              <a:t>The abstract definition of resources in REST allows to: </a:t>
-            </a:r>
-          </a:p>
-          <a:p>
+              <a:t>The </a:t>
+            </a:r>
+            <a:r>
+              <a:rPr lang="en-GB" b="1" dirty="0"/>
+              <a:t>abstract</a:t>
+            </a:r>
+            <a:r>
+              <a:rPr lang="en-GB" dirty="0"/>
+              <a:t> definition of resources in REST facilitates </a:t>
+            </a:r>
+            <a:r>
+              <a:rPr lang="en-GB" b="1" dirty="0"/>
+              <a:t>content negotiation</a:t>
+            </a:r>
+            <a:r>
+              <a:rPr lang="en-GB" dirty="0"/>
+              <a:t>, which is the process of selecting the most appropriate representation of a resource based on the characteristics of the request. </a:t>
+            </a:r>
+          </a:p>
+          <a:p>
+            <a:pPr marL="0" indent="0">
+              <a:buNone/>
+            </a:pPr>
             <a:endParaRPr lang="en-GB" dirty="0"/>
           </a:p>
           <a:p>
-            <a:pPr lvl="1"/>
-            <a:r>
-              <a:rPr lang="en-GB" sz="2400" dirty="0"/>
-              <a:t>manage many sources of information without distinguishing them by type or implementation</a:t>
-            </a:r>
-          </a:p>
-          <a:p>
-            <a:pPr lvl="1"/>
-            <a:endParaRPr lang="en-GB" sz="2400" dirty="0"/>
-          </a:p>
-          <a:p>
-            <a:pPr lvl="1"/>
-            <a:r>
-              <a:rPr lang="en-GB" sz="2400" dirty="0"/>
-              <a:t>it allows to reference the concept rather than some singular representation of that concept </a:t>
-            </a:r>
-            <a:r>
-              <a:rPr lang="en-GB" sz="2400" dirty="0">
-                <a:sym typeface="Wingdings" panose="05000000000000000000" pitchFamily="2" charset="2"/>
-              </a:rPr>
-              <a:t> no </a:t>
-            </a:r>
-            <a:r>
-              <a:rPr lang="en-GB" sz="2400" dirty="0"/>
-              <a:t>need to change all existing links whenever the representation changes</a:t>
-            </a:r>
-          </a:p>
-          <a:p>
-            <a:pPr lvl="1"/>
-            <a:endParaRPr lang="en-GB" sz="2400" dirty="0"/>
-          </a:p>
-          <a:p>
-            <a:pPr lvl="1"/>
-            <a:r>
-              <a:rPr lang="en-GB" sz="2400" dirty="0"/>
-              <a:t>late bind specific representations to resources, enabling content negotiation to take place based on characteristics of the request</a:t>
+            <a:pPr marL="0" indent="0">
+              <a:buNone/>
+            </a:pPr>
+            <a:endParaRPr lang="en-GB" dirty="0"/>
+          </a:p>
+          <a:p>
+            <a:pPr marL="0" indent="0">
+              <a:buNone/>
+            </a:pPr>
+            <a:r>
+              <a:rPr lang="en-GB" dirty="0"/>
+              <a:t>Let's break down why this is possible</a:t>
             </a:r>
           </a:p>
         </p:txBody>
@@ -5715,10 +5716,61 @@
           </a:p>
         </p:txBody>
       </p:sp>
+      <p:sp>
+        <p:nvSpPr>
+          <p:cNvPr id="5" name="Rectangle 4">
+            <a:extLst>
+              <a:ext uri="{FF2B5EF4-FFF2-40B4-BE49-F238E27FC236}">
+                <a16:creationId xmlns:a16="http://schemas.microsoft.com/office/drawing/2014/main" id="{B0B3BBEA-C95D-89F0-4566-995A69BE879B}"/>
+              </a:ext>
+            </a:extLst>
+          </p:cNvPr>
+          <p:cNvSpPr/>
+          <p:nvPr/>
+        </p:nvSpPr>
+        <p:spPr>
+          <a:xfrm>
+            <a:off x="8894618" y="259773"/>
+            <a:ext cx="2587337" cy="561109"/>
+          </a:xfrm>
+          <a:prstGeom prst="rect">
+            <a:avLst/>
+          </a:prstGeom>
+        </p:spPr>
+        <p:style>
+          <a:lnRef idx="2">
+            <a:schemeClr val="accent4">
+              <a:shade val="15000"/>
+            </a:schemeClr>
+          </a:lnRef>
+          <a:fillRef idx="1">
+            <a:schemeClr val="accent4"/>
+          </a:fillRef>
+          <a:effectRef idx="0">
+            <a:schemeClr val="accent4"/>
+          </a:effectRef>
+          <a:fontRef idx="minor">
+            <a:schemeClr val="lt1"/>
+          </a:fontRef>
+        </p:style>
+        <p:txBody>
+          <a:bodyPr rtlCol="0" anchor="ctr"/>
+          <a:lstStyle/>
+          <a:p>
+            <a:pPr algn="ctr"/>
+            <a:r>
+              <a:rPr lang="en-US" sz="2400" b="1" dirty="0">
+                <a:latin typeface="Palatino Linotype" panose="02040502050505030304" pitchFamily="18" charset="0"/>
+              </a:rPr>
+              <a:t>NEW SLIDE</a:t>
+            </a:r>
+          </a:p>
+        </p:txBody>
+      </p:sp>
     </p:spTree>
     <p:extLst>
       <p:ext uri="{BB962C8B-B14F-4D97-AF65-F5344CB8AC3E}">
-        <p14:creationId xmlns:p14="http://schemas.microsoft.com/office/powerpoint/2010/main" val="928468462"/>
+        <p14:creationId xmlns:p14="http://schemas.microsoft.com/office/powerpoint/2010/main" val="3491970060"/>
       </p:ext>
     </p:extLst>
   </p:cSld>
@@ -5761,8 +5813,8 @@
           <a:lstStyle/>
           <a:p>
             <a:r>
-              <a:rPr lang="it-IT" dirty="0"/>
-              <a:t>ADD EXAMPLE</a:t>
+              <a:rPr lang="it-IT" dirty="0" err="1"/>
+              <a:t>Resources</a:t>
             </a:r>
             <a:endParaRPr lang="en-GB" dirty="0"/>
           </a:p>
@@ -5780,14 +5832,40 @@
         </p:nvSpPr>
         <p:spPr/>
         <p:txBody>
-          <a:bodyPr/>
-          <a:lstStyle/>
-          <a:p>
+          <a:bodyPr>
+            <a:normAutofit/>
+          </a:bodyPr>
+          <a:lstStyle/>
+          <a:p>
+            <a:r>
+              <a:rPr lang="en-GB" b="1" dirty="0"/>
+              <a:t>1. Resource-Centric Design</a:t>
+            </a:r>
             <a:r>
               <a:rPr lang="en-GB" dirty="0"/>
-              <a:t>ADD EXAMPLE</a:t>
-            </a:r>
-            <a:endParaRPr lang="en-GB" sz="2400" dirty="0"/>
+              <a:t>: In REST, the focus is on resources rather than actions. Each resource is uniquely identified, and interactions with resources are typically performed using standard HTTP methods (GET, POST, PUT, DELETE). By abstracting away from specific actions, REST allows for a more flexible and adaptable system.</a:t>
+            </a:r>
+          </a:p>
+          <a:p>
+            <a:endParaRPr lang="en-GB" dirty="0"/>
+          </a:p>
+          <a:p>
+            <a:r>
+              <a:rPr lang="en-GB" b="1" dirty="0"/>
+              <a:t>2. Late Binding of Representations</a:t>
+            </a:r>
+            <a:r>
+              <a:rPr lang="en-GB" dirty="0"/>
+              <a:t>: The abstract definition of resources means that the server can provide different representations of the same resource based on the client's preferences or capabilities. This is known as </a:t>
+            </a:r>
+            <a:r>
+              <a:rPr lang="en-GB" b="1" dirty="0"/>
+              <a:t>late binding</a:t>
+            </a:r>
+            <a:r>
+              <a:rPr lang="en-GB" dirty="0"/>
+              <a:t>, as the specific representation is determined at runtime, typically in response to a client request. For example, a client might prefer to receive JSON representations of resources, while another client might prefer XML.</a:t>
+            </a:r>
           </a:p>
         </p:txBody>
       </p:sp>
@@ -5814,10 +5892,61 @@
           </a:p>
         </p:txBody>
       </p:sp>
+      <p:sp>
+        <p:nvSpPr>
+          <p:cNvPr id="5" name="Rectangle 4">
+            <a:extLst>
+              <a:ext uri="{FF2B5EF4-FFF2-40B4-BE49-F238E27FC236}">
+                <a16:creationId xmlns:a16="http://schemas.microsoft.com/office/drawing/2014/main" id="{86FB9C28-2315-F221-703C-C385452006F9}"/>
+              </a:ext>
+            </a:extLst>
+          </p:cNvPr>
+          <p:cNvSpPr/>
+          <p:nvPr/>
+        </p:nvSpPr>
+        <p:spPr>
+          <a:xfrm>
+            <a:off x="8894618" y="259773"/>
+            <a:ext cx="2587337" cy="561109"/>
+          </a:xfrm>
+          <a:prstGeom prst="rect">
+            <a:avLst/>
+          </a:prstGeom>
+        </p:spPr>
+        <p:style>
+          <a:lnRef idx="2">
+            <a:schemeClr val="accent4">
+              <a:shade val="15000"/>
+            </a:schemeClr>
+          </a:lnRef>
+          <a:fillRef idx="1">
+            <a:schemeClr val="accent4"/>
+          </a:fillRef>
+          <a:effectRef idx="0">
+            <a:schemeClr val="accent4"/>
+          </a:effectRef>
+          <a:fontRef idx="minor">
+            <a:schemeClr val="lt1"/>
+          </a:fontRef>
+        </p:style>
+        <p:txBody>
+          <a:bodyPr rtlCol="0" anchor="ctr"/>
+          <a:lstStyle/>
+          <a:p>
+            <a:pPr algn="ctr"/>
+            <a:r>
+              <a:rPr lang="en-US" sz="2400" b="1" dirty="0">
+                <a:latin typeface="Palatino Linotype" panose="02040502050505030304" pitchFamily="18" charset="0"/>
+              </a:rPr>
+              <a:t>NEW SLIDE</a:t>
+            </a:r>
+          </a:p>
+        </p:txBody>
+      </p:sp>
     </p:spTree>
     <p:extLst>
       <p:ext uri="{BB962C8B-B14F-4D97-AF65-F5344CB8AC3E}">
-        <p14:creationId xmlns:p14="http://schemas.microsoft.com/office/powerpoint/2010/main" val="3491970060"/>
+        <p14:creationId xmlns:p14="http://schemas.microsoft.com/office/powerpoint/2010/main" val="3534462049"/>
       </p:ext>
     </p:extLst>
   </p:cSld>
@@ -5860,12 +5989,8 @@
           <a:lstStyle/>
           <a:p>
             <a:r>
-              <a:rPr lang="it-IT" dirty="0"/>
-              <a:t>Resource </a:t>
-            </a:r>
-            <a:r>
               <a:rPr lang="it-IT" dirty="0" err="1"/>
-              <a:t>representations</a:t>
+              <a:t>Resources</a:t>
             </a:r>
             <a:endParaRPr lang="en-GB" dirty="0"/>
           </a:p>
@@ -5881,622 +6006,55 @@
             <p:ph idx="1"/>
           </p:nvPr>
         </p:nvSpPr>
-        <p:spPr/>
-        <p:txBody>
-          <a:bodyPr/>
-          <a:lstStyle/>
-          <a:p>
-            <a:r>
-              <a:rPr lang="en-US" b="1" dirty="0"/>
-              <a:t>Resource representation</a:t>
-            </a:r>
-            <a:r>
-              <a:rPr lang="en-US" dirty="0"/>
-              <a:t>: a view of the current state (or realization) of the resource at the time of the request. </a:t>
-            </a:r>
-          </a:p>
-          <a:p>
-            <a:r>
-              <a:rPr lang="en-US" dirty="0"/>
-              <a:t>In a client-server interaction, the client asks to the server a resource (by the resource identifier), and the server answers by sending the corresponding resource representation. </a:t>
-            </a:r>
-          </a:p>
-          <a:p>
-            <a:r>
-              <a:rPr lang="en-US" b="1" dirty="0"/>
-              <a:t>Note</a:t>
-            </a:r>
-            <a:r>
-              <a:rPr lang="en-US" dirty="0"/>
-              <a:t>: The representation sent to the client is not necessarily the same used to store the data in the server.  </a:t>
+        <p:spPr>
+          <a:xfrm>
+            <a:off x="428172" y="1361167"/>
+            <a:ext cx="11368314" cy="5205888"/>
+          </a:xfrm>
+        </p:spPr>
+        <p:txBody>
+          <a:bodyPr>
+            <a:normAutofit fontScale="92500" lnSpcReduction="10000"/>
+          </a:bodyPr>
+          <a:lstStyle/>
+          <a:p>
+            <a:r>
+              <a:rPr lang="en-GB" b="1" dirty="0"/>
+              <a:t>3. Content Negotiation</a:t>
+            </a:r>
+            <a:r>
+              <a:rPr lang="en-GB" dirty="0"/>
+              <a:t>: Content negotiation is the mechanism by which the server and client agree on the most suitable representation of a resource. This negotiation can be based on various factors, including the client's preferences (as expressed in request headers), the capabilities of the client (such as supported media types), and the characteristics of the resource itself. The server examines these factors and selects the most appropriate representation to include in the response.</a:t>
             </a:r>
           </a:p>
           <a:p>
             <a:endParaRPr lang="en-GB" dirty="0"/>
           </a:p>
-        </p:txBody>
-      </p:sp>
-      <p:sp>
-        <p:nvSpPr>
-          <p:cNvPr id="4" name="Rettangolo 3"/>
-          <p:cNvSpPr/>
-          <p:nvPr/>
-        </p:nvSpPr>
-        <p:spPr>
-          <a:xfrm>
-            <a:off x="1714500" y="4677276"/>
-            <a:ext cx="2225842" cy="1287379"/>
-          </a:xfrm>
-          <a:prstGeom prst="rect">
-            <a:avLst/>
-          </a:prstGeom>
-          <a:ln w="38100">
-            <a:solidFill>
-              <a:srgbClr val="00B050"/>
-            </a:solidFill>
-          </a:ln>
-        </p:spPr>
-        <p:style>
-          <a:lnRef idx="2">
-            <a:schemeClr val="accent6"/>
-          </a:lnRef>
-          <a:fillRef idx="1">
-            <a:schemeClr val="lt1"/>
-          </a:fillRef>
-          <a:effectRef idx="0">
-            <a:schemeClr val="accent6"/>
-          </a:effectRef>
-          <a:fontRef idx="minor">
-            <a:schemeClr val="dk1"/>
-          </a:fontRef>
-        </p:style>
-        <p:txBody>
-          <a:bodyPr rtlCol="0" anchor="ctr"/>
-          <a:lstStyle/>
-          <a:p>
-            <a:pPr algn="ctr"/>
-            <a:r>
-              <a:rPr lang="it-IT" sz="2800" dirty="0">
-                <a:latin typeface="Palatino Linotype" panose="02040502050505030304" pitchFamily="18" charset="0"/>
-              </a:rPr>
-              <a:t>Client</a:t>
-            </a:r>
-            <a:endParaRPr lang="en-GB" sz="2800" dirty="0">
-              <a:latin typeface="Palatino Linotype" panose="02040502050505030304" pitchFamily="18" charset="0"/>
-            </a:endParaRPr>
-          </a:p>
-        </p:txBody>
-      </p:sp>
-      <p:sp>
-        <p:nvSpPr>
-          <p:cNvPr id="5" name="Rettangolo 4"/>
-          <p:cNvSpPr/>
-          <p:nvPr/>
-        </p:nvSpPr>
-        <p:spPr>
-          <a:xfrm>
-            <a:off x="8339890" y="4265195"/>
-            <a:ext cx="2225842" cy="2111542"/>
-          </a:xfrm>
-          <a:prstGeom prst="rect">
-            <a:avLst/>
-          </a:prstGeom>
-          <a:ln w="38100">
-            <a:solidFill>
-              <a:srgbClr val="00B050"/>
-            </a:solidFill>
-          </a:ln>
-        </p:spPr>
-        <p:style>
-          <a:lnRef idx="2">
-            <a:schemeClr val="accent6"/>
-          </a:lnRef>
-          <a:fillRef idx="1">
-            <a:schemeClr val="lt1"/>
-          </a:fillRef>
-          <a:effectRef idx="0">
-            <a:schemeClr val="accent6"/>
-          </a:effectRef>
-          <a:fontRef idx="minor">
-            <a:schemeClr val="dk1"/>
-          </a:fontRef>
-        </p:style>
-        <p:txBody>
-          <a:bodyPr rtlCol="0" anchor="t"/>
-          <a:lstStyle/>
-          <a:p>
-            <a:pPr algn="ctr"/>
-            <a:r>
-              <a:rPr lang="it-IT" sz="2400" dirty="0">
-                <a:latin typeface="Palatino Linotype" panose="02040502050505030304" pitchFamily="18" charset="0"/>
-              </a:rPr>
-              <a:t>Server</a:t>
-            </a:r>
-          </a:p>
-        </p:txBody>
-      </p:sp>
-      <p:cxnSp>
-        <p:nvCxnSpPr>
-          <p:cNvPr id="7" name="Connettore 2 6"/>
-          <p:cNvCxnSpPr/>
-          <p:nvPr/>
-        </p:nvCxnSpPr>
-        <p:spPr>
-          <a:xfrm flipV="1">
-            <a:off x="4421605" y="4746458"/>
-            <a:ext cx="3410953" cy="24063"/>
-          </a:xfrm>
-          <a:prstGeom prst="straightConnector1">
-            <a:avLst/>
-          </a:prstGeom>
-          <a:ln w="28575">
-            <a:solidFill>
-              <a:schemeClr val="tx1"/>
-            </a:solidFill>
-            <a:tailEnd type="triangle"/>
-          </a:ln>
-        </p:spPr>
-        <p:style>
-          <a:lnRef idx="1">
-            <a:schemeClr val="accent1"/>
-          </a:lnRef>
-          <a:fillRef idx="0">
-            <a:schemeClr val="accent1"/>
-          </a:fillRef>
-          <a:effectRef idx="0">
-            <a:schemeClr val="accent1"/>
-          </a:effectRef>
-          <a:fontRef idx="minor">
-            <a:schemeClr val="tx1"/>
-          </a:fontRef>
-        </p:style>
-      </p:cxnSp>
-      <p:sp>
-        <p:nvSpPr>
-          <p:cNvPr id="9" name="CasellaDiTesto 8"/>
-          <p:cNvSpPr txBox="1"/>
-          <p:nvPr/>
-        </p:nvSpPr>
-        <p:spPr>
-          <a:xfrm>
-            <a:off x="5075183" y="4310555"/>
-            <a:ext cx="2358190" cy="369332"/>
-          </a:xfrm>
-          <a:prstGeom prst="rect">
-            <a:avLst/>
-          </a:prstGeom>
-          <a:noFill/>
-        </p:spPr>
-        <p:txBody>
-          <a:bodyPr wrap="square" rtlCol="0">
-            <a:spAutoFit/>
-          </a:bodyPr>
-          <a:lstStyle/>
-          <a:p>
-            <a:r>
-              <a:rPr lang="it-IT" dirty="0">
-                <a:latin typeface="Palatino Linotype" panose="02040502050505030304" pitchFamily="18" charset="0"/>
-              </a:rPr>
-              <a:t>Resource </a:t>
-            </a:r>
-            <a:r>
-              <a:rPr lang="it-IT" dirty="0" err="1">
-                <a:latin typeface="Palatino Linotype" panose="02040502050505030304" pitchFamily="18" charset="0"/>
-              </a:rPr>
-              <a:t>identifier</a:t>
-            </a:r>
-            <a:endParaRPr lang="en-GB" dirty="0">
-              <a:latin typeface="Palatino Linotype" panose="02040502050505030304" pitchFamily="18" charset="0"/>
-            </a:endParaRPr>
-          </a:p>
-        </p:txBody>
-      </p:sp>
-      <p:cxnSp>
-        <p:nvCxnSpPr>
-          <p:cNvPr id="10" name="Connettore 2 9"/>
-          <p:cNvCxnSpPr/>
-          <p:nvPr/>
-        </p:nvCxnSpPr>
-        <p:spPr>
-          <a:xfrm flipH="1">
-            <a:off x="4421605" y="5759639"/>
-            <a:ext cx="3384884" cy="0"/>
-          </a:xfrm>
-          <a:prstGeom prst="straightConnector1">
-            <a:avLst/>
-          </a:prstGeom>
-          <a:ln w="28575">
-            <a:solidFill>
-              <a:schemeClr val="tx1"/>
-            </a:solidFill>
-            <a:tailEnd type="triangle"/>
-          </a:ln>
-        </p:spPr>
-        <p:style>
-          <a:lnRef idx="1">
-            <a:schemeClr val="accent1"/>
-          </a:lnRef>
-          <a:fillRef idx="0">
-            <a:schemeClr val="accent1"/>
-          </a:fillRef>
-          <a:effectRef idx="0">
-            <a:schemeClr val="accent1"/>
-          </a:effectRef>
-          <a:fontRef idx="minor">
-            <a:schemeClr val="tx1"/>
-          </a:fontRef>
-        </p:style>
-      </p:cxnSp>
-      <p:sp>
-        <p:nvSpPr>
-          <p:cNvPr id="14" name="Ovale 13"/>
-          <p:cNvSpPr/>
-          <p:nvPr/>
-        </p:nvSpPr>
-        <p:spPr>
-          <a:xfrm>
-            <a:off x="8844214" y="4882291"/>
-            <a:ext cx="1217194" cy="877348"/>
-          </a:xfrm>
-          <a:prstGeom prst="ellipse">
-            <a:avLst/>
-          </a:prstGeom>
-          <a:solidFill>
-            <a:srgbClr val="00B050"/>
-          </a:solidFill>
-          <a:ln>
-            <a:solidFill>
-              <a:schemeClr val="tx1"/>
-            </a:solidFill>
-          </a:ln>
-        </p:spPr>
-        <p:style>
-          <a:lnRef idx="2">
-            <a:schemeClr val="accent1">
-              <a:shade val="50000"/>
-            </a:schemeClr>
-          </a:lnRef>
-          <a:fillRef idx="1">
-            <a:schemeClr val="accent1"/>
-          </a:fillRef>
-          <a:effectRef idx="0">
-            <a:schemeClr val="accent1"/>
-          </a:effectRef>
-          <a:fontRef idx="minor">
-            <a:schemeClr val="lt1"/>
-          </a:fontRef>
-        </p:style>
-        <p:txBody>
-          <a:bodyPr rtlCol="0" anchor="ctr"/>
-          <a:lstStyle/>
-          <a:p>
-            <a:pPr algn="ctr"/>
-            <a:r>
-              <a:rPr lang="it-IT" dirty="0" err="1">
-                <a:latin typeface="Palatino Linotype" panose="02040502050505030304" pitchFamily="18" charset="0"/>
-              </a:rPr>
-              <a:t>Entity</a:t>
-            </a:r>
-            <a:endParaRPr lang="en-GB" dirty="0">
-              <a:latin typeface="Palatino Linotype" panose="02040502050505030304" pitchFamily="18" charset="0"/>
-            </a:endParaRPr>
-          </a:p>
-          <a:p>
-            <a:pPr algn="ctr"/>
-            <a:endParaRPr lang="it-IT" dirty="0">
-              <a:latin typeface="Palatino Linotype" panose="02040502050505030304" pitchFamily="18" charset="0"/>
-            </a:endParaRPr>
-          </a:p>
-        </p:txBody>
-      </p:sp>
-      <p:sp>
-        <p:nvSpPr>
-          <p:cNvPr id="15" name="Rettangolo 14"/>
-          <p:cNvSpPr/>
-          <p:nvPr/>
-        </p:nvSpPr>
-        <p:spPr>
-          <a:xfrm>
-            <a:off x="8201814" y="4634527"/>
-            <a:ext cx="264695" cy="1330128"/>
-          </a:xfrm>
-          <a:prstGeom prst="rect">
-            <a:avLst/>
-          </a:prstGeom>
-        </p:spPr>
-        <p:style>
-          <a:lnRef idx="2">
-            <a:schemeClr val="dk1">
-              <a:shade val="50000"/>
-            </a:schemeClr>
-          </a:lnRef>
-          <a:fillRef idx="1">
-            <a:schemeClr val="dk1"/>
-          </a:fillRef>
-          <a:effectRef idx="0">
-            <a:schemeClr val="dk1"/>
-          </a:effectRef>
-          <a:fontRef idx="minor">
-            <a:schemeClr val="lt1"/>
-          </a:fontRef>
-        </p:style>
-        <p:txBody>
-          <a:bodyPr rtlCol="0" anchor="ctr"/>
-          <a:lstStyle/>
-          <a:p>
-            <a:pPr algn="ctr"/>
-            <a:endParaRPr lang="en-GB"/>
-          </a:p>
-        </p:txBody>
-      </p:sp>
-      <p:sp>
-        <p:nvSpPr>
-          <p:cNvPr id="16" name="Rettangolo 15"/>
-          <p:cNvSpPr/>
-          <p:nvPr/>
-        </p:nvSpPr>
-        <p:spPr>
-          <a:xfrm>
-            <a:off x="3807994" y="4806569"/>
-            <a:ext cx="264695" cy="986043"/>
-          </a:xfrm>
-          <a:prstGeom prst="rect">
-            <a:avLst/>
-          </a:prstGeom>
-        </p:spPr>
-        <p:style>
-          <a:lnRef idx="2">
-            <a:schemeClr val="dk1">
-              <a:shade val="50000"/>
-            </a:schemeClr>
-          </a:lnRef>
-          <a:fillRef idx="1">
-            <a:schemeClr val="dk1"/>
-          </a:fillRef>
-          <a:effectRef idx="0">
-            <a:schemeClr val="dk1"/>
-          </a:effectRef>
-          <a:fontRef idx="minor">
-            <a:schemeClr val="lt1"/>
-          </a:fontRef>
-        </p:style>
-        <p:txBody>
-          <a:bodyPr rtlCol="0" anchor="ctr"/>
-          <a:lstStyle/>
-          <a:p>
-            <a:pPr algn="ctr"/>
-            <a:endParaRPr lang="en-GB"/>
-          </a:p>
-        </p:txBody>
-      </p:sp>
-      <p:cxnSp>
-        <p:nvCxnSpPr>
-          <p:cNvPr id="19" name="Connettore 2 18"/>
-          <p:cNvCxnSpPr/>
-          <p:nvPr/>
-        </p:nvCxnSpPr>
-        <p:spPr>
-          <a:xfrm>
-            <a:off x="8515784" y="4770521"/>
-            <a:ext cx="475247" cy="186489"/>
-          </a:xfrm>
-          <a:prstGeom prst="straightConnector1">
-            <a:avLst/>
-          </a:prstGeom>
-          <a:ln w="28575">
-            <a:solidFill>
-              <a:schemeClr val="tx1"/>
-            </a:solidFill>
-            <a:prstDash val="sysDash"/>
-            <a:tailEnd type="triangle"/>
-          </a:ln>
-        </p:spPr>
-        <p:style>
-          <a:lnRef idx="1">
-            <a:schemeClr val="accent1"/>
-          </a:lnRef>
-          <a:fillRef idx="0">
-            <a:schemeClr val="accent1"/>
-          </a:fillRef>
-          <a:effectRef idx="0">
-            <a:schemeClr val="accent1"/>
-          </a:effectRef>
-          <a:fontRef idx="minor">
-            <a:schemeClr val="tx1"/>
-          </a:fontRef>
-        </p:style>
-      </p:cxnSp>
-      <p:cxnSp>
-        <p:nvCxnSpPr>
-          <p:cNvPr id="20" name="Connettore 2 19"/>
-          <p:cNvCxnSpPr/>
-          <p:nvPr/>
-        </p:nvCxnSpPr>
-        <p:spPr>
-          <a:xfrm flipH="1">
-            <a:off x="8515784" y="5618747"/>
-            <a:ext cx="423679" cy="232001"/>
-          </a:xfrm>
-          <a:prstGeom prst="straightConnector1">
-            <a:avLst/>
-          </a:prstGeom>
-          <a:ln w="28575">
-            <a:solidFill>
-              <a:schemeClr val="tx1"/>
-            </a:solidFill>
-            <a:prstDash val="sysDash"/>
-            <a:tailEnd type="triangle"/>
-          </a:ln>
-        </p:spPr>
-        <p:style>
-          <a:lnRef idx="1">
-            <a:schemeClr val="accent1"/>
-          </a:lnRef>
-          <a:fillRef idx="0">
-            <a:schemeClr val="accent1"/>
-          </a:fillRef>
-          <a:effectRef idx="0">
-            <a:schemeClr val="accent1"/>
-          </a:effectRef>
-          <a:fontRef idx="minor">
-            <a:schemeClr val="tx1"/>
-          </a:fontRef>
-        </p:style>
-      </p:cxnSp>
-      <p:sp>
-        <p:nvSpPr>
-          <p:cNvPr id="24" name="CasellaDiTesto 23"/>
-          <p:cNvSpPr txBox="1"/>
-          <p:nvPr/>
-        </p:nvSpPr>
-        <p:spPr>
-          <a:xfrm>
-            <a:off x="8835765" y="5269287"/>
-            <a:ext cx="1553076" cy="307777"/>
-          </a:xfrm>
-          <a:prstGeom prst="rect">
-            <a:avLst/>
-          </a:prstGeom>
-          <a:noFill/>
-        </p:spPr>
-        <p:txBody>
-          <a:bodyPr wrap="square" rtlCol="0">
-            <a:spAutoFit/>
-          </a:bodyPr>
-          <a:lstStyle/>
-          <a:p>
-            <a:r>
-              <a:rPr lang="it-IT" sz="1400" dirty="0">
-                <a:solidFill>
-                  <a:schemeClr val="bg1"/>
-                </a:solidFill>
-                <a:latin typeface="Palatino Linotype" panose="02040502050505030304" pitchFamily="18" charset="0"/>
-              </a:rPr>
-              <a:t>(</a:t>
-            </a:r>
-            <a:r>
-              <a:rPr lang="it-IT" sz="1400" dirty="0" err="1">
-                <a:solidFill>
-                  <a:schemeClr val="bg1"/>
-                </a:solidFill>
-                <a:latin typeface="Palatino Linotype" panose="02040502050505030304" pitchFamily="18" charset="0"/>
-              </a:rPr>
-              <a:t>raw</a:t>
-            </a:r>
-            <a:r>
-              <a:rPr lang="it-IT" sz="1400" dirty="0">
-                <a:solidFill>
-                  <a:schemeClr val="bg1"/>
-                </a:solidFill>
-                <a:latin typeface="Palatino Linotype" panose="02040502050505030304" pitchFamily="18" charset="0"/>
-              </a:rPr>
-              <a:t> format)</a:t>
-            </a:r>
-            <a:endParaRPr lang="en-GB" sz="1400" dirty="0">
-              <a:solidFill>
-                <a:schemeClr val="bg1"/>
-              </a:solidFill>
-              <a:latin typeface="Palatino Linotype" panose="02040502050505030304" pitchFamily="18" charset="0"/>
-            </a:endParaRPr>
-          </a:p>
-        </p:txBody>
-      </p:sp>
-      <p:sp>
-        <p:nvSpPr>
-          <p:cNvPr id="25" name="Pentagono regolare 24"/>
-          <p:cNvSpPr/>
-          <p:nvPr/>
-        </p:nvSpPr>
-        <p:spPr>
-          <a:xfrm>
-            <a:off x="5075184" y="5047540"/>
-            <a:ext cx="1957564" cy="876830"/>
-          </a:xfrm>
-          <a:prstGeom prst="pentagon">
-            <a:avLst/>
-          </a:prstGeom>
-          <a:solidFill>
-            <a:srgbClr val="00B050"/>
-          </a:solidFill>
-        </p:spPr>
-        <p:style>
-          <a:lnRef idx="2">
-            <a:schemeClr val="accent1">
-              <a:shade val="50000"/>
-            </a:schemeClr>
-          </a:lnRef>
-          <a:fillRef idx="1">
-            <a:schemeClr val="accent1"/>
-          </a:fillRef>
-          <a:effectRef idx="0">
-            <a:schemeClr val="accent1"/>
-          </a:effectRef>
-          <a:fontRef idx="minor">
-            <a:schemeClr val="lt1"/>
-          </a:fontRef>
-        </p:style>
-        <p:txBody>
-          <a:bodyPr rtlCol="0" anchor="ctr"/>
-          <a:lstStyle/>
-          <a:p>
-            <a:pPr algn="ctr"/>
-            <a:endParaRPr lang="en-GB"/>
-          </a:p>
-        </p:txBody>
-      </p:sp>
-      <p:sp>
-        <p:nvSpPr>
-          <p:cNvPr id="13" name="CasellaDiTesto 12"/>
-          <p:cNvSpPr txBox="1"/>
-          <p:nvPr/>
-        </p:nvSpPr>
-        <p:spPr>
-          <a:xfrm>
-            <a:off x="5075183" y="5180682"/>
-            <a:ext cx="1949116" cy="646331"/>
-          </a:xfrm>
-          <a:prstGeom prst="rect">
-            <a:avLst/>
-          </a:prstGeom>
-          <a:noFill/>
-        </p:spPr>
-        <p:txBody>
-          <a:bodyPr wrap="square" rtlCol="0">
-            <a:spAutoFit/>
-          </a:bodyPr>
-          <a:lstStyle/>
-          <a:p>
-            <a:pPr algn="ctr"/>
-            <a:r>
-              <a:rPr lang="it-IT" dirty="0">
-                <a:solidFill>
-                  <a:schemeClr val="bg1"/>
-                </a:solidFill>
-                <a:latin typeface="Palatino Linotype" panose="02040502050505030304" pitchFamily="18" charset="0"/>
-              </a:rPr>
-              <a:t>Resource </a:t>
-            </a:r>
-            <a:r>
-              <a:rPr lang="it-IT" dirty="0" err="1">
-                <a:solidFill>
-                  <a:schemeClr val="bg1"/>
-                </a:solidFill>
-                <a:latin typeface="Palatino Linotype" panose="02040502050505030304" pitchFamily="18" charset="0"/>
-              </a:rPr>
-              <a:t>representation</a:t>
-            </a:r>
-            <a:endParaRPr lang="en-GB" dirty="0">
-              <a:solidFill>
-                <a:schemeClr val="bg1"/>
-              </a:solidFill>
-              <a:latin typeface="Palatino Linotype" panose="02040502050505030304" pitchFamily="18" charset="0"/>
-            </a:endParaRPr>
-          </a:p>
-        </p:txBody>
-      </p:sp>
-      <p:sp>
-        <p:nvSpPr>
-          <p:cNvPr id="6" name="Segnaposto numero diapositiva 5"/>
+          <a:p>
+            <a:r>
+              <a:rPr lang="en-GB" b="1" dirty="0"/>
+              <a:t>4. Flexibility and Interoperability</a:t>
+            </a:r>
+            <a:r>
+              <a:rPr lang="en-GB" dirty="0"/>
+              <a:t>: By allowing content negotiation to take place based on the characteristics of the request, RESTful systems become more flexible and interoperable. Clients and servers can communicate effectively even if they have different preferences or capabilities. </a:t>
+            </a:r>
+          </a:p>
+          <a:p>
+            <a:endParaRPr lang="en-GB" dirty="0"/>
+          </a:p>
+          <a:p>
+            <a:r>
+              <a:rPr lang="en-GB" dirty="0"/>
+              <a:t>In summary, the abstract definition of resources in REST enables content negotiation by allowing specific representations to be late-bound to resources. This flexibility promotes interoperability and enhances the adaptability of RESTful systems to diverse client requirements.</a:t>
+            </a:r>
+            <a:endParaRPr lang="en-GB" sz="2400" dirty="0"/>
+          </a:p>
+        </p:txBody>
+      </p:sp>
+      <p:sp>
+        <p:nvSpPr>
+          <p:cNvPr id="4" name="Segnaposto numero diapositiva 3"/>
           <p:cNvSpPr>
             <a:spLocks noGrp="1"/>
           </p:cNvSpPr>
@@ -6517,10 +6075,61 @@
           </a:p>
         </p:txBody>
       </p:sp>
+      <p:sp>
+        <p:nvSpPr>
+          <p:cNvPr id="5" name="Rectangle 4">
+            <a:extLst>
+              <a:ext uri="{FF2B5EF4-FFF2-40B4-BE49-F238E27FC236}">
+                <a16:creationId xmlns:a16="http://schemas.microsoft.com/office/drawing/2014/main" id="{80507BD1-B8BD-6354-A921-43CD96DF8644}"/>
+              </a:ext>
+            </a:extLst>
+          </p:cNvPr>
+          <p:cNvSpPr/>
+          <p:nvPr/>
+        </p:nvSpPr>
+        <p:spPr>
+          <a:xfrm>
+            <a:off x="8894618" y="259773"/>
+            <a:ext cx="2587337" cy="561109"/>
+          </a:xfrm>
+          <a:prstGeom prst="rect">
+            <a:avLst/>
+          </a:prstGeom>
+        </p:spPr>
+        <p:style>
+          <a:lnRef idx="2">
+            <a:schemeClr val="accent4">
+              <a:shade val="15000"/>
+            </a:schemeClr>
+          </a:lnRef>
+          <a:fillRef idx="1">
+            <a:schemeClr val="accent4"/>
+          </a:fillRef>
+          <a:effectRef idx="0">
+            <a:schemeClr val="accent4"/>
+          </a:effectRef>
+          <a:fontRef idx="minor">
+            <a:schemeClr val="lt1"/>
+          </a:fontRef>
+        </p:style>
+        <p:txBody>
+          <a:bodyPr rtlCol="0" anchor="ctr"/>
+          <a:lstStyle/>
+          <a:p>
+            <a:pPr algn="ctr"/>
+            <a:r>
+              <a:rPr lang="en-US" sz="2400" b="1" dirty="0">
+                <a:latin typeface="Palatino Linotype" panose="02040502050505030304" pitchFamily="18" charset="0"/>
+              </a:rPr>
+              <a:t>NEW SLIDE</a:t>
+            </a:r>
+          </a:p>
+        </p:txBody>
+      </p:sp>
     </p:spTree>
     <p:extLst>
       <p:ext uri="{BB962C8B-B14F-4D97-AF65-F5344CB8AC3E}">
-        <p14:creationId xmlns:p14="http://schemas.microsoft.com/office/powerpoint/2010/main" val="194815998"/>
+        <p14:creationId xmlns:p14="http://schemas.microsoft.com/office/powerpoint/2010/main" val="3285413167"/>
       </p:ext>
     </p:extLst>
   </p:cSld>
@@ -6752,16 +6361,12 @@
           <a:lstStyle/>
           <a:p>
             <a:r>
+              <a:rPr lang="it-IT" dirty="0"/>
+              <a:t>Resource </a:t>
+            </a:r>
+            <a:r>
               <a:rPr lang="it-IT" dirty="0" err="1"/>
-              <a:t>Representations</a:t>
-            </a:r>
-            <a:r>
-              <a:rPr lang="it-IT" dirty="0"/>
-              <a:t>: </a:t>
-            </a:r>
-            <a:r>
-              <a:rPr lang="it-IT" dirty="0" err="1"/>
-              <a:t>example</a:t>
+              <a:t>representations</a:t>
             </a:r>
             <a:endParaRPr lang="en-GB" dirty="0"/>
           </a:p>
@@ -6769,27 +6374,77 @@
       </p:sp>
       <p:sp>
         <p:nvSpPr>
-          <p:cNvPr id="4" name="Ovale 3"/>
+          <p:cNvPr id="3" name="Segnaposto contenuto 2"/>
+          <p:cNvSpPr>
+            <a:spLocks noGrp="1"/>
+          </p:cNvSpPr>
+          <p:nvPr>
+            <p:ph idx="1"/>
+          </p:nvPr>
+        </p:nvSpPr>
+        <p:spPr/>
+        <p:txBody>
+          <a:bodyPr/>
+          <a:lstStyle/>
+          <a:p>
+            <a:r>
+              <a:rPr lang="en-US" b="1" dirty="0"/>
+              <a:t>Resource representation</a:t>
+            </a:r>
+            <a:r>
+              <a:rPr lang="en-US" dirty="0"/>
+              <a:t>: a view of the current state (or realization) of the resource at the time of the request. </a:t>
+            </a:r>
+          </a:p>
+          <a:p>
+            <a:r>
+              <a:rPr lang="en-US" dirty="0"/>
+              <a:t>In a client-server interaction, the client asks to the server a resource (by the resource identifier), and the server answers by sending the corresponding resource representation. </a:t>
+            </a:r>
+          </a:p>
+          <a:p>
+            <a:r>
+              <a:rPr lang="en-US" b="1" dirty="0"/>
+              <a:t>Note</a:t>
+            </a:r>
+            <a:r>
+              <a:rPr lang="en-US" dirty="0"/>
+              <a:t>: The representation sent to the client is not necessarily the same used to store the data in the server.  </a:t>
+            </a:r>
+          </a:p>
+          <a:p>
+            <a:endParaRPr lang="en-GB" dirty="0"/>
+          </a:p>
+        </p:txBody>
+      </p:sp>
+      <p:sp>
+        <p:nvSpPr>
+          <p:cNvPr id="4" name="Rettangolo 3"/>
           <p:cNvSpPr/>
           <p:nvPr/>
         </p:nvSpPr>
         <p:spPr>
           <a:xfrm>
-            <a:off x="428172" y="3164307"/>
-            <a:ext cx="1800000" cy="1800000"/>
-          </a:xfrm>
-          <a:prstGeom prst="ellipse">
-            <a:avLst/>
-          </a:prstGeom>
+            <a:off x="1714500" y="4677276"/>
+            <a:ext cx="2225842" cy="1287379"/>
+          </a:xfrm>
+          <a:prstGeom prst="rect">
+            <a:avLst/>
+          </a:prstGeom>
+          <a:ln w="38100">
+            <a:solidFill>
+              <a:srgbClr val="00B050"/>
+            </a:solidFill>
+          </a:ln>
         </p:spPr>
         <p:style>
-          <a:lnRef idx="1">
+          <a:lnRef idx="2">
             <a:schemeClr val="accent6"/>
           </a:lnRef>
-          <a:fillRef idx="2">
-            <a:schemeClr val="accent6"/>
+          <a:fillRef idx="1">
+            <a:schemeClr val="lt1"/>
           </a:fillRef>
-          <a:effectRef idx="1">
+          <a:effectRef idx="0">
             <a:schemeClr val="accent6"/>
           </a:effectRef>
           <a:fontRef idx="minor">
@@ -6801,51 +6456,13 @@
           <a:lstStyle/>
           <a:p>
             <a:pPr algn="ctr"/>
-            <a:endParaRPr lang="en-GB"/>
-          </a:p>
-        </p:txBody>
-      </p:sp>
-      <p:sp>
-        <p:nvSpPr>
-          <p:cNvPr id="5" name="CasellaDiTesto 4"/>
-          <p:cNvSpPr txBox="1"/>
-          <p:nvPr/>
-        </p:nvSpPr>
-        <p:spPr>
-          <a:xfrm>
-            <a:off x="220215" y="2524154"/>
-            <a:ext cx="2358190" cy="461665"/>
-          </a:xfrm>
-          <a:prstGeom prst="rect">
-            <a:avLst/>
-          </a:prstGeom>
-          <a:noFill/>
-        </p:spPr>
-        <p:txBody>
-          <a:bodyPr wrap="square" rtlCol="0">
-            <a:spAutoFit/>
-          </a:bodyPr>
-          <a:lstStyle/>
-          <a:p>
-            <a:r>
-              <a:rPr lang="it-IT" sz="2400" b="1" dirty="0">
-                <a:latin typeface="Palatino Linotype" panose="02040502050505030304" pitchFamily="18" charset="0"/>
-              </a:rPr>
-              <a:t>Resource</a:t>
-            </a:r>
-            <a:r>
-              <a:rPr lang="it-IT" sz="2400" dirty="0">
-                <a:latin typeface="Palatino Linotype" panose="02040502050505030304" pitchFamily="18" charset="0"/>
-              </a:rPr>
-              <a:t>: </a:t>
-            </a:r>
-            <a:r>
-              <a:rPr lang="it-IT" sz="2400" dirty="0" err="1">
-                <a:latin typeface="Palatino Linotype" panose="02040502050505030304" pitchFamily="18" charset="0"/>
-              </a:rPr>
-              <a:t>circle</a:t>
-            </a:r>
-            <a:endParaRPr lang="en-GB" sz="2400" dirty="0">
+            <a:r>
+              <a:rPr lang="it-IT" sz="2800" dirty="0">
+                <a:latin typeface="Palatino Linotype" panose="02040502050505030304" pitchFamily="18" charset="0"/>
+              </a:rPr>
+              <a:t>Client</a:t>
+            </a:r>
+            <a:endParaRPr lang="en-GB" sz="2800" dirty="0">
               <a:latin typeface="Palatino Linotype" panose="02040502050505030304" pitchFamily="18" charset="0"/>
             </a:endParaRPr>
           </a:p>
@@ -6853,173 +6470,88 @@
       </p:sp>
       <p:sp>
         <p:nvSpPr>
-          <p:cNvPr id="7" name="CasellaDiTesto 6"/>
-          <p:cNvSpPr txBox="1"/>
-          <p:nvPr/>
-        </p:nvSpPr>
-        <p:spPr>
-          <a:xfrm>
-            <a:off x="6671510" y="1441200"/>
-            <a:ext cx="5077325" cy="1015663"/>
-          </a:xfrm>
-          <a:prstGeom prst="rect">
-            <a:avLst/>
-          </a:prstGeom>
-          <a:noFill/>
-        </p:spPr>
-        <p:txBody>
-          <a:bodyPr wrap="square" rtlCol="0">
-            <a:spAutoFit/>
-          </a:bodyPr>
-          <a:lstStyle/>
-          <a:p>
-            <a:pPr algn="ctr"/>
-            <a:r>
-              <a:rPr lang="it-IT" sz="2000" b="1" dirty="0" err="1">
-                <a:latin typeface="Palatino Linotype" panose="02040502050505030304" pitchFamily="18" charset="0"/>
-              </a:rPr>
-              <a:t>Representation</a:t>
-            </a:r>
-            <a:r>
-              <a:rPr lang="it-IT" sz="2000" b="1" dirty="0">
-                <a:latin typeface="Palatino Linotype" panose="02040502050505030304" pitchFamily="18" charset="0"/>
-              </a:rPr>
-              <a:t> 1:</a:t>
-            </a:r>
-            <a:r>
-              <a:rPr lang="it-IT" sz="2000" dirty="0">
-                <a:latin typeface="Palatino Linotype" panose="02040502050505030304" pitchFamily="18" charset="0"/>
-              </a:rPr>
-              <a:t> </a:t>
-            </a:r>
-            <a:r>
-              <a:rPr lang="it-IT" sz="2000" dirty="0" err="1">
-                <a:latin typeface="Palatino Linotype" panose="02040502050505030304" pitchFamily="18" charset="0"/>
-              </a:rPr>
-              <a:t>one</a:t>
-            </a:r>
-            <a:r>
-              <a:rPr lang="it-IT" sz="2000" dirty="0">
-                <a:latin typeface="Palatino Linotype" panose="02040502050505030304" pitchFamily="18" charset="0"/>
-              </a:rPr>
-              <a:t> </a:t>
-            </a:r>
-            <a:r>
-              <a:rPr lang="it-IT" sz="2000" dirty="0" err="1">
-                <a:latin typeface="Palatino Linotype" panose="02040502050505030304" pitchFamily="18" charset="0"/>
-              </a:rPr>
-              <a:t>point</a:t>
-            </a:r>
-            <a:r>
-              <a:rPr lang="it-IT" sz="2000" dirty="0">
-                <a:latin typeface="Palatino Linotype" panose="02040502050505030304" pitchFamily="18" charset="0"/>
-              </a:rPr>
-              <a:t> for the </a:t>
-            </a:r>
-            <a:r>
-              <a:rPr lang="it-IT" sz="2000" dirty="0" err="1">
-                <a:latin typeface="Palatino Linotype" panose="02040502050505030304" pitchFamily="18" charset="0"/>
-              </a:rPr>
-              <a:t>circle</a:t>
-            </a:r>
-            <a:r>
-              <a:rPr lang="it-IT" sz="2000" dirty="0">
-                <a:latin typeface="Palatino Linotype" panose="02040502050505030304" pitchFamily="18" charset="0"/>
-              </a:rPr>
-              <a:t> center and </a:t>
-            </a:r>
-            <a:r>
-              <a:rPr lang="it-IT" sz="2000" dirty="0" err="1">
-                <a:latin typeface="Palatino Linotype" panose="02040502050505030304" pitchFamily="18" charset="0"/>
-              </a:rPr>
-              <a:t>one</a:t>
-            </a:r>
-            <a:r>
-              <a:rPr lang="it-IT" sz="2000" dirty="0">
-                <a:latin typeface="Palatino Linotype" panose="02040502050505030304" pitchFamily="18" charset="0"/>
-              </a:rPr>
-              <a:t> </a:t>
-            </a:r>
-            <a:r>
-              <a:rPr lang="it-IT" sz="2000" dirty="0" err="1">
-                <a:latin typeface="Palatino Linotype" panose="02040502050505030304" pitchFamily="18" charset="0"/>
-              </a:rPr>
-              <a:t>vector</a:t>
-            </a:r>
-            <a:r>
-              <a:rPr lang="it-IT" sz="2000" dirty="0">
-                <a:latin typeface="Palatino Linotype" panose="02040502050505030304" pitchFamily="18" charset="0"/>
-              </a:rPr>
-              <a:t> for the </a:t>
-            </a:r>
-            <a:r>
-              <a:rPr lang="it-IT" sz="2000" dirty="0" err="1">
-                <a:latin typeface="Palatino Linotype" panose="02040502050505030304" pitchFamily="18" charset="0"/>
-              </a:rPr>
-              <a:t>circle</a:t>
-            </a:r>
-            <a:r>
-              <a:rPr lang="it-IT" sz="2000" dirty="0">
-                <a:latin typeface="Palatino Linotype" panose="02040502050505030304" pitchFamily="18" charset="0"/>
-              </a:rPr>
-              <a:t> </a:t>
-            </a:r>
-            <a:r>
-              <a:rPr lang="it-IT" sz="2000" dirty="0" err="1">
-                <a:latin typeface="Palatino Linotype" panose="02040502050505030304" pitchFamily="18" charset="0"/>
-              </a:rPr>
-              <a:t>radius</a:t>
-            </a:r>
-            <a:r>
-              <a:rPr lang="it-IT" sz="2000" dirty="0">
-                <a:latin typeface="Palatino Linotype" panose="02040502050505030304" pitchFamily="18" charset="0"/>
-              </a:rPr>
-              <a:t> in SVG format</a:t>
-            </a:r>
-            <a:endParaRPr lang="en-GB" sz="2000" dirty="0">
-              <a:latin typeface="Palatino Linotype" panose="02040502050505030304" pitchFamily="18" charset="0"/>
-            </a:endParaRPr>
-          </a:p>
-        </p:txBody>
-      </p:sp>
-      <p:sp>
-        <p:nvSpPr>
-          <p:cNvPr id="8" name="Ovale 7"/>
+          <p:cNvPr id="5" name="Rettangolo 4"/>
           <p:cNvSpPr/>
           <p:nvPr/>
         </p:nvSpPr>
         <p:spPr>
           <a:xfrm>
-            <a:off x="3989763" y="3434307"/>
-            <a:ext cx="1260000" cy="1260000"/>
-          </a:xfrm>
-          <a:prstGeom prst="ellipse">
-            <a:avLst/>
-          </a:prstGeom>
+            <a:off x="8339890" y="4265195"/>
+            <a:ext cx="2225842" cy="2111542"/>
+          </a:xfrm>
+          <a:prstGeom prst="rect">
+            <a:avLst/>
+          </a:prstGeom>
+          <a:ln w="38100">
+            <a:solidFill>
+              <a:srgbClr val="00B050"/>
+            </a:solidFill>
+          </a:ln>
         </p:spPr>
         <p:style>
-          <a:lnRef idx="1">
-            <a:schemeClr val="accent4"/>
+          <a:lnRef idx="2">
+            <a:schemeClr val="accent6"/>
           </a:lnRef>
-          <a:fillRef idx="2">
-            <a:schemeClr val="accent4"/>
+          <a:fillRef idx="1">
+            <a:schemeClr val="lt1"/>
           </a:fillRef>
-          <a:effectRef idx="1">
-            <a:schemeClr val="accent4"/>
+          <a:effectRef idx="0">
+            <a:schemeClr val="accent6"/>
           </a:effectRef>
           <a:fontRef idx="minor">
             <a:schemeClr val="dk1"/>
           </a:fontRef>
         </p:style>
         <p:txBody>
-          <a:bodyPr rtlCol="0" anchor="ctr"/>
+          <a:bodyPr rtlCol="0" anchor="t"/>
           <a:lstStyle/>
           <a:p>
             <a:pPr algn="ctr"/>
-            <a:endParaRPr lang="en-GB"/>
-          </a:p>
-        </p:txBody>
-      </p:sp>
+            <a:r>
+              <a:rPr lang="it-IT" sz="2400" dirty="0">
+                <a:latin typeface="Palatino Linotype" panose="02040502050505030304" pitchFamily="18" charset="0"/>
+              </a:rPr>
+              <a:t>Server</a:t>
+            </a:r>
+          </a:p>
+        </p:txBody>
+      </p:sp>
+      <p:cxnSp>
+        <p:nvCxnSpPr>
+          <p:cNvPr id="7" name="Connettore 2 6"/>
+          <p:cNvCxnSpPr/>
+          <p:nvPr/>
+        </p:nvCxnSpPr>
+        <p:spPr>
+          <a:xfrm flipV="1">
+            <a:off x="4421605" y="4746458"/>
+            <a:ext cx="3410953" cy="24063"/>
+          </a:xfrm>
+          <a:prstGeom prst="straightConnector1">
+            <a:avLst/>
+          </a:prstGeom>
+          <a:ln w="28575">
+            <a:solidFill>
+              <a:schemeClr val="tx1"/>
+            </a:solidFill>
+            <a:tailEnd type="triangle"/>
+          </a:ln>
+        </p:spPr>
+        <p:style>
+          <a:lnRef idx="1">
+            <a:schemeClr val="accent1"/>
+          </a:lnRef>
+          <a:fillRef idx="0">
+            <a:schemeClr val="accent1"/>
+          </a:fillRef>
+          <a:effectRef idx="0">
+            <a:schemeClr val="accent1"/>
+          </a:effectRef>
+          <a:fontRef idx="minor">
+            <a:schemeClr val="tx1"/>
+          </a:fontRef>
+        </p:style>
+      </p:cxnSp>
       <p:sp>
         <p:nvSpPr>
           <p:cNvPr id="9" name="CasellaDiTesto 8"/>
@@ -7028,8 +6560,8 @@
         </p:nvSpPr>
         <p:spPr>
           <a:xfrm>
-            <a:off x="3377684" y="2524154"/>
-            <a:ext cx="2358190" cy="830997"/>
+            <a:off x="5075183" y="4310555"/>
+            <a:ext cx="2358190" cy="369332"/>
           </a:xfrm>
           <a:prstGeom prst="rect">
             <a:avLst/>
@@ -7042,139 +6574,80 @@
           </a:bodyPr>
           <a:lstStyle/>
           <a:p>
-            <a:pPr algn="ctr"/>
-            <a:r>
-              <a:rPr lang="it-IT" sz="2400" b="1" dirty="0" err="1">
-                <a:latin typeface="Palatino Linotype" panose="02040502050505030304" pitchFamily="18" charset="0"/>
-              </a:rPr>
-              <a:t>Entity</a:t>
-            </a:r>
-            <a:r>
-              <a:rPr lang="it-IT" sz="2400" dirty="0">
-                <a:latin typeface="Palatino Linotype" panose="02040502050505030304" pitchFamily="18" charset="0"/>
-              </a:rPr>
-              <a:t>: a </a:t>
-            </a:r>
-            <a:r>
-              <a:rPr lang="it-IT" sz="2400" dirty="0" err="1">
-                <a:latin typeface="Palatino Linotype" panose="02040502050505030304" pitchFamily="18" charset="0"/>
-              </a:rPr>
-              <a:t>circle</a:t>
-            </a:r>
-            <a:r>
-              <a:rPr lang="it-IT" sz="2400" dirty="0">
-                <a:latin typeface="Palatino Linotype" panose="02040502050505030304" pitchFamily="18" charset="0"/>
-              </a:rPr>
-              <a:t> </a:t>
-            </a:r>
-            <a:r>
-              <a:rPr lang="it-IT" sz="2400" dirty="0" err="1">
-                <a:latin typeface="Palatino Linotype" panose="02040502050505030304" pitchFamily="18" charset="0"/>
-              </a:rPr>
-              <a:t>realization</a:t>
-            </a:r>
-            <a:endParaRPr lang="en-GB" sz="2400" dirty="0">
+            <a:r>
+              <a:rPr lang="it-IT" dirty="0">
+                <a:latin typeface="Palatino Linotype" panose="02040502050505030304" pitchFamily="18" charset="0"/>
+              </a:rPr>
+              <a:t>Resource </a:t>
+            </a:r>
+            <a:r>
+              <a:rPr lang="it-IT" dirty="0" err="1">
+                <a:latin typeface="Palatino Linotype" panose="02040502050505030304" pitchFamily="18" charset="0"/>
+              </a:rPr>
+              <a:t>identifier</a:t>
+            </a:r>
+            <a:endParaRPr lang="en-GB" dirty="0">
               <a:latin typeface="Palatino Linotype" panose="02040502050505030304" pitchFamily="18" charset="0"/>
             </a:endParaRPr>
           </a:p>
         </p:txBody>
       </p:sp>
-      <p:sp>
-        <p:nvSpPr>
-          <p:cNvPr id="10" name="Ovale 9"/>
+      <p:cxnSp>
+        <p:nvCxnSpPr>
+          <p:cNvPr id="10" name="Connettore 2 9"/>
+          <p:cNvCxnSpPr/>
+          <p:nvPr/>
+        </p:nvCxnSpPr>
+        <p:spPr>
+          <a:xfrm flipH="1">
+            <a:off x="4421605" y="5759639"/>
+            <a:ext cx="3384884" cy="0"/>
+          </a:xfrm>
+          <a:prstGeom prst="straightConnector1">
+            <a:avLst/>
+          </a:prstGeom>
+          <a:ln w="28575">
+            <a:solidFill>
+              <a:schemeClr val="tx1"/>
+            </a:solidFill>
+            <a:tailEnd type="triangle"/>
+          </a:ln>
+        </p:spPr>
+        <p:style>
+          <a:lnRef idx="1">
+            <a:schemeClr val="accent1"/>
+          </a:lnRef>
+          <a:fillRef idx="0">
+            <a:schemeClr val="accent1"/>
+          </a:fillRef>
+          <a:effectRef idx="0">
+            <a:schemeClr val="accent1"/>
+          </a:effectRef>
+          <a:fontRef idx="minor">
+            <a:schemeClr val="tx1"/>
+          </a:fontRef>
+        </p:style>
+      </p:cxnSp>
+      <p:sp>
+        <p:nvSpPr>
+          <p:cNvPr id="14" name="Ovale 13"/>
           <p:cNvSpPr/>
           <p:nvPr/>
         </p:nvSpPr>
         <p:spPr>
           <a:xfrm>
-            <a:off x="8547038" y="2510291"/>
-            <a:ext cx="1260000" cy="1260000"/>
+            <a:off x="8844214" y="4882291"/>
+            <a:ext cx="1217194" cy="877348"/>
           </a:xfrm>
           <a:prstGeom prst="ellipse">
             <a:avLst/>
           </a:prstGeom>
-        </p:spPr>
-        <p:style>
-          <a:lnRef idx="1">
-            <a:schemeClr val="accent4"/>
-          </a:lnRef>
-          <a:fillRef idx="2">
-            <a:schemeClr val="accent4"/>
-          </a:fillRef>
-          <a:effectRef idx="1">
-            <a:schemeClr val="accent4"/>
-          </a:effectRef>
-          <a:fontRef idx="minor">
-            <a:schemeClr val="dk1"/>
-          </a:fontRef>
-        </p:style>
-        <p:txBody>
-          <a:bodyPr rtlCol="0" anchor="ctr"/>
-          <a:lstStyle/>
-          <a:p>
-            <a:pPr algn="ctr"/>
-            <a:endParaRPr lang="en-GB"/>
-          </a:p>
-        </p:txBody>
-      </p:sp>
-      <p:sp>
-        <p:nvSpPr>
-          <p:cNvPr id="11" name="Ovale 10"/>
-          <p:cNvSpPr/>
-          <p:nvPr/>
-        </p:nvSpPr>
-        <p:spPr>
-          <a:xfrm>
-            <a:off x="8504927" y="4979805"/>
-            <a:ext cx="1260000" cy="1260000"/>
-          </a:xfrm>
-          <a:prstGeom prst="ellipse">
-            <a:avLst/>
-          </a:prstGeom>
-        </p:spPr>
-        <p:style>
-          <a:lnRef idx="1">
-            <a:schemeClr val="accent4"/>
-          </a:lnRef>
-          <a:fillRef idx="2">
-            <a:schemeClr val="accent4"/>
-          </a:fillRef>
-          <a:effectRef idx="1">
-            <a:schemeClr val="accent4"/>
-          </a:effectRef>
-          <a:fontRef idx="minor">
-            <a:schemeClr val="dk1"/>
-          </a:fontRef>
-        </p:style>
-        <p:txBody>
-          <a:bodyPr rtlCol="0" anchor="ctr"/>
-          <a:lstStyle/>
-          <a:p>
-            <a:pPr algn="ctr"/>
-            <a:endParaRPr lang="en-GB"/>
-          </a:p>
-        </p:txBody>
-      </p:sp>
-      <p:sp>
-        <p:nvSpPr>
-          <p:cNvPr id="12" name="Ovale 11"/>
-          <p:cNvSpPr/>
-          <p:nvPr/>
-        </p:nvSpPr>
-        <p:spPr>
-          <a:xfrm>
-            <a:off x="9141038" y="3104291"/>
-            <a:ext cx="72000" cy="72000"/>
-          </a:xfrm>
-          <a:prstGeom prst="ellipse">
-            <a:avLst/>
-          </a:prstGeom>
           <a:solidFill>
-            <a:srgbClr val="C00000"/>
+            <a:srgbClr val="00B050"/>
           </a:solidFill>
           <a:ln>
             <a:solidFill>
-              <a:srgbClr val="C00000"/>
+              <a:schemeClr val="tx1"/>
             </a:solidFill>
           </a:ln>
         </p:spPr>
@@ -7199,83 +6672,50 @@
           <a:lstStyle/>
           <a:p>
             <a:pPr algn="ctr"/>
-            <a:endParaRPr lang="en-GB"/>
-          </a:p>
-        </p:txBody>
-      </p:sp>
-      <p:cxnSp>
-        <p:nvCxnSpPr>
-          <p:cNvPr id="14" name="Connettore diritto 13"/>
-          <p:cNvCxnSpPr>
-            <a:stCxn id="12" idx="7"/>
-            <a:endCxn id="10" idx="7"/>
-          </p:cNvCxnSpPr>
-          <p:nvPr/>
-        </p:nvCxnSpPr>
-        <p:spPr>
-          <a:xfrm flipV="1">
-            <a:off x="9202494" y="2694814"/>
-            <a:ext cx="420021" cy="420021"/>
-          </a:xfrm>
-          <a:prstGeom prst="line">
-            <a:avLst/>
-          </a:prstGeom>
-          <a:ln w="19050">
-            <a:solidFill>
-              <a:srgbClr val="C00000"/>
-            </a:solidFill>
-            <a:prstDash val="dash"/>
-          </a:ln>
-        </p:spPr>
-        <p:style>
-          <a:lnRef idx="1">
-            <a:schemeClr val="accent1"/>
-          </a:lnRef>
-          <a:fillRef idx="0">
-            <a:schemeClr val="accent1"/>
-          </a:fillRef>
-          <a:effectRef idx="0">
-            <a:schemeClr val="accent1"/>
-          </a:effectRef>
-          <a:fontRef idx="minor">
-            <a:schemeClr val="tx1"/>
-          </a:fontRef>
-        </p:style>
-      </p:cxnSp>
-      <p:sp>
-        <p:nvSpPr>
-          <p:cNvPr id="15" name="Ovale 14"/>
+            <a:r>
+              <a:rPr lang="it-IT" dirty="0" err="1">
+                <a:latin typeface="Palatino Linotype" panose="02040502050505030304" pitchFamily="18" charset="0"/>
+              </a:rPr>
+              <a:t>Entity</a:t>
+            </a:r>
+            <a:endParaRPr lang="en-GB" dirty="0">
+              <a:latin typeface="Palatino Linotype" panose="02040502050505030304" pitchFamily="18" charset="0"/>
+            </a:endParaRPr>
+          </a:p>
+          <a:p>
+            <a:pPr algn="ctr"/>
+            <a:endParaRPr lang="it-IT" dirty="0">
+              <a:latin typeface="Palatino Linotype" panose="02040502050505030304" pitchFamily="18" charset="0"/>
+            </a:endParaRPr>
+          </a:p>
+        </p:txBody>
+      </p:sp>
+      <p:sp>
+        <p:nvSpPr>
+          <p:cNvPr id="15" name="Rettangolo 14"/>
           <p:cNvSpPr/>
           <p:nvPr/>
         </p:nvSpPr>
         <p:spPr>
           <a:xfrm>
-            <a:off x="8679827" y="5128637"/>
-            <a:ext cx="72000" cy="72000"/>
-          </a:xfrm>
-          <a:prstGeom prst="ellipse">
-            <a:avLst/>
-          </a:prstGeom>
-          <a:solidFill>
-            <a:srgbClr val="C00000"/>
-          </a:solidFill>
-          <a:ln>
-            <a:solidFill>
-              <a:srgbClr val="C00000"/>
-            </a:solidFill>
-          </a:ln>
+            <a:off x="8201814" y="4634527"/>
+            <a:ext cx="264695" cy="1330128"/>
+          </a:xfrm>
+          <a:prstGeom prst="rect">
+            <a:avLst/>
+          </a:prstGeom>
         </p:spPr>
         <p:style>
           <a:lnRef idx="2">
-            <a:schemeClr val="accent1">
+            <a:schemeClr val="dk1">
               <a:shade val="50000"/>
             </a:schemeClr>
           </a:lnRef>
           <a:fillRef idx="1">
-            <a:schemeClr val="accent1"/>
+            <a:schemeClr val="dk1"/>
           </a:fillRef>
           <a:effectRef idx="0">
-            <a:schemeClr val="accent1"/>
+            <a:schemeClr val="dk1"/>
           </a:effectRef>
           <a:fontRef idx="minor">
             <a:schemeClr val="lt1"/>
@@ -7292,38 +6732,30 @@
       </p:sp>
       <p:sp>
         <p:nvSpPr>
-          <p:cNvPr id="16" name="Ovale 15"/>
+          <p:cNvPr id="16" name="Rettangolo 15"/>
           <p:cNvSpPr/>
           <p:nvPr/>
         </p:nvSpPr>
         <p:spPr>
           <a:xfrm>
-            <a:off x="8848269" y="6149757"/>
-            <a:ext cx="72000" cy="72000"/>
-          </a:xfrm>
-          <a:prstGeom prst="ellipse">
-            <a:avLst/>
-          </a:prstGeom>
-          <a:solidFill>
-            <a:srgbClr val="C00000"/>
-          </a:solidFill>
-          <a:ln>
-            <a:solidFill>
-              <a:srgbClr val="C00000"/>
-            </a:solidFill>
-          </a:ln>
+            <a:off x="3807994" y="4806569"/>
+            <a:ext cx="264695" cy="986043"/>
+          </a:xfrm>
+          <a:prstGeom prst="rect">
+            <a:avLst/>
+          </a:prstGeom>
         </p:spPr>
         <p:style>
           <a:lnRef idx="2">
-            <a:schemeClr val="accent1">
+            <a:schemeClr val="dk1">
               <a:shade val="50000"/>
             </a:schemeClr>
           </a:lnRef>
           <a:fillRef idx="1">
-            <a:schemeClr val="accent1"/>
+            <a:schemeClr val="dk1"/>
           </a:fillRef>
           <a:effectRef idx="0">
-            <a:schemeClr val="accent1"/>
+            <a:schemeClr val="dk1"/>
           </a:effectRef>
           <a:fontRef idx="minor">
             <a:schemeClr val="lt1"/>
@@ -7338,179 +6770,25 @@
           </a:p>
         </p:txBody>
       </p:sp>
-      <p:sp>
-        <p:nvSpPr>
-          <p:cNvPr id="17" name="Ovale 16"/>
-          <p:cNvSpPr/>
-          <p:nvPr/>
-        </p:nvSpPr>
-        <p:spPr>
-          <a:xfrm>
-            <a:off x="9588210" y="5182786"/>
-            <a:ext cx="72000" cy="72000"/>
-          </a:xfrm>
-          <a:prstGeom prst="ellipse">
-            <a:avLst/>
-          </a:prstGeom>
-          <a:solidFill>
-            <a:srgbClr val="C00000"/>
-          </a:solidFill>
-          <a:ln>
-            <a:solidFill>
-              <a:srgbClr val="C00000"/>
-            </a:solidFill>
-          </a:ln>
-        </p:spPr>
-        <p:style>
-          <a:lnRef idx="2">
-            <a:schemeClr val="accent1">
-              <a:shade val="50000"/>
-            </a:schemeClr>
-          </a:lnRef>
-          <a:fillRef idx="1">
-            <a:schemeClr val="accent1"/>
-          </a:fillRef>
-          <a:effectRef idx="0">
-            <a:schemeClr val="accent1"/>
-          </a:effectRef>
-          <a:fontRef idx="minor">
-            <a:schemeClr val="lt1"/>
-          </a:fontRef>
-        </p:style>
-        <p:txBody>
-          <a:bodyPr rtlCol="0" anchor="ctr"/>
-          <a:lstStyle/>
-          <a:p>
-            <a:pPr algn="ctr"/>
-            <a:endParaRPr lang="en-GB"/>
-          </a:p>
-        </p:txBody>
-      </p:sp>
-      <p:sp>
-        <p:nvSpPr>
-          <p:cNvPr id="18" name="CasellaDiTesto 17"/>
-          <p:cNvSpPr txBox="1"/>
-          <p:nvPr/>
-        </p:nvSpPr>
-        <p:spPr>
-          <a:xfrm>
-            <a:off x="6701589" y="4168113"/>
-            <a:ext cx="5017169" cy="707886"/>
-          </a:xfrm>
-          <a:prstGeom prst="rect">
-            <a:avLst/>
-          </a:prstGeom>
-          <a:noFill/>
-        </p:spPr>
-        <p:txBody>
-          <a:bodyPr wrap="square" rtlCol="0">
-            <a:spAutoFit/>
-          </a:bodyPr>
-          <a:lstStyle/>
-          <a:p>
-            <a:pPr algn="ctr"/>
-            <a:r>
-              <a:rPr lang="it-IT" sz="2000" b="1" dirty="0" err="1">
-                <a:latin typeface="Palatino Linotype" panose="02040502050505030304" pitchFamily="18" charset="0"/>
-              </a:rPr>
-              <a:t>Representation</a:t>
-            </a:r>
-            <a:r>
-              <a:rPr lang="it-IT" sz="2000" b="1" dirty="0">
-                <a:latin typeface="Palatino Linotype" panose="02040502050505030304" pitchFamily="18" charset="0"/>
-              </a:rPr>
-              <a:t> 2</a:t>
-            </a:r>
-            <a:r>
-              <a:rPr lang="it-IT" sz="2000" dirty="0">
-                <a:latin typeface="Palatino Linotype" panose="02040502050505030304" pitchFamily="18" charset="0"/>
-              </a:rPr>
-              <a:t>: </a:t>
-            </a:r>
-            <a:r>
-              <a:rPr lang="it-IT" sz="2000" dirty="0" err="1">
-                <a:latin typeface="Palatino Linotype" panose="02040502050505030304" pitchFamily="18" charset="0"/>
-              </a:rPr>
-              <a:t>coordinates</a:t>
-            </a:r>
-            <a:r>
-              <a:rPr lang="it-IT" sz="2000" dirty="0">
-                <a:latin typeface="Palatino Linotype" panose="02040502050505030304" pitchFamily="18" charset="0"/>
-              </a:rPr>
-              <a:t> of </a:t>
-            </a:r>
-            <a:r>
-              <a:rPr lang="it-IT" sz="2000" dirty="0" err="1">
-                <a:latin typeface="Palatino Linotype" panose="02040502050505030304" pitchFamily="18" charset="0"/>
-              </a:rPr>
-              <a:t>three</a:t>
-            </a:r>
-            <a:r>
-              <a:rPr lang="it-IT" sz="2000" dirty="0">
-                <a:latin typeface="Palatino Linotype" panose="02040502050505030304" pitchFamily="18" charset="0"/>
-              </a:rPr>
-              <a:t> </a:t>
-            </a:r>
-            <a:r>
-              <a:rPr lang="it-IT" sz="2000" dirty="0" err="1">
-                <a:latin typeface="Palatino Linotype" panose="02040502050505030304" pitchFamily="18" charset="0"/>
-              </a:rPr>
-              <a:t>points</a:t>
-            </a:r>
-            <a:r>
-              <a:rPr lang="it-IT" sz="2000" dirty="0">
-                <a:latin typeface="Palatino Linotype" panose="02040502050505030304" pitchFamily="18" charset="0"/>
-              </a:rPr>
-              <a:t> of the </a:t>
-            </a:r>
-            <a:r>
-              <a:rPr lang="it-IT" sz="2000" dirty="0" err="1">
-                <a:latin typeface="Palatino Linotype" panose="02040502050505030304" pitchFamily="18" charset="0"/>
-              </a:rPr>
-              <a:t>circumference</a:t>
-            </a:r>
-            <a:r>
-              <a:rPr lang="it-IT" sz="2000" dirty="0">
-                <a:latin typeface="Palatino Linotype" panose="02040502050505030304" pitchFamily="18" charset="0"/>
-              </a:rPr>
-              <a:t> in a </a:t>
-            </a:r>
-            <a:r>
-              <a:rPr lang="it-IT" sz="2000" dirty="0" err="1">
-                <a:latin typeface="Palatino Linotype" panose="02040502050505030304" pitchFamily="18" charset="0"/>
-              </a:rPr>
-              <a:t>csv</a:t>
-            </a:r>
-            <a:r>
-              <a:rPr lang="it-IT" sz="2000" dirty="0">
-                <a:latin typeface="Palatino Linotype" panose="02040502050505030304" pitchFamily="18" charset="0"/>
-              </a:rPr>
-              <a:t> file</a:t>
-            </a:r>
-            <a:endParaRPr lang="en-GB" sz="2000" dirty="0">
-              <a:latin typeface="Palatino Linotype" panose="02040502050505030304" pitchFamily="18" charset="0"/>
-            </a:endParaRPr>
-          </a:p>
-        </p:txBody>
-      </p:sp>
       <p:cxnSp>
         <p:nvCxnSpPr>
-          <p:cNvPr id="20" name="Connettore 2 19"/>
+          <p:cNvPr id="19" name="Connettore 2 18"/>
           <p:cNvCxnSpPr/>
           <p:nvPr/>
         </p:nvCxnSpPr>
         <p:spPr>
-          <a:xfrm flipV="1">
-            <a:off x="5648826" y="2316080"/>
-            <a:ext cx="1052763" cy="848227"/>
+          <a:xfrm>
+            <a:off x="8515784" y="4770521"/>
+            <a:ext cx="475247" cy="186489"/>
           </a:xfrm>
           <a:prstGeom prst="straightConnector1">
             <a:avLst/>
           </a:prstGeom>
-          <a:ln w="57150">
+          <a:ln w="28575">
             <a:solidFill>
               <a:schemeClr val="tx1"/>
             </a:solidFill>
+            <a:prstDash val="sysDash"/>
             <a:tailEnd type="triangle"/>
           </a:ln>
         </p:spPr>
@@ -7531,22 +6809,23 @@
       </p:cxnSp>
       <p:cxnSp>
         <p:nvCxnSpPr>
-          <p:cNvPr id="21" name="Connettore 2 20"/>
+          <p:cNvPr id="20" name="Connettore 2 19"/>
           <p:cNvCxnSpPr/>
           <p:nvPr/>
         </p:nvCxnSpPr>
         <p:spPr>
-          <a:xfrm>
-            <a:off x="5648826" y="4168114"/>
-            <a:ext cx="1221206" cy="353942"/>
+          <a:xfrm flipH="1">
+            <a:off x="8515784" y="5618747"/>
+            <a:ext cx="423679" cy="232001"/>
           </a:xfrm>
           <a:prstGeom prst="straightConnector1">
             <a:avLst/>
           </a:prstGeom>
-          <a:ln w="57150">
+          <a:ln w="28575">
             <a:solidFill>
               <a:schemeClr val="tx1"/>
             </a:solidFill>
+            <a:prstDash val="sysDash"/>
             <a:tailEnd type="triangle"/>
           </a:ln>
         </p:spPr>
@@ -7567,7 +6846,158 @@
       </p:cxnSp>
       <p:sp>
         <p:nvSpPr>
-          <p:cNvPr id="3" name="Segnaposto numero diapositiva 2"/>
+          <p:cNvPr id="24" name="CasellaDiTesto 23"/>
+          <p:cNvSpPr txBox="1"/>
+          <p:nvPr/>
+        </p:nvSpPr>
+        <p:spPr>
+          <a:xfrm>
+            <a:off x="8835765" y="5269287"/>
+            <a:ext cx="1553076" cy="307777"/>
+          </a:xfrm>
+          <a:prstGeom prst="rect">
+            <a:avLst/>
+          </a:prstGeom>
+          <a:noFill/>
+        </p:spPr>
+        <p:txBody>
+          <a:bodyPr wrap="square" rtlCol="0">
+            <a:spAutoFit/>
+          </a:bodyPr>
+          <a:lstStyle/>
+          <a:p>
+            <a:r>
+              <a:rPr lang="it-IT" sz="1400" dirty="0">
+                <a:solidFill>
+                  <a:schemeClr val="bg1"/>
+                </a:solidFill>
+                <a:latin typeface="Palatino Linotype" panose="02040502050505030304" pitchFamily="18" charset="0"/>
+              </a:rPr>
+              <a:t>(</a:t>
+            </a:r>
+            <a:r>
+              <a:rPr lang="it-IT" sz="1400" dirty="0" err="1">
+                <a:solidFill>
+                  <a:schemeClr val="bg1"/>
+                </a:solidFill>
+                <a:latin typeface="Palatino Linotype" panose="02040502050505030304" pitchFamily="18" charset="0"/>
+              </a:rPr>
+              <a:t>raw</a:t>
+            </a:r>
+            <a:r>
+              <a:rPr lang="it-IT" sz="1400" dirty="0">
+                <a:solidFill>
+                  <a:schemeClr val="bg1"/>
+                </a:solidFill>
+                <a:latin typeface="Palatino Linotype" panose="02040502050505030304" pitchFamily="18" charset="0"/>
+              </a:rPr>
+              <a:t> format)</a:t>
+            </a:r>
+            <a:endParaRPr lang="en-GB" sz="1400" dirty="0">
+              <a:solidFill>
+                <a:schemeClr val="bg1"/>
+              </a:solidFill>
+              <a:latin typeface="Palatino Linotype" panose="02040502050505030304" pitchFamily="18" charset="0"/>
+            </a:endParaRPr>
+          </a:p>
+        </p:txBody>
+      </p:sp>
+      <p:sp>
+        <p:nvSpPr>
+          <p:cNvPr id="25" name="Pentagono regolare 24"/>
+          <p:cNvSpPr/>
+          <p:nvPr/>
+        </p:nvSpPr>
+        <p:spPr>
+          <a:xfrm>
+            <a:off x="5075184" y="5047540"/>
+            <a:ext cx="1957564" cy="876830"/>
+          </a:xfrm>
+          <a:prstGeom prst="pentagon">
+            <a:avLst/>
+          </a:prstGeom>
+          <a:solidFill>
+            <a:srgbClr val="00B050"/>
+          </a:solidFill>
+        </p:spPr>
+        <p:style>
+          <a:lnRef idx="2">
+            <a:schemeClr val="accent1">
+              <a:shade val="50000"/>
+            </a:schemeClr>
+          </a:lnRef>
+          <a:fillRef idx="1">
+            <a:schemeClr val="accent1"/>
+          </a:fillRef>
+          <a:effectRef idx="0">
+            <a:schemeClr val="accent1"/>
+          </a:effectRef>
+          <a:fontRef idx="minor">
+            <a:schemeClr val="lt1"/>
+          </a:fontRef>
+        </p:style>
+        <p:txBody>
+          <a:bodyPr rtlCol="0" anchor="ctr"/>
+          <a:lstStyle/>
+          <a:p>
+            <a:pPr algn="ctr"/>
+            <a:endParaRPr lang="en-GB"/>
+          </a:p>
+        </p:txBody>
+      </p:sp>
+      <p:sp>
+        <p:nvSpPr>
+          <p:cNvPr id="13" name="CasellaDiTesto 12"/>
+          <p:cNvSpPr txBox="1"/>
+          <p:nvPr/>
+        </p:nvSpPr>
+        <p:spPr>
+          <a:xfrm>
+            <a:off x="5075183" y="5180682"/>
+            <a:ext cx="1949116" cy="646331"/>
+          </a:xfrm>
+          <a:prstGeom prst="rect">
+            <a:avLst/>
+          </a:prstGeom>
+          <a:noFill/>
+        </p:spPr>
+        <p:txBody>
+          <a:bodyPr wrap="square" rtlCol="0">
+            <a:spAutoFit/>
+          </a:bodyPr>
+          <a:lstStyle/>
+          <a:p>
+            <a:pPr algn="ctr"/>
+            <a:r>
+              <a:rPr lang="it-IT" dirty="0">
+                <a:solidFill>
+                  <a:schemeClr val="bg1"/>
+                </a:solidFill>
+                <a:latin typeface="Palatino Linotype" panose="02040502050505030304" pitchFamily="18" charset="0"/>
+              </a:rPr>
+              <a:t>Resource </a:t>
+            </a:r>
+            <a:r>
+              <a:rPr lang="it-IT" dirty="0" err="1">
+                <a:solidFill>
+                  <a:schemeClr val="bg1"/>
+                </a:solidFill>
+                <a:latin typeface="Palatino Linotype" panose="02040502050505030304" pitchFamily="18" charset="0"/>
+              </a:rPr>
+              <a:t>representation</a:t>
+            </a:r>
+            <a:endParaRPr lang="en-GB" dirty="0">
+              <a:solidFill>
+                <a:schemeClr val="bg1"/>
+              </a:solidFill>
+              <a:latin typeface="Palatino Linotype" panose="02040502050505030304" pitchFamily="18" charset="0"/>
+            </a:endParaRPr>
+          </a:p>
+        </p:txBody>
+      </p:sp>
+      <p:sp>
+        <p:nvSpPr>
+          <p:cNvPr id="6" name="Segnaposto numero diapositiva 5"/>
           <p:cNvSpPr>
             <a:spLocks noGrp="1"/>
           </p:cNvSpPr>
@@ -7591,7 +7021,7 @@
     </p:spTree>
     <p:extLst>
       <p:ext uri="{BB962C8B-B14F-4D97-AF65-F5344CB8AC3E}">
-        <p14:creationId xmlns:p14="http://schemas.microsoft.com/office/powerpoint/2010/main" val="2761484841"/>
+        <p14:creationId xmlns:p14="http://schemas.microsoft.com/office/powerpoint/2010/main" val="194815998"/>
       </p:ext>
     </p:extLst>
   </p:cSld>
@@ -7634,20 +7064,16 @@
           <a:lstStyle/>
           <a:p>
             <a:r>
+              <a:rPr lang="it-IT" dirty="0" err="1"/>
+              <a:t>Representations</a:t>
+            </a:r>
+            <a:r>
               <a:rPr lang="it-IT" dirty="0"/>
-              <a:t>REST self-</a:t>
+              <a:t>: </a:t>
             </a:r>
             <a:r>
               <a:rPr lang="it-IT" dirty="0" err="1"/>
-              <a:t>descriptive</a:t>
-            </a:r>
-            <a:r>
-              <a:rPr lang="it-IT" dirty="0"/>
-              <a:t> </a:t>
-            </a:r>
-            <a:r>
-              <a:rPr lang="it-IT" dirty="0" err="1"/>
-              <a:t>messages</a:t>
+              <a:t>example</a:t>
             </a:r>
             <a:endParaRPr lang="en-GB" dirty="0"/>
           </a:p>
@@ -7655,32 +7081,27 @@
       </p:sp>
       <p:sp>
         <p:nvSpPr>
-          <p:cNvPr id="4" name="Rettangolo 3"/>
+          <p:cNvPr id="4" name="Ovale 3"/>
           <p:cNvSpPr/>
           <p:nvPr/>
         </p:nvSpPr>
         <p:spPr>
           <a:xfrm>
-            <a:off x="473459" y="3308140"/>
-            <a:ext cx="2225842" cy="1287379"/>
-          </a:xfrm>
-          <a:prstGeom prst="rect">
-            <a:avLst/>
-          </a:prstGeom>
-          <a:ln w="38100">
-            <a:solidFill>
-              <a:srgbClr val="00B050"/>
-            </a:solidFill>
-          </a:ln>
+            <a:off x="428172" y="3164307"/>
+            <a:ext cx="1800000" cy="1800000"/>
+          </a:xfrm>
+          <a:prstGeom prst="ellipse">
+            <a:avLst/>
+          </a:prstGeom>
         </p:spPr>
         <p:style>
-          <a:lnRef idx="2">
+          <a:lnRef idx="1">
             <a:schemeClr val="accent6"/>
           </a:lnRef>
-          <a:fillRef idx="1">
-            <a:schemeClr val="lt1"/>
+          <a:fillRef idx="2">
+            <a:schemeClr val="accent6"/>
           </a:fillRef>
-          <a:effectRef idx="0">
+          <a:effectRef idx="1">
             <a:schemeClr val="accent6"/>
           </a:effectRef>
           <a:fontRef idx="minor">
@@ -7692,13 +7113,51 @@
           <a:lstStyle/>
           <a:p>
             <a:pPr algn="ctr"/>
-            <a:r>
-              <a:rPr lang="it-IT" sz="2800" dirty="0">
-                <a:latin typeface="Palatino Linotype" panose="02040502050505030304" pitchFamily="18" charset="0"/>
-              </a:rPr>
-              <a:t>Client</a:t>
-            </a:r>
-            <a:endParaRPr lang="en-GB" sz="2800" dirty="0">
+            <a:endParaRPr lang="en-GB"/>
+          </a:p>
+        </p:txBody>
+      </p:sp>
+      <p:sp>
+        <p:nvSpPr>
+          <p:cNvPr id="5" name="CasellaDiTesto 4"/>
+          <p:cNvSpPr txBox="1"/>
+          <p:nvPr/>
+        </p:nvSpPr>
+        <p:spPr>
+          <a:xfrm>
+            <a:off x="220215" y="2524154"/>
+            <a:ext cx="2358190" cy="461665"/>
+          </a:xfrm>
+          <a:prstGeom prst="rect">
+            <a:avLst/>
+          </a:prstGeom>
+          <a:noFill/>
+        </p:spPr>
+        <p:txBody>
+          <a:bodyPr wrap="square" rtlCol="0">
+            <a:spAutoFit/>
+          </a:bodyPr>
+          <a:lstStyle/>
+          <a:p>
+            <a:r>
+              <a:rPr lang="it-IT" sz="2400" b="1" dirty="0">
+                <a:latin typeface="Palatino Linotype" panose="02040502050505030304" pitchFamily="18" charset="0"/>
+              </a:rPr>
+              <a:t>Resource</a:t>
+            </a:r>
+            <a:r>
+              <a:rPr lang="it-IT" sz="2400" dirty="0">
+                <a:latin typeface="Palatino Linotype" panose="02040502050505030304" pitchFamily="18" charset="0"/>
+              </a:rPr>
+              <a:t>: </a:t>
+            </a:r>
+            <a:r>
+              <a:rPr lang="it-IT" sz="2400" dirty="0" err="1">
+                <a:latin typeface="Palatino Linotype" panose="02040502050505030304" pitchFamily="18" charset="0"/>
+              </a:rPr>
+              <a:t>circle</a:t>
+            </a:r>
+            <a:endParaRPr lang="en-GB" sz="2400" dirty="0">
               <a:latin typeface="Palatino Linotype" panose="02040502050505030304" pitchFamily="18" charset="0"/>
             </a:endParaRPr>
           </a:p>
@@ -7706,67 +7165,661 @@
       </p:sp>
       <p:sp>
         <p:nvSpPr>
-          <p:cNvPr id="5" name="Rettangolo 4"/>
+          <p:cNvPr id="7" name="CasellaDiTesto 6"/>
+          <p:cNvSpPr txBox="1"/>
+          <p:nvPr/>
+        </p:nvSpPr>
+        <p:spPr>
+          <a:xfrm>
+            <a:off x="6671510" y="1441200"/>
+            <a:ext cx="5077325" cy="1015663"/>
+          </a:xfrm>
+          <a:prstGeom prst="rect">
+            <a:avLst/>
+          </a:prstGeom>
+          <a:noFill/>
+        </p:spPr>
+        <p:txBody>
+          <a:bodyPr wrap="square" rtlCol="0">
+            <a:spAutoFit/>
+          </a:bodyPr>
+          <a:lstStyle/>
+          <a:p>
+            <a:pPr algn="ctr"/>
+            <a:r>
+              <a:rPr lang="it-IT" sz="2000" b="1" dirty="0" err="1">
+                <a:latin typeface="Palatino Linotype" panose="02040502050505030304" pitchFamily="18" charset="0"/>
+              </a:rPr>
+              <a:t>Representation</a:t>
+            </a:r>
+            <a:r>
+              <a:rPr lang="it-IT" sz="2000" b="1" dirty="0">
+                <a:latin typeface="Palatino Linotype" panose="02040502050505030304" pitchFamily="18" charset="0"/>
+              </a:rPr>
+              <a:t> 1:</a:t>
+            </a:r>
+            <a:r>
+              <a:rPr lang="it-IT" sz="2000" dirty="0">
+                <a:latin typeface="Palatino Linotype" panose="02040502050505030304" pitchFamily="18" charset="0"/>
+              </a:rPr>
+              <a:t> </a:t>
+            </a:r>
+            <a:r>
+              <a:rPr lang="it-IT" sz="2000" dirty="0" err="1">
+                <a:latin typeface="Palatino Linotype" panose="02040502050505030304" pitchFamily="18" charset="0"/>
+              </a:rPr>
+              <a:t>one</a:t>
+            </a:r>
+            <a:r>
+              <a:rPr lang="it-IT" sz="2000" dirty="0">
+                <a:latin typeface="Palatino Linotype" panose="02040502050505030304" pitchFamily="18" charset="0"/>
+              </a:rPr>
+              <a:t> </a:t>
+            </a:r>
+            <a:r>
+              <a:rPr lang="it-IT" sz="2000" dirty="0" err="1">
+                <a:latin typeface="Palatino Linotype" panose="02040502050505030304" pitchFamily="18" charset="0"/>
+              </a:rPr>
+              <a:t>point</a:t>
+            </a:r>
+            <a:r>
+              <a:rPr lang="it-IT" sz="2000" dirty="0">
+                <a:latin typeface="Palatino Linotype" panose="02040502050505030304" pitchFamily="18" charset="0"/>
+              </a:rPr>
+              <a:t> for the </a:t>
+            </a:r>
+            <a:r>
+              <a:rPr lang="it-IT" sz="2000" dirty="0" err="1">
+                <a:latin typeface="Palatino Linotype" panose="02040502050505030304" pitchFamily="18" charset="0"/>
+              </a:rPr>
+              <a:t>circle</a:t>
+            </a:r>
+            <a:r>
+              <a:rPr lang="it-IT" sz="2000" dirty="0">
+                <a:latin typeface="Palatino Linotype" panose="02040502050505030304" pitchFamily="18" charset="0"/>
+              </a:rPr>
+              <a:t> center and </a:t>
+            </a:r>
+            <a:r>
+              <a:rPr lang="it-IT" sz="2000" dirty="0" err="1">
+                <a:latin typeface="Palatino Linotype" panose="02040502050505030304" pitchFamily="18" charset="0"/>
+              </a:rPr>
+              <a:t>one</a:t>
+            </a:r>
+            <a:r>
+              <a:rPr lang="it-IT" sz="2000" dirty="0">
+                <a:latin typeface="Palatino Linotype" panose="02040502050505030304" pitchFamily="18" charset="0"/>
+              </a:rPr>
+              <a:t> </a:t>
+            </a:r>
+            <a:r>
+              <a:rPr lang="it-IT" sz="2000" dirty="0" err="1">
+                <a:latin typeface="Palatino Linotype" panose="02040502050505030304" pitchFamily="18" charset="0"/>
+              </a:rPr>
+              <a:t>vector</a:t>
+            </a:r>
+            <a:r>
+              <a:rPr lang="it-IT" sz="2000" dirty="0">
+                <a:latin typeface="Palatino Linotype" panose="02040502050505030304" pitchFamily="18" charset="0"/>
+              </a:rPr>
+              <a:t> for the </a:t>
+            </a:r>
+            <a:r>
+              <a:rPr lang="it-IT" sz="2000" dirty="0" err="1">
+                <a:latin typeface="Palatino Linotype" panose="02040502050505030304" pitchFamily="18" charset="0"/>
+              </a:rPr>
+              <a:t>circle</a:t>
+            </a:r>
+            <a:r>
+              <a:rPr lang="it-IT" sz="2000" dirty="0">
+                <a:latin typeface="Palatino Linotype" panose="02040502050505030304" pitchFamily="18" charset="0"/>
+              </a:rPr>
+              <a:t> </a:t>
+            </a:r>
+            <a:r>
+              <a:rPr lang="it-IT" sz="2000" dirty="0" err="1">
+                <a:latin typeface="Palatino Linotype" panose="02040502050505030304" pitchFamily="18" charset="0"/>
+              </a:rPr>
+              <a:t>radius</a:t>
+            </a:r>
+            <a:r>
+              <a:rPr lang="it-IT" sz="2000" dirty="0">
+                <a:latin typeface="Palatino Linotype" panose="02040502050505030304" pitchFamily="18" charset="0"/>
+              </a:rPr>
+              <a:t> in SVG format</a:t>
+            </a:r>
+            <a:endParaRPr lang="en-GB" sz="2000" dirty="0">
+              <a:latin typeface="Palatino Linotype" panose="02040502050505030304" pitchFamily="18" charset="0"/>
+            </a:endParaRPr>
+          </a:p>
+        </p:txBody>
+      </p:sp>
+      <p:sp>
+        <p:nvSpPr>
+          <p:cNvPr id="8" name="Ovale 7"/>
           <p:cNvSpPr/>
           <p:nvPr/>
         </p:nvSpPr>
         <p:spPr>
           <a:xfrm>
-            <a:off x="9035497" y="2971801"/>
-            <a:ext cx="2225842" cy="2111542"/>
-          </a:xfrm>
-          <a:prstGeom prst="rect">
-            <a:avLst/>
-          </a:prstGeom>
-          <a:ln w="38100">
-            <a:solidFill>
-              <a:srgbClr val="00B050"/>
-            </a:solidFill>
-          </a:ln>
+            <a:off x="3989763" y="3434307"/>
+            <a:ext cx="1260000" cy="1260000"/>
+          </a:xfrm>
+          <a:prstGeom prst="ellipse">
+            <a:avLst/>
+          </a:prstGeom>
         </p:spPr>
         <p:style>
-          <a:lnRef idx="2">
-            <a:schemeClr val="accent6"/>
+          <a:lnRef idx="1">
+            <a:schemeClr val="accent4"/>
           </a:lnRef>
-          <a:fillRef idx="1">
-            <a:schemeClr val="lt1"/>
+          <a:fillRef idx="2">
+            <a:schemeClr val="accent4"/>
           </a:fillRef>
-          <a:effectRef idx="0">
-            <a:schemeClr val="accent6"/>
+          <a:effectRef idx="1">
+            <a:schemeClr val="accent4"/>
           </a:effectRef>
           <a:fontRef idx="minor">
             <a:schemeClr val="dk1"/>
           </a:fontRef>
         </p:style>
         <p:txBody>
-          <a:bodyPr rtlCol="0" anchor="t"/>
+          <a:bodyPr rtlCol="0" anchor="ctr"/>
           <a:lstStyle/>
           <a:p>
             <a:pPr algn="ctr"/>
+            <a:endParaRPr lang="en-GB"/>
+          </a:p>
+        </p:txBody>
+      </p:sp>
+      <p:sp>
+        <p:nvSpPr>
+          <p:cNvPr id="9" name="CasellaDiTesto 8"/>
+          <p:cNvSpPr txBox="1"/>
+          <p:nvPr/>
+        </p:nvSpPr>
+        <p:spPr>
+          <a:xfrm>
+            <a:off x="3377684" y="2524154"/>
+            <a:ext cx="2358190" cy="830997"/>
+          </a:xfrm>
+          <a:prstGeom prst="rect">
+            <a:avLst/>
+          </a:prstGeom>
+          <a:noFill/>
+        </p:spPr>
+        <p:txBody>
+          <a:bodyPr wrap="square" rtlCol="0">
+            <a:spAutoFit/>
+          </a:bodyPr>
+          <a:lstStyle/>
+          <a:p>
+            <a:pPr algn="ctr"/>
+            <a:r>
+              <a:rPr lang="it-IT" sz="2400" b="1" dirty="0" err="1">
+                <a:latin typeface="Palatino Linotype" panose="02040502050505030304" pitchFamily="18" charset="0"/>
+              </a:rPr>
+              <a:t>Entity</a:t>
+            </a:r>
             <a:r>
               <a:rPr lang="it-IT" sz="2400" dirty="0">
                 <a:latin typeface="Palatino Linotype" panose="02040502050505030304" pitchFamily="18" charset="0"/>
               </a:rPr>
-              <a:t>Server</a:t>
-            </a:r>
+              <a:t>: a </a:t>
+            </a:r>
+            <a:r>
+              <a:rPr lang="it-IT" sz="2400" dirty="0" err="1">
+                <a:latin typeface="Palatino Linotype" panose="02040502050505030304" pitchFamily="18" charset="0"/>
+              </a:rPr>
+              <a:t>circle</a:t>
+            </a:r>
+            <a:r>
+              <a:rPr lang="it-IT" sz="2400" dirty="0">
+                <a:latin typeface="Palatino Linotype" panose="02040502050505030304" pitchFamily="18" charset="0"/>
+              </a:rPr>
+              <a:t> </a:t>
+            </a:r>
+            <a:r>
+              <a:rPr lang="it-IT" sz="2400" dirty="0" err="1">
+                <a:latin typeface="Palatino Linotype" panose="02040502050505030304" pitchFamily="18" charset="0"/>
+              </a:rPr>
+              <a:t>realization</a:t>
+            </a:r>
+            <a:endParaRPr lang="en-GB" sz="2400" dirty="0">
+              <a:latin typeface="Palatino Linotype" panose="02040502050505030304" pitchFamily="18" charset="0"/>
+            </a:endParaRPr>
+          </a:p>
+        </p:txBody>
+      </p:sp>
+      <p:sp>
+        <p:nvSpPr>
+          <p:cNvPr id="10" name="Ovale 9"/>
+          <p:cNvSpPr/>
+          <p:nvPr/>
+        </p:nvSpPr>
+        <p:spPr>
+          <a:xfrm>
+            <a:off x="8547038" y="2510291"/>
+            <a:ext cx="1260000" cy="1260000"/>
+          </a:xfrm>
+          <a:prstGeom prst="ellipse">
+            <a:avLst/>
+          </a:prstGeom>
+        </p:spPr>
+        <p:style>
+          <a:lnRef idx="1">
+            <a:schemeClr val="accent4"/>
+          </a:lnRef>
+          <a:fillRef idx="2">
+            <a:schemeClr val="accent4"/>
+          </a:fillRef>
+          <a:effectRef idx="1">
+            <a:schemeClr val="accent4"/>
+          </a:effectRef>
+          <a:fontRef idx="minor">
+            <a:schemeClr val="dk1"/>
+          </a:fontRef>
+        </p:style>
+        <p:txBody>
+          <a:bodyPr rtlCol="0" anchor="ctr"/>
+          <a:lstStyle/>
+          <a:p>
+            <a:pPr algn="ctr"/>
+            <a:endParaRPr lang="en-GB"/>
+          </a:p>
+        </p:txBody>
+      </p:sp>
+      <p:sp>
+        <p:nvSpPr>
+          <p:cNvPr id="11" name="Ovale 10"/>
+          <p:cNvSpPr/>
+          <p:nvPr/>
+        </p:nvSpPr>
+        <p:spPr>
+          <a:xfrm>
+            <a:off x="8504927" y="4979805"/>
+            <a:ext cx="1260000" cy="1260000"/>
+          </a:xfrm>
+          <a:prstGeom prst="ellipse">
+            <a:avLst/>
+          </a:prstGeom>
+        </p:spPr>
+        <p:style>
+          <a:lnRef idx="1">
+            <a:schemeClr val="accent4"/>
+          </a:lnRef>
+          <a:fillRef idx="2">
+            <a:schemeClr val="accent4"/>
+          </a:fillRef>
+          <a:effectRef idx="1">
+            <a:schemeClr val="accent4"/>
+          </a:effectRef>
+          <a:fontRef idx="minor">
+            <a:schemeClr val="dk1"/>
+          </a:fontRef>
+        </p:style>
+        <p:txBody>
+          <a:bodyPr rtlCol="0" anchor="ctr"/>
+          <a:lstStyle/>
+          <a:p>
+            <a:pPr algn="ctr"/>
+            <a:endParaRPr lang="en-GB"/>
+          </a:p>
+        </p:txBody>
+      </p:sp>
+      <p:sp>
+        <p:nvSpPr>
+          <p:cNvPr id="12" name="Ovale 11"/>
+          <p:cNvSpPr/>
+          <p:nvPr/>
+        </p:nvSpPr>
+        <p:spPr>
+          <a:xfrm>
+            <a:off x="9141038" y="3104291"/>
+            <a:ext cx="72000" cy="72000"/>
+          </a:xfrm>
+          <a:prstGeom prst="ellipse">
+            <a:avLst/>
+          </a:prstGeom>
+          <a:solidFill>
+            <a:srgbClr val="C00000"/>
+          </a:solidFill>
+          <a:ln>
+            <a:solidFill>
+              <a:srgbClr val="C00000"/>
+            </a:solidFill>
+          </a:ln>
+        </p:spPr>
+        <p:style>
+          <a:lnRef idx="2">
+            <a:schemeClr val="accent1">
+              <a:shade val="50000"/>
+            </a:schemeClr>
+          </a:lnRef>
+          <a:fillRef idx="1">
+            <a:schemeClr val="accent1"/>
+          </a:fillRef>
+          <a:effectRef idx="0">
+            <a:schemeClr val="accent1"/>
+          </a:effectRef>
+          <a:fontRef idx="minor">
+            <a:schemeClr val="lt1"/>
+          </a:fontRef>
+        </p:style>
+        <p:txBody>
+          <a:bodyPr rtlCol="0" anchor="ctr"/>
+          <a:lstStyle/>
+          <a:p>
+            <a:pPr algn="ctr"/>
+            <a:endParaRPr lang="en-GB"/>
           </a:p>
         </p:txBody>
       </p:sp>
       <p:cxnSp>
         <p:nvCxnSpPr>
-          <p:cNvPr id="6" name="Connettore 2 5"/>
+          <p:cNvPr id="14" name="Connettore diritto 13"/>
+          <p:cNvCxnSpPr>
+            <a:stCxn id="12" idx="7"/>
+            <a:endCxn id="10" idx="7"/>
+          </p:cNvCxnSpPr>
+          <p:nvPr/>
+        </p:nvCxnSpPr>
+        <p:spPr>
+          <a:xfrm flipV="1">
+            <a:off x="9202494" y="2694814"/>
+            <a:ext cx="420021" cy="420021"/>
+          </a:xfrm>
+          <a:prstGeom prst="line">
+            <a:avLst/>
+          </a:prstGeom>
+          <a:ln w="19050">
+            <a:solidFill>
+              <a:srgbClr val="C00000"/>
+            </a:solidFill>
+            <a:prstDash val="dash"/>
+          </a:ln>
+        </p:spPr>
+        <p:style>
+          <a:lnRef idx="1">
+            <a:schemeClr val="accent1"/>
+          </a:lnRef>
+          <a:fillRef idx="0">
+            <a:schemeClr val="accent1"/>
+          </a:fillRef>
+          <a:effectRef idx="0">
+            <a:schemeClr val="accent1"/>
+          </a:effectRef>
+          <a:fontRef idx="minor">
+            <a:schemeClr val="tx1"/>
+          </a:fontRef>
+        </p:style>
+      </p:cxnSp>
+      <p:sp>
+        <p:nvSpPr>
+          <p:cNvPr id="15" name="Ovale 14"/>
+          <p:cNvSpPr/>
+          <p:nvPr/>
+        </p:nvSpPr>
+        <p:spPr>
+          <a:xfrm>
+            <a:off x="8679827" y="5128637"/>
+            <a:ext cx="72000" cy="72000"/>
+          </a:xfrm>
+          <a:prstGeom prst="ellipse">
+            <a:avLst/>
+          </a:prstGeom>
+          <a:solidFill>
+            <a:srgbClr val="C00000"/>
+          </a:solidFill>
+          <a:ln>
+            <a:solidFill>
+              <a:srgbClr val="C00000"/>
+            </a:solidFill>
+          </a:ln>
+        </p:spPr>
+        <p:style>
+          <a:lnRef idx="2">
+            <a:schemeClr val="accent1">
+              <a:shade val="50000"/>
+            </a:schemeClr>
+          </a:lnRef>
+          <a:fillRef idx="1">
+            <a:schemeClr val="accent1"/>
+          </a:fillRef>
+          <a:effectRef idx="0">
+            <a:schemeClr val="accent1"/>
+          </a:effectRef>
+          <a:fontRef idx="minor">
+            <a:schemeClr val="lt1"/>
+          </a:fontRef>
+        </p:style>
+        <p:txBody>
+          <a:bodyPr rtlCol="0" anchor="ctr"/>
+          <a:lstStyle/>
+          <a:p>
+            <a:pPr algn="ctr"/>
+            <a:endParaRPr lang="en-GB"/>
+          </a:p>
+        </p:txBody>
+      </p:sp>
+      <p:sp>
+        <p:nvSpPr>
+          <p:cNvPr id="16" name="Ovale 15"/>
+          <p:cNvSpPr/>
+          <p:nvPr/>
+        </p:nvSpPr>
+        <p:spPr>
+          <a:xfrm>
+            <a:off x="8848269" y="6149757"/>
+            <a:ext cx="72000" cy="72000"/>
+          </a:xfrm>
+          <a:prstGeom prst="ellipse">
+            <a:avLst/>
+          </a:prstGeom>
+          <a:solidFill>
+            <a:srgbClr val="C00000"/>
+          </a:solidFill>
+          <a:ln>
+            <a:solidFill>
+              <a:srgbClr val="C00000"/>
+            </a:solidFill>
+          </a:ln>
+        </p:spPr>
+        <p:style>
+          <a:lnRef idx="2">
+            <a:schemeClr val="accent1">
+              <a:shade val="50000"/>
+            </a:schemeClr>
+          </a:lnRef>
+          <a:fillRef idx="1">
+            <a:schemeClr val="accent1"/>
+          </a:fillRef>
+          <a:effectRef idx="0">
+            <a:schemeClr val="accent1"/>
+          </a:effectRef>
+          <a:fontRef idx="minor">
+            <a:schemeClr val="lt1"/>
+          </a:fontRef>
+        </p:style>
+        <p:txBody>
+          <a:bodyPr rtlCol="0" anchor="ctr"/>
+          <a:lstStyle/>
+          <a:p>
+            <a:pPr algn="ctr"/>
+            <a:endParaRPr lang="en-GB"/>
+          </a:p>
+        </p:txBody>
+      </p:sp>
+      <p:sp>
+        <p:nvSpPr>
+          <p:cNvPr id="17" name="Ovale 16"/>
+          <p:cNvSpPr/>
+          <p:nvPr/>
+        </p:nvSpPr>
+        <p:spPr>
+          <a:xfrm>
+            <a:off x="9588210" y="5182786"/>
+            <a:ext cx="72000" cy="72000"/>
+          </a:xfrm>
+          <a:prstGeom prst="ellipse">
+            <a:avLst/>
+          </a:prstGeom>
+          <a:solidFill>
+            <a:srgbClr val="C00000"/>
+          </a:solidFill>
+          <a:ln>
+            <a:solidFill>
+              <a:srgbClr val="C00000"/>
+            </a:solidFill>
+          </a:ln>
+        </p:spPr>
+        <p:style>
+          <a:lnRef idx="2">
+            <a:schemeClr val="accent1">
+              <a:shade val="50000"/>
+            </a:schemeClr>
+          </a:lnRef>
+          <a:fillRef idx="1">
+            <a:schemeClr val="accent1"/>
+          </a:fillRef>
+          <a:effectRef idx="0">
+            <a:schemeClr val="accent1"/>
+          </a:effectRef>
+          <a:fontRef idx="minor">
+            <a:schemeClr val="lt1"/>
+          </a:fontRef>
+        </p:style>
+        <p:txBody>
+          <a:bodyPr rtlCol="0" anchor="ctr"/>
+          <a:lstStyle/>
+          <a:p>
+            <a:pPr algn="ctr"/>
+            <a:endParaRPr lang="en-GB"/>
+          </a:p>
+        </p:txBody>
+      </p:sp>
+      <p:sp>
+        <p:nvSpPr>
+          <p:cNvPr id="18" name="CasellaDiTesto 17"/>
+          <p:cNvSpPr txBox="1"/>
+          <p:nvPr/>
+        </p:nvSpPr>
+        <p:spPr>
+          <a:xfrm>
+            <a:off x="6701589" y="4168113"/>
+            <a:ext cx="5017169" cy="707886"/>
+          </a:xfrm>
+          <a:prstGeom prst="rect">
+            <a:avLst/>
+          </a:prstGeom>
+          <a:noFill/>
+        </p:spPr>
+        <p:txBody>
+          <a:bodyPr wrap="square" rtlCol="0">
+            <a:spAutoFit/>
+          </a:bodyPr>
+          <a:lstStyle/>
+          <a:p>
+            <a:pPr algn="ctr"/>
+            <a:r>
+              <a:rPr lang="it-IT" sz="2000" b="1" dirty="0" err="1">
+                <a:latin typeface="Palatino Linotype" panose="02040502050505030304" pitchFamily="18" charset="0"/>
+              </a:rPr>
+              <a:t>Representation</a:t>
+            </a:r>
+            <a:r>
+              <a:rPr lang="it-IT" sz="2000" b="1" dirty="0">
+                <a:latin typeface="Palatino Linotype" panose="02040502050505030304" pitchFamily="18" charset="0"/>
+              </a:rPr>
+              <a:t> 2</a:t>
+            </a:r>
+            <a:r>
+              <a:rPr lang="it-IT" sz="2000" dirty="0">
+                <a:latin typeface="Palatino Linotype" panose="02040502050505030304" pitchFamily="18" charset="0"/>
+              </a:rPr>
+              <a:t>: </a:t>
+            </a:r>
+            <a:r>
+              <a:rPr lang="it-IT" sz="2000" dirty="0" err="1">
+                <a:latin typeface="Palatino Linotype" panose="02040502050505030304" pitchFamily="18" charset="0"/>
+              </a:rPr>
+              <a:t>coordinates</a:t>
+            </a:r>
+            <a:r>
+              <a:rPr lang="it-IT" sz="2000" dirty="0">
+                <a:latin typeface="Palatino Linotype" panose="02040502050505030304" pitchFamily="18" charset="0"/>
+              </a:rPr>
+              <a:t> of </a:t>
+            </a:r>
+            <a:r>
+              <a:rPr lang="it-IT" sz="2000" dirty="0" err="1">
+                <a:latin typeface="Palatino Linotype" panose="02040502050505030304" pitchFamily="18" charset="0"/>
+              </a:rPr>
+              <a:t>three</a:t>
+            </a:r>
+            <a:r>
+              <a:rPr lang="it-IT" sz="2000" dirty="0">
+                <a:latin typeface="Palatino Linotype" panose="02040502050505030304" pitchFamily="18" charset="0"/>
+              </a:rPr>
+              <a:t> </a:t>
+            </a:r>
+            <a:r>
+              <a:rPr lang="it-IT" sz="2000" dirty="0" err="1">
+                <a:latin typeface="Palatino Linotype" panose="02040502050505030304" pitchFamily="18" charset="0"/>
+              </a:rPr>
+              <a:t>points</a:t>
+            </a:r>
+            <a:r>
+              <a:rPr lang="it-IT" sz="2000" dirty="0">
+                <a:latin typeface="Palatino Linotype" panose="02040502050505030304" pitchFamily="18" charset="0"/>
+              </a:rPr>
+              <a:t> of the </a:t>
+            </a:r>
+            <a:r>
+              <a:rPr lang="it-IT" sz="2000" dirty="0" err="1">
+                <a:latin typeface="Palatino Linotype" panose="02040502050505030304" pitchFamily="18" charset="0"/>
+              </a:rPr>
+              <a:t>circumference</a:t>
+            </a:r>
+            <a:r>
+              <a:rPr lang="it-IT" sz="2000" dirty="0">
+                <a:latin typeface="Palatino Linotype" panose="02040502050505030304" pitchFamily="18" charset="0"/>
+              </a:rPr>
+              <a:t> in a </a:t>
+            </a:r>
+            <a:r>
+              <a:rPr lang="it-IT" sz="2000" dirty="0" err="1">
+                <a:latin typeface="Palatino Linotype" panose="02040502050505030304" pitchFamily="18" charset="0"/>
+              </a:rPr>
+              <a:t>csv</a:t>
+            </a:r>
+            <a:r>
+              <a:rPr lang="it-IT" sz="2000" dirty="0">
+                <a:latin typeface="Palatino Linotype" panose="02040502050505030304" pitchFamily="18" charset="0"/>
+              </a:rPr>
+              <a:t> file</a:t>
+            </a:r>
+            <a:endParaRPr lang="en-GB" sz="2000" dirty="0">
+              <a:latin typeface="Palatino Linotype" panose="02040502050505030304" pitchFamily="18" charset="0"/>
+            </a:endParaRPr>
+          </a:p>
+        </p:txBody>
+      </p:sp>
+      <p:cxnSp>
+        <p:nvCxnSpPr>
+          <p:cNvPr id="20" name="Connettore 2 19"/>
           <p:cNvCxnSpPr/>
           <p:nvPr/>
         </p:nvCxnSpPr>
         <p:spPr>
-          <a:xfrm>
-            <a:off x="3441031" y="3595773"/>
-            <a:ext cx="4866774" cy="0"/>
+          <a:xfrm flipV="1">
+            <a:off x="5648826" y="2316080"/>
+            <a:ext cx="1052763" cy="848227"/>
           </a:xfrm>
           <a:prstGeom prst="straightConnector1">
             <a:avLst/>
           </a:prstGeom>
-          <a:ln w="28575">
+          <a:ln w="57150">
             <a:solidFill>
               <a:schemeClr val="tx1"/>
             </a:solidFill>
@@ -7790,19 +7843,19 @@
       </p:cxnSp>
       <p:cxnSp>
         <p:nvCxnSpPr>
-          <p:cNvPr id="8" name="Connettore 2 7"/>
+          <p:cNvPr id="21" name="Connettore 2 20"/>
           <p:cNvCxnSpPr/>
           <p:nvPr/>
         </p:nvCxnSpPr>
         <p:spPr>
-          <a:xfrm flipH="1">
-            <a:off x="3441031" y="4351945"/>
-            <a:ext cx="4788000" cy="0"/>
+          <a:xfrm>
+            <a:off x="5648826" y="4168114"/>
+            <a:ext cx="1221206" cy="353942"/>
           </a:xfrm>
           <a:prstGeom prst="straightConnector1">
             <a:avLst/>
           </a:prstGeom>
-          <a:ln w="28575">
+          <a:ln w="57150">
             <a:solidFill>
               <a:schemeClr val="tx1"/>
             </a:solidFill>
@@ -7826,878 +7879,6 @@
       </p:cxnSp>
       <p:sp>
         <p:nvSpPr>
-          <p:cNvPr id="9" name="Ovale 8"/>
-          <p:cNvSpPr/>
-          <p:nvPr/>
-        </p:nvSpPr>
-        <p:spPr>
-          <a:xfrm>
-            <a:off x="9539821" y="3588897"/>
-            <a:ext cx="1217194" cy="877348"/>
-          </a:xfrm>
-          <a:prstGeom prst="ellipse">
-            <a:avLst/>
-          </a:prstGeom>
-          <a:solidFill>
-            <a:srgbClr val="00B050"/>
-          </a:solidFill>
-          <a:ln>
-            <a:solidFill>
-              <a:schemeClr val="tx1"/>
-            </a:solidFill>
-          </a:ln>
-        </p:spPr>
-        <p:style>
-          <a:lnRef idx="2">
-            <a:schemeClr val="accent1">
-              <a:shade val="50000"/>
-            </a:schemeClr>
-          </a:lnRef>
-          <a:fillRef idx="1">
-            <a:schemeClr val="accent1"/>
-          </a:fillRef>
-          <a:effectRef idx="0">
-            <a:schemeClr val="accent1"/>
-          </a:effectRef>
-          <a:fontRef idx="minor">
-            <a:schemeClr val="lt1"/>
-          </a:fontRef>
-        </p:style>
-        <p:txBody>
-          <a:bodyPr rtlCol="0" anchor="ctr"/>
-          <a:lstStyle/>
-          <a:p>
-            <a:pPr algn="ctr"/>
-            <a:r>
-              <a:rPr lang="it-IT" dirty="0" err="1">
-                <a:latin typeface="Palatino Linotype" panose="02040502050505030304" pitchFamily="18" charset="0"/>
-              </a:rPr>
-              <a:t>Entity</a:t>
-            </a:r>
-            <a:endParaRPr lang="en-GB" dirty="0">
-              <a:latin typeface="Palatino Linotype" panose="02040502050505030304" pitchFamily="18" charset="0"/>
-            </a:endParaRPr>
-          </a:p>
-          <a:p>
-            <a:pPr algn="ctr"/>
-            <a:endParaRPr lang="it-IT" dirty="0">
-              <a:latin typeface="Palatino Linotype" panose="02040502050505030304" pitchFamily="18" charset="0"/>
-            </a:endParaRPr>
-          </a:p>
-        </p:txBody>
-      </p:sp>
-      <p:sp>
-        <p:nvSpPr>
-          <p:cNvPr id="10" name="Rettangolo 9"/>
-          <p:cNvSpPr/>
-          <p:nvPr/>
-        </p:nvSpPr>
-        <p:spPr>
-          <a:xfrm>
-            <a:off x="8897421" y="3341133"/>
-            <a:ext cx="264695" cy="1330128"/>
-          </a:xfrm>
-          <a:prstGeom prst="rect">
-            <a:avLst/>
-          </a:prstGeom>
-        </p:spPr>
-        <p:style>
-          <a:lnRef idx="2">
-            <a:schemeClr val="dk1">
-              <a:shade val="50000"/>
-            </a:schemeClr>
-          </a:lnRef>
-          <a:fillRef idx="1">
-            <a:schemeClr val="dk1"/>
-          </a:fillRef>
-          <a:effectRef idx="0">
-            <a:schemeClr val="dk1"/>
-          </a:effectRef>
-          <a:fontRef idx="minor">
-            <a:schemeClr val="lt1"/>
-          </a:fontRef>
-        </p:style>
-        <p:txBody>
-          <a:bodyPr rtlCol="0" anchor="ctr"/>
-          <a:lstStyle/>
-          <a:p>
-            <a:pPr algn="ctr"/>
-            <a:endParaRPr lang="en-GB"/>
-          </a:p>
-        </p:txBody>
-      </p:sp>
-      <p:sp>
-        <p:nvSpPr>
-          <p:cNvPr id="11" name="Rettangolo 10"/>
-          <p:cNvSpPr/>
-          <p:nvPr/>
-        </p:nvSpPr>
-        <p:spPr>
-          <a:xfrm>
-            <a:off x="2566953" y="3437433"/>
-            <a:ext cx="264695" cy="986043"/>
-          </a:xfrm>
-          <a:prstGeom prst="rect">
-            <a:avLst/>
-          </a:prstGeom>
-        </p:spPr>
-        <p:style>
-          <a:lnRef idx="2">
-            <a:schemeClr val="dk1">
-              <a:shade val="50000"/>
-            </a:schemeClr>
-          </a:lnRef>
-          <a:fillRef idx="1">
-            <a:schemeClr val="dk1"/>
-          </a:fillRef>
-          <a:effectRef idx="0">
-            <a:schemeClr val="dk1"/>
-          </a:effectRef>
-          <a:fontRef idx="minor">
-            <a:schemeClr val="lt1"/>
-          </a:fontRef>
-        </p:style>
-        <p:txBody>
-          <a:bodyPr rtlCol="0" anchor="ctr"/>
-          <a:lstStyle/>
-          <a:p>
-            <a:pPr algn="ctr"/>
-            <a:endParaRPr lang="en-GB"/>
-          </a:p>
-        </p:txBody>
-      </p:sp>
-      <p:cxnSp>
-        <p:nvCxnSpPr>
-          <p:cNvPr id="12" name="Connettore 2 11"/>
-          <p:cNvCxnSpPr/>
-          <p:nvPr/>
-        </p:nvCxnSpPr>
-        <p:spPr>
-          <a:xfrm>
-            <a:off x="9211391" y="3477127"/>
-            <a:ext cx="475247" cy="186489"/>
-          </a:xfrm>
-          <a:prstGeom prst="straightConnector1">
-            <a:avLst/>
-          </a:prstGeom>
-          <a:ln w="28575">
-            <a:solidFill>
-              <a:schemeClr val="tx1"/>
-            </a:solidFill>
-            <a:prstDash val="sysDash"/>
-            <a:tailEnd type="triangle"/>
-          </a:ln>
-        </p:spPr>
-        <p:style>
-          <a:lnRef idx="1">
-            <a:schemeClr val="accent1"/>
-          </a:lnRef>
-          <a:fillRef idx="0">
-            <a:schemeClr val="accent1"/>
-          </a:fillRef>
-          <a:effectRef idx="0">
-            <a:schemeClr val="accent1"/>
-          </a:effectRef>
-          <a:fontRef idx="minor">
-            <a:schemeClr val="tx1"/>
-          </a:fontRef>
-        </p:style>
-      </p:cxnSp>
-      <p:cxnSp>
-        <p:nvCxnSpPr>
-          <p:cNvPr id="13" name="Connettore 2 12"/>
-          <p:cNvCxnSpPr/>
-          <p:nvPr/>
-        </p:nvCxnSpPr>
-        <p:spPr>
-          <a:xfrm flipH="1">
-            <a:off x="9211391" y="4325353"/>
-            <a:ext cx="423679" cy="232001"/>
-          </a:xfrm>
-          <a:prstGeom prst="straightConnector1">
-            <a:avLst/>
-          </a:prstGeom>
-          <a:ln w="28575">
-            <a:solidFill>
-              <a:schemeClr val="tx1"/>
-            </a:solidFill>
-            <a:prstDash val="sysDash"/>
-            <a:tailEnd type="triangle"/>
-          </a:ln>
-        </p:spPr>
-        <p:style>
-          <a:lnRef idx="1">
-            <a:schemeClr val="accent1"/>
-          </a:lnRef>
-          <a:fillRef idx="0">
-            <a:schemeClr val="accent1"/>
-          </a:fillRef>
-          <a:effectRef idx="0">
-            <a:schemeClr val="accent1"/>
-          </a:effectRef>
-          <a:fontRef idx="minor">
-            <a:schemeClr val="tx1"/>
-          </a:fontRef>
-        </p:style>
-      </p:cxnSp>
-      <p:sp>
-        <p:nvSpPr>
-          <p:cNvPr id="14" name="CasellaDiTesto 13"/>
-          <p:cNvSpPr txBox="1"/>
-          <p:nvPr/>
-        </p:nvSpPr>
-        <p:spPr>
-          <a:xfrm>
-            <a:off x="9531372" y="3975893"/>
-            <a:ext cx="1553076" cy="307777"/>
-          </a:xfrm>
-          <a:prstGeom prst="rect">
-            <a:avLst/>
-          </a:prstGeom>
-          <a:noFill/>
-        </p:spPr>
-        <p:txBody>
-          <a:bodyPr wrap="square" rtlCol="0">
-            <a:spAutoFit/>
-          </a:bodyPr>
-          <a:lstStyle/>
-          <a:p>
-            <a:r>
-              <a:rPr lang="it-IT" sz="1400" dirty="0">
-                <a:solidFill>
-                  <a:schemeClr val="bg1"/>
-                </a:solidFill>
-                <a:latin typeface="Palatino Linotype" panose="02040502050505030304" pitchFamily="18" charset="0"/>
-              </a:rPr>
-              <a:t>(</a:t>
-            </a:r>
-            <a:r>
-              <a:rPr lang="it-IT" sz="1400" dirty="0" err="1">
-                <a:solidFill>
-                  <a:schemeClr val="bg1"/>
-                </a:solidFill>
-                <a:latin typeface="Palatino Linotype" panose="02040502050505030304" pitchFamily="18" charset="0"/>
-              </a:rPr>
-              <a:t>raw</a:t>
-            </a:r>
-            <a:r>
-              <a:rPr lang="it-IT" sz="1400" dirty="0">
-                <a:solidFill>
-                  <a:schemeClr val="bg1"/>
-                </a:solidFill>
-                <a:latin typeface="Palatino Linotype" panose="02040502050505030304" pitchFamily="18" charset="0"/>
-              </a:rPr>
-              <a:t> format)</a:t>
-            </a:r>
-            <a:endParaRPr lang="en-GB" sz="1400" dirty="0">
-              <a:solidFill>
-                <a:schemeClr val="bg1"/>
-              </a:solidFill>
-              <a:latin typeface="Palatino Linotype" panose="02040502050505030304" pitchFamily="18" charset="0"/>
-            </a:endParaRPr>
-          </a:p>
-        </p:txBody>
-      </p:sp>
-      <p:sp>
-        <p:nvSpPr>
-          <p:cNvPr id="17" name="Rettangolo arrotondato 16"/>
-          <p:cNvSpPr/>
-          <p:nvPr/>
-        </p:nvSpPr>
-        <p:spPr>
-          <a:xfrm>
-            <a:off x="3774689" y="4557354"/>
-            <a:ext cx="4138863" cy="2100055"/>
-          </a:xfrm>
-          <a:prstGeom prst="roundRect">
-            <a:avLst/>
-          </a:prstGeom>
-          <a:solidFill>
-            <a:schemeClr val="bg1"/>
-          </a:solidFill>
-          <a:ln w="19050">
-            <a:solidFill>
-              <a:schemeClr val="tx1"/>
-            </a:solidFill>
-          </a:ln>
-        </p:spPr>
-        <p:style>
-          <a:lnRef idx="2">
-            <a:schemeClr val="accent1">
-              <a:shade val="50000"/>
-            </a:schemeClr>
-          </a:lnRef>
-          <a:fillRef idx="1">
-            <a:schemeClr val="accent1"/>
-          </a:fillRef>
-          <a:effectRef idx="0">
-            <a:schemeClr val="accent1"/>
-          </a:effectRef>
-          <a:fontRef idx="minor">
-            <a:schemeClr val="lt1"/>
-          </a:fontRef>
-        </p:style>
-        <p:txBody>
-          <a:bodyPr rtlCol="0" anchor="t"/>
-          <a:lstStyle/>
-          <a:p>
-            <a:pPr algn="ctr"/>
-            <a:r>
-              <a:rPr lang="it-IT" b="1" dirty="0">
-                <a:solidFill>
-                  <a:schemeClr val="tx1"/>
-                </a:solidFill>
-                <a:latin typeface="Palatino Linotype" panose="02040502050505030304" pitchFamily="18" charset="0"/>
-              </a:rPr>
-              <a:t>REST </a:t>
-            </a:r>
-            <a:r>
-              <a:rPr lang="it-IT" b="1" dirty="0" err="1">
-                <a:solidFill>
-                  <a:schemeClr val="tx1"/>
-                </a:solidFill>
-                <a:latin typeface="Palatino Linotype" panose="02040502050505030304" pitchFamily="18" charset="0"/>
-              </a:rPr>
-              <a:t>response</a:t>
-            </a:r>
-            <a:r>
-              <a:rPr lang="it-IT" b="1" dirty="0">
-                <a:solidFill>
-                  <a:schemeClr val="tx1"/>
-                </a:solidFill>
-                <a:latin typeface="Palatino Linotype" panose="02040502050505030304" pitchFamily="18" charset="0"/>
-              </a:rPr>
-              <a:t> </a:t>
-            </a:r>
-            <a:r>
-              <a:rPr lang="it-IT" b="1" dirty="0" err="1">
-                <a:solidFill>
-                  <a:schemeClr val="tx1"/>
-                </a:solidFill>
-                <a:latin typeface="Palatino Linotype" panose="02040502050505030304" pitchFamily="18" charset="0"/>
-              </a:rPr>
-              <a:t>message</a:t>
-            </a:r>
-            <a:endParaRPr lang="en-GB" b="1" dirty="0">
-              <a:solidFill>
-                <a:schemeClr val="tx1"/>
-              </a:solidFill>
-              <a:latin typeface="Palatino Linotype" panose="02040502050505030304" pitchFamily="18" charset="0"/>
-            </a:endParaRPr>
-          </a:p>
-        </p:txBody>
-      </p:sp>
-      <p:sp>
-        <p:nvSpPr>
-          <p:cNvPr id="18" name="Rettangolo arrotondato 17"/>
-          <p:cNvSpPr/>
-          <p:nvPr/>
-        </p:nvSpPr>
-        <p:spPr>
-          <a:xfrm>
-            <a:off x="3949365" y="5691188"/>
-            <a:ext cx="1852863" cy="843206"/>
-          </a:xfrm>
-          <a:prstGeom prst="roundRect">
-            <a:avLst/>
-          </a:prstGeom>
-          <a:solidFill>
-            <a:schemeClr val="accent6">
-              <a:lumMod val="20000"/>
-              <a:lumOff val="80000"/>
-            </a:schemeClr>
-          </a:solidFill>
-        </p:spPr>
-        <p:style>
-          <a:lnRef idx="2">
-            <a:schemeClr val="dk1"/>
-          </a:lnRef>
-          <a:fillRef idx="1">
-            <a:schemeClr val="lt1"/>
-          </a:fillRef>
-          <a:effectRef idx="0">
-            <a:schemeClr val="dk1"/>
-          </a:effectRef>
-          <a:fontRef idx="minor">
-            <a:schemeClr val="dk1"/>
-          </a:fontRef>
-        </p:style>
-        <p:txBody>
-          <a:bodyPr rtlCol="0" anchor="ctr"/>
-          <a:lstStyle/>
-          <a:p>
-            <a:pPr algn="ctr"/>
-            <a:r>
-              <a:rPr lang="it-IT" sz="1600" dirty="0" err="1">
-                <a:latin typeface="Palatino Linotype" panose="02040502050505030304" pitchFamily="18" charset="0"/>
-              </a:rPr>
-              <a:t>Representation</a:t>
-            </a:r>
-            <a:endParaRPr lang="it-IT" sz="1600" dirty="0">
-              <a:latin typeface="Palatino Linotype" panose="02040502050505030304" pitchFamily="18" charset="0"/>
-            </a:endParaRPr>
-          </a:p>
-          <a:p>
-            <a:pPr algn="ctr"/>
-            <a:r>
-              <a:rPr lang="it-IT" sz="1600" dirty="0">
-                <a:latin typeface="Palatino Linotype" panose="02040502050505030304" pitchFamily="18" charset="0"/>
-              </a:rPr>
-              <a:t>(optional)</a:t>
-            </a:r>
-            <a:endParaRPr lang="en-GB" sz="1600" dirty="0">
-              <a:latin typeface="Palatino Linotype" panose="02040502050505030304" pitchFamily="18" charset="0"/>
-            </a:endParaRPr>
-          </a:p>
-        </p:txBody>
-      </p:sp>
-      <p:sp>
-        <p:nvSpPr>
-          <p:cNvPr id="19" name="Rettangolo arrotondato 18"/>
-          <p:cNvSpPr/>
-          <p:nvPr/>
-        </p:nvSpPr>
-        <p:spPr>
-          <a:xfrm>
-            <a:off x="5913521" y="5691187"/>
-            <a:ext cx="1852863" cy="843207"/>
-          </a:xfrm>
-          <a:prstGeom prst="roundRect">
-            <a:avLst/>
-          </a:prstGeom>
-          <a:solidFill>
-            <a:schemeClr val="accent6">
-              <a:lumMod val="20000"/>
-              <a:lumOff val="80000"/>
-            </a:schemeClr>
-          </a:solidFill>
-        </p:spPr>
-        <p:style>
-          <a:lnRef idx="2">
-            <a:schemeClr val="dk1"/>
-          </a:lnRef>
-          <a:fillRef idx="1">
-            <a:schemeClr val="lt1"/>
-          </a:fillRef>
-          <a:effectRef idx="0">
-            <a:schemeClr val="dk1"/>
-          </a:effectRef>
-          <a:fontRef idx="minor">
-            <a:schemeClr val="dk1"/>
-          </a:fontRef>
-        </p:style>
-        <p:txBody>
-          <a:bodyPr rtlCol="0" anchor="ctr"/>
-          <a:lstStyle/>
-          <a:p>
-            <a:pPr algn="ctr"/>
-            <a:r>
-              <a:rPr lang="it-IT" sz="1600" dirty="0">
-                <a:latin typeface="Palatino Linotype" panose="02040502050505030304" pitchFamily="18" charset="0"/>
-              </a:rPr>
-              <a:t>Resource </a:t>
-            </a:r>
-            <a:r>
-              <a:rPr lang="it-IT" sz="1600" dirty="0" err="1">
-                <a:latin typeface="Palatino Linotype" panose="02040502050505030304" pitchFamily="18" charset="0"/>
-              </a:rPr>
-              <a:t>metadata</a:t>
-            </a:r>
-            <a:r>
-              <a:rPr lang="it-IT" sz="1600" dirty="0">
-                <a:latin typeface="Palatino Linotype" panose="02040502050505030304" pitchFamily="18" charset="0"/>
-              </a:rPr>
-              <a:t> (optional)</a:t>
-            </a:r>
-            <a:endParaRPr lang="en-GB" sz="1600" dirty="0">
-              <a:latin typeface="Palatino Linotype" panose="02040502050505030304" pitchFamily="18" charset="0"/>
-            </a:endParaRPr>
-          </a:p>
-        </p:txBody>
-      </p:sp>
-      <p:sp>
-        <p:nvSpPr>
-          <p:cNvPr id="20" name="Rettangolo arrotondato 19"/>
-          <p:cNvSpPr/>
-          <p:nvPr/>
-        </p:nvSpPr>
-        <p:spPr>
-          <a:xfrm>
-            <a:off x="5093366" y="5072180"/>
-            <a:ext cx="1574133" cy="558599"/>
-          </a:xfrm>
-          <a:prstGeom prst="roundRect">
-            <a:avLst/>
-          </a:prstGeom>
-          <a:solidFill>
-            <a:schemeClr val="accent6">
-              <a:lumMod val="20000"/>
-              <a:lumOff val="80000"/>
-            </a:schemeClr>
-          </a:solidFill>
-        </p:spPr>
-        <p:style>
-          <a:lnRef idx="2">
-            <a:schemeClr val="dk1"/>
-          </a:lnRef>
-          <a:fillRef idx="1">
-            <a:schemeClr val="lt1"/>
-          </a:fillRef>
-          <a:effectRef idx="0">
-            <a:schemeClr val="dk1"/>
-          </a:effectRef>
-          <a:fontRef idx="minor">
-            <a:schemeClr val="dk1"/>
-          </a:fontRef>
-        </p:style>
-        <p:txBody>
-          <a:bodyPr rtlCol="0" anchor="ctr"/>
-          <a:lstStyle/>
-          <a:p>
-            <a:pPr algn="ctr"/>
-            <a:r>
-              <a:rPr lang="it-IT" sz="1600" dirty="0">
-                <a:latin typeface="Palatino Linotype" panose="02040502050505030304" pitchFamily="18" charset="0"/>
-              </a:rPr>
-              <a:t>Control data</a:t>
-            </a:r>
-          </a:p>
-          <a:p>
-            <a:pPr algn="ctr"/>
-            <a:r>
-              <a:rPr lang="it-IT" sz="1600" dirty="0">
-                <a:latin typeface="Palatino Linotype" panose="02040502050505030304" pitchFamily="18" charset="0"/>
-              </a:rPr>
-              <a:t>(</a:t>
-            </a:r>
-            <a:r>
-              <a:rPr lang="it-IT" sz="1600" dirty="0" err="1">
-                <a:latin typeface="Palatino Linotype" panose="02040502050505030304" pitchFamily="18" charset="0"/>
-              </a:rPr>
-              <a:t>mandatory</a:t>
-            </a:r>
-            <a:r>
-              <a:rPr lang="it-IT" sz="1600" dirty="0">
-                <a:latin typeface="Palatino Linotype" panose="02040502050505030304" pitchFamily="18" charset="0"/>
-              </a:rPr>
-              <a:t>)</a:t>
-            </a:r>
-            <a:endParaRPr lang="en-GB" sz="1600" dirty="0">
-              <a:latin typeface="Palatino Linotype" panose="02040502050505030304" pitchFamily="18" charset="0"/>
-            </a:endParaRPr>
-          </a:p>
-        </p:txBody>
-      </p:sp>
-      <p:sp>
-        <p:nvSpPr>
-          <p:cNvPr id="21" name="Rettangolo arrotondato 20"/>
-          <p:cNvSpPr/>
-          <p:nvPr/>
-        </p:nvSpPr>
-        <p:spPr>
-          <a:xfrm>
-            <a:off x="3821246" y="1313892"/>
-            <a:ext cx="4138863" cy="2076473"/>
-          </a:xfrm>
-          <a:prstGeom prst="roundRect">
-            <a:avLst/>
-          </a:prstGeom>
-          <a:solidFill>
-            <a:schemeClr val="bg1"/>
-          </a:solidFill>
-          <a:ln w="19050">
-            <a:solidFill>
-              <a:schemeClr val="tx1"/>
-            </a:solidFill>
-          </a:ln>
-        </p:spPr>
-        <p:style>
-          <a:lnRef idx="2">
-            <a:schemeClr val="accent1">
-              <a:shade val="50000"/>
-            </a:schemeClr>
-          </a:lnRef>
-          <a:fillRef idx="1">
-            <a:schemeClr val="accent1"/>
-          </a:fillRef>
-          <a:effectRef idx="0">
-            <a:schemeClr val="accent1"/>
-          </a:effectRef>
-          <a:fontRef idx="minor">
-            <a:schemeClr val="lt1"/>
-          </a:fontRef>
-        </p:style>
-        <p:txBody>
-          <a:bodyPr rtlCol="0" anchor="t"/>
-          <a:lstStyle/>
-          <a:p>
-            <a:pPr algn="ctr"/>
-            <a:r>
-              <a:rPr lang="it-IT" b="1" dirty="0">
-                <a:solidFill>
-                  <a:schemeClr val="tx1"/>
-                </a:solidFill>
-                <a:latin typeface="Palatino Linotype" panose="02040502050505030304" pitchFamily="18" charset="0"/>
-              </a:rPr>
-              <a:t>REST </a:t>
-            </a:r>
-            <a:r>
-              <a:rPr lang="it-IT" b="1" dirty="0" err="1">
-                <a:solidFill>
-                  <a:schemeClr val="tx1"/>
-                </a:solidFill>
-                <a:latin typeface="Palatino Linotype" panose="02040502050505030304" pitchFamily="18" charset="0"/>
-              </a:rPr>
-              <a:t>request</a:t>
-            </a:r>
-            <a:r>
-              <a:rPr lang="it-IT" b="1" dirty="0">
-                <a:solidFill>
-                  <a:schemeClr val="tx1"/>
-                </a:solidFill>
-                <a:latin typeface="Palatino Linotype" panose="02040502050505030304" pitchFamily="18" charset="0"/>
-              </a:rPr>
-              <a:t> </a:t>
-            </a:r>
-            <a:r>
-              <a:rPr lang="it-IT" b="1" dirty="0" err="1">
-                <a:solidFill>
-                  <a:schemeClr val="tx1"/>
-                </a:solidFill>
-                <a:latin typeface="Palatino Linotype" panose="02040502050505030304" pitchFamily="18" charset="0"/>
-              </a:rPr>
-              <a:t>message</a:t>
-            </a:r>
-            <a:endParaRPr lang="en-GB" b="1" dirty="0">
-              <a:solidFill>
-                <a:schemeClr val="tx1"/>
-              </a:solidFill>
-              <a:latin typeface="Palatino Linotype" panose="02040502050505030304" pitchFamily="18" charset="0"/>
-            </a:endParaRPr>
-          </a:p>
-        </p:txBody>
-      </p:sp>
-      <p:sp>
-        <p:nvSpPr>
-          <p:cNvPr id="22" name="Rettangolo arrotondato 21"/>
-          <p:cNvSpPr/>
-          <p:nvPr/>
-        </p:nvSpPr>
-        <p:spPr>
-          <a:xfrm>
-            <a:off x="5029200" y="2720001"/>
-            <a:ext cx="1852863" cy="623972"/>
-          </a:xfrm>
-          <a:prstGeom prst="roundRect">
-            <a:avLst/>
-          </a:prstGeom>
-          <a:solidFill>
-            <a:schemeClr val="accent6">
-              <a:lumMod val="20000"/>
-              <a:lumOff val="80000"/>
-            </a:schemeClr>
-          </a:solidFill>
-        </p:spPr>
-        <p:style>
-          <a:lnRef idx="2">
-            <a:schemeClr val="dk1"/>
-          </a:lnRef>
-          <a:fillRef idx="1">
-            <a:schemeClr val="lt1"/>
-          </a:fillRef>
-          <a:effectRef idx="0">
-            <a:schemeClr val="dk1"/>
-          </a:effectRef>
-          <a:fontRef idx="minor">
-            <a:schemeClr val="dk1"/>
-          </a:fontRef>
-        </p:style>
-        <p:txBody>
-          <a:bodyPr rtlCol="0" anchor="ctr"/>
-          <a:lstStyle/>
-          <a:p>
-            <a:pPr algn="ctr"/>
-            <a:r>
-              <a:rPr lang="it-IT" sz="1600" dirty="0" err="1">
-                <a:latin typeface="Palatino Linotype" panose="02040502050505030304" pitchFamily="18" charset="0"/>
-              </a:rPr>
-              <a:t>Representation</a:t>
-            </a:r>
-            <a:endParaRPr lang="it-IT" sz="1600" dirty="0">
-              <a:latin typeface="Palatino Linotype" panose="02040502050505030304" pitchFamily="18" charset="0"/>
-            </a:endParaRPr>
-          </a:p>
-          <a:p>
-            <a:pPr algn="ctr"/>
-            <a:r>
-              <a:rPr lang="it-IT" sz="1600" dirty="0">
-                <a:latin typeface="Palatino Linotype" panose="02040502050505030304" pitchFamily="18" charset="0"/>
-              </a:rPr>
-              <a:t>(optional)</a:t>
-            </a:r>
-            <a:endParaRPr lang="en-GB" sz="1600" dirty="0">
-              <a:latin typeface="Palatino Linotype" panose="02040502050505030304" pitchFamily="18" charset="0"/>
-            </a:endParaRPr>
-          </a:p>
-        </p:txBody>
-      </p:sp>
-      <p:sp>
-        <p:nvSpPr>
-          <p:cNvPr id="23" name="Rettangolo arrotondato 22"/>
-          <p:cNvSpPr/>
-          <p:nvPr/>
-        </p:nvSpPr>
-        <p:spPr>
-          <a:xfrm>
-            <a:off x="5835031" y="1806657"/>
-            <a:ext cx="2062847" cy="843206"/>
-          </a:xfrm>
-          <a:prstGeom prst="roundRect">
-            <a:avLst/>
-          </a:prstGeom>
-          <a:solidFill>
-            <a:schemeClr val="accent6">
-              <a:lumMod val="20000"/>
-              <a:lumOff val="80000"/>
-            </a:schemeClr>
-          </a:solidFill>
-        </p:spPr>
-        <p:style>
-          <a:lnRef idx="2">
-            <a:schemeClr val="dk1"/>
-          </a:lnRef>
-          <a:fillRef idx="1">
-            <a:schemeClr val="lt1"/>
-          </a:fillRef>
-          <a:effectRef idx="0">
-            <a:schemeClr val="dk1"/>
-          </a:effectRef>
-          <a:fontRef idx="minor">
-            <a:schemeClr val="dk1"/>
-          </a:fontRef>
-        </p:style>
-        <p:txBody>
-          <a:bodyPr rtlCol="0" anchor="ctr"/>
-          <a:lstStyle/>
-          <a:p>
-            <a:pPr algn="ctr"/>
-            <a:r>
-              <a:rPr lang="it-IT" sz="1600" dirty="0">
-                <a:latin typeface="Palatino Linotype" panose="02040502050505030304" pitchFamily="18" charset="0"/>
-              </a:rPr>
-              <a:t>Resource </a:t>
-            </a:r>
-            <a:r>
-              <a:rPr lang="it-IT" sz="1600" dirty="0" err="1">
-                <a:latin typeface="Palatino Linotype" panose="02040502050505030304" pitchFamily="18" charset="0"/>
-              </a:rPr>
-              <a:t>identifier</a:t>
-            </a:r>
-            <a:endParaRPr lang="it-IT" sz="1600" dirty="0">
-              <a:latin typeface="Palatino Linotype" panose="02040502050505030304" pitchFamily="18" charset="0"/>
-            </a:endParaRPr>
-          </a:p>
-          <a:p>
-            <a:pPr algn="ctr"/>
-            <a:r>
-              <a:rPr lang="it-IT" sz="1600" dirty="0">
-                <a:latin typeface="Palatino Linotype" panose="02040502050505030304" pitchFamily="18" charset="0"/>
-              </a:rPr>
-              <a:t>(</a:t>
-            </a:r>
-            <a:r>
-              <a:rPr lang="it-IT" sz="1600" dirty="0" err="1">
-                <a:latin typeface="Palatino Linotype" panose="02040502050505030304" pitchFamily="18" charset="0"/>
-              </a:rPr>
-              <a:t>mandatory</a:t>
-            </a:r>
-            <a:r>
-              <a:rPr lang="it-IT" sz="1600" dirty="0">
-                <a:latin typeface="Palatino Linotype" panose="02040502050505030304" pitchFamily="18" charset="0"/>
-              </a:rPr>
-              <a:t>)</a:t>
-            </a:r>
-            <a:endParaRPr lang="en-GB" sz="1600" dirty="0">
-              <a:latin typeface="Palatino Linotype" panose="02040502050505030304" pitchFamily="18" charset="0"/>
-            </a:endParaRPr>
-          </a:p>
-        </p:txBody>
-      </p:sp>
-      <p:sp>
-        <p:nvSpPr>
-          <p:cNvPr id="24" name="Rettangolo arrotondato 23"/>
-          <p:cNvSpPr/>
-          <p:nvPr/>
-        </p:nvSpPr>
-        <p:spPr>
-          <a:xfrm>
-            <a:off x="3978875" y="1828719"/>
-            <a:ext cx="1574133" cy="821144"/>
-          </a:xfrm>
-          <a:prstGeom prst="roundRect">
-            <a:avLst/>
-          </a:prstGeom>
-          <a:solidFill>
-            <a:schemeClr val="accent6">
-              <a:lumMod val="20000"/>
-              <a:lumOff val="80000"/>
-            </a:schemeClr>
-          </a:solidFill>
-        </p:spPr>
-        <p:style>
-          <a:lnRef idx="2">
-            <a:schemeClr val="dk1"/>
-          </a:lnRef>
-          <a:fillRef idx="1">
-            <a:schemeClr val="lt1"/>
-          </a:fillRef>
-          <a:effectRef idx="0">
-            <a:schemeClr val="dk1"/>
-          </a:effectRef>
-          <a:fontRef idx="minor">
-            <a:schemeClr val="dk1"/>
-          </a:fontRef>
-        </p:style>
-        <p:txBody>
-          <a:bodyPr rtlCol="0" anchor="ctr"/>
-          <a:lstStyle/>
-          <a:p>
-            <a:pPr algn="ctr"/>
-            <a:r>
-              <a:rPr lang="it-IT" sz="1600" dirty="0">
-                <a:latin typeface="Palatino Linotype" panose="02040502050505030304" pitchFamily="18" charset="0"/>
-              </a:rPr>
-              <a:t>Control data</a:t>
-            </a:r>
-          </a:p>
-          <a:p>
-            <a:pPr algn="ctr"/>
-            <a:r>
-              <a:rPr lang="it-IT" sz="1600" dirty="0">
-                <a:latin typeface="Palatino Linotype" panose="02040502050505030304" pitchFamily="18" charset="0"/>
-              </a:rPr>
-              <a:t>(</a:t>
-            </a:r>
-            <a:r>
-              <a:rPr lang="it-IT" sz="1600" dirty="0" err="1">
-                <a:latin typeface="Palatino Linotype" panose="02040502050505030304" pitchFamily="18" charset="0"/>
-              </a:rPr>
-              <a:t>mandatory</a:t>
-            </a:r>
-            <a:r>
-              <a:rPr lang="it-IT" sz="1600" dirty="0">
-                <a:latin typeface="Palatino Linotype" panose="02040502050505030304" pitchFamily="18" charset="0"/>
-              </a:rPr>
-              <a:t>)</a:t>
-            </a:r>
-            <a:endParaRPr lang="en-GB" sz="1600" dirty="0">
-              <a:latin typeface="Palatino Linotype" panose="02040502050505030304" pitchFamily="18" charset="0"/>
-            </a:endParaRPr>
-          </a:p>
-        </p:txBody>
-      </p:sp>
-      <p:sp>
-        <p:nvSpPr>
           <p:cNvPr id="3" name="Segnaposto numero diapositiva 2"/>
           <p:cNvSpPr>
             <a:spLocks noGrp="1"/>
@@ -8722,7 +7903,7 @@
     </p:spTree>
     <p:extLst>
       <p:ext uri="{BB962C8B-B14F-4D97-AF65-F5344CB8AC3E}">
-        <p14:creationId xmlns:p14="http://schemas.microsoft.com/office/powerpoint/2010/main" val="1812340316"/>
+        <p14:creationId xmlns:p14="http://schemas.microsoft.com/office/powerpoint/2010/main" val="2761484841"/>
       </p:ext>
     </p:extLst>
   </p:cSld>
@@ -8766,6 +7947,1137 @@
           <a:p>
             <a:r>
               <a:rPr lang="it-IT" dirty="0"/>
+              <a:t>REST self-</a:t>
+            </a:r>
+            <a:r>
+              <a:rPr lang="it-IT" dirty="0" err="1"/>
+              <a:t>descriptive</a:t>
+            </a:r>
+            <a:r>
+              <a:rPr lang="it-IT" dirty="0"/>
+              <a:t> </a:t>
+            </a:r>
+            <a:r>
+              <a:rPr lang="it-IT" dirty="0" err="1"/>
+              <a:t>messages</a:t>
+            </a:r>
+            <a:endParaRPr lang="en-GB" dirty="0"/>
+          </a:p>
+        </p:txBody>
+      </p:sp>
+      <p:sp>
+        <p:nvSpPr>
+          <p:cNvPr id="4" name="Rettangolo 3"/>
+          <p:cNvSpPr/>
+          <p:nvPr/>
+        </p:nvSpPr>
+        <p:spPr>
+          <a:xfrm>
+            <a:off x="473459" y="3308140"/>
+            <a:ext cx="2225842" cy="1287379"/>
+          </a:xfrm>
+          <a:prstGeom prst="rect">
+            <a:avLst/>
+          </a:prstGeom>
+          <a:ln w="38100">
+            <a:solidFill>
+              <a:srgbClr val="00B050"/>
+            </a:solidFill>
+          </a:ln>
+        </p:spPr>
+        <p:style>
+          <a:lnRef idx="2">
+            <a:schemeClr val="accent6"/>
+          </a:lnRef>
+          <a:fillRef idx="1">
+            <a:schemeClr val="lt1"/>
+          </a:fillRef>
+          <a:effectRef idx="0">
+            <a:schemeClr val="accent6"/>
+          </a:effectRef>
+          <a:fontRef idx="minor">
+            <a:schemeClr val="dk1"/>
+          </a:fontRef>
+        </p:style>
+        <p:txBody>
+          <a:bodyPr rtlCol="0" anchor="ctr"/>
+          <a:lstStyle/>
+          <a:p>
+            <a:pPr algn="ctr"/>
+            <a:r>
+              <a:rPr lang="it-IT" sz="2800" dirty="0">
+                <a:latin typeface="Palatino Linotype" panose="02040502050505030304" pitchFamily="18" charset="0"/>
+              </a:rPr>
+              <a:t>Client</a:t>
+            </a:r>
+            <a:endParaRPr lang="en-GB" sz="2800" dirty="0">
+              <a:latin typeface="Palatino Linotype" panose="02040502050505030304" pitchFamily="18" charset="0"/>
+            </a:endParaRPr>
+          </a:p>
+        </p:txBody>
+      </p:sp>
+      <p:sp>
+        <p:nvSpPr>
+          <p:cNvPr id="5" name="Rettangolo 4"/>
+          <p:cNvSpPr/>
+          <p:nvPr/>
+        </p:nvSpPr>
+        <p:spPr>
+          <a:xfrm>
+            <a:off x="9035497" y="2971801"/>
+            <a:ext cx="2225842" cy="2111542"/>
+          </a:xfrm>
+          <a:prstGeom prst="rect">
+            <a:avLst/>
+          </a:prstGeom>
+          <a:ln w="38100">
+            <a:solidFill>
+              <a:srgbClr val="00B050"/>
+            </a:solidFill>
+          </a:ln>
+        </p:spPr>
+        <p:style>
+          <a:lnRef idx="2">
+            <a:schemeClr val="accent6"/>
+          </a:lnRef>
+          <a:fillRef idx="1">
+            <a:schemeClr val="lt1"/>
+          </a:fillRef>
+          <a:effectRef idx="0">
+            <a:schemeClr val="accent6"/>
+          </a:effectRef>
+          <a:fontRef idx="minor">
+            <a:schemeClr val="dk1"/>
+          </a:fontRef>
+        </p:style>
+        <p:txBody>
+          <a:bodyPr rtlCol="0" anchor="t"/>
+          <a:lstStyle/>
+          <a:p>
+            <a:pPr algn="ctr"/>
+            <a:r>
+              <a:rPr lang="it-IT" sz="2400" dirty="0">
+                <a:latin typeface="Palatino Linotype" panose="02040502050505030304" pitchFamily="18" charset="0"/>
+              </a:rPr>
+              <a:t>Server</a:t>
+            </a:r>
+          </a:p>
+        </p:txBody>
+      </p:sp>
+      <p:cxnSp>
+        <p:nvCxnSpPr>
+          <p:cNvPr id="6" name="Connettore 2 5"/>
+          <p:cNvCxnSpPr/>
+          <p:nvPr/>
+        </p:nvCxnSpPr>
+        <p:spPr>
+          <a:xfrm>
+            <a:off x="3441031" y="3595773"/>
+            <a:ext cx="4866774" cy="0"/>
+          </a:xfrm>
+          <a:prstGeom prst="straightConnector1">
+            <a:avLst/>
+          </a:prstGeom>
+          <a:ln w="28575">
+            <a:solidFill>
+              <a:schemeClr val="tx1"/>
+            </a:solidFill>
+            <a:tailEnd type="triangle"/>
+          </a:ln>
+        </p:spPr>
+        <p:style>
+          <a:lnRef idx="1">
+            <a:schemeClr val="accent1"/>
+          </a:lnRef>
+          <a:fillRef idx="0">
+            <a:schemeClr val="accent1"/>
+          </a:fillRef>
+          <a:effectRef idx="0">
+            <a:schemeClr val="accent1"/>
+          </a:effectRef>
+          <a:fontRef idx="minor">
+            <a:schemeClr val="tx1"/>
+          </a:fontRef>
+        </p:style>
+      </p:cxnSp>
+      <p:cxnSp>
+        <p:nvCxnSpPr>
+          <p:cNvPr id="8" name="Connettore 2 7"/>
+          <p:cNvCxnSpPr/>
+          <p:nvPr/>
+        </p:nvCxnSpPr>
+        <p:spPr>
+          <a:xfrm flipH="1">
+            <a:off x="3441031" y="4351945"/>
+            <a:ext cx="4788000" cy="0"/>
+          </a:xfrm>
+          <a:prstGeom prst="straightConnector1">
+            <a:avLst/>
+          </a:prstGeom>
+          <a:ln w="28575">
+            <a:solidFill>
+              <a:schemeClr val="tx1"/>
+            </a:solidFill>
+            <a:tailEnd type="triangle"/>
+          </a:ln>
+        </p:spPr>
+        <p:style>
+          <a:lnRef idx="1">
+            <a:schemeClr val="accent1"/>
+          </a:lnRef>
+          <a:fillRef idx="0">
+            <a:schemeClr val="accent1"/>
+          </a:fillRef>
+          <a:effectRef idx="0">
+            <a:schemeClr val="accent1"/>
+          </a:effectRef>
+          <a:fontRef idx="minor">
+            <a:schemeClr val="tx1"/>
+          </a:fontRef>
+        </p:style>
+      </p:cxnSp>
+      <p:sp>
+        <p:nvSpPr>
+          <p:cNvPr id="9" name="Ovale 8"/>
+          <p:cNvSpPr/>
+          <p:nvPr/>
+        </p:nvSpPr>
+        <p:spPr>
+          <a:xfrm>
+            <a:off x="9539821" y="3588897"/>
+            <a:ext cx="1217194" cy="877348"/>
+          </a:xfrm>
+          <a:prstGeom prst="ellipse">
+            <a:avLst/>
+          </a:prstGeom>
+          <a:solidFill>
+            <a:srgbClr val="00B050"/>
+          </a:solidFill>
+          <a:ln>
+            <a:solidFill>
+              <a:schemeClr val="tx1"/>
+            </a:solidFill>
+          </a:ln>
+        </p:spPr>
+        <p:style>
+          <a:lnRef idx="2">
+            <a:schemeClr val="accent1">
+              <a:shade val="50000"/>
+            </a:schemeClr>
+          </a:lnRef>
+          <a:fillRef idx="1">
+            <a:schemeClr val="accent1"/>
+          </a:fillRef>
+          <a:effectRef idx="0">
+            <a:schemeClr val="accent1"/>
+          </a:effectRef>
+          <a:fontRef idx="minor">
+            <a:schemeClr val="lt1"/>
+          </a:fontRef>
+        </p:style>
+        <p:txBody>
+          <a:bodyPr rtlCol="0" anchor="ctr"/>
+          <a:lstStyle/>
+          <a:p>
+            <a:pPr algn="ctr"/>
+            <a:r>
+              <a:rPr lang="it-IT" dirty="0" err="1">
+                <a:latin typeface="Palatino Linotype" panose="02040502050505030304" pitchFamily="18" charset="0"/>
+              </a:rPr>
+              <a:t>Entity</a:t>
+            </a:r>
+            <a:endParaRPr lang="en-GB" dirty="0">
+              <a:latin typeface="Palatino Linotype" panose="02040502050505030304" pitchFamily="18" charset="0"/>
+            </a:endParaRPr>
+          </a:p>
+          <a:p>
+            <a:pPr algn="ctr"/>
+            <a:endParaRPr lang="it-IT" dirty="0">
+              <a:latin typeface="Palatino Linotype" panose="02040502050505030304" pitchFamily="18" charset="0"/>
+            </a:endParaRPr>
+          </a:p>
+        </p:txBody>
+      </p:sp>
+      <p:sp>
+        <p:nvSpPr>
+          <p:cNvPr id="10" name="Rettangolo 9"/>
+          <p:cNvSpPr/>
+          <p:nvPr/>
+        </p:nvSpPr>
+        <p:spPr>
+          <a:xfrm>
+            <a:off x="8897421" y="3341133"/>
+            <a:ext cx="264695" cy="1330128"/>
+          </a:xfrm>
+          <a:prstGeom prst="rect">
+            <a:avLst/>
+          </a:prstGeom>
+        </p:spPr>
+        <p:style>
+          <a:lnRef idx="2">
+            <a:schemeClr val="dk1">
+              <a:shade val="50000"/>
+            </a:schemeClr>
+          </a:lnRef>
+          <a:fillRef idx="1">
+            <a:schemeClr val="dk1"/>
+          </a:fillRef>
+          <a:effectRef idx="0">
+            <a:schemeClr val="dk1"/>
+          </a:effectRef>
+          <a:fontRef idx="minor">
+            <a:schemeClr val="lt1"/>
+          </a:fontRef>
+        </p:style>
+        <p:txBody>
+          <a:bodyPr rtlCol="0" anchor="ctr"/>
+          <a:lstStyle/>
+          <a:p>
+            <a:pPr algn="ctr"/>
+            <a:endParaRPr lang="en-GB"/>
+          </a:p>
+        </p:txBody>
+      </p:sp>
+      <p:sp>
+        <p:nvSpPr>
+          <p:cNvPr id="11" name="Rettangolo 10"/>
+          <p:cNvSpPr/>
+          <p:nvPr/>
+        </p:nvSpPr>
+        <p:spPr>
+          <a:xfrm>
+            <a:off x="2566953" y="3437433"/>
+            <a:ext cx="264695" cy="986043"/>
+          </a:xfrm>
+          <a:prstGeom prst="rect">
+            <a:avLst/>
+          </a:prstGeom>
+        </p:spPr>
+        <p:style>
+          <a:lnRef idx="2">
+            <a:schemeClr val="dk1">
+              <a:shade val="50000"/>
+            </a:schemeClr>
+          </a:lnRef>
+          <a:fillRef idx="1">
+            <a:schemeClr val="dk1"/>
+          </a:fillRef>
+          <a:effectRef idx="0">
+            <a:schemeClr val="dk1"/>
+          </a:effectRef>
+          <a:fontRef idx="minor">
+            <a:schemeClr val="lt1"/>
+          </a:fontRef>
+        </p:style>
+        <p:txBody>
+          <a:bodyPr rtlCol="0" anchor="ctr"/>
+          <a:lstStyle/>
+          <a:p>
+            <a:pPr algn="ctr"/>
+            <a:endParaRPr lang="en-GB"/>
+          </a:p>
+        </p:txBody>
+      </p:sp>
+      <p:cxnSp>
+        <p:nvCxnSpPr>
+          <p:cNvPr id="12" name="Connettore 2 11"/>
+          <p:cNvCxnSpPr/>
+          <p:nvPr/>
+        </p:nvCxnSpPr>
+        <p:spPr>
+          <a:xfrm>
+            <a:off x="9211391" y="3477127"/>
+            <a:ext cx="475247" cy="186489"/>
+          </a:xfrm>
+          <a:prstGeom prst="straightConnector1">
+            <a:avLst/>
+          </a:prstGeom>
+          <a:ln w="28575">
+            <a:solidFill>
+              <a:schemeClr val="tx1"/>
+            </a:solidFill>
+            <a:prstDash val="sysDash"/>
+            <a:tailEnd type="triangle"/>
+          </a:ln>
+        </p:spPr>
+        <p:style>
+          <a:lnRef idx="1">
+            <a:schemeClr val="accent1"/>
+          </a:lnRef>
+          <a:fillRef idx="0">
+            <a:schemeClr val="accent1"/>
+          </a:fillRef>
+          <a:effectRef idx="0">
+            <a:schemeClr val="accent1"/>
+          </a:effectRef>
+          <a:fontRef idx="minor">
+            <a:schemeClr val="tx1"/>
+          </a:fontRef>
+        </p:style>
+      </p:cxnSp>
+      <p:cxnSp>
+        <p:nvCxnSpPr>
+          <p:cNvPr id="13" name="Connettore 2 12"/>
+          <p:cNvCxnSpPr/>
+          <p:nvPr/>
+        </p:nvCxnSpPr>
+        <p:spPr>
+          <a:xfrm flipH="1">
+            <a:off x="9211391" y="4325353"/>
+            <a:ext cx="423679" cy="232001"/>
+          </a:xfrm>
+          <a:prstGeom prst="straightConnector1">
+            <a:avLst/>
+          </a:prstGeom>
+          <a:ln w="28575">
+            <a:solidFill>
+              <a:schemeClr val="tx1"/>
+            </a:solidFill>
+            <a:prstDash val="sysDash"/>
+            <a:tailEnd type="triangle"/>
+          </a:ln>
+        </p:spPr>
+        <p:style>
+          <a:lnRef idx="1">
+            <a:schemeClr val="accent1"/>
+          </a:lnRef>
+          <a:fillRef idx="0">
+            <a:schemeClr val="accent1"/>
+          </a:fillRef>
+          <a:effectRef idx="0">
+            <a:schemeClr val="accent1"/>
+          </a:effectRef>
+          <a:fontRef idx="minor">
+            <a:schemeClr val="tx1"/>
+          </a:fontRef>
+        </p:style>
+      </p:cxnSp>
+      <p:sp>
+        <p:nvSpPr>
+          <p:cNvPr id="14" name="CasellaDiTesto 13"/>
+          <p:cNvSpPr txBox="1"/>
+          <p:nvPr/>
+        </p:nvSpPr>
+        <p:spPr>
+          <a:xfrm>
+            <a:off x="9531372" y="3975893"/>
+            <a:ext cx="1553076" cy="307777"/>
+          </a:xfrm>
+          <a:prstGeom prst="rect">
+            <a:avLst/>
+          </a:prstGeom>
+          <a:noFill/>
+        </p:spPr>
+        <p:txBody>
+          <a:bodyPr wrap="square" rtlCol="0">
+            <a:spAutoFit/>
+          </a:bodyPr>
+          <a:lstStyle/>
+          <a:p>
+            <a:r>
+              <a:rPr lang="it-IT" sz="1400" dirty="0">
+                <a:solidFill>
+                  <a:schemeClr val="bg1"/>
+                </a:solidFill>
+                <a:latin typeface="Palatino Linotype" panose="02040502050505030304" pitchFamily="18" charset="0"/>
+              </a:rPr>
+              <a:t>(</a:t>
+            </a:r>
+            <a:r>
+              <a:rPr lang="it-IT" sz="1400" dirty="0" err="1">
+                <a:solidFill>
+                  <a:schemeClr val="bg1"/>
+                </a:solidFill>
+                <a:latin typeface="Palatino Linotype" panose="02040502050505030304" pitchFamily="18" charset="0"/>
+              </a:rPr>
+              <a:t>raw</a:t>
+            </a:r>
+            <a:r>
+              <a:rPr lang="it-IT" sz="1400" dirty="0">
+                <a:solidFill>
+                  <a:schemeClr val="bg1"/>
+                </a:solidFill>
+                <a:latin typeface="Palatino Linotype" panose="02040502050505030304" pitchFamily="18" charset="0"/>
+              </a:rPr>
+              <a:t> format)</a:t>
+            </a:r>
+            <a:endParaRPr lang="en-GB" sz="1400" dirty="0">
+              <a:solidFill>
+                <a:schemeClr val="bg1"/>
+              </a:solidFill>
+              <a:latin typeface="Palatino Linotype" panose="02040502050505030304" pitchFamily="18" charset="0"/>
+            </a:endParaRPr>
+          </a:p>
+        </p:txBody>
+      </p:sp>
+      <p:sp>
+        <p:nvSpPr>
+          <p:cNvPr id="17" name="Rettangolo arrotondato 16"/>
+          <p:cNvSpPr/>
+          <p:nvPr/>
+        </p:nvSpPr>
+        <p:spPr>
+          <a:xfrm>
+            <a:off x="3774689" y="4557354"/>
+            <a:ext cx="4138863" cy="2100055"/>
+          </a:xfrm>
+          <a:prstGeom prst="roundRect">
+            <a:avLst/>
+          </a:prstGeom>
+          <a:solidFill>
+            <a:schemeClr val="bg1"/>
+          </a:solidFill>
+          <a:ln w="19050">
+            <a:solidFill>
+              <a:schemeClr val="tx1"/>
+            </a:solidFill>
+          </a:ln>
+        </p:spPr>
+        <p:style>
+          <a:lnRef idx="2">
+            <a:schemeClr val="accent1">
+              <a:shade val="50000"/>
+            </a:schemeClr>
+          </a:lnRef>
+          <a:fillRef idx="1">
+            <a:schemeClr val="accent1"/>
+          </a:fillRef>
+          <a:effectRef idx="0">
+            <a:schemeClr val="accent1"/>
+          </a:effectRef>
+          <a:fontRef idx="minor">
+            <a:schemeClr val="lt1"/>
+          </a:fontRef>
+        </p:style>
+        <p:txBody>
+          <a:bodyPr rtlCol="0" anchor="t"/>
+          <a:lstStyle/>
+          <a:p>
+            <a:pPr algn="ctr"/>
+            <a:r>
+              <a:rPr lang="it-IT" b="1" dirty="0">
+                <a:solidFill>
+                  <a:schemeClr val="tx1"/>
+                </a:solidFill>
+                <a:latin typeface="Palatino Linotype" panose="02040502050505030304" pitchFamily="18" charset="0"/>
+              </a:rPr>
+              <a:t>REST </a:t>
+            </a:r>
+            <a:r>
+              <a:rPr lang="it-IT" b="1" dirty="0" err="1">
+                <a:solidFill>
+                  <a:schemeClr val="tx1"/>
+                </a:solidFill>
+                <a:latin typeface="Palatino Linotype" panose="02040502050505030304" pitchFamily="18" charset="0"/>
+              </a:rPr>
+              <a:t>response</a:t>
+            </a:r>
+            <a:r>
+              <a:rPr lang="it-IT" b="1" dirty="0">
+                <a:solidFill>
+                  <a:schemeClr val="tx1"/>
+                </a:solidFill>
+                <a:latin typeface="Palatino Linotype" panose="02040502050505030304" pitchFamily="18" charset="0"/>
+              </a:rPr>
+              <a:t> </a:t>
+            </a:r>
+            <a:r>
+              <a:rPr lang="it-IT" b="1" dirty="0" err="1">
+                <a:solidFill>
+                  <a:schemeClr val="tx1"/>
+                </a:solidFill>
+                <a:latin typeface="Palatino Linotype" panose="02040502050505030304" pitchFamily="18" charset="0"/>
+              </a:rPr>
+              <a:t>message</a:t>
+            </a:r>
+            <a:endParaRPr lang="en-GB" b="1" dirty="0">
+              <a:solidFill>
+                <a:schemeClr val="tx1"/>
+              </a:solidFill>
+              <a:latin typeface="Palatino Linotype" panose="02040502050505030304" pitchFamily="18" charset="0"/>
+            </a:endParaRPr>
+          </a:p>
+        </p:txBody>
+      </p:sp>
+      <p:sp>
+        <p:nvSpPr>
+          <p:cNvPr id="18" name="Rettangolo arrotondato 17"/>
+          <p:cNvSpPr/>
+          <p:nvPr/>
+        </p:nvSpPr>
+        <p:spPr>
+          <a:xfrm>
+            <a:off x="3949365" y="5691188"/>
+            <a:ext cx="1852863" cy="843206"/>
+          </a:xfrm>
+          <a:prstGeom prst="roundRect">
+            <a:avLst/>
+          </a:prstGeom>
+          <a:solidFill>
+            <a:schemeClr val="accent6">
+              <a:lumMod val="20000"/>
+              <a:lumOff val="80000"/>
+            </a:schemeClr>
+          </a:solidFill>
+        </p:spPr>
+        <p:style>
+          <a:lnRef idx="2">
+            <a:schemeClr val="dk1"/>
+          </a:lnRef>
+          <a:fillRef idx="1">
+            <a:schemeClr val="lt1"/>
+          </a:fillRef>
+          <a:effectRef idx="0">
+            <a:schemeClr val="dk1"/>
+          </a:effectRef>
+          <a:fontRef idx="minor">
+            <a:schemeClr val="dk1"/>
+          </a:fontRef>
+        </p:style>
+        <p:txBody>
+          <a:bodyPr rtlCol="0" anchor="ctr"/>
+          <a:lstStyle/>
+          <a:p>
+            <a:pPr algn="ctr"/>
+            <a:r>
+              <a:rPr lang="it-IT" sz="1600" dirty="0" err="1">
+                <a:latin typeface="Palatino Linotype" panose="02040502050505030304" pitchFamily="18" charset="0"/>
+              </a:rPr>
+              <a:t>Representation</a:t>
+            </a:r>
+            <a:endParaRPr lang="it-IT" sz="1600" dirty="0">
+              <a:latin typeface="Palatino Linotype" panose="02040502050505030304" pitchFamily="18" charset="0"/>
+            </a:endParaRPr>
+          </a:p>
+          <a:p>
+            <a:pPr algn="ctr"/>
+            <a:r>
+              <a:rPr lang="it-IT" sz="1600" dirty="0">
+                <a:latin typeface="Palatino Linotype" panose="02040502050505030304" pitchFamily="18" charset="0"/>
+              </a:rPr>
+              <a:t>(optional)</a:t>
+            </a:r>
+            <a:endParaRPr lang="en-GB" sz="1600" dirty="0">
+              <a:latin typeface="Palatino Linotype" panose="02040502050505030304" pitchFamily="18" charset="0"/>
+            </a:endParaRPr>
+          </a:p>
+        </p:txBody>
+      </p:sp>
+      <p:sp>
+        <p:nvSpPr>
+          <p:cNvPr id="19" name="Rettangolo arrotondato 18"/>
+          <p:cNvSpPr/>
+          <p:nvPr/>
+        </p:nvSpPr>
+        <p:spPr>
+          <a:xfrm>
+            <a:off x="5913521" y="5691187"/>
+            <a:ext cx="1852863" cy="843207"/>
+          </a:xfrm>
+          <a:prstGeom prst="roundRect">
+            <a:avLst/>
+          </a:prstGeom>
+          <a:solidFill>
+            <a:schemeClr val="accent6">
+              <a:lumMod val="20000"/>
+              <a:lumOff val="80000"/>
+            </a:schemeClr>
+          </a:solidFill>
+        </p:spPr>
+        <p:style>
+          <a:lnRef idx="2">
+            <a:schemeClr val="dk1"/>
+          </a:lnRef>
+          <a:fillRef idx="1">
+            <a:schemeClr val="lt1"/>
+          </a:fillRef>
+          <a:effectRef idx="0">
+            <a:schemeClr val="dk1"/>
+          </a:effectRef>
+          <a:fontRef idx="minor">
+            <a:schemeClr val="dk1"/>
+          </a:fontRef>
+        </p:style>
+        <p:txBody>
+          <a:bodyPr rtlCol="0" anchor="ctr"/>
+          <a:lstStyle/>
+          <a:p>
+            <a:pPr algn="ctr"/>
+            <a:r>
+              <a:rPr lang="it-IT" sz="1600" dirty="0">
+                <a:latin typeface="Palatino Linotype" panose="02040502050505030304" pitchFamily="18" charset="0"/>
+              </a:rPr>
+              <a:t>Resource </a:t>
+            </a:r>
+            <a:r>
+              <a:rPr lang="it-IT" sz="1600" dirty="0" err="1">
+                <a:latin typeface="Palatino Linotype" panose="02040502050505030304" pitchFamily="18" charset="0"/>
+              </a:rPr>
+              <a:t>metadata</a:t>
+            </a:r>
+            <a:r>
+              <a:rPr lang="it-IT" sz="1600" dirty="0">
+                <a:latin typeface="Palatino Linotype" panose="02040502050505030304" pitchFamily="18" charset="0"/>
+              </a:rPr>
+              <a:t> (optional)</a:t>
+            </a:r>
+            <a:endParaRPr lang="en-GB" sz="1600" dirty="0">
+              <a:latin typeface="Palatino Linotype" panose="02040502050505030304" pitchFamily="18" charset="0"/>
+            </a:endParaRPr>
+          </a:p>
+        </p:txBody>
+      </p:sp>
+      <p:sp>
+        <p:nvSpPr>
+          <p:cNvPr id="20" name="Rettangolo arrotondato 19"/>
+          <p:cNvSpPr/>
+          <p:nvPr/>
+        </p:nvSpPr>
+        <p:spPr>
+          <a:xfrm>
+            <a:off x="5093366" y="5072180"/>
+            <a:ext cx="1574133" cy="558599"/>
+          </a:xfrm>
+          <a:prstGeom prst="roundRect">
+            <a:avLst/>
+          </a:prstGeom>
+          <a:solidFill>
+            <a:schemeClr val="accent6">
+              <a:lumMod val="20000"/>
+              <a:lumOff val="80000"/>
+            </a:schemeClr>
+          </a:solidFill>
+        </p:spPr>
+        <p:style>
+          <a:lnRef idx="2">
+            <a:schemeClr val="dk1"/>
+          </a:lnRef>
+          <a:fillRef idx="1">
+            <a:schemeClr val="lt1"/>
+          </a:fillRef>
+          <a:effectRef idx="0">
+            <a:schemeClr val="dk1"/>
+          </a:effectRef>
+          <a:fontRef idx="minor">
+            <a:schemeClr val="dk1"/>
+          </a:fontRef>
+        </p:style>
+        <p:txBody>
+          <a:bodyPr rtlCol="0" anchor="ctr"/>
+          <a:lstStyle/>
+          <a:p>
+            <a:pPr algn="ctr"/>
+            <a:r>
+              <a:rPr lang="it-IT" sz="1600" dirty="0">
+                <a:latin typeface="Palatino Linotype" panose="02040502050505030304" pitchFamily="18" charset="0"/>
+              </a:rPr>
+              <a:t>Control data</a:t>
+            </a:r>
+          </a:p>
+          <a:p>
+            <a:pPr algn="ctr"/>
+            <a:r>
+              <a:rPr lang="it-IT" sz="1600" dirty="0">
+                <a:latin typeface="Palatino Linotype" panose="02040502050505030304" pitchFamily="18" charset="0"/>
+              </a:rPr>
+              <a:t>(</a:t>
+            </a:r>
+            <a:r>
+              <a:rPr lang="it-IT" sz="1600" dirty="0" err="1">
+                <a:latin typeface="Palatino Linotype" panose="02040502050505030304" pitchFamily="18" charset="0"/>
+              </a:rPr>
+              <a:t>mandatory</a:t>
+            </a:r>
+            <a:r>
+              <a:rPr lang="it-IT" sz="1600" dirty="0">
+                <a:latin typeface="Palatino Linotype" panose="02040502050505030304" pitchFamily="18" charset="0"/>
+              </a:rPr>
+              <a:t>)</a:t>
+            </a:r>
+            <a:endParaRPr lang="en-GB" sz="1600" dirty="0">
+              <a:latin typeface="Palatino Linotype" panose="02040502050505030304" pitchFamily="18" charset="0"/>
+            </a:endParaRPr>
+          </a:p>
+        </p:txBody>
+      </p:sp>
+      <p:sp>
+        <p:nvSpPr>
+          <p:cNvPr id="21" name="Rettangolo arrotondato 20"/>
+          <p:cNvSpPr/>
+          <p:nvPr/>
+        </p:nvSpPr>
+        <p:spPr>
+          <a:xfrm>
+            <a:off x="3821246" y="1313892"/>
+            <a:ext cx="4138863" cy="2076473"/>
+          </a:xfrm>
+          <a:prstGeom prst="roundRect">
+            <a:avLst/>
+          </a:prstGeom>
+          <a:solidFill>
+            <a:schemeClr val="bg1"/>
+          </a:solidFill>
+          <a:ln w="19050">
+            <a:solidFill>
+              <a:schemeClr val="tx1"/>
+            </a:solidFill>
+          </a:ln>
+        </p:spPr>
+        <p:style>
+          <a:lnRef idx="2">
+            <a:schemeClr val="accent1">
+              <a:shade val="50000"/>
+            </a:schemeClr>
+          </a:lnRef>
+          <a:fillRef idx="1">
+            <a:schemeClr val="accent1"/>
+          </a:fillRef>
+          <a:effectRef idx="0">
+            <a:schemeClr val="accent1"/>
+          </a:effectRef>
+          <a:fontRef idx="minor">
+            <a:schemeClr val="lt1"/>
+          </a:fontRef>
+        </p:style>
+        <p:txBody>
+          <a:bodyPr rtlCol="0" anchor="t"/>
+          <a:lstStyle/>
+          <a:p>
+            <a:pPr algn="ctr"/>
+            <a:r>
+              <a:rPr lang="it-IT" b="1" dirty="0">
+                <a:solidFill>
+                  <a:schemeClr val="tx1"/>
+                </a:solidFill>
+                <a:latin typeface="Palatino Linotype" panose="02040502050505030304" pitchFamily="18" charset="0"/>
+              </a:rPr>
+              <a:t>REST </a:t>
+            </a:r>
+            <a:r>
+              <a:rPr lang="it-IT" b="1" dirty="0" err="1">
+                <a:solidFill>
+                  <a:schemeClr val="tx1"/>
+                </a:solidFill>
+                <a:latin typeface="Palatino Linotype" panose="02040502050505030304" pitchFamily="18" charset="0"/>
+              </a:rPr>
+              <a:t>request</a:t>
+            </a:r>
+            <a:r>
+              <a:rPr lang="it-IT" b="1" dirty="0">
+                <a:solidFill>
+                  <a:schemeClr val="tx1"/>
+                </a:solidFill>
+                <a:latin typeface="Palatino Linotype" panose="02040502050505030304" pitchFamily="18" charset="0"/>
+              </a:rPr>
+              <a:t> </a:t>
+            </a:r>
+            <a:r>
+              <a:rPr lang="it-IT" b="1" dirty="0" err="1">
+                <a:solidFill>
+                  <a:schemeClr val="tx1"/>
+                </a:solidFill>
+                <a:latin typeface="Palatino Linotype" panose="02040502050505030304" pitchFamily="18" charset="0"/>
+              </a:rPr>
+              <a:t>message</a:t>
+            </a:r>
+            <a:endParaRPr lang="en-GB" b="1" dirty="0">
+              <a:solidFill>
+                <a:schemeClr val="tx1"/>
+              </a:solidFill>
+              <a:latin typeface="Palatino Linotype" panose="02040502050505030304" pitchFamily="18" charset="0"/>
+            </a:endParaRPr>
+          </a:p>
+        </p:txBody>
+      </p:sp>
+      <p:sp>
+        <p:nvSpPr>
+          <p:cNvPr id="22" name="Rettangolo arrotondato 21"/>
+          <p:cNvSpPr/>
+          <p:nvPr/>
+        </p:nvSpPr>
+        <p:spPr>
+          <a:xfrm>
+            <a:off x="5029200" y="2720001"/>
+            <a:ext cx="1852863" cy="623972"/>
+          </a:xfrm>
+          <a:prstGeom prst="roundRect">
+            <a:avLst/>
+          </a:prstGeom>
+          <a:solidFill>
+            <a:schemeClr val="accent6">
+              <a:lumMod val="20000"/>
+              <a:lumOff val="80000"/>
+            </a:schemeClr>
+          </a:solidFill>
+        </p:spPr>
+        <p:style>
+          <a:lnRef idx="2">
+            <a:schemeClr val="dk1"/>
+          </a:lnRef>
+          <a:fillRef idx="1">
+            <a:schemeClr val="lt1"/>
+          </a:fillRef>
+          <a:effectRef idx="0">
+            <a:schemeClr val="dk1"/>
+          </a:effectRef>
+          <a:fontRef idx="minor">
+            <a:schemeClr val="dk1"/>
+          </a:fontRef>
+        </p:style>
+        <p:txBody>
+          <a:bodyPr rtlCol="0" anchor="ctr"/>
+          <a:lstStyle/>
+          <a:p>
+            <a:pPr algn="ctr"/>
+            <a:r>
+              <a:rPr lang="it-IT" sz="1600" dirty="0" err="1">
+                <a:latin typeface="Palatino Linotype" panose="02040502050505030304" pitchFamily="18" charset="0"/>
+              </a:rPr>
+              <a:t>Representation</a:t>
+            </a:r>
+            <a:endParaRPr lang="it-IT" sz="1600" dirty="0">
+              <a:latin typeface="Palatino Linotype" panose="02040502050505030304" pitchFamily="18" charset="0"/>
+            </a:endParaRPr>
+          </a:p>
+          <a:p>
+            <a:pPr algn="ctr"/>
+            <a:r>
+              <a:rPr lang="it-IT" sz="1600" dirty="0">
+                <a:latin typeface="Palatino Linotype" panose="02040502050505030304" pitchFamily="18" charset="0"/>
+              </a:rPr>
+              <a:t>(optional)</a:t>
+            </a:r>
+            <a:endParaRPr lang="en-GB" sz="1600" dirty="0">
+              <a:latin typeface="Palatino Linotype" panose="02040502050505030304" pitchFamily="18" charset="0"/>
+            </a:endParaRPr>
+          </a:p>
+        </p:txBody>
+      </p:sp>
+      <p:sp>
+        <p:nvSpPr>
+          <p:cNvPr id="23" name="Rettangolo arrotondato 22"/>
+          <p:cNvSpPr/>
+          <p:nvPr/>
+        </p:nvSpPr>
+        <p:spPr>
+          <a:xfrm>
+            <a:off x="5835031" y="1806657"/>
+            <a:ext cx="2062847" cy="843206"/>
+          </a:xfrm>
+          <a:prstGeom prst="roundRect">
+            <a:avLst/>
+          </a:prstGeom>
+          <a:solidFill>
+            <a:schemeClr val="accent6">
+              <a:lumMod val="20000"/>
+              <a:lumOff val="80000"/>
+            </a:schemeClr>
+          </a:solidFill>
+        </p:spPr>
+        <p:style>
+          <a:lnRef idx="2">
+            <a:schemeClr val="dk1"/>
+          </a:lnRef>
+          <a:fillRef idx="1">
+            <a:schemeClr val="lt1"/>
+          </a:fillRef>
+          <a:effectRef idx="0">
+            <a:schemeClr val="dk1"/>
+          </a:effectRef>
+          <a:fontRef idx="minor">
+            <a:schemeClr val="dk1"/>
+          </a:fontRef>
+        </p:style>
+        <p:txBody>
+          <a:bodyPr rtlCol="0" anchor="ctr"/>
+          <a:lstStyle/>
+          <a:p>
+            <a:pPr algn="ctr"/>
+            <a:r>
+              <a:rPr lang="it-IT" sz="1600" dirty="0">
+                <a:latin typeface="Palatino Linotype" panose="02040502050505030304" pitchFamily="18" charset="0"/>
+              </a:rPr>
+              <a:t>Resource </a:t>
+            </a:r>
+            <a:r>
+              <a:rPr lang="it-IT" sz="1600" dirty="0" err="1">
+                <a:latin typeface="Palatino Linotype" panose="02040502050505030304" pitchFamily="18" charset="0"/>
+              </a:rPr>
+              <a:t>identifier</a:t>
+            </a:r>
+            <a:endParaRPr lang="it-IT" sz="1600" dirty="0">
+              <a:latin typeface="Palatino Linotype" panose="02040502050505030304" pitchFamily="18" charset="0"/>
+            </a:endParaRPr>
+          </a:p>
+          <a:p>
+            <a:pPr algn="ctr"/>
+            <a:r>
+              <a:rPr lang="it-IT" sz="1600" dirty="0">
+                <a:latin typeface="Palatino Linotype" panose="02040502050505030304" pitchFamily="18" charset="0"/>
+              </a:rPr>
+              <a:t>(</a:t>
+            </a:r>
+            <a:r>
+              <a:rPr lang="it-IT" sz="1600" dirty="0" err="1">
+                <a:latin typeface="Palatino Linotype" panose="02040502050505030304" pitchFamily="18" charset="0"/>
+              </a:rPr>
+              <a:t>mandatory</a:t>
+            </a:r>
+            <a:r>
+              <a:rPr lang="it-IT" sz="1600" dirty="0">
+                <a:latin typeface="Palatino Linotype" panose="02040502050505030304" pitchFamily="18" charset="0"/>
+              </a:rPr>
+              <a:t>)</a:t>
+            </a:r>
+            <a:endParaRPr lang="en-GB" sz="1600" dirty="0">
+              <a:latin typeface="Palatino Linotype" panose="02040502050505030304" pitchFamily="18" charset="0"/>
+            </a:endParaRPr>
+          </a:p>
+        </p:txBody>
+      </p:sp>
+      <p:sp>
+        <p:nvSpPr>
+          <p:cNvPr id="24" name="Rettangolo arrotondato 23"/>
+          <p:cNvSpPr/>
+          <p:nvPr/>
+        </p:nvSpPr>
+        <p:spPr>
+          <a:xfrm>
+            <a:off x="3978875" y="1828719"/>
+            <a:ext cx="1574133" cy="821144"/>
+          </a:xfrm>
+          <a:prstGeom prst="roundRect">
+            <a:avLst/>
+          </a:prstGeom>
+          <a:solidFill>
+            <a:schemeClr val="accent6">
+              <a:lumMod val="20000"/>
+              <a:lumOff val="80000"/>
+            </a:schemeClr>
+          </a:solidFill>
+        </p:spPr>
+        <p:style>
+          <a:lnRef idx="2">
+            <a:schemeClr val="dk1"/>
+          </a:lnRef>
+          <a:fillRef idx="1">
+            <a:schemeClr val="lt1"/>
+          </a:fillRef>
+          <a:effectRef idx="0">
+            <a:schemeClr val="dk1"/>
+          </a:effectRef>
+          <a:fontRef idx="minor">
+            <a:schemeClr val="dk1"/>
+          </a:fontRef>
+        </p:style>
+        <p:txBody>
+          <a:bodyPr rtlCol="0" anchor="ctr"/>
+          <a:lstStyle/>
+          <a:p>
+            <a:pPr algn="ctr"/>
+            <a:r>
+              <a:rPr lang="it-IT" sz="1600" dirty="0">
+                <a:latin typeface="Palatino Linotype" panose="02040502050505030304" pitchFamily="18" charset="0"/>
+              </a:rPr>
+              <a:t>Control data</a:t>
+            </a:r>
+          </a:p>
+          <a:p>
+            <a:pPr algn="ctr"/>
+            <a:r>
+              <a:rPr lang="it-IT" sz="1600" dirty="0">
+                <a:latin typeface="Palatino Linotype" panose="02040502050505030304" pitchFamily="18" charset="0"/>
+              </a:rPr>
+              <a:t>(</a:t>
+            </a:r>
+            <a:r>
+              <a:rPr lang="it-IT" sz="1600" dirty="0" err="1">
+                <a:latin typeface="Palatino Linotype" panose="02040502050505030304" pitchFamily="18" charset="0"/>
+              </a:rPr>
+              <a:t>mandatory</a:t>
+            </a:r>
+            <a:r>
+              <a:rPr lang="it-IT" sz="1600" dirty="0">
+                <a:latin typeface="Palatino Linotype" panose="02040502050505030304" pitchFamily="18" charset="0"/>
+              </a:rPr>
+              <a:t>)</a:t>
+            </a:r>
+            <a:endParaRPr lang="en-GB" sz="1600" dirty="0">
+              <a:latin typeface="Palatino Linotype" panose="02040502050505030304" pitchFamily="18" charset="0"/>
+            </a:endParaRPr>
+          </a:p>
+        </p:txBody>
+      </p:sp>
+      <p:sp>
+        <p:nvSpPr>
+          <p:cNvPr id="3" name="Segnaposto numero diapositiva 2"/>
+          <p:cNvSpPr>
+            <a:spLocks noGrp="1"/>
+          </p:cNvSpPr>
+          <p:nvPr>
+            <p:ph type="sldNum" sz="quarter" idx="12"/>
+          </p:nvPr>
+        </p:nvSpPr>
+        <p:spPr/>
+        <p:txBody>
+          <a:bodyPr/>
+          <a:lstStyle/>
+          <a:p>
+            <a:fld id="{31DE2C5B-556E-47B8-A792-024C2FCA4ACC}" type="slidenum">
+              <a:rPr lang="en-GB" smtClean="0"/>
+              <a:t>22</a:t>
+            </a:fld>
+            <a:endParaRPr lang="en-GB"/>
+          </a:p>
+        </p:txBody>
+      </p:sp>
+    </p:spTree>
+    <p:extLst>
+      <p:ext uri="{BB962C8B-B14F-4D97-AF65-F5344CB8AC3E}">
+        <p14:creationId xmlns:p14="http://schemas.microsoft.com/office/powerpoint/2010/main" val="1812340316"/>
+      </p:ext>
+    </p:extLst>
+  </p:cSld>
+  <p:clrMapOvr>
+    <a:masterClrMapping/>
+  </p:clrMapOvr>
+</p:sld>
+</file>
+
+<file path=ppt/slides/slide23.xml><?xml version="1.0" encoding="utf-8"?>
+<p:sld xmlns:a="http://schemas.openxmlformats.org/drawingml/2006/main" xmlns:r="http://schemas.openxmlformats.org/officeDocument/2006/relationships" xmlns:p="http://schemas.openxmlformats.org/presentationml/2006/main">
+  <p:cSld>
+    <p:spTree>
+      <p:nvGrpSpPr>
+        <p:cNvPr id="1" name=""/>
+        <p:cNvGrpSpPr/>
+        <p:nvPr/>
+      </p:nvGrpSpPr>
+      <p:grpSpPr>
+        <a:xfrm>
+          <a:off x="0" y="0"/>
+          <a:ext cx="0" cy="0"/>
+          <a:chOff x="0" y="0"/>
+          <a:chExt cx="0" cy="0"/>
+        </a:xfrm>
+      </p:grpSpPr>
+      <p:sp>
+        <p:nvSpPr>
+          <p:cNvPr id="2" name="Titolo 1"/>
+          <p:cNvSpPr>
+            <a:spLocks noGrp="1"/>
+          </p:cNvSpPr>
+          <p:nvPr>
+            <p:ph type="title"/>
+          </p:nvPr>
+        </p:nvSpPr>
+        <p:spPr/>
+        <p:txBody>
+          <a:bodyPr/>
+          <a:lstStyle/>
+          <a:p>
+            <a:r>
+              <a:rPr lang="it-IT" dirty="0"/>
               <a:t>Resource </a:t>
             </a:r>
             <a:r>
@@ -8945,7 +9257,7 @@
           <a:p>
             <a:fld id="{31DE2C5B-556E-47B8-A792-024C2FCA4ACC}" type="slidenum">
               <a:rPr lang="en-GB" smtClean="0"/>
-              <a:t>22</a:t>
+              <a:t>23</a:t>
             </a:fld>
             <a:endParaRPr lang="en-GB"/>
           </a:p>
@@ -8964,7 +9276,7 @@
 </p:sld>
 </file>
 
-<file path=ppt/slides/slide23.xml><?xml version="1.0" encoding="utf-8"?>
+<file path=ppt/slides/slide24.xml><?xml version="1.0" encoding="utf-8"?>
 <p:sld xmlns:a="http://schemas.openxmlformats.org/drawingml/2006/main" xmlns:r="http://schemas.openxmlformats.org/officeDocument/2006/relationships" xmlns:p="http://schemas.openxmlformats.org/presentationml/2006/main">
   <p:cSld>
     <p:spTree>
@@ -9626,7 +9938,7 @@
           <a:p>
             <a:fld id="{31DE2C5B-556E-47B8-A792-024C2FCA4ACC}" type="slidenum">
               <a:rPr lang="en-GB" smtClean="0"/>
-              <a:t>23</a:t>
+              <a:t>24</a:t>
             </a:fld>
             <a:endParaRPr lang="en-GB"/>
           </a:p>
@@ -9645,7 +9957,7 @@
 </p:sld>
 </file>
 
-<file path=ppt/slides/slide24.xml><?xml version="1.0" encoding="utf-8"?>
+<file path=ppt/slides/slide25.xml><?xml version="1.0" encoding="utf-8"?>
 <p:sld xmlns:a="http://schemas.openxmlformats.org/drawingml/2006/main" xmlns:r="http://schemas.openxmlformats.org/officeDocument/2006/relationships" xmlns:p="http://schemas.openxmlformats.org/presentationml/2006/main">
   <p:cSld>
     <p:spTree>
@@ -9734,7 +10046,7 @@
           <a:p>
             <a:fld id="{31DE2C5B-556E-47B8-A792-024C2FCA4ACC}" type="slidenum">
               <a:rPr lang="en-GB" smtClean="0"/>
-              <a:t>24</a:t>
+              <a:t>25</a:t>
             </a:fld>
             <a:endParaRPr lang="en-GB"/>
           </a:p>
